--- a/CSM_2015_r.pptx
+++ b/CSM_2015_r.pptx
@@ -12,17 +12,17 @@
   </p:handoutMasterIdLst>
   <p:sldIdLst>
     <p:sldId id="256" r:id="rId2"/>
-    <p:sldId id="258" r:id="rId3"/>
-    <p:sldId id="264" r:id="rId4"/>
-    <p:sldId id="262" r:id="rId5"/>
-    <p:sldId id="259" r:id="rId6"/>
-    <p:sldId id="260" r:id="rId7"/>
-    <p:sldId id="261" r:id="rId8"/>
-    <p:sldId id="265" r:id="rId9"/>
-    <p:sldId id="266" r:id="rId10"/>
-    <p:sldId id="267" r:id="rId11"/>
-    <p:sldId id="271" r:id="rId12"/>
-    <p:sldId id="273" r:id="rId13"/>
+    <p:sldId id="274" r:id="rId3"/>
+    <p:sldId id="258" r:id="rId4"/>
+    <p:sldId id="264" r:id="rId5"/>
+    <p:sldId id="262" r:id="rId6"/>
+    <p:sldId id="259" r:id="rId7"/>
+    <p:sldId id="260" r:id="rId8"/>
+    <p:sldId id="261" r:id="rId9"/>
+    <p:sldId id="265" r:id="rId10"/>
+    <p:sldId id="266" r:id="rId11"/>
+    <p:sldId id="267" r:id="rId12"/>
+    <p:sldId id="271" r:id="rId13"/>
   </p:sldIdLst>
   <p:sldSz cx="9144000" cy="6858000" type="screen4x3"/>
   <p:notesSz cx="6858000" cy="9144000"/>
@@ -206,7 +206,7 @@
           <a:p>
             <a:fld id="{55E08724-8AEE-D949-9A13-43D1317417AC}" type="datetimeFigureOut">
               <a:rPr lang="en-US" smtClean="0"/>
-              <a:t>15-06-16</a:t>
+              <a:t>15-06-17</a:t>
             </a:fld>
             <a:endParaRPr lang="en-US"/>
           </a:p>
@@ -372,7 +372,7 @@
           <a:p>
             <a:fld id="{EA445040-EE9F-124C-AF68-168533E31DB3}" type="datetimeFigureOut">
               <a:rPr lang="en-US" smtClean="0"/>
-              <a:t>15-06-16</a:t>
+              <a:t>15-06-17</a:t>
             </a:fld>
             <a:endParaRPr lang="en-US"/>
           </a:p>
@@ -714,7 +714,7 @@
           <a:p>
             <a:fld id="{D77E9768-2E6B-C24C-B30C-4F9A3851CD3F}" type="slidenum">
               <a:rPr lang="en-US" smtClean="0"/>
-              <a:t>2</a:t>
+              <a:t>3</a:t>
             </a:fld>
             <a:endParaRPr lang="en-US"/>
           </a:p>
@@ -806,98 +806,6 @@
           <a:p>
             <a:fld id="{D77E9768-2E6B-C24C-B30C-4F9A3851CD3F}" type="slidenum">
               <a:rPr lang="en-US" smtClean="0"/>
-              <a:t>11</a:t>
-            </a:fld>
-            <a:endParaRPr lang="en-US"/>
-          </a:p>
-        </p:txBody>
-      </p:sp>
-    </p:spTree>
-    <p:extLst>
-      <p:ext uri="{BB962C8B-B14F-4D97-AF65-F5344CB8AC3E}">
-        <p14:creationId xmlns:p14="http://schemas.microsoft.com/office/powerpoint/2010/main" val="9680581"/>
-      </p:ext>
-    </p:extLst>
-  </p:cSld>
-  <p:clrMapOvr>
-    <a:masterClrMapping/>
-  </p:clrMapOvr>
-</p:notes>
-</file>
-
-<file path=ppt/notesSlides/notesSlide11.xml><?xml version="1.0" encoding="utf-8"?>
-<p:notes xmlns:a="http://schemas.openxmlformats.org/drawingml/2006/main" xmlns:r="http://schemas.openxmlformats.org/officeDocument/2006/relationships" xmlns:p="http://schemas.openxmlformats.org/presentationml/2006/main">
-  <p:cSld>
-    <p:spTree>
-      <p:nvGrpSpPr>
-        <p:cNvPr id="1" name=""/>
-        <p:cNvGrpSpPr/>
-        <p:nvPr/>
-      </p:nvGrpSpPr>
-      <p:grpSpPr>
-        <a:xfrm>
-          <a:off x="0" y="0"/>
-          <a:ext cx="0" cy="0"/>
-          <a:chOff x="0" y="0"/>
-          <a:chExt cx="0" cy="0"/>
-        </a:xfrm>
-      </p:grpSpPr>
-      <p:sp>
-        <p:nvSpPr>
-          <p:cNvPr id="2" name="Slide Image Placeholder 1"/>
-          <p:cNvSpPr>
-            <a:spLocks noGrp="1" noRot="1" noChangeAspect="1"/>
-          </p:cNvSpPr>
-          <p:nvPr>
-            <p:ph type="sldImg"/>
-          </p:nvPr>
-        </p:nvSpPr>
-        <p:spPr/>
-      </p:sp>
-      <p:sp>
-        <p:nvSpPr>
-          <p:cNvPr id="3" name="Notes Placeholder 2"/>
-          <p:cNvSpPr>
-            <a:spLocks noGrp="1"/>
-          </p:cNvSpPr>
-          <p:nvPr>
-            <p:ph type="body" idx="1"/>
-          </p:nvPr>
-        </p:nvSpPr>
-        <p:spPr/>
-        <p:txBody>
-          <a:bodyPr/>
-          <a:lstStyle/>
-          <a:p>
-            <a:r>
-              <a:rPr lang="en-US" dirty="0" smtClean="0"/>
-              <a:t>Many more</a:t>
-            </a:r>
-            <a:r>
-              <a:rPr lang="en-US" baseline="0" dirty="0" smtClean="0"/>
-              <a:t> fragments than we can count</a:t>
-            </a:r>
-            <a:endParaRPr lang="en-US" dirty="0"/>
-          </a:p>
-        </p:txBody>
-      </p:sp>
-      <p:sp>
-        <p:nvSpPr>
-          <p:cNvPr id="4" name="Slide Number Placeholder 3"/>
-          <p:cNvSpPr>
-            <a:spLocks noGrp="1"/>
-          </p:cNvSpPr>
-          <p:nvPr>
-            <p:ph type="sldNum" sz="quarter" idx="10"/>
-          </p:nvPr>
-        </p:nvSpPr>
-        <p:spPr/>
-        <p:txBody>
-          <a:bodyPr/>
-          <a:lstStyle/>
-          <a:p>
-            <a:fld id="{D77E9768-2E6B-C24C-B30C-4F9A3851CD3F}" type="slidenum">
-              <a:rPr lang="en-US" smtClean="0"/>
               <a:t>12</a:t>
             </a:fld>
             <a:endParaRPr lang="en-US"/>
@@ -990,7 +898,7 @@
           <a:p>
             <a:fld id="{D77E9768-2E6B-C24C-B30C-4F9A3851CD3F}" type="slidenum">
               <a:rPr lang="en-US" smtClean="0"/>
-              <a:t>3</a:t>
+              <a:t>4</a:t>
             </a:fld>
             <a:endParaRPr lang="en-US"/>
           </a:p>
@@ -1082,7 +990,7 @@
           <a:p>
             <a:fld id="{D77E9768-2E6B-C24C-B30C-4F9A3851CD3F}" type="slidenum">
               <a:rPr lang="en-US" smtClean="0"/>
-              <a:t>4</a:t>
+              <a:t>5</a:t>
             </a:fld>
             <a:endParaRPr lang="en-US"/>
           </a:p>
@@ -1174,7 +1082,7 @@
           <a:p>
             <a:fld id="{D77E9768-2E6B-C24C-B30C-4F9A3851CD3F}" type="slidenum">
               <a:rPr lang="en-US" smtClean="0"/>
-              <a:t>5</a:t>
+              <a:t>6</a:t>
             </a:fld>
             <a:endParaRPr lang="en-US"/>
           </a:p>
@@ -1266,7 +1174,7 @@
           <a:p>
             <a:fld id="{D77E9768-2E6B-C24C-B30C-4F9A3851CD3F}" type="slidenum">
               <a:rPr lang="en-US" smtClean="0"/>
-              <a:t>6</a:t>
+              <a:t>7</a:t>
             </a:fld>
             <a:endParaRPr lang="en-US"/>
           </a:p>
@@ -1358,7 +1266,7 @@
           <a:p>
             <a:fld id="{D77E9768-2E6B-C24C-B30C-4F9A3851CD3F}" type="slidenum">
               <a:rPr lang="en-US" smtClean="0"/>
-              <a:t>7</a:t>
+              <a:t>8</a:t>
             </a:fld>
             <a:endParaRPr lang="en-US"/>
           </a:p>
@@ -1450,7 +1358,7 @@
           <a:p>
             <a:fld id="{D77E9768-2E6B-C24C-B30C-4F9A3851CD3F}" type="slidenum">
               <a:rPr lang="en-US" smtClean="0"/>
-              <a:t>8</a:t>
+              <a:t>9</a:t>
             </a:fld>
             <a:endParaRPr lang="en-US"/>
           </a:p>
@@ -1542,7 +1450,7 @@
           <a:p>
             <a:fld id="{D77E9768-2E6B-C24C-B30C-4F9A3851CD3F}" type="slidenum">
               <a:rPr lang="en-US" smtClean="0"/>
-              <a:t>9</a:t>
+              <a:t>10</a:t>
             </a:fld>
             <a:endParaRPr lang="en-US"/>
           </a:p>
@@ -1634,7 +1542,7 @@
           <a:p>
             <a:fld id="{D77E9768-2E6B-C24C-B30C-4F9A3851CD3F}" type="slidenum">
               <a:rPr lang="en-US" smtClean="0"/>
-              <a:t>10</a:t>
+              <a:t>11</a:t>
             </a:fld>
             <a:endParaRPr lang="en-US"/>
           </a:p>
@@ -1832,9 +1740,9 @@
           <a:bodyPr/>
           <a:lstStyle/>
           <a:p>
-            <a:fld id="{348F1D82-065B-7B4D-B387-0DC345E88F60}" type="datetime1">
+            <a:fld id="{2EEAE96D-847A-F34D-9442-3736EBDD14F7}" type="datetime1">
               <a:rPr lang="en-CA" smtClean="0"/>
-              <a:t>15-06-16</a:t>
+              <a:t>15-06-17</a:t>
             </a:fld>
             <a:endParaRPr lang="en-US"/>
           </a:p>
@@ -1857,7 +1765,7 @@
           <a:p>
             <a:r>
               <a:rPr lang="en-US" smtClean="0"/>
-              <a:t>CoDaWork 2015</a:t>
+              <a:t>CSM 2015</a:t>
             </a:r>
             <a:endParaRPr lang="en-US"/>
           </a:p>
@@ -2006,9 +1914,9 @@
           <a:bodyPr/>
           <a:lstStyle/>
           <a:p>
-            <a:fld id="{59AC0B02-1B71-6547-8FBB-7D664564716E}" type="datetime1">
+            <a:fld id="{6E06B3DE-74FD-6444-8FC1-88AE2B8595FE}" type="datetime1">
               <a:rPr lang="en-CA" smtClean="0"/>
-              <a:t>15-06-16</a:t>
+              <a:t>15-06-17</a:t>
             </a:fld>
             <a:endParaRPr lang="en-US"/>
           </a:p>
@@ -2031,7 +1939,7 @@
           <a:p>
             <a:r>
               <a:rPr lang="en-US" smtClean="0"/>
-              <a:t>CoDaWork 2015</a:t>
+              <a:t>CSM 2015</a:t>
             </a:r>
             <a:endParaRPr lang="en-US"/>
           </a:p>
@@ -2190,9 +2098,9 @@
           <a:bodyPr/>
           <a:lstStyle/>
           <a:p>
-            <a:fld id="{0381D8B7-ADE3-FA48-8574-55651D9241F9}" type="datetime1">
+            <a:fld id="{9E382C89-2E20-E44A-A049-F94AA0C3A711}" type="datetime1">
               <a:rPr lang="en-CA" smtClean="0"/>
-              <a:t>15-06-16</a:t>
+              <a:t>15-06-17</a:t>
             </a:fld>
             <a:endParaRPr lang="en-US"/>
           </a:p>
@@ -2215,7 +2123,7 @@
           <a:p>
             <a:r>
               <a:rPr lang="en-US" smtClean="0"/>
-              <a:t>CoDaWork 2015</a:t>
+              <a:t>CSM 2015</a:t>
             </a:r>
             <a:endParaRPr lang="en-US"/>
           </a:p>
@@ -2364,9 +2272,9 @@
           <a:bodyPr/>
           <a:lstStyle/>
           <a:p>
-            <a:fld id="{1A1BCD94-4346-8E44-84CA-2C9399998F4D}" type="datetime1">
+            <a:fld id="{A3EFFFF8-9448-DD40-AFC9-CAE1CB55258B}" type="datetime1">
               <a:rPr lang="en-CA" smtClean="0"/>
-              <a:t>15-06-16</a:t>
+              <a:t>15-06-17</a:t>
             </a:fld>
             <a:endParaRPr lang="en-US"/>
           </a:p>
@@ -2389,7 +2297,7 @@
           <a:p>
             <a:r>
               <a:rPr lang="en-US" smtClean="0"/>
-              <a:t>CoDaWork 2015</a:t>
+              <a:t>CSM 2015</a:t>
             </a:r>
             <a:endParaRPr lang="en-US"/>
           </a:p>
@@ -2614,9 +2522,9 @@
           <a:bodyPr/>
           <a:lstStyle/>
           <a:p>
-            <a:fld id="{FD811049-138B-7941-97E3-DE7B35105717}" type="datetime1">
+            <a:fld id="{074784D8-59F2-3745-9B0C-C3FB60D84222}" type="datetime1">
               <a:rPr lang="en-CA" smtClean="0"/>
-              <a:t>15-06-16</a:t>
+              <a:t>15-06-17</a:t>
             </a:fld>
             <a:endParaRPr lang="en-US"/>
           </a:p>
@@ -2639,7 +2547,7 @@
           <a:p>
             <a:r>
               <a:rPr lang="en-US" smtClean="0"/>
-              <a:t>CoDaWork 2015</a:t>
+              <a:t>CSM 2015</a:t>
             </a:r>
             <a:endParaRPr lang="en-US"/>
           </a:p>
@@ -2906,9 +2814,9 @@
           <a:bodyPr/>
           <a:lstStyle/>
           <a:p>
-            <a:fld id="{4D1368EF-F12C-CC46-8385-05D26F82C6DE}" type="datetime1">
+            <a:fld id="{CA95277E-47FA-6C4C-A1ED-687D0382D7AF}" type="datetime1">
               <a:rPr lang="en-CA" smtClean="0"/>
-              <a:t>15-06-16</a:t>
+              <a:t>15-06-17</a:t>
             </a:fld>
             <a:endParaRPr lang="en-US"/>
           </a:p>
@@ -2931,7 +2839,7 @@
           <a:p>
             <a:r>
               <a:rPr lang="en-US" smtClean="0"/>
-              <a:t>CoDaWork 2015</a:t>
+              <a:t>CSM 2015</a:t>
             </a:r>
             <a:endParaRPr lang="en-US"/>
           </a:p>
@@ -3332,9 +3240,9 @@
           <a:bodyPr/>
           <a:lstStyle/>
           <a:p>
-            <a:fld id="{0B3572E6-794F-E942-A3E8-88FC4439CB9C}" type="datetime1">
+            <a:fld id="{19D864BF-4149-A540-BCA0-F51BBB14A9ED}" type="datetime1">
               <a:rPr lang="en-CA" smtClean="0"/>
-              <a:t>15-06-16</a:t>
+              <a:t>15-06-17</a:t>
             </a:fld>
             <a:endParaRPr lang="en-US"/>
           </a:p>
@@ -3357,7 +3265,7 @@
           <a:p>
             <a:r>
               <a:rPr lang="en-US" smtClean="0"/>
-              <a:t>CoDaWork 2015</a:t>
+              <a:t>CSM 2015</a:t>
             </a:r>
             <a:endParaRPr lang="en-US"/>
           </a:p>
@@ -3454,9 +3362,9 @@
           <a:bodyPr/>
           <a:lstStyle/>
           <a:p>
-            <a:fld id="{0CD8A752-B3DF-6043-A014-3B3D73AD3F83}" type="datetime1">
+            <a:fld id="{53080EB8-28A5-1740-8B09-ED2BA52FB927}" type="datetime1">
               <a:rPr lang="en-CA" smtClean="0"/>
-              <a:t>15-06-16</a:t>
+              <a:t>15-06-17</a:t>
             </a:fld>
             <a:endParaRPr lang="en-US"/>
           </a:p>
@@ -3479,7 +3387,7 @@
           <a:p>
             <a:r>
               <a:rPr lang="en-US" smtClean="0"/>
-              <a:t>CoDaWork 2015</a:t>
+              <a:t>CSM 2015</a:t>
             </a:r>
             <a:endParaRPr lang="en-US"/>
           </a:p>
@@ -3553,9 +3461,9 @@
           <a:bodyPr/>
           <a:lstStyle/>
           <a:p>
-            <a:fld id="{DB4983D0-2377-8F48-A9DB-C0AD6FD88985}" type="datetime1">
+            <a:fld id="{A4E0FCAC-5B35-5142-952C-3E75D9C68CF6}" type="datetime1">
               <a:rPr lang="en-CA" smtClean="0"/>
-              <a:t>15-06-16</a:t>
+              <a:t>15-06-17</a:t>
             </a:fld>
             <a:endParaRPr lang="en-US"/>
           </a:p>
@@ -3578,7 +3486,7 @@
           <a:p>
             <a:r>
               <a:rPr lang="en-US" smtClean="0"/>
-              <a:t>CoDaWork 2015</a:t>
+              <a:t>CSM 2015</a:t>
             </a:r>
             <a:endParaRPr lang="en-US"/>
           </a:p>
@@ -3834,9 +3742,9 @@
           <a:bodyPr/>
           <a:lstStyle/>
           <a:p>
-            <a:fld id="{7AEE37EF-850B-EB40-875A-54398BCB27FC}" type="datetime1">
+            <a:fld id="{EA93C15E-9EA6-A545-96AD-710ED2918EDF}" type="datetime1">
               <a:rPr lang="en-CA" smtClean="0"/>
-              <a:t>15-06-16</a:t>
+              <a:t>15-06-17</a:t>
             </a:fld>
             <a:endParaRPr lang="en-US"/>
           </a:p>
@@ -3859,7 +3767,7 @@
           <a:p>
             <a:r>
               <a:rPr lang="en-US" smtClean="0"/>
-              <a:t>CoDaWork 2015</a:t>
+              <a:t>CSM 2015</a:t>
             </a:r>
             <a:endParaRPr lang="en-US"/>
           </a:p>
@@ -4091,9 +3999,9 @@
           <a:bodyPr/>
           <a:lstStyle/>
           <a:p>
-            <a:fld id="{8339E619-2408-BC43-B731-0ECBB5C9B04C}" type="datetime1">
+            <a:fld id="{0B8B5DCF-6A4C-4440-AB8E-BC88279B13F5}" type="datetime1">
               <a:rPr lang="en-CA" smtClean="0"/>
-              <a:t>15-06-16</a:t>
+              <a:t>15-06-17</a:t>
             </a:fld>
             <a:endParaRPr lang="en-US"/>
           </a:p>
@@ -4116,7 +4024,7 @@
           <a:p>
             <a:r>
               <a:rPr lang="en-US" smtClean="0"/>
-              <a:t>CoDaWork 2015</a:t>
+              <a:t>CSM 2015</a:t>
             </a:r>
             <a:endParaRPr lang="en-US"/>
           </a:p>
@@ -4308,9 +4216,9 @@
             </a:lvl1pPr>
           </a:lstStyle>
           <a:p>
-            <a:fld id="{9C4D3533-3FFC-9246-A22E-BFC1C69C4298}" type="datetime1">
+            <a:fld id="{AAC5C4E3-932B-364C-98BE-216BDDA3AA5E}" type="datetime1">
               <a:rPr lang="en-CA" smtClean="0"/>
-              <a:t>15-06-16</a:t>
+              <a:t>15-06-17</a:t>
             </a:fld>
             <a:endParaRPr lang="en-US"/>
           </a:p>
@@ -4351,7 +4259,7 @@
           <a:p>
             <a:r>
               <a:rPr lang="en-US" smtClean="0"/>
-              <a:t>CoDaWork 2015</a:t>
+              <a:t>CSM 2015</a:t>
             </a:r>
             <a:endParaRPr lang="en-US"/>
           </a:p>
@@ -4817,7 +4725,7 @@
           <a:p>
             <a:r>
               <a:rPr lang="en-US" smtClean="0"/>
-              <a:t>CoDaWork 2015</a:t>
+              <a:t>CSM 2015</a:t>
             </a:r>
             <a:endParaRPr lang="en-US"/>
           </a:p>
@@ -4960,3810 +4868,6 @@
           <a:p>
             <a:r>
               <a:rPr lang="en-US" dirty="0" smtClean="0"/>
-              <a:t>Results reflect biological reality</a:t>
-            </a:r>
-            <a:endParaRPr lang="en-US" dirty="0"/>
-          </a:p>
-        </p:txBody>
-      </p:sp>
-      <p:pic>
-        <p:nvPicPr>
-          <p:cNvPr id="4" name="Content Placeholder 3" descr="all_tested.pdf"/>
-          <p:cNvPicPr>
-            <a:picLocks noGrp="1" noChangeAspect="1"/>
-          </p:cNvPicPr>
-          <p:nvPr>
-            <p:ph idx="1"/>
-          </p:nvPr>
-        </p:nvPicPr>
-        <p:blipFill rotWithShape="1">
-          <a:blip r:embed="rId3">
-            <a:extLst>
-              <a:ext uri="{28A0092B-C50C-407E-A947-70E740481C1C}">
-                <a14:useLocalDpi xmlns:a14="http://schemas.microsoft.com/office/drawing/2010/main" val="0"/>
-              </a:ext>
-            </a:extLst>
-          </a:blip>
-          <a:srcRect l="460" t="8314" r="593"/>
-          <a:stretch/>
-        </p:blipFill>
-        <p:spPr>
-          <a:xfrm>
-            <a:off x="457200" y="1842804"/>
-            <a:ext cx="4478304" cy="4149684"/>
-          </a:xfrm>
-        </p:spPr>
-      </p:pic>
-      <p:sp>
-        <p:nvSpPr>
-          <p:cNvPr id="6" name="TextBox 5"/>
-          <p:cNvSpPr txBox="1"/>
-          <p:nvPr/>
-        </p:nvSpPr>
-        <p:spPr>
-          <a:xfrm>
-            <a:off x="4822052" y="1986028"/>
-            <a:ext cx="3990978" cy="3970318"/>
-          </a:xfrm>
-          <a:prstGeom prst="rect">
-            <a:avLst/>
-          </a:prstGeom>
-          <a:noFill/>
-        </p:spPr>
-        <p:txBody>
-          <a:bodyPr wrap="square" rtlCol="0">
-            <a:spAutoFit/>
-          </a:bodyPr>
-          <a:lstStyle/>
-          <a:p>
-            <a:r>
-              <a:rPr lang="en-US" dirty="0"/>
-              <a:t>x =[x</a:t>
-            </a:r>
-            <a:r>
-              <a:rPr lang="en-US" baseline="-25000" dirty="0"/>
-              <a:t>1</a:t>
-            </a:r>
-            <a:r>
-              <a:rPr lang="en-US" dirty="0"/>
-              <a:t>,x</a:t>
-            </a:r>
-            <a:r>
-              <a:rPr lang="en-US" baseline="-25000" dirty="0"/>
-              <a:t>2</a:t>
-            </a:r>
-            <a:r>
-              <a:rPr lang="en-US" dirty="0"/>
-              <a:t> … </a:t>
-            </a:r>
-            <a:r>
-              <a:rPr lang="en-US" dirty="0" err="1"/>
-              <a:t>x</a:t>
-            </a:r>
-            <a:r>
-              <a:rPr lang="en-US" baseline="-25000" dirty="0" err="1"/>
-              <a:t>n</a:t>
-            </a:r>
-            <a:r>
-              <a:rPr lang="en-US" dirty="0"/>
-              <a:t>], </a:t>
-            </a:r>
-            <a:r>
-              <a:rPr lang="en-US" dirty="0" err="1"/>
-              <a:t>x</a:t>
-            </a:r>
-            <a:r>
-              <a:rPr lang="en-US" baseline="-25000" dirty="0" err="1"/>
-              <a:t>s</a:t>
-            </a:r>
-            <a:r>
-              <a:rPr lang="en-US" dirty="0"/>
-              <a:t>=x</a:t>
-            </a:r>
-            <a:r>
-              <a:rPr lang="en-US" baseline="-25000" dirty="0"/>
-              <a:t>0</a:t>
-            </a:r>
-            <a:r>
-              <a:rPr lang="en-US" dirty="0"/>
-              <a:t>2</a:t>
-            </a:r>
-            <a:r>
-              <a:rPr lang="en-US" baseline="30000" dirty="0"/>
-              <a:t>λs</a:t>
-            </a:r>
-            <a:r>
-              <a:rPr lang="en-US" dirty="0"/>
-              <a:t>, </a:t>
-            </a:r>
-            <a:r>
-              <a:rPr lang="en-US" dirty="0" err="1"/>
-              <a:t>λ</a:t>
-            </a:r>
-            <a:r>
-              <a:rPr lang="en-US" dirty="0"/>
-              <a:t>=[1,0 … 0]</a:t>
-            </a:r>
-          </a:p>
-          <a:p>
-            <a:r>
-              <a:rPr lang="en-US" dirty="0" smtClean="0"/>
-              <a:t>n=1600  s=0, 16</a:t>
-            </a:r>
-          </a:p>
-          <a:p>
-            <a:endParaRPr lang="en-US" dirty="0"/>
-          </a:p>
-          <a:p>
-            <a:r>
-              <a:rPr lang="en-US" dirty="0" smtClean="0"/>
-              <a:t>Plot of Within : Between group difference</a:t>
-            </a:r>
-          </a:p>
-          <a:p>
-            <a:endParaRPr lang="en-US" dirty="0"/>
-          </a:p>
-          <a:p>
-            <a:pPr marL="285750" indent="-285750">
-              <a:buFont typeface="Arial"/>
-              <a:buChar char="•"/>
-            </a:pPr>
-            <a:r>
-              <a:rPr lang="en-US" dirty="0" smtClean="0"/>
-              <a:t>Sectors are constant effect size</a:t>
-            </a:r>
-            <a:endParaRPr lang="en-US" dirty="0"/>
-          </a:p>
-          <a:p>
-            <a:pPr marL="285750" indent="-285750">
-              <a:buFont typeface="Arial"/>
-              <a:buChar char="•"/>
-            </a:pPr>
-            <a:r>
-              <a:rPr lang="en-US" dirty="0" smtClean="0"/>
-              <a:t>Variants with high activity in top left corner</a:t>
-            </a:r>
-          </a:p>
-          <a:p>
-            <a:pPr marL="285750" indent="-285750">
-              <a:buFont typeface="Arial"/>
-              <a:buChar char="•"/>
-            </a:pPr>
-            <a:r>
-              <a:rPr lang="en-US" dirty="0" smtClean="0"/>
-              <a:t>Variants with moderate activity effect &gt; 4</a:t>
-            </a:r>
-          </a:p>
-          <a:p>
-            <a:pPr marL="285750" indent="-285750">
-              <a:buFont typeface="Arial"/>
-              <a:buChar char="•"/>
-            </a:pPr>
-            <a:r>
-              <a:rPr lang="en-US" dirty="0" smtClean="0"/>
-              <a:t>Variants with barely detectable activity effect &gt; 2</a:t>
-            </a:r>
-          </a:p>
-          <a:p>
-            <a:pPr marL="285750" indent="-285750">
-              <a:buFont typeface="Arial"/>
-              <a:buChar char="•"/>
-            </a:pPr>
-            <a:r>
-              <a:rPr lang="en-US" dirty="0" smtClean="0"/>
-              <a:t>Variants with no activity effect &lt; 2</a:t>
-            </a:r>
-            <a:endParaRPr lang="en-US" dirty="0"/>
-          </a:p>
-        </p:txBody>
-      </p:sp>
-      <p:sp>
-        <p:nvSpPr>
-          <p:cNvPr id="3" name="Footer Placeholder 2"/>
-          <p:cNvSpPr>
-            <a:spLocks noGrp="1"/>
-          </p:cNvSpPr>
-          <p:nvPr>
-            <p:ph type="ftr" sz="quarter" idx="11"/>
-          </p:nvPr>
-        </p:nvSpPr>
-        <p:spPr/>
-        <p:txBody>
-          <a:bodyPr/>
-          <a:lstStyle/>
-          <a:p>
-            <a:r>
-              <a:rPr lang="en-US" smtClean="0"/>
-              <a:t>CoDaWork 2015</a:t>
-            </a:r>
-            <a:endParaRPr lang="en-US"/>
-          </a:p>
-        </p:txBody>
-      </p:sp>
-      <p:sp>
-        <p:nvSpPr>
-          <p:cNvPr id="5" name="Slide Number Placeholder 4"/>
-          <p:cNvSpPr>
-            <a:spLocks noGrp="1"/>
-          </p:cNvSpPr>
-          <p:nvPr>
-            <p:ph type="sldNum" sz="quarter" idx="12"/>
-          </p:nvPr>
-        </p:nvSpPr>
-        <p:spPr/>
-        <p:txBody>
-          <a:bodyPr/>
-          <a:lstStyle/>
-          <a:p>
-            <a:fld id="{4CBC7C6D-2764-8E4F-B1AE-9A315E705D2C}" type="slidenum">
-              <a:rPr lang="en-US" smtClean="0"/>
-              <a:t>10</a:t>
-            </a:fld>
-            <a:endParaRPr lang="en-US"/>
-          </a:p>
-        </p:txBody>
-      </p:sp>
-      <p:sp>
-        <p:nvSpPr>
-          <p:cNvPr id="7" name="Rounded Rectangle 6"/>
-          <p:cNvSpPr/>
-          <p:nvPr/>
-        </p:nvSpPr>
-        <p:spPr>
-          <a:xfrm>
-            <a:off x="4085216" y="4216620"/>
-            <a:ext cx="337474" cy="188129"/>
-          </a:xfrm>
-          <a:prstGeom prst="roundRect">
-            <a:avLst/>
-          </a:prstGeom>
-          <a:noFill/>
-        </p:spPr>
-        <p:style>
-          <a:lnRef idx="1">
-            <a:schemeClr val="accent1"/>
-          </a:lnRef>
-          <a:fillRef idx="3">
-            <a:schemeClr val="accent1"/>
-          </a:fillRef>
-          <a:effectRef idx="2">
-            <a:schemeClr val="accent1"/>
-          </a:effectRef>
-          <a:fontRef idx="minor">
-            <a:schemeClr val="lt1"/>
-          </a:fontRef>
-        </p:style>
-        <p:txBody>
-          <a:bodyPr rtlCol="0" anchor="ctr"/>
-          <a:lstStyle/>
-          <a:p>
-            <a:pPr algn="ctr"/>
-            <a:endParaRPr lang="en-US"/>
-          </a:p>
-        </p:txBody>
-      </p:sp>
-      <p:sp>
-        <p:nvSpPr>
-          <p:cNvPr id="8" name="Rounded Rectangle 7"/>
-          <p:cNvSpPr/>
-          <p:nvPr/>
-        </p:nvSpPr>
-        <p:spPr>
-          <a:xfrm>
-            <a:off x="1428842" y="2166214"/>
-            <a:ext cx="361701" cy="136083"/>
-          </a:xfrm>
-          <a:prstGeom prst="roundRect">
-            <a:avLst/>
-          </a:prstGeom>
-          <a:solidFill>
-            <a:srgbClr val="FF6600">
-              <a:alpha val="20000"/>
-            </a:srgbClr>
-          </a:solidFill>
-        </p:spPr>
-        <p:style>
-          <a:lnRef idx="1">
-            <a:schemeClr val="accent1"/>
-          </a:lnRef>
-          <a:fillRef idx="3">
-            <a:schemeClr val="accent1"/>
-          </a:fillRef>
-          <a:effectRef idx="2">
-            <a:schemeClr val="accent1"/>
-          </a:effectRef>
-          <a:fontRef idx="minor">
-            <a:schemeClr val="lt1"/>
-          </a:fontRef>
-        </p:style>
-        <p:txBody>
-          <a:bodyPr rtlCol="0" anchor="ctr"/>
-          <a:lstStyle/>
-          <a:p>
-            <a:pPr algn="ctr"/>
-            <a:endParaRPr lang="en-US"/>
-          </a:p>
-        </p:txBody>
-      </p:sp>
-      <p:sp>
-        <p:nvSpPr>
-          <p:cNvPr id="9" name="Rounded Rectangle 8"/>
-          <p:cNvSpPr/>
-          <p:nvPr/>
-        </p:nvSpPr>
-        <p:spPr>
-          <a:xfrm>
-            <a:off x="1305167" y="2270160"/>
-            <a:ext cx="361701" cy="136083"/>
-          </a:xfrm>
-          <a:prstGeom prst="roundRect">
-            <a:avLst/>
-          </a:prstGeom>
-          <a:solidFill>
-            <a:srgbClr val="FF6600">
-              <a:alpha val="20000"/>
-            </a:srgbClr>
-          </a:solidFill>
-        </p:spPr>
-        <p:style>
-          <a:lnRef idx="1">
-            <a:schemeClr val="accent1"/>
-          </a:lnRef>
-          <a:fillRef idx="3">
-            <a:schemeClr val="accent1"/>
-          </a:fillRef>
-          <a:effectRef idx="2">
-            <a:schemeClr val="accent1"/>
-          </a:effectRef>
-          <a:fontRef idx="minor">
-            <a:schemeClr val="lt1"/>
-          </a:fontRef>
-        </p:style>
-        <p:txBody>
-          <a:bodyPr rtlCol="0" anchor="ctr"/>
-          <a:lstStyle/>
-          <a:p>
-            <a:pPr algn="ctr"/>
-            <a:endParaRPr lang="en-US"/>
-          </a:p>
-        </p:txBody>
-      </p:sp>
-      <p:sp>
-        <p:nvSpPr>
-          <p:cNvPr id="10" name="Rounded Rectangle 9"/>
-          <p:cNvSpPr/>
-          <p:nvPr/>
-        </p:nvSpPr>
-        <p:spPr>
-          <a:xfrm>
-            <a:off x="1067141" y="2134077"/>
-            <a:ext cx="361701" cy="136083"/>
-          </a:xfrm>
-          <a:prstGeom prst="roundRect">
-            <a:avLst/>
-          </a:prstGeom>
-          <a:solidFill>
-            <a:srgbClr val="FF6600">
-              <a:alpha val="20000"/>
-            </a:srgbClr>
-          </a:solidFill>
-        </p:spPr>
-        <p:style>
-          <a:lnRef idx="1">
-            <a:schemeClr val="accent1"/>
-          </a:lnRef>
-          <a:fillRef idx="3">
-            <a:schemeClr val="accent1"/>
-          </a:fillRef>
-          <a:effectRef idx="2">
-            <a:schemeClr val="accent1"/>
-          </a:effectRef>
-          <a:fontRef idx="minor">
-            <a:schemeClr val="lt1"/>
-          </a:fontRef>
-        </p:style>
-        <p:txBody>
-          <a:bodyPr rtlCol="0" anchor="ctr"/>
-          <a:lstStyle/>
-          <a:p>
-            <a:pPr algn="ctr"/>
-            <a:endParaRPr lang="en-US"/>
-          </a:p>
-        </p:txBody>
-      </p:sp>
-      <p:sp>
-        <p:nvSpPr>
-          <p:cNvPr id="11" name="Rounded Rectangle 10"/>
-          <p:cNvSpPr/>
-          <p:nvPr/>
-        </p:nvSpPr>
-        <p:spPr>
-          <a:xfrm>
-            <a:off x="1909752" y="2736475"/>
-            <a:ext cx="361701" cy="136083"/>
-          </a:xfrm>
-          <a:prstGeom prst="roundRect">
-            <a:avLst/>
-          </a:prstGeom>
-          <a:solidFill>
-            <a:srgbClr val="FF6600">
-              <a:alpha val="20000"/>
-            </a:srgbClr>
-          </a:solidFill>
-        </p:spPr>
-        <p:style>
-          <a:lnRef idx="1">
-            <a:schemeClr val="accent1"/>
-          </a:lnRef>
-          <a:fillRef idx="3">
-            <a:schemeClr val="accent1"/>
-          </a:fillRef>
-          <a:effectRef idx="2">
-            <a:schemeClr val="accent1"/>
-          </a:effectRef>
-          <a:fontRef idx="minor">
-            <a:schemeClr val="lt1"/>
-          </a:fontRef>
-        </p:style>
-        <p:txBody>
-          <a:bodyPr rtlCol="0" anchor="ctr"/>
-          <a:lstStyle/>
-          <a:p>
-            <a:pPr algn="ctr"/>
-            <a:endParaRPr lang="en-US"/>
-          </a:p>
-        </p:txBody>
-      </p:sp>
-      <p:sp>
-        <p:nvSpPr>
-          <p:cNvPr id="12" name="Rounded Rectangle 11"/>
-          <p:cNvSpPr/>
-          <p:nvPr/>
-        </p:nvSpPr>
-        <p:spPr>
-          <a:xfrm>
-            <a:off x="2717563" y="2966049"/>
-            <a:ext cx="294830" cy="202710"/>
-          </a:xfrm>
-          <a:prstGeom prst="roundRect">
-            <a:avLst/>
-          </a:prstGeom>
-          <a:solidFill>
-            <a:schemeClr val="tx1">
-              <a:lumMod val="50000"/>
-              <a:lumOff val="50000"/>
-              <a:alpha val="20000"/>
-            </a:schemeClr>
-          </a:solidFill>
-        </p:spPr>
-        <p:style>
-          <a:lnRef idx="1">
-            <a:schemeClr val="accent1"/>
-          </a:lnRef>
-          <a:fillRef idx="3">
-            <a:schemeClr val="accent1"/>
-          </a:fillRef>
-          <a:effectRef idx="2">
-            <a:schemeClr val="accent1"/>
-          </a:effectRef>
-          <a:fontRef idx="minor">
-            <a:schemeClr val="lt1"/>
-          </a:fontRef>
-        </p:style>
-        <p:txBody>
-          <a:bodyPr rtlCol="0" anchor="ctr"/>
-          <a:lstStyle/>
-          <a:p>
-            <a:pPr algn="ctr"/>
-            <a:endParaRPr lang="en-US"/>
-          </a:p>
-        </p:txBody>
-      </p:sp>
-      <p:sp>
-        <p:nvSpPr>
-          <p:cNvPr id="13" name="Rounded Rectangle 12"/>
-          <p:cNvSpPr/>
-          <p:nvPr/>
-        </p:nvSpPr>
-        <p:spPr>
-          <a:xfrm>
-            <a:off x="1281427" y="3100717"/>
-            <a:ext cx="294830" cy="136083"/>
-          </a:xfrm>
-          <a:prstGeom prst="roundRect">
-            <a:avLst/>
-          </a:prstGeom>
-          <a:solidFill>
-            <a:srgbClr val="008000">
-              <a:alpha val="20000"/>
-            </a:srgbClr>
-          </a:solidFill>
-        </p:spPr>
-        <p:style>
-          <a:lnRef idx="1">
-            <a:schemeClr val="accent1"/>
-          </a:lnRef>
-          <a:fillRef idx="3">
-            <a:schemeClr val="accent1"/>
-          </a:fillRef>
-          <a:effectRef idx="2">
-            <a:schemeClr val="accent1"/>
-          </a:effectRef>
-          <a:fontRef idx="minor">
-            <a:schemeClr val="lt1"/>
-          </a:fontRef>
-        </p:style>
-        <p:txBody>
-          <a:bodyPr rtlCol="0" anchor="ctr"/>
-          <a:lstStyle/>
-          <a:p>
-            <a:pPr algn="ctr"/>
-            <a:endParaRPr lang="en-US"/>
-          </a:p>
-        </p:txBody>
-      </p:sp>
-      <p:sp>
-        <p:nvSpPr>
-          <p:cNvPr id="14" name="Rounded Rectangle 13"/>
-          <p:cNvSpPr/>
-          <p:nvPr/>
-        </p:nvSpPr>
-        <p:spPr>
-          <a:xfrm>
-            <a:off x="2370667" y="3390727"/>
-            <a:ext cx="294830" cy="136083"/>
-          </a:xfrm>
-          <a:prstGeom prst="roundRect">
-            <a:avLst/>
-          </a:prstGeom>
-          <a:solidFill>
-            <a:schemeClr val="accent6">
-              <a:lumMod val="50000"/>
-              <a:alpha val="20000"/>
-            </a:schemeClr>
-          </a:solidFill>
-        </p:spPr>
-        <p:style>
-          <a:lnRef idx="1">
-            <a:schemeClr val="accent1"/>
-          </a:lnRef>
-          <a:fillRef idx="3">
-            <a:schemeClr val="accent1"/>
-          </a:fillRef>
-          <a:effectRef idx="2">
-            <a:schemeClr val="accent1"/>
-          </a:effectRef>
-          <a:fontRef idx="minor">
-            <a:schemeClr val="lt1"/>
-          </a:fontRef>
-        </p:style>
-        <p:txBody>
-          <a:bodyPr rtlCol="0" anchor="ctr"/>
-          <a:lstStyle/>
-          <a:p>
-            <a:pPr algn="ctr"/>
-            <a:endParaRPr lang="en-US"/>
-          </a:p>
-        </p:txBody>
-      </p:sp>
-      <p:sp>
-        <p:nvSpPr>
-          <p:cNvPr id="15" name="Rounded Rectangle 14"/>
-          <p:cNvSpPr/>
-          <p:nvPr/>
-        </p:nvSpPr>
-        <p:spPr>
-          <a:xfrm>
-            <a:off x="1481697" y="2236328"/>
-            <a:ext cx="294830" cy="136083"/>
-          </a:xfrm>
-          <a:prstGeom prst="roundRect">
-            <a:avLst/>
-          </a:prstGeom>
-          <a:solidFill>
-            <a:srgbClr val="0000FF">
-              <a:alpha val="20000"/>
-            </a:srgbClr>
-          </a:solidFill>
-        </p:spPr>
-        <p:style>
-          <a:lnRef idx="1">
-            <a:schemeClr val="accent1"/>
-          </a:lnRef>
-          <a:fillRef idx="3">
-            <a:schemeClr val="accent1"/>
-          </a:fillRef>
-          <a:effectRef idx="2">
-            <a:schemeClr val="accent1"/>
-          </a:effectRef>
-          <a:fontRef idx="minor">
-            <a:schemeClr val="lt1"/>
-          </a:fontRef>
-        </p:style>
-        <p:txBody>
-          <a:bodyPr rtlCol="0" anchor="ctr"/>
-          <a:lstStyle/>
-          <a:p>
-            <a:pPr algn="ctr"/>
-            <a:endParaRPr lang="en-US"/>
-          </a:p>
-        </p:txBody>
-      </p:sp>
-      <p:sp>
-        <p:nvSpPr>
-          <p:cNvPr id="16" name="Rounded Rectangle 15"/>
-          <p:cNvSpPr/>
-          <p:nvPr/>
-        </p:nvSpPr>
-        <p:spPr>
-          <a:xfrm>
-            <a:off x="2829381" y="2485625"/>
-            <a:ext cx="294830" cy="235074"/>
-          </a:xfrm>
-          <a:prstGeom prst="roundRect">
-            <a:avLst/>
-          </a:prstGeom>
-          <a:solidFill>
-            <a:schemeClr val="tx1">
-              <a:lumMod val="95000"/>
-              <a:lumOff val="5000"/>
-              <a:alpha val="20000"/>
-            </a:schemeClr>
-          </a:solidFill>
-        </p:spPr>
-        <p:style>
-          <a:lnRef idx="1">
-            <a:schemeClr val="accent1"/>
-          </a:lnRef>
-          <a:fillRef idx="3">
-            <a:schemeClr val="accent1"/>
-          </a:fillRef>
-          <a:effectRef idx="2">
-            <a:schemeClr val="accent1"/>
-          </a:effectRef>
-          <a:fontRef idx="minor">
-            <a:schemeClr val="lt1"/>
-          </a:fontRef>
-        </p:style>
-        <p:txBody>
-          <a:bodyPr rtlCol="0" anchor="ctr"/>
-          <a:lstStyle/>
-          <a:p>
-            <a:pPr algn="ctr"/>
-            <a:endParaRPr lang="en-US" dirty="0"/>
-          </a:p>
-        </p:txBody>
-      </p:sp>
-      <p:sp>
-        <p:nvSpPr>
-          <p:cNvPr id="17" name="Rounded Rectangle 16"/>
-          <p:cNvSpPr/>
-          <p:nvPr/>
-        </p:nvSpPr>
-        <p:spPr>
-          <a:xfrm>
-            <a:off x="1033401" y="1997994"/>
-            <a:ext cx="294830" cy="136083"/>
-          </a:xfrm>
-          <a:prstGeom prst="roundRect">
-            <a:avLst/>
-          </a:prstGeom>
-          <a:solidFill>
-            <a:srgbClr val="FF0000">
-              <a:alpha val="20000"/>
-            </a:srgbClr>
-          </a:solidFill>
-        </p:spPr>
-        <p:style>
-          <a:lnRef idx="1">
-            <a:schemeClr val="accent1"/>
-          </a:lnRef>
-          <a:fillRef idx="3">
-            <a:schemeClr val="accent1"/>
-          </a:fillRef>
-          <a:effectRef idx="2">
-            <a:schemeClr val="accent1"/>
-          </a:effectRef>
-          <a:fontRef idx="minor">
-            <a:schemeClr val="lt1"/>
-          </a:fontRef>
-        </p:style>
-        <p:txBody>
-          <a:bodyPr rtlCol="0" anchor="ctr"/>
-          <a:lstStyle/>
-          <a:p>
-            <a:pPr algn="ctr"/>
-            <a:endParaRPr lang="en-US"/>
-          </a:p>
-        </p:txBody>
-      </p:sp>
-      <p:sp>
-        <p:nvSpPr>
-          <p:cNvPr id="18" name="Rounded Rectangle 17"/>
-          <p:cNvSpPr/>
-          <p:nvPr/>
-        </p:nvSpPr>
-        <p:spPr>
-          <a:xfrm>
-            <a:off x="2665497" y="4610044"/>
-            <a:ext cx="294830" cy="136083"/>
-          </a:xfrm>
-          <a:prstGeom prst="roundRect">
-            <a:avLst/>
-          </a:prstGeom>
-          <a:solidFill>
-            <a:srgbClr val="FFFF00">
-              <a:alpha val="47000"/>
-            </a:srgbClr>
-          </a:solidFill>
-        </p:spPr>
-        <p:style>
-          <a:lnRef idx="1">
-            <a:schemeClr val="accent1"/>
-          </a:lnRef>
-          <a:fillRef idx="3">
-            <a:schemeClr val="accent1"/>
-          </a:fillRef>
-          <a:effectRef idx="2">
-            <a:schemeClr val="accent1"/>
-          </a:effectRef>
-          <a:fontRef idx="minor">
-            <a:schemeClr val="lt1"/>
-          </a:fontRef>
-        </p:style>
-        <p:txBody>
-          <a:bodyPr rtlCol="0" anchor="ctr"/>
-          <a:lstStyle/>
-          <a:p>
-            <a:pPr algn="ctr"/>
-            <a:endParaRPr lang="en-US"/>
-          </a:p>
-        </p:txBody>
-      </p:sp>
-      <p:sp>
-        <p:nvSpPr>
-          <p:cNvPr id="19" name="Rounded Rectangle 18"/>
-          <p:cNvSpPr/>
-          <p:nvPr/>
-        </p:nvSpPr>
-        <p:spPr>
-          <a:xfrm>
-            <a:off x="1666868" y="4014700"/>
-            <a:ext cx="390299" cy="136083"/>
-          </a:xfrm>
-          <a:prstGeom prst="roundRect">
-            <a:avLst/>
-          </a:prstGeom>
-          <a:solidFill>
-            <a:schemeClr val="accent2">
-              <a:lumMod val="60000"/>
-              <a:lumOff val="40000"/>
-              <a:alpha val="47000"/>
-            </a:schemeClr>
-          </a:solidFill>
-        </p:spPr>
-        <p:style>
-          <a:lnRef idx="1">
-            <a:schemeClr val="accent1"/>
-          </a:lnRef>
-          <a:fillRef idx="3">
-            <a:schemeClr val="accent1"/>
-          </a:fillRef>
-          <a:effectRef idx="2">
-            <a:schemeClr val="accent1"/>
-          </a:effectRef>
-          <a:fontRef idx="minor">
-            <a:schemeClr val="lt1"/>
-          </a:fontRef>
-        </p:style>
-        <p:txBody>
-          <a:bodyPr rtlCol="0" anchor="ctr"/>
-          <a:lstStyle/>
-          <a:p>
-            <a:pPr algn="ctr"/>
-            <a:endParaRPr lang="en-US"/>
-          </a:p>
-        </p:txBody>
-      </p:sp>
-    </p:spTree>
-    <p:extLst>
-      <p:ext uri="{BB962C8B-B14F-4D97-AF65-F5344CB8AC3E}">
-        <p14:creationId xmlns:p14="http://schemas.microsoft.com/office/powerpoint/2010/main" val="2817186998"/>
-      </p:ext>
-    </p:extLst>
-  </p:cSld>
-  <p:clrMapOvr>
-    <a:masterClrMapping/>
-  </p:clrMapOvr>
-  <p:timing>
-    <p:tnLst>
-      <p:par>
-        <p:cTn xmlns:p14="http://schemas.microsoft.com/office/powerpoint/2010/main" id="1" dur="indefinite" restart="never" nodeType="tmRoot"/>
-      </p:par>
-    </p:tnLst>
-  </p:timing>
-</p:sld>
-</file>
-
-<file path=ppt/slides/slide11.xml><?xml version="1.0" encoding="utf-8"?>
-<p:sld xmlns:a="http://schemas.openxmlformats.org/drawingml/2006/main" xmlns:r="http://schemas.openxmlformats.org/officeDocument/2006/relationships" xmlns:p="http://schemas.openxmlformats.org/presentationml/2006/main">
-  <p:cSld>
-    <p:spTree>
-      <p:nvGrpSpPr>
-        <p:cNvPr id="1" name=""/>
-        <p:cNvGrpSpPr/>
-        <p:nvPr/>
-      </p:nvGrpSpPr>
-      <p:grpSpPr>
-        <a:xfrm>
-          <a:off x="0" y="0"/>
-          <a:ext cx="0" cy="0"/>
-          <a:chOff x="0" y="0"/>
-          <a:chExt cx="0" cy="0"/>
-        </a:xfrm>
-      </p:grpSpPr>
-      <p:sp>
-        <p:nvSpPr>
-          <p:cNvPr id="6" name="Content Placeholder 5"/>
-          <p:cNvSpPr>
-            <a:spLocks noGrp="1"/>
-          </p:cNvSpPr>
-          <p:nvPr>
-            <p:ph idx="1"/>
-          </p:nvPr>
-        </p:nvSpPr>
-        <p:spPr/>
-        <p:txBody>
-          <a:bodyPr>
-            <a:normAutofit fontScale="92500"/>
-          </a:bodyPr>
-          <a:lstStyle/>
-          <a:p>
-            <a:r>
-              <a:rPr lang="en-US" sz="2400" dirty="0" smtClean="0"/>
-              <a:t>High throughput sequencing datasets are distorted by sequencing</a:t>
-            </a:r>
-          </a:p>
-          <a:p>
-            <a:pPr lvl="1"/>
-            <a:r>
-              <a:rPr lang="en-US" sz="2000" dirty="0" smtClean="0"/>
-              <a:t>Machine capacity imposes constant sum constraint</a:t>
-            </a:r>
-          </a:p>
-          <a:p>
-            <a:r>
-              <a:rPr lang="en-US" sz="2400" dirty="0" smtClean="0"/>
-              <a:t>High throughput sequencing datasets have significant variation</a:t>
-            </a:r>
-          </a:p>
-          <a:p>
-            <a:pPr lvl="1"/>
-            <a:r>
-              <a:rPr lang="en-US" sz="2000" dirty="0" smtClean="0"/>
-              <a:t>Variation is proportionally more extreme at low count margins</a:t>
-            </a:r>
-          </a:p>
-          <a:p>
-            <a:r>
-              <a:rPr lang="en-US" sz="2400" dirty="0" smtClean="0"/>
-              <a:t>Modeling and accounting for this variation combined with placing data in the proper space reduces false positive identifications when conducting </a:t>
-            </a:r>
-            <a:r>
-              <a:rPr lang="en-US" sz="2400" dirty="0" err="1" smtClean="0"/>
-              <a:t>univariate</a:t>
-            </a:r>
-            <a:r>
-              <a:rPr lang="en-US" sz="2400" dirty="0" smtClean="0"/>
-              <a:t> tests</a:t>
-            </a:r>
-          </a:p>
-          <a:p>
-            <a:r>
-              <a:rPr lang="en-US" sz="2400" dirty="0" smtClean="0"/>
-              <a:t>The ALDEx2 approach is generalizable across experimental designs</a:t>
-            </a:r>
-          </a:p>
-          <a:p>
-            <a:pPr lvl="1"/>
-            <a:r>
-              <a:rPr lang="en-US" sz="2000" dirty="0" smtClean="0"/>
-              <a:t>Applied to RNA-</a:t>
-            </a:r>
-            <a:r>
-              <a:rPr lang="en-US" sz="2000" dirty="0" err="1" smtClean="0"/>
-              <a:t>seq</a:t>
-            </a:r>
-            <a:r>
-              <a:rPr lang="en-US" sz="2000" dirty="0" smtClean="0"/>
-              <a:t>, 16S </a:t>
-            </a:r>
-            <a:r>
-              <a:rPr lang="en-US" sz="2000" dirty="0" err="1" smtClean="0"/>
-              <a:t>rRNA</a:t>
-            </a:r>
-            <a:r>
-              <a:rPr lang="en-US" sz="2000" dirty="0" smtClean="0"/>
-              <a:t> gene sequencing, selective growth</a:t>
-            </a:r>
-          </a:p>
-          <a:p>
-            <a:r>
-              <a:rPr lang="en-US" sz="2400" dirty="0" smtClean="0"/>
-              <a:t>Observation-scaled priors reduce FP to the greatest extent</a:t>
-            </a:r>
-            <a:endParaRPr lang="en-US" sz="2400" dirty="0"/>
-          </a:p>
-        </p:txBody>
-      </p:sp>
-      <p:sp>
-        <p:nvSpPr>
-          <p:cNvPr id="2" name="Title 1"/>
-          <p:cNvSpPr>
-            <a:spLocks noGrp="1"/>
-          </p:cNvSpPr>
-          <p:nvPr>
-            <p:ph type="title"/>
-          </p:nvPr>
-        </p:nvSpPr>
-        <p:spPr/>
-        <p:txBody>
-          <a:bodyPr/>
-          <a:lstStyle/>
-          <a:p>
-            <a:r>
-              <a:rPr lang="en-US" dirty="0" smtClean="0"/>
-              <a:t>Conclusions</a:t>
-            </a:r>
-            <a:endParaRPr lang="en-US" dirty="0"/>
-          </a:p>
-        </p:txBody>
-      </p:sp>
-      <p:sp>
-        <p:nvSpPr>
-          <p:cNvPr id="3" name="Footer Placeholder 2"/>
-          <p:cNvSpPr>
-            <a:spLocks noGrp="1"/>
-          </p:cNvSpPr>
-          <p:nvPr>
-            <p:ph type="ftr" sz="quarter" idx="11"/>
-          </p:nvPr>
-        </p:nvSpPr>
-        <p:spPr/>
-        <p:txBody>
-          <a:bodyPr/>
-          <a:lstStyle/>
-          <a:p>
-            <a:r>
-              <a:rPr lang="en-US" smtClean="0"/>
-              <a:t>CoDaWork 2015</a:t>
-            </a:r>
-            <a:endParaRPr lang="en-US"/>
-          </a:p>
-        </p:txBody>
-      </p:sp>
-      <p:sp>
-        <p:nvSpPr>
-          <p:cNvPr id="4" name="Slide Number Placeholder 3"/>
-          <p:cNvSpPr>
-            <a:spLocks noGrp="1"/>
-          </p:cNvSpPr>
-          <p:nvPr>
-            <p:ph type="sldNum" sz="quarter" idx="12"/>
-          </p:nvPr>
-        </p:nvSpPr>
-        <p:spPr/>
-        <p:txBody>
-          <a:bodyPr/>
-          <a:lstStyle/>
-          <a:p>
-            <a:fld id="{4CBC7C6D-2764-8E4F-B1AE-9A315E705D2C}" type="slidenum">
-              <a:rPr lang="en-US" smtClean="0"/>
-              <a:t>11</a:t>
-            </a:fld>
-            <a:endParaRPr lang="en-US"/>
-          </a:p>
-        </p:txBody>
-      </p:sp>
-    </p:spTree>
-    <p:extLst>
-      <p:ext uri="{BB962C8B-B14F-4D97-AF65-F5344CB8AC3E}">
-        <p14:creationId xmlns:p14="http://schemas.microsoft.com/office/powerpoint/2010/main" val="999584773"/>
-      </p:ext>
-    </p:extLst>
-  </p:cSld>
-  <p:clrMapOvr>
-    <a:masterClrMapping/>
-  </p:clrMapOvr>
-  <p:timing>
-    <p:tnLst>
-      <p:par>
-        <p:cTn xmlns:p14="http://schemas.microsoft.com/office/powerpoint/2010/main" id="1" dur="indefinite" restart="never" nodeType="tmRoot"/>
-      </p:par>
-    </p:tnLst>
-  </p:timing>
-</p:sld>
-</file>
-
-<file path=ppt/slides/slide12.xml><?xml version="1.0" encoding="utf-8"?>
-<p:sld xmlns:a="http://schemas.openxmlformats.org/drawingml/2006/main" xmlns:r="http://schemas.openxmlformats.org/officeDocument/2006/relationships" xmlns:p="http://schemas.openxmlformats.org/presentationml/2006/main">
-  <p:cSld>
-    <p:spTree>
-      <p:nvGrpSpPr>
-        <p:cNvPr id="1" name=""/>
-        <p:cNvGrpSpPr/>
-        <p:nvPr/>
-      </p:nvGrpSpPr>
-      <p:grpSpPr>
-        <a:xfrm>
-          <a:off x="0" y="0"/>
-          <a:ext cx="0" cy="0"/>
-          <a:chOff x="0" y="0"/>
-          <a:chExt cx="0" cy="0"/>
-        </a:xfrm>
-      </p:grpSpPr>
-      <p:sp>
-        <p:nvSpPr>
-          <p:cNvPr id="6" name="Content Placeholder 5"/>
-          <p:cNvSpPr>
-            <a:spLocks noGrp="1"/>
-          </p:cNvSpPr>
-          <p:nvPr>
-            <p:ph idx="1"/>
-          </p:nvPr>
-        </p:nvSpPr>
-        <p:spPr/>
-        <p:txBody>
-          <a:bodyPr>
-            <a:normAutofit lnSpcReduction="10000"/>
-          </a:bodyPr>
-          <a:lstStyle/>
-          <a:p>
-            <a:r>
-              <a:rPr lang="en-US" sz="2400" dirty="0" smtClean="0"/>
-              <a:t>Per Observation scaling</a:t>
-            </a:r>
-          </a:p>
-          <a:p>
-            <a:endParaRPr lang="en-US" sz="2400" dirty="0"/>
-          </a:p>
-          <a:p>
-            <a:r>
-              <a:rPr lang="en-US" sz="2400" dirty="0" smtClean="0"/>
-              <a:t>X = [sum</a:t>
-            </a:r>
-            <a:r>
-              <a:rPr lang="en-US" sz="2400" baseline="-25000" dirty="0" smtClean="0"/>
-              <a:t>1</a:t>
-            </a:r>
-            <a:r>
-              <a:rPr lang="en-US" sz="2400" dirty="0" smtClean="0"/>
-              <a:t>, sum</a:t>
-            </a:r>
-            <a:r>
-              <a:rPr lang="en-US" sz="2400" baseline="-25000" dirty="0" smtClean="0"/>
-              <a:t>2</a:t>
-            </a:r>
-            <a:r>
-              <a:rPr lang="en-US" sz="2400" dirty="0" smtClean="0"/>
-              <a:t> … </a:t>
-            </a:r>
-            <a:r>
-              <a:rPr lang="en-US" sz="2400" dirty="0" err="1" smtClean="0"/>
-              <a:t>sum</a:t>
-            </a:r>
-            <a:r>
-              <a:rPr lang="en-US" sz="2400" baseline="-25000" dirty="0" err="1" smtClean="0"/>
-              <a:t>n</a:t>
-            </a:r>
-            <a:r>
-              <a:rPr lang="en-US" sz="2400" dirty="0" smtClean="0"/>
-              <a:t>]</a:t>
-            </a:r>
-          </a:p>
-          <a:p>
-            <a:endParaRPr lang="en-US" sz="2400" dirty="0"/>
-          </a:p>
-          <a:p>
-            <a:r>
-              <a:rPr lang="en-US" sz="2400" dirty="0" smtClean="0"/>
-              <a:t>Over every element in x</a:t>
-            </a:r>
-            <a:endParaRPr lang="en-US" sz="2400" dirty="0"/>
-          </a:p>
-          <a:p>
-            <a:pPr marL="457200" lvl="1" indent="0">
-              <a:buNone/>
-            </a:pPr>
-            <a:r>
-              <a:rPr lang="en-US" sz="2000" dirty="0"/>
-              <a:t>1</a:t>
-            </a:r>
-            <a:r>
-              <a:rPr lang="en-US" sz="2000" dirty="0" smtClean="0"/>
-              <a:t>/(X</a:t>
-            </a:r>
-            <a:r>
-              <a:rPr lang="en-US" sz="2000" baseline="-25000" dirty="0" smtClean="0"/>
-              <a:t>i</a:t>
-            </a:r>
-            <a:r>
-              <a:rPr lang="en-US" sz="2000" dirty="0" smtClean="0"/>
-              <a:t>/mean(X)) * 0.5</a:t>
-            </a:r>
-            <a:endParaRPr lang="en-US" sz="2000" dirty="0"/>
-          </a:p>
-          <a:p>
-            <a:pPr marL="457200" lvl="1" indent="0">
-              <a:buNone/>
-            </a:pPr>
-            <a:endParaRPr lang="en-US" sz="2000" dirty="0" smtClean="0"/>
-          </a:p>
-          <a:p>
-            <a:r>
-              <a:rPr lang="en-US" sz="2400" dirty="0" smtClean="0"/>
-              <a:t>Prior is low when count is greater than mean, and high when count is less than the mean</a:t>
-            </a:r>
-          </a:p>
-          <a:p>
-            <a:pPr lvl="1"/>
-            <a:r>
-              <a:rPr lang="en-US" sz="2000" dirty="0" smtClean="0"/>
-              <a:t>Reflects our knowledge about likelihood of observing 0, given that we would always convert 0 count parts to positive count parts if we spent enough $ on sequencing</a:t>
-            </a:r>
-          </a:p>
-        </p:txBody>
-      </p:sp>
-      <p:sp>
-        <p:nvSpPr>
-          <p:cNvPr id="2" name="Title 1"/>
-          <p:cNvSpPr>
-            <a:spLocks noGrp="1"/>
-          </p:cNvSpPr>
-          <p:nvPr>
-            <p:ph type="title"/>
-          </p:nvPr>
-        </p:nvSpPr>
-        <p:spPr/>
-        <p:txBody>
-          <a:bodyPr/>
-          <a:lstStyle/>
-          <a:p>
-            <a:r>
-              <a:rPr lang="en-US" dirty="0" smtClean="0"/>
-              <a:t>Observation-scaled prior</a:t>
-            </a:r>
-            <a:endParaRPr lang="en-US" dirty="0"/>
-          </a:p>
-        </p:txBody>
-      </p:sp>
-      <p:sp>
-        <p:nvSpPr>
-          <p:cNvPr id="3" name="Footer Placeholder 2"/>
-          <p:cNvSpPr>
-            <a:spLocks noGrp="1"/>
-          </p:cNvSpPr>
-          <p:nvPr>
-            <p:ph type="ftr" sz="quarter" idx="11"/>
-          </p:nvPr>
-        </p:nvSpPr>
-        <p:spPr/>
-        <p:txBody>
-          <a:bodyPr/>
-          <a:lstStyle/>
-          <a:p>
-            <a:r>
-              <a:rPr lang="en-US" smtClean="0"/>
-              <a:t>CoDaWork 2015</a:t>
-            </a:r>
-            <a:endParaRPr lang="en-US"/>
-          </a:p>
-        </p:txBody>
-      </p:sp>
-      <p:sp>
-        <p:nvSpPr>
-          <p:cNvPr id="4" name="Slide Number Placeholder 3"/>
-          <p:cNvSpPr>
-            <a:spLocks noGrp="1"/>
-          </p:cNvSpPr>
-          <p:nvPr>
-            <p:ph type="sldNum" sz="quarter" idx="12"/>
-          </p:nvPr>
-        </p:nvSpPr>
-        <p:spPr/>
-        <p:txBody>
-          <a:bodyPr/>
-          <a:lstStyle/>
-          <a:p>
-            <a:fld id="{4CBC7C6D-2764-8E4F-B1AE-9A315E705D2C}" type="slidenum">
-              <a:rPr lang="en-US" smtClean="0"/>
-              <a:t>12</a:t>
-            </a:fld>
-            <a:endParaRPr lang="en-US"/>
-          </a:p>
-        </p:txBody>
-      </p:sp>
-    </p:spTree>
-    <p:extLst>
-      <p:ext uri="{BB962C8B-B14F-4D97-AF65-F5344CB8AC3E}">
-        <p14:creationId xmlns:p14="http://schemas.microsoft.com/office/powerpoint/2010/main" val="2736996339"/>
-      </p:ext>
-    </p:extLst>
-  </p:cSld>
-  <p:clrMapOvr>
-    <a:masterClrMapping/>
-  </p:clrMapOvr>
-  <p:timing>
-    <p:tnLst>
-      <p:par>
-        <p:cTn xmlns:p14="http://schemas.microsoft.com/office/powerpoint/2010/main" id="1" dur="indefinite" restart="never" nodeType="tmRoot"/>
-      </p:par>
-    </p:tnLst>
-  </p:timing>
-</p:sld>
-</file>
-
-<file path=ppt/slides/slide2.xml><?xml version="1.0" encoding="utf-8"?>
-<p:sld xmlns:a="http://schemas.openxmlformats.org/drawingml/2006/main" xmlns:r="http://schemas.openxmlformats.org/officeDocument/2006/relationships" xmlns:p="http://schemas.openxmlformats.org/presentationml/2006/main">
-  <p:cSld>
-    <p:spTree>
-      <p:nvGrpSpPr>
-        <p:cNvPr id="1" name=""/>
-        <p:cNvGrpSpPr/>
-        <p:nvPr/>
-      </p:nvGrpSpPr>
-      <p:grpSpPr>
-        <a:xfrm>
-          <a:off x="0" y="0"/>
-          <a:ext cx="0" cy="0"/>
-          <a:chOff x="0" y="0"/>
-          <a:chExt cx="0" cy="0"/>
-        </a:xfrm>
-      </p:grpSpPr>
-      <p:pic>
-        <p:nvPicPr>
-          <p:cNvPr id="5" name="Content Placeholder 4" descr="goal.png"/>
-          <p:cNvPicPr>
-            <a:picLocks noGrp="1" noChangeAspect="1"/>
-          </p:cNvPicPr>
-          <p:nvPr>
-            <p:ph idx="1"/>
-          </p:nvPr>
-        </p:nvPicPr>
-        <p:blipFill>
-          <a:blip r:embed="rId3">
-            <a:extLst>
-              <a:ext uri="{28A0092B-C50C-407E-A947-70E740481C1C}">
-                <a14:useLocalDpi xmlns:a14="http://schemas.microsoft.com/office/drawing/2010/main" val="0"/>
-              </a:ext>
-            </a:extLst>
-          </a:blip>
-          <a:srcRect l="-1140" r="-1140"/>
-          <a:stretch>
-            <a:fillRect/>
-          </a:stretch>
-        </p:blipFill>
-        <p:spPr>
-          <a:xfrm>
-            <a:off x="457200" y="2297220"/>
-            <a:ext cx="4197247" cy="2308324"/>
-          </a:xfrm>
-        </p:spPr>
-      </p:pic>
-      <p:sp>
-        <p:nvSpPr>
-          <p:cNvPr id="2" name="Title 1"/>
-          <p:cNvSpPr>
-            <a:spLocks noGrp="1"/>
-          </p:cNvSpPr>
-          <p:nvPr>
-            <p:ph type="title"/>
-          </p:nvPr>
-        </p:nvSpPr>
-        <p:spPr/>
-        <p:txBody>
-          <a:bodyPr/>
-          <a:lstStyle/>
-          <a:p>
-            <a:r>
-              <a:rPr lang="en-US" dirty="0" smtClean="0"/>
-              <a:t>The goal</a:t>
-            </a:r>
-            <a:endParaRPr lang="en-US" dirty="0"/>
-          </a:p>
-        </p:txBody>
-      </p:sp>
-      <p:sp>
-        <p:nvSpPr>
-          <p:cNvPr id="6" name="TextBox 5"/>
-          <p:cNvSpPr txBox="1"/>
-          <p:nvPr/>
-        </p:nvSpPr>
-        <p:spPr>
-          <a:xfrm>
-            <a:off x="4847071" y="1724328"/>
-            <a:ext cx="3460231" cy="3970318"/>
-          </a:xfrm>
-          <a:prstGeom prst="rect">
-            <a:avLst/>
-          </a:prstGeom>
-          <a:noFill/>
-        </p:spPr>
-        <p:txBody>
-          <a:bodyPr wrap="square" rtlCol="0">
-            <a:spAutoFit/>
-          </a:bodyPr>
-          <a:lstStyle/>
-          <a:p>
-            <a:pPr marL="285750" indent="-285750">
-              <a:buFont typeface="Arial"/>
-              <a:buChar char="•"/>
-            </a:pPr>
-            <a:r>
-              <a:rPr lang="en-US" dirty="0" smtClean="0"/>
-              <a:t>Given a set of data for two or more groups derived from high throughput sequencing, what are the </a:t>
-            </a:r>
-            <a:r>
-              <a:rPr lang="en-US" dirty="0" err="1" smtClean="0"/>
-              <a:t>univariate</a:t>
-            </a:r>
-            <a:r>
-              <a:rPr lang="en-US" dirty="0" smtClean="0"/>
-              <a:t> differences between the groups?</a:t>
-            </a:r>
-          </a:p>
-          <a:p>
-            <a:pPr marL="285750" indent="-285750">
-              <a:buFont typeface="Arial"/>
-              <a:buChar char="•"/>
-            </a:pPr>
-            <a:endParaRPr lang="en-US" dirty="0"/>
-          </a:p>
-          <a:p>
-            <a:pPr marL="285750" indent="-285750">
-              <a:buFont typeface="Arial"/>
-              <a:buChar char="•"/>
-            </a:pPr>
-            <a:r>
-              <a:rPr lang="en-US" dirty="0" smtClean="0"/>
-              <a:t>Samples can be RNA-</a:t>
-            </a:r>
-            <a:r>
-              <a:rPr lang="en-US" dirty="0" err="1" smtClean="0"/>
-              <a:t>seq</a:t>
-            </a:r>
-            <a:r>
-              <a:rPr lang="en-US" dirty="0" smtClean="0"/>
-              <a:t>, 16S </a:t>
-            </a:r>
-            <a:r>
-              <a:rPr lang="en-US" dirty="0" err="1" smtClean="0"/>
-              <a:t>rRNA</a:t>
-            </a:r>
-            <a:r>
-              <a:rPr lang="en-US" dirty="0" smtClean="0"/>
-              <a:t> gene abundances (</a:t>
-            </a:r>
-            <a:r>
-              <a:rPr lang="en-US" dirty="0" err="1" smtClean="0"/>
-              <a:t>microbiome</a:t>
-            </a:r>
-            <a:r>
-              <a:rPr lang="en-US" dirty="0" smtClean="0"/>
-              <a:t>), </a:t>
-            </a:r>
-            <a:r>
-              <a:rPr lang="en-US" dirty="0" err="1" smtClean="0"/>
-              <a:t>ChIP-seq</a:t>
-            </a:r>
-            <a:r>
-              <a:rPr lang="en-US" dirty="0" smtClean="0"/>
-              <a:t>, selections …</a:t>
-            </a:r>
-          </a:p>
-          <a:p>
-            <a:pPr marL="285750" indent="-285750">
-              <a:buFont typeface="Arial"/>
-              <a:buChar char="•"/>
-            </a:pPr>
-            <a:endParaRPr lang="en-US" dirty="0" smtClean="0"/>
-          </a:p>
-          <a:p>
-            <a:pPr marL="285750" indent="-285750">
-              <a:buFont typeface="Arial"/>
-              <a:buChar char="•"/>
-            </a:pPr>
-            <a:r>
-              <a:rPr lang="en-US" dirty="0" smtClean="0"/>
-              <a:t>Features can be gene sets, OTU sequences, genomic regions, allele abundances …</a:t>
-            </a:r>
-            <a:endParaRPr lang="en-US" dirty="0"/>
-          </a:p>
-        </p:txBody>
-      </p:sp>
-      <p:sp>
-        <p:nvSpPr>
-          <p:cNvPr id="3" name="Footer Placeholder 2"/>
-          <p:cNvSpPr>
-            <a:spLocks noGrp="1"/>
-          </p:cNvSpPr>
-          <p:nvPr>
-            <p:ph type="ftr" sz="quarter" idx="11"/>
-          </p:nvPr>
-        </p:nvSpPr>
-        <p:spPr/>
-        <p:txBody>
-          <a:bodyPr/>
-          <a:lstStyle/>
-          <a:p>
-            <a:r>
-              <a:rPr lang="en-US" smtClean="0"/>
-              <a:t>CoDaWork 2015</a:t>
-            </a:r>
-            <a:endParaRPr lang="en-US"/>
-          </a:p>
-        </p:txBody>
-      </p:sp>
-      <p:sp>
-        <p:nvSpPr>
-          <p:cNvPr id="4" name="Slide Number Placeholder 3"/>
-          <p:cNvSpPr>
-            <a:spLocks noGrp="1"/>
-          </p:cNvSpPr>
-          <p:nvPr>
-            <p:ph type="sldNum" sz="quarter" idx="12"/>
-          </p:nvPr>
-        </p:nvSpPr>
-        <p:spPr/>
-        <p:txBody>
-          <a:bodyPr/>
-          <a:lstStyle/>
-          <a:p>
-            <a:fld id="{4CBC7C6D-2764-8E4F-B1AE-9A315E705D2C}" type="slidenum">
-              <a:rPr lang="en-US" smtClean="0"/>
-              <a:t>2</a:t>
-            </a:fld>
-            <a:endParaRPr lang="en-US"/>
-          </a:p>
-        </p:txBody>
-      </p:sp>
-    </p:spTree>
-    <p:extLst>
-      <p:ext uri="{BB962C8B-B14F-4D97-AF65-F5344CB8AC3E}">
-        <p14:creationId xmlns:p14="http://schemas.microsoft.com/office/powerpoint/2010/main" val="3983526736"/>
-      </p:ext>
-    </p:extLst>
-  </p:cSld>
-  <p:clrMapOvr>
-    <a:masterClrMapping/>
-  </p:clrMapOvr>
-  <p:timing>
-    <p:tnLst>
-      <p:par>
-        <p:cTn xmlns:p14="http://schemas.microsoft.com/office/powerpoint/2010/main" id="1" dur="indefinite" restart="never" nodeType="tmRoot"/>
-      </p:par>
-    </p:tnLst>
-  </p:timing>
-</p:sld>
-</file>
-
-<file path=ppt/slides/slide3.xml><?xml version="1.0" encoding="utf-8"?>
-<p:sld xmlns:a="http://schemas.openxmlformats.org/drawingml/2006/main" xmlns:r="http://schemas.openxmlformats.org/officeDocument/2006/relationships" xmlns:p="http://schemas.openxmlformats.org/presentationml/2006/main">
-  <p:cSld>
-    <p:spTree>
-      <p:nvGrpSpPr>
-        <p:cNvPr id="1" name=""/>
-        <p:cNvGrpSpPr/>
-        <p:nvPr/>
-      </p:nvGrpSpPr>
-      <p:grpSpPr>
-        <a:xfrm>
-          <a:off x="0" y="0"/>
-          <a:ext cx="0" cy="0"/>
-          <a:chOff x="0" y="0"/>
-          <a:chExt cx="0" cy="0"/>
-        </a:xfrm>
-      </p:grpSpPr>
-      <p:sp>
-        <p:nvSpPr>
-          <p:cNvPr id="2" name="Title 1"/>
-          <p:cNvSpPr>
-            <a:spLocks noGrp="1"/>
-          </p:cNvSpPr>
-          <p:nvPr>
-            <p:ph type="title"/>
-          </p:nvPr>
-        </p:nvSpPr>
-        <p:spPr/>
-        <p:txBody>
-          <a:bodyPr/>
-          <a:lstStyle/>
-          <a:p>
-            <a:r>
-              <a:rPr lang="en-US" dirty="0" smtClean="0"/>
-              <a:t>Where does data come from?</a:t>
-            </a:r>
-            <a:endParaRPr lang="en-US" dirty="0"/>
-          </a:p>
-        </p:txBody>
-      </p:sp>
-      <p:pic>
-        <p:nvPicPr>
-          <p:cNvPr id="4" name="Content Placeholder 3" descr="fig_1.pdf"/>
-          <p:cNvPicPr>
-            <a:picLocks noGrp="1" noChangeAspect="1"/>
-          </p:cNvPicPr>
-          <p:nvPr>
-            <p:ph idx="1"/>
-          </p:nvPr>
-        </p:nvPicPr>
-        <p:blipFill rotWithShape="1">
-          <a:blip r:embed="rId3">
-            <a:extLst>
-              <a:ext uri="{28A0092B-C50C-407E-A947-70E740481C1C}">
-                <a14:useLocalDpi xmlns:a14="http://schemas.microsoft.com/office/drawing/2010/main" val="0"/>
-              </a:ext>
-            </a:extLst>
-          </a:blip>
-          <a:srcRect l="100" r="1833" b="30506"/>
-          <a:stretch/>
-        </p:blipFill>
-        <p:spPr>
-          <a:xfrm>
-            <a:off x="457200" y="1417638"/>
-            <a:ext cx="5219959" cy="3740001"/>
-          </a:xfrm>
-        </p:spPr>
-      </p:pic>
-      <p:sp>
-        <p:nvSpPr>
-          <p:cNvPr id="6" name="TextBox 5"/>
-          <p:cNvSpPr txBox="1"/>
-          <p:nvPr/>
-        </p:nvSpPr>
-        <p:spPr>
-          <a:xfrm>
-            <a:off x="5438896" y="1741319"/>
-            <a:ext cx="3460231" cy="4247317"/>
-          </a:xfrm>
-          <a:prstGeom prst="rect">
-            <a:avLst/>
-          </a:prstGeom>
-          <a:noFill/>
-        </p:spPr>
-        <p:txBody>
-          <a:bodyPr wrap="square" rtlCol="0">
-            <a:spAutoFit/>
-          </a:bodyPr>
-          <a:lstStyle/>
-          <a:p>
-            <a:pPr marL="285750" indent="-285750">
-              <a:buFont typeface="Arial"/>
-              <a:buChar char="•"/>
-            </a:pPr>
-            <a:r>
-              <a:rPr lang="en-US" dirty="0" smtClean="0"/>
-              <a:t>We start with random DNA or RNA fragments</a:t>
-            </a:r>
-          </a:p>
-          <a:p>
-            <a:pPr marL="285750" indent="-285750">
-              <a:buFont typeface="Arial"/>
-              <a:buChar char="•"/>
-            </a:pPr>
-            <a:r>
-              <a:rPr lang="en-US" dirty="0" smtClean="0"/>
-              <a:t>We take a random sample and make a library</a:t>
-            </a:r>
-          </a:p>
-          <a:p>
-            <a:pPr marL="285750" indent="-285750">
-              <a:buFont typeface="Arial"/>
-              <a:buChar char="•"/>
-            </a:pPr>
-            <a:r>
-              <a:rPr lang="en-US" dirty="0" smtClean="0"/>
-              <a:t>A random sample of the library is sequenced and mapped to genomes</a:t>
-            </a:r>
-          </a:p>
-          <a:p>
-            <a:pPr marL="285750" indent="-285750">
-              <a:buFont typeface="Arial"/>
-              <a:buChar char="•"/>
-            </a:pPr>
-            <a:r>
-              <a:rPr lang="en-US" dirty="0" smtClean="0"/>
-              <a:t>This generates a table of counts per feature (part) in each sample (observation)</a:t>
-            </a:r>
-          </a:p>
-          <a:p>
-            <a:pPr marL="285750" indent="-285750">
-              <a:buFont typeface="Arial"/>
-              <a:buChar char="•"/>
-            </a:pPr>
-            <a:r>
-              <a:rPr lang="en-US" dirty="0" smtClean="0"/>
-              <a:t>Very sparse data</a:t>
-            </a:r>
-          </a:p>
-          <a:p>
-            <a:pPr marL="285750" indent="-285750">
-              <a:buFont typeface="Arial"/>
-              <a:buChar char="•"/>
-            </a:pPr>
-            <a:r>
-              <a:rPr lang="en-US" dirty="0" smtClean="0"/>
-              <a:t>Many 0 values in one group but not the other – these have information</a:t>
-            </a:r>
-          </a:p>
-          <a:p>
-            <a:endParaRPr lang="en-US" dirty="0"/>
-          </a:p>
-        </p:txBody>
-      </p:sp>
-      <p:sp>
-        <p:nvSpPr>
-          <p:cNvPr id="3" name="Footer Placeholder 2"/>
-          <p:cNvSpPr>
-            <a:spLocks noGrp="1"/>
-          </p:cNvSpPr>
-          <p:nvPr>
-            <p:ph type="ftr" sz="quarter" idx="11"/>
-          </p:nvPr>
-        </p:nvSpPr>
-        <p:spPr/>
-        <p:txBody>
-          <a:bodyPr/>
-          <a:lstStyle/>
-          <a:p>
-            <a:r>
-              <a:rPr lang="en-US" smtClean="0"/>
-              <a:t>CoDaWork 2015</a:t>
-            </a:r>
-            <a:endParaRPr lang="en-US"/>
-          </a:p>
-        </p:txBody>
-      </p:sp>
-      <p:sp>
-        <p:nvSpPr>
-          <p:cNvPr id="5" name="Slide Number Placeholder 4"/>
-          <p:cNvSpPr>
-            <a:spLocks noGrp="1"/>
-          </p:cNvSpPr>
-          <p:nvPr>
-            <p:ph type="sldNum" sz="quarter" idx="12"/>
-          </p:nvPr>
-        </p:nvSpPr>
-        <p:spPr/>
-        <p:txBody>
-          <a:bodyPr/>
-          <a:lstStyle/>
-          <a:p>
-            <a:fld id="{4CBC7C6D-2764-8E4F-B1AE-9A315E705D2C}" type="slidenum">
-              <a:rPr lang="en-US" smtClean="0"/>
-              <a:t>3</a:t>
-            </a:fld>
-            <a:endParaRPr lang="en-US"/>
-          </a:p>
-        </p:txBody>
-      </p:sp>
-    </p:spTree>
-    <p:extLst>
-      <p:ext uri="{BB962C8B-B14F-4D97-AF65-F5344CB8AC3E}">
-        <p14:creationId xmlns:p14="http://schemas.microsoft.com/office/powerpoint/2010/main" val="3238916594"/>
-      </p:ext>
-    </p:extLst>
-  </p:cSld>
-  <p:clrMapOvr>
-    <a:masterClrMapping/>
-  </p:clrMapOvr>
-  <p:timing>
-    <p:tnLst>
-      <p:par>
-        <p:cTn xmlns:p14="http://schemas.microsoft.com/office/powerpoint/2010/main" id="1" dur="indefinite" restart="never" nodeType="tmRoot"/>
-      </p:par>
-    </p:tnLst>
-  </p:timing>
-</p:sld>
-</file>
-
-<file path=ppt/slides/slide4.xml><?xml version="1.0" encoding="utf-8"?>
-<p:sld xmlns:a="http://schemas.openxmlformats.org/drawingml/2006/main" xmlns:r="http://schemas.openxmlformats.org/officeDocument/2006/relationships" xmlns:p="http://schemas.openxmlformats.org/presentationml/2006/main">
-  <p:cSld>
-    <p:spTree>
-      <p:nvGrpSpPr>
-        <p:cNvPr id="1" name=""/>
-        <p:cNvGrpSpPr/>
-        <p:nvPr/>
-      </p:nvGrpSpPr>
-      <p:grpSpPr>
-        <a:xfrm>
-          <a:off x="0" y="0"/>
-          <a:ext cx="0" cy="0"/>
-          <a:chOff x="0" y="0"/>
-          <a:chExt cx="0" cy="0"/>
-        </a:xfrm>
-      </p:grpSpPr>
-      <p:sp>
-        <p:nvSpPr>
-          <p:cNvPr id="2" name="Title 1"/>
-          <p:cNvSpPr>
-            <a:spLocks noGrp="1"/>
-          </p:cNvSpPr>
-          <p:nvPr>
-            <p:ph type="title"/>
-          </p:nvPr>
-        </p:nvSpPr>
-        <p:spPr/>
-        <p:txBody>
-          <a:bodyPr/>
-          <a:lstStyle/>
-          <a:p>
-            <a:r>
-              <a:rPr lang="en-US" dirty="0" smtClean="0"/>
-              <a:t>Real sequence data are variable</a:t>
-            </a:r>
-            <a:endParaRPr lang="en-US" dirty="0"/>
-          </a:p>
-        </p:txBody>
-      </p:sp>
-      <p:sp>
-        <p:nvSpPr>
-          <p:cNvPr id="10" name="TextBox 9"/>
-          <p:cNvSpPr txBox="1"/>
-          <p:nvPr/>
-        </p:nvSpPr>
-        <p:spPr>
-          <a:xfrm>
-            <a:off x="5021042" y="2031631"/>
-            <a:ext cx="3066641" cy="3139321"/>
-          </a:xfrm>
-          <a:prstGeom prst="rect">
-            <a:avLst/>
-          </a:prstGeom>
-          <a:noFill/>
-        </p:spPr>
-        <p:txBody>
-          <a:bodyPr wrap="square" rtlCol="0">
-            <a:spAutoFit/>
-          </a:bodyPr>
-          <a:lstStyle/>
-          <a:p>
-            <a:r>
-              <a:rPr lang="en-US" dirty="0" smtClean="0"/>
-              <a:t>Same features from same samples from the same library</a:t>
-            </a:r>
-          </a:p>
-          <a:p>
-            <a:endParaRPr lang="en-US" dirty="0"/>
-          </a:p>
-          <a:p>
-            <a:r>
-              <a:rPr lang="en-US" dirty="0" smtClean="0"/>
-              <a:t>Sequenced on different lanes</a:t>
-            </a:r>
-          </a:p>
-          <a:p>
-            <a:endParaRPr lang="en-US" dirty="0"/>
-          </a:p>
-          <a:p>
-            <a:r>
-              <a:rPr lang="en-US" dirty="0" smtClean="0"/>
-              <a:t>We should get comparable answers regardless of when, where, how we sequence</a:t>
-            </a:r>
-          </a:p>
-          <a:p>
-            <a:endParaRPr lang="en-US" dirty="0"/>
-          </a:p>
-          <a:p>
-            <a:r>
-              <a:rPr lang="en-US" dirty="0" smtClean="0"/>
-              <a:t>We can estimate the variability by sampling </a:t>
-            </a:r>
-            <a:r>
-              <a:rPr lang="en-US" dirty="0" err="1" smtClean="0"/>
-              <a:t>Dirichlet</a:t>
-            </a:r>
-            <a:r>
-              <a:rPr lang="en-US" dirty="0" smtClean="0"/>
-              <a:t> instances</a:t>
-            </a:r>
-          </a:p>
-        </p:txBody>
-      </p:sp>
-      <p:pic>
-        <p:nvPicPr>
-          <p:cNvPr id="5" name="Picture 4"/>
-          <p:cNvPicPr>
-            <a:picLocks noChangeAspect="1"/>
-          </p:cNvPicPr>
-          <p:nvPr/>
-        </p:nvPicPr>
-        <p:blipFill>
-          <a:blip r:embed="rId3"/>
-          <a:stretch>
-            <a:fillRect/>
-          </a:stretch>
-        </p:blipFill>
-        <p:spPr>
-          <a:xfrm>
-            <a:off x="2926783" y="1829871"/>
-            <a:ext cx="1206500" cy="1701800"/>
-          </a:xfrm>
-          <a:prstGeom prst="rect">
-            <a:avLst/>
-          </a:prstGeom>
-        </p:spPr>
-      </p:pic>
-      <p:pic>
-        <p:nvPicPr>
-          <p:cNvPr id="6" name="Picture 5"/>
-          <p:cNvPicPr>
-            <a:picLocks noChangeAspect="1"/>
-          </p:cNvPicPr>
-          <p:nvPr/>
-        </p:nvPicPr>
-        <p:blipFill>
-          <a:blip r:embed="rId4"/>
-          <a:stretch>
-            <a:fillRect/>
-          </a:stretch>
-        </p:blipFill>
-        <p:spPr>
-          <a:xfrm>
-            <a:off x="1162516" y="3659862"/>
-            <a:ext cx="1241028" cy="1736136"/>
-          </a:xfrm>
-          <a:prstGeom prst="rect">
-            <a:avLst/>
-          </a:prstGeom>
-        </p:spPr>
-      </p:pic>
-      <p:pic>
-        <p:nvPicPr>
-          <p:cNvPr id="8" name="Picture 7"/>
-          <p:cNvPicPr>
-            <a:picLocks noChangeAspect="1"/>
-          </p:cNvPicPr>
-          <p:nvPr/>
-        </p:nvPicPr>
-        <p:blipFill>
-          <a:blip r:embed="rId5"/>
-          <a:stretch>
-            <a:fillRect/>
-          </a:stretch>
-        </p:blipFill>
-        <p:spPr>
-          <a:xfrm>
-            <a:off x="2892255" y="3652165"/>
-            <a:ext cx="1241028" cy="1736136"/>
-          </a:xfrm>
-          <a:prstGeom prst="rect">
-            <a:avLst/>
-          </a:prstGeom>
-        </p:spPr>
-      </p:pic>
-      <p:pic>
-        <p:nvPicPr>
-          <p:cNvPr id="13" name="Content Placeholder 12"/>
-          <p:cNvPicPr>
-            <a:picLocks noGrp="1" noChangeAspect="1"/>
-          </p:cNvPicPr>
-          <p:nvPr>
-            <p:ph idx="1"/>
-          </p:nvPr>
-        </p:nvPicPr>
-        <p:blipFill rotWithShape="1">
-          <a:blip r:embed="rId6"/>
-          <a:srcRect l="1024" r="1623"/>
-          <a:stretch/>
-        </p:blipFill>
-        <p:spPr>
-          <a:xfrm>
-            <a:off x="1162516" y="1899492"/>
-            <a:ext cx="1108948" cy="1616785"/>
-          </a:xfrm>
-        </p:spPr>
-      </p:pic>
-      <p:sp>
-        <p:nvSpPr>
-          <p:cNvPr id="14" name="TextBox 13"/>
-          <p:cNvSpPr txBox="1"/>
-          <p:nvPr/>
-        </p:nvSpPr>
-        <p:spPr>
-          <a:xfrm>
-            <a:off x="1323483" y="1791386"/>
-            <a:ext cx="787395" cy="276999"/>
-          </a:xfrm>
-          <a:prstGeom prst="rect">
-            <a:avLst/>
-          </a:prstGeom>
-          <a:solidFill>
-            <a:schemeClr val="bg1"/>
-          </a:solidFill>
-        </p:spPr>
-        <p:txBody>
-          <a:bodyPr wrap="none" rtlCol="0">
-            <a:spAutoFit/>
-          </a:bodyPr>
-          <a:lstStyle/>
-          <a:p>
-            <a:r>
-              <a:rPr lang="en-US" sz="1200" dirty="0" smtClean="0"/>
-              <a:t>Count = 2</a:t>
-            </a:r>
-            <a:endParaRPr lang="en-US" sz="1200" dirty="0"/>
-          </a:p>
-        </p:txBody>
-      </p:sp>
-      <p:sp>
-        <p:nvSpPr>
-          <p:cNvPr id="15" name="TextBox 14"/>
-          <p:cNvSpPr txBox="1"/>
-          <p:nvPr/>
-        </p:nvSpPr>
-        <p:spPr>
-          <a:xfrm>
-            <a:off x="3107282" y="1795536"/>
-            <a:ext cx="864339" cy="276999"/>
-          </a:xfrm>
-          <a:prstGeom prst="rect">
-            <a:avLst/>
-          </a:prstGeom>
-          <a:solidFill>
-            <a:schemeClr val="bg1"/>
-          </a:solidFill>
-        </p:spPr>
-        <p:txBody>
-          <a:bodyPr wrap="none" rtlCol="0">
-            <a:spAutoFit/>
-          </a:bodyPr>
-          <a:lstStyle/>
-          <a:p>
-            <a:r>
-              <a:rPr lang="en-US" sz="1200" dirty="0" smtClean="0"/>
-              <a:t>Count = 32</a:t>
-            </a:r>
-            <a:endParaRPr lang="en-US" sz="1200" dirty="0"/>
-          </a:p>
-        </p:txBody>
-      </p:sp>
-      <p:sp>
-        <p:nvSpPr>
-          <p:cNvPr id="16" name="TextBox 15"/>
-          <p:cNvSpPr txBox="1"/>
-          <p:nvPr/>
-        </p:nvSpPr>
-        <p:spPr>
-          <a:xfrm>
-            <a:off x="3522919" y="3531671"/>
-            <a:ext cx="184666" cy="276999"/>
-          </a:xfrm>
-          <a:prstGeom prst="rect">
-            <a:avLst/>
-          </a:prstGeom>
-          <a:solidFill>
-            <a:schemeClr val="bg1"/>
-          </a:solidFill>
-        </p:spPr>
-        <p:txBody>
-          <a:bodyPr wrap="none" rtlCol="0">
-            <a:spAutoFit/>
-          </a:bodyPr>
-          <a:lstStyle/>
-          <a:p>
-            <a:endParaRPr lang="en-US" sz="1200" dirty="0"/>
-          </a:p>
-        </p:txBody>
-      </p:sp>
-      <p:sp>
-        <p:nvSpPr>
-          <p:cNvPr id="17" name="TextBox 16"/>
-          <p:cNvSpPr txBox="1"/>
-          <p:nvPr/>
-        </p:nvSpPr>
-        <p:spPr>
-          <a:xfrm>
-            <a:off x="1762283" y="3545571"/>
-            <a:ext cx="184666" cy="276999"/>
-          </a:xfrm>
-          <a:prstGeom prst="rect">
-            <a:avLst/>
-          </a:prstGeom>
-          <a:solidFill>
-            <a:schemeClr val="bg1"/>
-          </a:solidFill>
-        </p:spPr>
-        <p:txBody>
-          <a:bodyPr wrap="none" rtlCol="0">
-            <a:spAutoFit/>
-          </a:bodyPr>
-          <a:lstStyle/>
-          <a:p>
-            <a:endParaRPr lang="en-US" sz="1200" dirty="0"/>
-          </a:p>
-        </p:txBody>
-      </p:sp>
-      <p:sp>
-        <p:nvSpPr>
-          <p:cNvPr id="18" name="TextBox 17"/>
-          <p:cNvSpPr txBox="1"/>
-          <p:nvPr/>
-        </p:nvSpPr>
-        <p:spPr>
-          <a:xfrm>
-            <a:off x="1469037" y="5404721"/>
-            <a:ext cx="784740" cy="276999"/>
-          </a:xfrm>
-          <a:prstGeom prst="rect">
-            <a:avLst/>
-          </a:prstGeom>
-          <a:solidFill>
-            <a:schemeClr val="bg1"/>
-          </a:solidFill>
-        </p:spPr>
-        <p:txBody>
-          <a:bodyPr wrap="none" rtlCol="0">
-            <a:spAutoFit/>
-          </a:bodyPr>
-          <a:lstStyle/>
-          <a:p>
-            <a:r>
-              <a:rPr lang="en-US" sz="1200" dirty="0" smtClean="0"/>
-              <a:t>Observed</a:t>
-            </a:r>
-            <a:endParaRPr lang="en-US" sz="1200" dirty="0"/>
-          </a:p>
-        </p:txBody>
-      </p:sp>
-      <p:sp>
-        <p:nvSpPr>
-          <p:cNvPr id="19" name="TextBox 18"/>
-          <p:cNvSpPr txBox="1"/>
-          <p:nvPr/>
-        </p:nvSpPr>
-        <p:spPr>
-          <a:xfrm>
-            <a:off x="3253639" y="5395998"/>
-            <a:ext cx="784740" cy="276999"/>
-          </a:xfrm>
-          <a:prstGeom prst="rect">
-            <a:avLst/>
-          </a:prstGeom>
-          <a:solidFill>
-            <a:schemeClr val="bg1"/>
-          </a:solidFill>
-        </p:spPr>
-        <p:txBody>
-          <a:bodyPr wrap="none" rtlCol="0">
-            <a:spAutoFit/>
-          </a:bodyPr>
-          <a:lstStyle/>
-          <a:p>
-            <a:r>
-              <a:rPr lang="en-US" sz="1200" dirty="0" smtClean="0"/>
-              <a:t>Observed</a:t>
-            </a:r>
-            <a:endParaRPr lang="en-US" sz="1200" dirty="0"/>
-          </a:p>
-        </p:txBody>
-      </p:sp>
-      <p:sp>
-        <p:nvSpPr>
-          <p:cNvPr id="20" name="TextBox 19"/>
-          <p:cNvSpPr txBox="1"/>
-          <p:nvPr/>
-        </p:nvSpPr>
-        <p:spPr>
-          <a:xfrm rot="16200000">
-            <a:off x="397923" y="4386155"/>
-            <a:ext cx="1252191" cy="276999"/>
-          </a:xfrm>
-          <a:prstGeom prst="rect">
-            <a:avLst/>
-          </a:prstGeom>
-          <a:solidFill>
-            <a:schemeClr val="bg1"/>
-          </a:solidFill>
-        </p:spPr>
-        <p:txBody>
-          <a:bodyPr wrap="none" rtlCol="0">
-            <a:spAutoFit/>
-          </a:bodyPr>
-          <a:lstStyle/>
-          <a:p>
-            <a:r>
-              <a:rPr lang="en-US" sz="1200" dirty="0" err="1" smtClean="0"/>
-              <a:t>Dirichlet</a:t>
-            </a:r>
-            <a:r>
-              <a:rPr lang="en-US" sz="1200" dirty="0" smtClean="0"/>
-              <a:t> inferred</a:t>
-            </a:r>
-            <a:endParaRPr lang="en-US" sz="1200" dirty="0"/>
-          </a:p>
-        </p:txBody>
-      </p:sp>
-      <p:sp>
-        <p:nvSpPr>
-          <p:cNvPr id="21" name="Rectangle 20"/>
-          <p:cNvSpPr/>
-          <p:nvPr/>
-        </p:nvSpPr>
-        <p:spPr>
-          <a:xfrm>
-            <a:off x="1024250" y="6022940"/>
-            <a:ext cx="2286503" cy="276999"/>
-          </a:xfrm>
-          <a:prstGeom prst="rect">
-            <a:avLst/>
-          </a:prstGeom>
-        </p:spPr>
-        <p:txBody>
-          <a:bodyPr wrap="none">
-            <a:spAutoFit/>
-          </a:bodyPr>
-          <a:lstStyle/>
-          <a:p>
-            <a:r>
-              <a:rPr lang="en-US" sz="1200" dirty="0" smtClean="0"/>
-              <a:t>(</a:t>
-            </a:r>
-            <a:r>
-              <a:rPr lang="en-US" sz="1200" dirty="0" err="1" smtClean="0"/>
-              <a:t>Marioni</a:t>
-            </a:r>
-            <a:r>
-              <a:rPr lang="en-US" sz="1200" dirty="0" smtClean="0"/>
-              <a:t> et </a:t>
-            </a:r>
-            <a:r>
-              <a:rPr lang="en-US" sz="1200" dirty="0"/>
-              <a:t>al, </a:t>
-            </a:r>
-            <a:r>
-              <a:rPr lang="en-US" sz="1200" dirty="0" smtClean="0"/>
-              <a:t>Genome Res 2008)</a:t>
-            </a:r>
-            <a:endParaRPr lang="en-US" sz="1200" dirty="0"/>
-          </a:p>
-        </p:txBody>
-      </p:sp>
-      <p:sp>
-        <p:nvSpPr>
-          <p:cNvPr id="3" name="Footer Placeholder 2"/>
-          <p:cNvSpPr>
-            <a:spLocks noGrp="1"/>
-          </p:cNvSpPr>
-          <p:nvPr>
-            <p:ph type="ftr" sz="quarter" idx="11"/>
-          </p:nvPr>
-        </p:nvSpPr>
-        <p:spPr/>
-        <p:txBody>
-          <a:bodyPr/>
-          <a:lstStyle/>
-          <a:p>
-            <a:r>
-              <a:rPr lang="en-US" smtClean="0"/>
-              <a:t>CoDaWork 2015</a:t>
-            </a:r>
-            <a:endParaRPr lang="en-US"/>
-          </a:p>
-        </p:txBody>
-      </p:sp>
-      <p:sp>
-        <p:nvSpPr>
-          <p:cNvPr id="4" name="Slide Number Placeholder 3"/>
-          <p:cNvSpPr>
-            <a:spLocks noGrp="1"/>
-          </p:cNvSpPr>
-          <p:nvPr>
-            <p:ph type="sldNum" sz="quarter" idx="12"/>
-          </p:nvPr>
-        </p:nvSpPr>
-        <p:spPr/>
-        <p:txBody>
-          <a:bodyPr/>
-          <a:lstStyle/>
-          <a:p>
-            <a:fld id="{4CBC7C6D-2764-8E4F-B1AE-9A315E705D2C}" type="slidenum">
-              <a:rPr lang="en-US" smtClean="0"/>
-              <a:t>4</a:t>
-            </a:fld>
-            <a:endParaRPr lang="en-US"/>
-          </a:p>
-        </p:txBody>
-      </p:sp>
-    </p:spTree>
-    <p:extLst>
-      <p:ext uri="{BB962C8B-B14F-4D97-AF65-F5344CB8AC3E}">
-        <p14:creationId xmlns:p14="http://schemas.microsoft.com/office/powerpoint/2010/main" val="4238133957"/>
-      </p:ext>
-    </p:extLst>
-  </p:cSld>
-  <p:clrMapOvr>
-    <a:masterClrMapping/>
-  </p:clrMapOvr>
-  <p:timing>
-    <p:tnLst>
-      <p:par>
-        <p:cTn xmlns:p14="http://schemas.microsoft.com/office/powerpoint/2010/main" id="1" dur="indefinite" restart="never" nodeType="tmRoot"/>
-      </p:par>
-    </p:tnLst>
-  </p:timing>
-</p:sld>
-</file>
-
-<file path=ppt/slides/slide5.xml><?xml version="1.0" encoding="utf-8"?>
-<p:sld xmlns:a="http://schemas.openxmlformats.org/drawingml/2006/main" xmlns:r="http://schemas.openxmlformats.org/officeDocument/2006/relationships" xmlns:p="http://schemas.openxmlformats.org/presentationml/2006/main">
-  <p:cSld>
-    <p:spTree>
-      <p:nvGrpSpPr>
-        <p:cNvPr id="1" name=""/>
-        <p:cNvGrpSpPr/>
-        <p:nvPr/>
-      </p:nvGrpSpPr>
-      <p:grpSpPr>
-        <a:xfrm>
-          <a:off x="0" y="0"/>
-          <a:ext cx="0" cy="0"/>
-          <a:chOff x="0" y="0"/>
-          <a:chExt cx="0" cy="0"/>
-        </a:xfrm>
-      </p:grpSpPr>
-      <p:sp>
-        <p:nvSpPr>
-          <p:cNvPr id="2" name="Title 1"/>
-          <p:cNvSpPr>
-            <a:spLocks noGrp="1"/>
-          </p:cNvSpPr>
-          <p:nvPr>
-            <p:ph type="title"/>
-          </p:nvPr>
-        </p:nvSpPr>
-        <p:spPr/>
-        <p:txBody>
-          <a:bodyPr/>
-          <a:lstStyle/>
-          <a:p>
-            <a:r>
-              <a:rPr lang="en-US" dirty="0" smtClean="0"/>
-              <a:t>What we have …</a:t>
-            </a:r>
-            <a:endParaRPr lang="en-US" dirty="0"/>
-          </a:p>
-        </p:txBody>
-      </p:sp>
-      <p:sp>
-        <p:nvSpPr>
-          <p:cNvPr id="6" name="TextBox 5"/>
-          <p:cNvSpPr txBox="1"/>
-          <p:nvPr/>
-        </p:nvSpPr>
-        <p:spPr>
-          <a:xfrm>
-            <a:off x="913038" y="4042200"/>
-            <a:ext cx="2705890" cy="2092881"/>
-          </a:xfrm>
-          <a:prstGeom prst="rect">
-            <a:avLst/>
-          </a:prstGeom>
-          <a:noFill/>
-        </p:spPr>
-        <p:txBody>
-          <a:bodyPr wrap="square" rtlCol="0">
-            <a:spAutoFit/>
-          </a:bodyPr>
-          <a:lstStyle/>
-          <a:p>
-            <a:r>
-              <a:rPr lang="en-US" dirty="0" smtClean="0"/>
-              <a:t>Counts in the tube</a:t>
-            </a:r>
-          </a:p>
-          <a:p>
-            <a:endParaRPr lang="en-US" dirty="0" smtClean="0"/>
-          </a:p>
-          <a:p>
-            <a:r>
-              <a:rPr lang="en-US" sz="1400" dirty="0" smtClean="0"/>
-              <a:t>x =[x</a:t>
-            </a:r>
-            <a:r>
-              <a:rPr lang="en-US" sz="1400" baseline="-25000" dirty="0" smtClean="0"/>
-              <a:t>1</a:t>
-            </a:r>
-            <a:r>
-              <a:rPr lang="en-US" sz="1400" dirty="0" smtClean="0"/>
-              <a:t>,x</a:t>
-            </a:r>
-            <a:r>
-              <a:rPr lang="en-US" sz="1400" baseline="-25000" dirty="0" smtClean="0"/>
-              <a:t>2</a:t>
-            </a:r>
-            <a:r>
-              <a:rPr lang="en-US" sz="1400" dirty="0" smtClean="0"/>
-              <a:t> … </a:t>
-            </a:r>
-            <a:r>
-              <a:rPr lang="en-US" sz="1400" dirty="0" err="1" smtClean="0"/>
-              <a:t>x</a:t>
-            </a:r>
-            <a:r>
-              <a:rPr lang="en-US" sz="1400" baseline="-25000" dirty="0" err="1" smtClean="0"/>
-              <a:t>n</a:t>
-            </a:r>
-            <a:r>
-              <a:rPr lang="en-US" sz="1400" dirty="0" smtClean="0"/>
-              <a:t>], </a:t>
-            </a:r>
-            <a:r>
-              <a:rPr lang="en-US" sz="1400" dirty="0" err="1" smtClean="0"/>
-              <a:t>x</a:t>
-            </a:r>
-            <a:r>
-              <a:rPr lang="en-US" sz="1400" baseline="-25000" dirty="0" err="1" smtClean="0"/>
-              <a:t>s</a:t>
-            </a:r>
-            <a:r>
-              <a:rPr lang="en-US" sz="1400" dirty="0" smtClean="0"/>
-              <a:t>=x</a:t>
-            </a:r>
-            <a:r>
-              <a:rPr lang="en-US" sz="1400" baseline="-25000" dirty="0" smtClean="0"/>
-              <a:t>0</a:t>
-            </a:r>
-            <a:r>
-              <a:rPr lang="en-US" sz="1400" dirty="0" smtClean="0"/>
-              <a:t>2</a:t>
-            </a:r>
-            <a:r>
-              <a:rPr lang="en-US" sz="1400" baseline="30000" dirty="0" smtClean="0"/>
-              <a:t>λs</a:t>
-            </a:r>
-            <a:r>
-              <a:rPr lang="en-US" sz="1400" dirty="0" smtClean="0"/>
-              <a:t>, </a:t>
-            </a:r>
-            <a:r>
-              <a:rPr lang="en-US" sz="1400" dirty="0" err="1" smtClean="0"/>
-              <a:t>λ</a:t>
-            </a:r>
-            <a:r>
-              <a:rPr lang="en-US" sz="1400" dirty="0" smtClean="0"/>
-              <a:t>=[1,0 … 0]</a:t>
-            </a:r>
-          </a:p>
-          <a:p>
-            <a:endParaRPr lang="en-US" sz="1400" dirty="0"/>
-          </a:p>
-          <a:p>
-            <a:r>
-              <a:rPr lang="en-US" sz="1400" dirty="0" smtClean="0"/>
-              <a:t>Model similar to our test dataset where 1600 variants, ~60 of which have </a:t>
-            </a:r>
-            <a:r>
-              <a:rPr lang="en-US" sz="1400" dirty="0" err="1" smtClean="0"/>
-              <a:t>λ</a:t>
-            </a:r>
-            <a:r>
-              <a:rPr lang="en-US" sz="1400" dirty="0" smtClean="0"/>
-              <a:t> &gt; 0 </a:t>
-            </a:r>
-          </a:p>
-          <a:p>
-            <a:endParaRPr lang="en-US" sz="1400" dirty="0"/>
-          </a:p>
-          <a:p>
-            <a:r>
-              <a:rPr lang="en-US" sz="1000" dirty="0" smtClean="0"/>
-              <a:t>(</a:t>
-            </a:r>
-            <a:r>
-              <a:rPr lang="en-US" sz="1000" dirty="0" err="1" smtClean="0"/>
-              <a:t>McMurrough</a:t>
-            </a:r>
-            <a:r>
-              <a:rPr lang="en-US" sz="1000" dirty="0" smtClean="0"/>
-              <a:t> et al, PNAS 2014)</a:t>
-            </a:r>
-          </a:p>
-        </p:txBody>
-      </p:sp>
-      <p:pic>
-        <p:nvPicPr>
-          <p:cNvPr id="5" name="Content Placeholder 4" descr="input-clr.pdf"/>
-          <p:cNvPicPr>
-            <a:picLocks noGrp="1" noChangeAspect="1"/>
-          </p:cNvPicPr>
-          <p:nvPr>
-            <p:ph idx="1"/>
-          </p:nvPr>
-        </p:nvPicPr>
-        <p:blipFill rotWithShape="1">
-          <a:blip r:embed="rId3">
-            <a:extLst>
-              <a:ext uri="{28A0092B-C50C-407E-A947-70E740481C1C}">
-                <a14:useLocalDpi xmlns:a14="http://schemas.microsoft.com/office/drawing/2010/main" val="0"/>
-              </a:ext>
-            </a:extLst>
-          </a:blip>
-          <a:srcRect t="7186" b="3914"/>
-          <a:stretch/>
-        </p:blipFill>
-        <p:spPr>
-          <a:xfrm>
-            <a:off x="732271" y="1600200"/>
-            <a:ext cx="8229600" cy="2438693"/>
-          </a:xfrm>
-        </p:spPr>
-      </p:pic>
-      <p:sp>
-        <p:nvSpPr>
-          <p:cNvPr id="7" name="Rectangle 6"/>
-          <p:cNvSpPr/>
-          <p:nvPr/>
-        </p:nvSpPr>
-        <p:spPr>
-          <a:xfrm>
-            <a:off x="3733512" y="1600199"/>
-            <a:ext cx="5032124" cy="2438694"/>
-          </a:xfrm>
-          <a:prstGeom prst="rect">
-            <a:avLst/>
-          </a:prstGeom>
-          <a:solidFill>
-            <a:schemeClr val="bg1">
-              <a:alpha val="80000"/>
-            </a:schemeClr>
-          </a:solidFill>
-          <a:ln>
-            <a:noFill/>
-          </a:ln>
-        </p:spPr>
-        <p:style>
-          <a:lnRef idx="2">
-            <a:schemeClr val="dk1"/>
-          </a:lnRef>
-          <a:fillRef idx="1">
-            <a:schemeClr val="lt1"/>
-          </a:fillRef>
-          <a:effectRef idx="0">
-            <a:schemeClr val="dk1"/>
-          </a:effectRef>
-          <a:fontRef idx="minor">
-            <a:schemeClr val="dk1"/>
-          </a:fontRef>
-        </p:style>
-        <p:txBody>
-          <a:bodyPr rtlCol="0" anchor="ctr"/>
-          <a:lstStyle/>
-          <a:p>
-            <a:pPr algn="ctr"/>
-            <a:endParaRPr lang="en-US"/>
-          </a:p>
-        </p:txBody>
-      </p:sp>
-      <p:sp>
-        <p:nvSpPr>
-          <p:cNvPr id="3" name="Footer Placeholder 2"/>
-          <p:cNvSpPr>
-            <a:spLocks noGrp="1"/>
-          </p:cNvSpPr>
-          <p:nvPr>
-            <p:ph type="ftr" sz="quarter" idx="11"/>
-          </p:nvPr>
-        </p:nvSpPr>
-        <p:spPr/>
-        <p:txBody>
-          <a:bodyPr/>
-          <a:lstStyle/>
-          <a:p>
-            <a:r>
-              <a:rPr lang="en-US" smtClean="0"/>
-              <a:t>CoDaWork 2015</a:t>
-            </a:r>
-            <a:endParaRPr lang="en-US"/>
-          </a:p>
-        </p:txBody>
-      </p:sp>
-      <p:sp>
-        <p:nvSpPr>
-          <p:cNvPr id="4" name="Slide Number Placeholder 3"/>
-          <p:cNvSpPr>
-            <a:spLocks noGrp="1"/>
-          </p:cNvSpPr>
-          <p:nvPr>
-            <p:ph type="sldNum" sz="quarter" idx="12"/>
-          </p:nvPr>
-        </p:nvSpPr>
-        <p:spPr/>
-        <p:txBody>
-          <a:bodyPr/>
-          <a:lstStyle/>
-          <a:p>
-            <a:fld id="{4CBC7C6D-2764-8E4F-B1AE-9A315E705D2C}" type="slidenum">
-              <a:rPr lang="en-US" smtClean="0"/>
-              <a:t>5</a:t>
-            </a:fld>
-            <a:endParaRPr lang="en-US"/>
-          </a:p>
-        </p:txBody>
-      </p:sp>
-    </p:spTree>
-    <p:extLst>
-      <p:ext uri="{BB962C8B-B14F-4D97-AF65-F5344CB8AC3E}">
-        <p14:creationId xmlns:p14="http://schemas.microsoft.com/office/powerpoint/2010/main" val="916134324"/>
-      </p:ext>
-    </p:extLst>
-  </p:cSld>
-  <p:clrMapOvr>
-    <a:masterClrMapping/>
-  </p:clrMapOvr>
-  <p:timing>
-    <p:tnLst>
-      <p:par>
-        <p:cTn xmlns:p14="http://schemas.microsoft.com/office/powerpoint/2010/main" id="1" dur="indefinite" restart="never" nodeType="tmRoot"/>
-      </p:par>
-    </p:tnLst>
-  </p:timing>
-</p:sld>
-</file>
-
-<file path=ppt/slides/slide6.xml><?xml version="1.0" encoding="utf-8"?>
-<p:sld xmlns:a="http://schemas.openxmlformats.org/drawingml/2006/main" xmlns:r="http://schemas.openxmlformats.org/officeDocument/2006/relationships" xmlns:p="http://schemas.openxmlformats.org/presentationml/2006/main">
-  <p:cSld>
-    <p:spTree>
-      <p:nvGrpSpPr>
-        <p:cNvPr id="1" name=""/>
-        <p:cNvGrpSpPr/>
-        <p:nvPr/>
-      </p:nvGrpSpPr>
-      <p:grpSpPr>
-        <a:xfrm>
-          <a:off x="0" y="0"/>
-          <a:ext cx="0" cy="0"/>
-          <a:chOff x="0" y="0"/>
-          <a:chExt cx="0" cy="0"/>
-        </a:xfrm>
-      </p:grpSpPr>
-      <p:sp>
-        <p:nvSpPr>
-          <p:cNvPr id="2" name="Title 1"/>
-          <p:cNvSpPr>
-            <a:spLocks noGrp="1"/>
-          </p:cNvSpPr>
-          <p:nvPr>
-            <p:ph type="title"/>
-          </p:nvPr>
-        </p:nvSpPr>
-        <p:spPr/>
-        <p:txBody>
-          <a:bodyPr/>
-          <a:lstStyle/>
-          <a:p>
-            <a:r>
-              <a:rPr lang="en-US" dirty="0" smtClean="0"/>
-              <a:t>What we get …</a:t>
-            </a:r>
-            <a:endParaRPr lang="en-US" dirty="0"/>
-          </a:p>
-        </p:txBody>
-      </p:sp>
-      <p:sp>
-        <p:nvSpPr>
-          <p:cNvPr id="6" name="TextBox 5"/>
-          <p:cNvSpPr txBox="1"/>
-          <p:nvPr/>
-        </p:nvSpPr>
-        <p:spPr>
-          <a:xfrm>
-            <a:off x="913038" y="4042200"/>
-            <a:ext cx="2705890" cy="861774"/>
-          </a:xfrm>
-          <a:prstGeom prst="rect">
-            <a:avLst/>
-          </a:prstGeom>
-          <a:noFill/>
-        </p:spPr>
-        <p:txBody>
-          <a:bodyPr wrap="square" rtlCol="0">
-            <a:spAutoFit/>
-          </a:bodyPr>
-          <a:lstStyle/>
-          <a:p>
-            <a:r>
-              <a:rPr lang="en-US" dirty="0" smtClean="0"/>
-              <a:t>Counts in the tube</a:t>
-            </a:r>
-          </a:p>
-          <a:p>
-            <a:endParaRPr lang="en-US" dirty="0" smtClean="0"/>
-          </a:p>
-          <a:p>
-            <a:r>
-              <a:rPr lang="en-US" sz="1400" dirty="0" smtClean="0"/>
-              <a:t>x =[x</a:t>
-            </a:r>
-            <a:r>
-              <a:rPr lang="en-US" sz="1400" baseline="-25000" dirty="0" smtClean="0"/>
-              <a:t>1</a:t>
-            </a:r>
-            <a:r>
-              <a:rPr lang="en-US" sz="1400" dirty="0" smtClean="0"/>
-              <a:t>,x</a:t>
-            </a:r>
-            <a:r>
-              <a:rPr lang="en-US" sz="1400" baseline="-25000" dirty="0" smtClean="0"/>
-              <a:t>2</a:t>
-            </a:r>
-            <a:r>
-              <a:rPr lang="en-US" sz="1400" dirty="0" smtClean="0"/>
-              <a:t> … </a:t>
-            </a:r>
-            <a:r>
-              <a:rPr lang="en-US" sz="1400" dirty="0" err="1" smtClean="0"/>
-              <a:t>x</a:t>
-            </a:r>
-            <a:r>
-              <a:rPr lang="en-US" sz="1400" baseline="-25000" dirty="0" err="1" smtClean="0"/>
-              <a:t>n</a:t>
-            </a:r>
-            <a:r>
-              <a:rPr lang="en-US" sz="1400" dirty="0" smtClean="0"/>
-              <a:t>], </a:t>
-            </a:r>
-            <a:r>
-              <a:rPr lang="en-US" sz="1400" dirty="0" err="1" smtClean="0"/>
-              <a:t>x</a:t>
-            </a:r>
-            <a:r>
-              <a:rPr lang="en-US" sz="1400" baseline="-25000" dirty="0" err="1" smtClean="0"/>
-              <a:t>s</a:t>
-            </a:r>
-            <a:r>
-              <a:rPr lang="en-US" sz="1400" dirty="0" smtClean="0"/>
-              <a:t>=x</a:t>
-            </a:r>
-            <a:r>
-              <a:rPr lang="en-US" sz="1400" baseline="-25000" dirty="0" smtClean="0"/>
-              <a:t>0</a:t>
-            </a:r>
-            <a:r>
-              <a:rPr lang="en-US" sz="1400" dirty="0" smtClean="0"/>
-              <a:t>2</a:t>
-            </a:r>
-            <a:r>
-              <a:rPr lang="en-US" sz="1400" baseline="30000" dirty="0" smtClean="0"/>
-              <a:t>λs</a:t>
-            </a:r>
-            <a:r>
-              <a:rPr lang="en-US" sz="1400" dirty="0" smtClean="0"/>
-              <a:t>, </a:t>
-            </a:r>
-            <a:r>
-              <a:rPr lang="en-US" sz="1400" dirty="0" err="1" smtClean="0"/>
-              <a:t>λ</a:t>
-            </a:r>
-            <a:r>
-              <a:rPr lang="en-US" sz="1400" dirty="0" smtClean="0"/>
-              <a:t>=[1,0 … 0]</a:t>
-            </a:r>
-          </a:p>
-        </p:txBody>
-      </p:sp>
-      <p:pic>
-        <p:nvPicPr>
-          <p:cNvPr id="5" name="Content Placeholder 4" descr="input-clr.pdf"/>
-          <p:cNvPicPr>
-            <a:picLocks noGrp="1" noChangeAspect="1"/>
-          </p:cNvPicPr>
-          <p:nvPr>
-            <p:ph idx="1"/>
-          </p:nvPr>
-        </p:nvPicPr>
-        <p:blipFill rotWithShape="1">
-          <a:blip r:embed="rId3">
-            <a:extLst>
-              <a:ext uri="{28A0092B-C50C-407E-A947-70E740481C1C}">
-                <a14:useLocalDpi xmlns:a14="http://schemas.microsoft.com/office/drawing/2010/main" val="0"/>
-              </a:ext>
-            </a:extLst>
-          </a:blip>
-          <a:srcRect t="7186" b="3914"/>
-          <a:stretch/>
-        </p:blipFill>
-        <p:spPr>
-          <a:xfrm>
-            <a:off x="732271" y="1600200"/>
-            <a:ext cx="8229600" cy="2438693"/>
-          </a:xfrm>
-        </p:spPr>
-      </p:pic>
-      <p:sp>
-        <p:nvSpPr>
-          <p:cNvPr id="7" name="Rectangle 6"/>
-          <p:cNvSpPr/>
-          <p:nvPr/>
-        </p:nvSpPr>
-        <p:spPr>
-          <a:xfrm>
-            <a:off x="6101571" y="1600199"/>
-            <a:ext cx="2664066" cy="2438694"/>
-          </a:xfrm>
-          <a:prstGeom prst="rect">
-            <a:avLst/>
-          </a:prstGeom>
-          <a:solidFill>
-            <a:schemeClr val="bg1">
-              <a:alpha val="80000"/>
-            </a:schemeClr>
-          </a:solidFill>
-          <a:ln>
-            <a:noFill/>
-          </a:ln>
-        </p:spPr>
-        <p:style>
-          <a:lnRef idx="2">
-            <a:schemeClr val="dk1"/>
-          </a:lnRef>
-          <a:fillRef idx="1">
-            <a:schemeClr val="lt1"/>
-          </a:fillRef>
-          <a:effectRef idx="0">
-            <a:schemeClr val="dk1"/>
-          </a:effectRef>
-          <a:fontRef idx="minor">
-            <a:schemeClr val="dk1"/>
-          </a:fontRef>
-        </p:style>
-        <p:txBody>
-          <a:bodyPr rtlCol="0" anchor="ctr"/>
-          <a:lstStyle/>
-          <a:p>
-            <a:pPr algn="ctr"/>
-            <a:endParaRPr lang="en-US"/>
-          </a:p>
-        </p:txBody>
-      </p:sp>
-      <p:sp>
-        <p:nvSpPr>
-          <p:cNvPr id="8" name="TextBox 7"/>
-          <p:cNvSpPr txBox="1"/>
-          <p:nvPr/>
-        </p:nvSpPr>
-        <p:spPr>
-          <a:xfrm>
-            <a:off x="3733511" y="4038893"/>
-            <a:ext cx="2511288" cy="1415772"/>
-          </a:xfrm>
-          <a:prstGeom prst="rect">
-            <a:avLst/>
-          </a:prstGeom>
-          <a:noFill/>
-        </p:spPr>
-        <p:txBody>
-          <a:bodyPr wrap="square" rtlCol="0">
-            <a:spAutoFit/>
-          </a:bodyPr>
-          <a:lstStyle/>
-          <a:p>
-            <a:r>
-              <a:rPr lang="en-US" dirty="0" smtClean="0"/>
-              <a:t>Sequencing machine returns a random sample with fixed sum</a:t>
-            </a:r>
-          </a:p>
-          <a:p>
-            <a:endParaRPr lang="en-US" dirty="0" smtClean="0"/>
-          </a:p>
-          <a:p>
-            <a:r>
-              <a:rPr lang="en-US" sz="1400" dirty="0"/>
-              <a:t>p</a:t>
-            </a:r>
-            <a:r>
-              <a:rPr lang="en-US" sz="1400" dirty="0" smtClean="0"/>
-              <a:t> =[p</a:t>
-            </a:r>
-            <a:r>
-              <a:rPr lang="en-US" sz="1400" baseline="-25000" dirty="0" smtClean="0"/>
-              <a:t>1</a:t>
-            </a:r>
-            <a:r>
-              <a:rPr lang="en-US" sz="1400" dirty="0" smtClean="0"/>
-              <a:t>,p</a:t>
-            </a:r>
-            <a:r>
-              <a:rPr lang="en-US" sz="1400" baseline="-25000" dirty="0" smtClean="0"/>
-              <a:t>2</a:t>
-            </a:r>
-            <a:r>
-              <a:rPr lang="en-US" sz="1400" dirty="0" smtClean="0"/>
-              <a:t> … </a:t>
-            </a:r>
-            <a:r>
-              <a:rPr lang="en-US" sz="1400" dirty="0" err="1" smtClean="0"/>
-              <a:t>p</a:t>
-            </a:r>
-            <a:r>
-              <a:rPr lang="en-US" sz="1400" baseline="-25000" dirty="0" err="1" smtClean="0"/>
-              <a:t>n</a:t>
-            </a:r>
-            <a:r>
-              <a:rPr lang="en-US" sz="1400" dirty="0" smtClean="0"/>
-              <a:t>] ~ </a:t>
-            </a:r>
-            <a:r>
-              <a:rPr lang="en-US" sz="1400" dirty="0" err="1" smtClean="0"/>
-              <a:t>Dir</a:t>
-            </a:r>
-            <a:r>
-              <a:rPr lang="en-US" sz="1400" dirty="0" smtClean="0"/>
-              <a:t>[x</a:t>
-            </a:r>
-            <a:r>
-              <a:rPr lang="en-US" sz="1400" baseline="-25000" dirty="0" smtClean="0"/>
-              <a:t>1</a:t>
-            </a:r>
-            <a:r>
-              <a:rPr lang="en-US" sz="1400" dirty="0" smtClean="0"/>
-              <a:t>,x</a:t>
-            </a:r>
-            <a:r>
-              <a:rPr lang="en-US" sz="1400" baseline="-25000" dirty="0" smtClean="0"/>
-              <a:t>2</a:t>
-            </a:r>
-            <a:r>
-              <a:rPr lang="en-US" sz="1400" dirty="0" smtClean="0"/>
-              <a:t> … </a:t>
-            </a:r>
-            <a:r>
-              <a:rPr lang="en-US" sz="1400" dirty="0" err="1" smtClean="0"/>
-              <a:t>x</a:t>
-            </a:r>
-            <a:r>
-              <a:rPr lang="en-US" sz="1400" baseline="-25000" dirty="0" err="1" smtClean="0"/>
-              <a:t>n</a:t>
-            </a:r>
-            <a:r>
-              <a:rPr lang="en-US" sz="1400" dirty="0" smtClean="0"/>
-              <a:t>]</a:t>
-            </a:r>
-          </a:p>
-        </p:txBody>
-      </p:sp>
-      <p:sp>
-        <p:nvSpPr>
-          <p:cNvPr id="3" name="Footer Placeholder 2"/>
-          <p:cNvSpPr>
-            <a:spLocks noGrp="1"/>
-          </p:cNvSpPr>
-          <p:nvPr>
-            <p:ph type="ftr" sz="quarter" idx="11"/>
-          </p:nvPr>
-        </p:nvSpPr>
-        <p:spPr/>
-        <p:txBody>
-          <a:bodyPr/>
-          <a:lstStyle/>
-          <a:p>
-            <a:r>
-              <a:rPr lang="en-US" smtClean="0"/>
-              <a:t>CoDaWork 2015</a:t>
-            </a:r>
-            <a:endParaRPr lang="en-US"/>
-          </a:p>
-        </p:txBody>
-      </p:sp>
-      <p:sp>
-        <p:nvSpPr>
-          <p:cNvPr id="4" name="Slide Number Placeholder 3"/>
-          <p:cNvSpPr>
-            <a:spLocks noGrp="1"/>
-          </p:cNvSpPr>
-          <p:nvPr>
-            <p:ph type="sldNum" sz="quarter" idx="12"/>
-          </p:nvPr>
-        </p:nvSpPr>
-        <p:spPr/>
-        <p:txBody>
-          <a:bodyPr/>
-          <a:lstStyle/>
-          <a:p>
-            <a:fld id="{4CBC7C6D-2764-8E4F-B1AE-9A315E705D2C}" type="slidenum">
-              <a:rPr lang="en-US" smtClean="0"/>
-              <a:t>6</a:t>
-            </a:fld>
-            <a:endParaRPr lang="en-US"/>
-          </a:p>
-        </p:txBody>
-      </p:sp>
-    </p:spTree>
-    <p:extLst>
-      <p:ext uri="{BB962C8B-B14F-4D97-AF65-F5344CB8AC3E}">
-        <p14:creationId xmlns:p14="http://schemas.microsoft.com/office/powerpoint/2010/main" val="696403258"/>
-      </p:ext>
-    </p:extLst>
-  </p:cSld>
-  <p:clrMapOvr>
-    <a:masterClrMapping/>
-  </p:clrMapOvr>
-  <p:timing>
-    <p:tnLst>
-      <p:par>
-        <p:cTn xmlns:p14="http://schemas.microsoft.com/office/powerpoint/2010/main" id="1" dur="indefinite" restart="never" nodeType="tmRoot"/>
-      </p:par>
-    </p:tnLst>
-  </p:timing>
-</p:sld>
-</file>
-
-<file path=ppt/slides/slide7.xml><?xml version="1.0" encoding="utf-8"?>
-<p:sld xmlns:a="http://schemas.openxmlformats.org/drawingml/2006/main" xmlns:r="http://schemas.openxmlformats.org/officeDocument/2006/relationships" xmlns:p="http://schemas.openxmlformats.org/presentationml/2006/main">
-  <p:cSld>
-    <p:spTree>
-      <p:nvGrpSpPr>
-        <p:cNvPr id="1" name=""/>
-        <p:cNvGrpSpPr/>
-        <p:nvPr/>
-      </p:nvGrpSpPr>
-      <p:grpSpPr>
-        <a:xfrm>
-          <a:off x="0" y="0"/>
-          <a:ext cx="0" cy="0"/>
-          <a:chOff x="0" y="0"/>
-          <a:chExt cx="0" cy="0"/>
-        </a:xfrm>
-      </p:grpSpPr>
-      <p:sp>
-        <p:nvSpPr>
-          <p:cNvPr id="2" name="Title 1"/>
-          <p:cNvSpPr>
-            <a:spLocks noGrp="1"/>
-          </p:cNvSpPr>
-          <p:nvPr>
-            <p:ph type="title"/>
-          </p:nvPr>
-        </p:nvSpPr>
-        <p:spPr/>
-        <p:txBody>
-          <a:bodyPr/>
-          <a:lstStyle/>
-          <a:p>
-            <a:r>
-              <a:rPr lang="en-US" dirty="0" smtClean="0"/>
-              <a:t>What we use</a:t>
-            </a:r>
-            <a:endParaRPr lang="en-US" dirty="0"/>
-          </a:p>
-        </p:txBody>
-      </p:sp>
-      <p:sp>
-        <p:nvSpPr>
-          <p:cNvPr id="6" name="TextBox 5"/>
-          <p:cNvSpPr txBox="1"/>
-          <p:nvPr/>
-        </p:nvSpPr>
-        <p:spPr>
-          <a:xfrm>
-            <a:off x="913038" y="4042200"/>
-            <a:ext cx="2705890" cy="861774"/>
-          </a:xfrm>
-          <a:prstGeom prst="rect">
-            <a:avLst/>
-          </a:prstGeom>
-          <a:noFill/>
-        </p:spPr>
-        <p:txBody>
-          <a:bodyPr wrap="square" rtlCol="0">
-            <a:spAutoFit/>
-          </a:bodyPr>
-          <a:lstStyle/>
-          <a:p>
-            <a:r>
-              <a:rPr lang="en-US" dirty="0" smtClean="0"/>
-              <a:t>Counts in the tube</a:t>
-            </a:r>
-          </a:p>
-          <a:p>
-            <a:endParaRPr lang="en-US" dirty="0" smtClean="0"/>
-          </a:p>
-          <a:p>
-            <a:r>
-              <a:rPr lang="en-US" sz="1400" dirty="0" smtClean="0"/>
-              <a:t>x =[x</a:t>
-            </a:r>
-            <a:r>
-              <a:rPr lang="en-US" sz="1400" baseline="-25000" dirty="0" smtClean="0"/>
-              <a:t>1</a:t>
-            </a:r>
-            <a:r>
-              <a:rPr lang="en-US" sz="1400" dirty="0" smtClean="0"/>
-              <a:t>,x</a:t>
-            </a:r>
-            <a:r>
-              <a:rPr lang="en-US" sz="1400" baseline="-25000" dirty="0" smtClean="0"/>
-              <a:t>2</a:t>
-            </a:r>
-            <a:r>
-              <a:rPr lang="en-US" sz="1400" dirty="0" smtClean="0"/>
-              <a:t> … </a:t>
-            </a:r>
-            <a:r>
-              <a:rPr lang="en-US" sz="1400" dirty="0" err="1" smtClean="0"/>
-              <a:t>x</a:t>
-            </a:r>
-            <a:r>
-              <a:rPr lang="en-US" sz="1400" baseline="-25000" dirty="0" err="1" smtClean="0"/>
-              <a:t>n</a:t>
-            </a:r>
-            <a:r>
-              <a:rPr lang="en-US" sz="1400" dirty="0" smtClean="0"/>
-              <a:t>], </a:t>
-            </a:r>
-            <a:r>
-              <a:rPr lang="en-US" sz="1400" dirty="0" err="1" smtClean="0"/>
-              <a:t>x</a:t>
-            </a:r>
-            <a:r>
-              <a:rPr lang="en-US" sz="1400" baseline="-25000" dirty="0" err="1" smtClean="0"/>
-              <a:t>s</a:t>
-            </a:r>
-            <a:r>
-              <a:rPr lang="en-US" sz="1400" dirty="0" smtClean="0"/>
-              <a:t>=x</a:t>
-            </a:r>
-            <a:r>
-              <a:rPr lang="en-US" sz="1400" baseline="-25000" dirty="0" smtClean="0"/>
-              <a:t>0</a:t>
-            </a:r>
-            <a:r>
-              <a:rPr lang="en-US" sz="1400" dirty="0" smtClean="0"/>
-              <a:t>2</a:t>
-            </a:r>
-            <a:r>
-              <a:rPr lang="en-US" sz="1400" baseline="30000" dirty="0" smtClean="0"/>
-              <a:t>λs</a:t>
-            </a:r>
-            <a:r>
-              <a:rPr lang="en-US" sz="1400" dirty="0" smtClean="0"/>
-              <a:t>, </a:t>
-            </a:r>
-            <a:r>
-              <a:rPr lang="en-US" sz="1400" dirty="0" err="1" smtClean="0"/>
-              <a:t>λ</a:t>
-            </a:r>
-            <a:r>
-              <a:rPr lang="en-US" sz="1400" dirty="0" smtClean="0"/>
-              <a:t>=[1,0 … 0]</a:t>
-            </a:r>
-          </a:p>
-        </p:txBody>
-      </p:sp>
-      <p:pic>
-        <p:nvPicPr>
-          <p:cNvPr id="5" name="Content Placeholder 4" descr="input-clr.pdf"/>
-          <p:cNvPicPr>
-            <a:picLocks noGrp="1" noChangeAspect="1"/>
-          </p:cNvPicPr>
-          <p:nvPr>
-            <p:ph idx="1"/>
-          </p:nvPr>
-        </p:nvPicPr>
-        <p:blipFill rotWithShape="1">
-          <a:blip r:embed="rId3">
-            <a:extLst>
-              <a:ext uri="{28A0092B-C50C-407E-A947-70E740481C1C}">
-                <a14:useLocalDpi xmlns:a14="http://schemas.microsoft.com/office/drawing/2010/main" val="0"/>
-              </a:ext>
-            </a:extLst>
-          </a:blip>
-          <a:srcRect t="7186" b="3914"/>
-          <a:stretch/>
-        </p:blipFill>
-        <p:spPr>
-          <a:xfrm>
-            <a:off x="732271" y="1600200"/>
-            <a:ext cx="8229600" cy="2438693"/>
-          </a:xfrm>
-        </p:spPr>
-      </p:pic>
-      <p:sp>
-        <p:nvSpPr>
-          <p:cNvPr id="8" name="TextBox 7"/>
-          <p:cNvSpPr txBox="1"/>
-          <p:nvPr/>
-        </p:nvSpPr>
-        <p:spPr>
-          <a:xfrm>
-            <a:off x="3733511" y="4038893"/>
-            <a:ext cx="2511288" cy="1415772"/>
-          </a:xfrm>
-          <a:prstGeom prst="rect">
-            <a:avLst/>
-          </a:prstGeom>
-          <a:noFill/>
-        </p:spPr>
-        <p:txBody>
-          <a:bodyPr wrap="square" rtlCol="0">
-            <a:spAutoFit/>
-          </a:bodyPr>
-          <a:lstStyle/>
-          <a:p>
-            <a:r>
-              <a:rPr lang="en-US" dirty="0" smtClean="0"/>
-              <a:t>Machine returns a random multinomial sample</a:t>
-            </a:r>
-          </a:p>
-          <a:p>
-            <a:endParaRPr lang="en-US" dirty="0" smtClean="0"/>
-          </a:p>
-          <a:p>
-            <a:r>
-              <a:rPr lang="en-US" sz="1400" dirty="0"/>
-              <a:t>p</a:t>
-            </a:r>
-            <a:r>
-              <a:rPr lang="en-US" sz="1400" dirty="0" smtClean="0"/>
-              <a:t> =[p</a:t>
-            </a:r>
-            <a:r>
-              <a:rPr lang="en-US" sz="1400" baseline="-25000" dirty="0" smtClean="0"/>
-              <a:t>1</a:t>
-            </a:r>
-            <a:r>
-              <a:rPr lang="en-US" sz="1400" dirty="0" smtClean="0"/>
-              <a:t>,p</a:t>
-            </a:r>
-            <a:r>
-              <a:rPr lang="en-US" sz="1400" baseline="-25000" dirty="0" smtClean="0"/>
-              <a:t>2</a:t>
-            </a:r>
-            <a:r>
-              <a:rPr lang="en-US" sz="1400" dirty="0" smtClean="0"/>
-              <a:t> … </a:t>
-            </a:r>
-            <a:r>
-              <a:rPr lang="en-US" sz="1400" dirty="0" err="1" smtClean="0"/>
-              <a:t>p</a:t>
-            </a:r>
-            <a:r>
-              <a:rPr lang="en-US" sz="1400" baseline="-25000" dirty="0" err="1" smtClean="0"/>
-              <a:t>n</a:t>
-            </a:r>
-            <a:r>
-              <a:rPr lang="en-US" sz="1400" dirty="0" smtClean="0"/>
-              <a:t>] ~ </a:t>
-            </a:r>
-            <a:r>
-              <a:rPr lang="en-US" sz="1400" dirty="0" err="1" smtClean="0"/>
-              <a:t>Dir</a:t>
-            </a:r>
-            <a:r>
-              <a:rPr lang="en-US" sz="1400" dirty="0" smtClean="0"/>
-              <a:t>[x</a:t>
-            </a:r>
-            <a:r>
-              <a:rPr lang="en-US" sz="1400" baseline="-25000" dirty="0" smtClean="0"/>
-              <a:t>1</a:t>
-            </a:r>
-            <a:r>
-              <a:rPr lang="en-US" sz="1400" dirty="0" smtClean="0"/>
-              <a:t>,x</a:t>
-            </a:r>
-            <a:r>
-              <a:rPr lang="en-US" sz="1400" baseline="-25000" dirty="0" smtClean="0"/>
-              <a:t>2</a:t>
-            </a:r>
-            <a:r>
-              <a:rPr lang="en-US" sz="1400" dirty="0" smtClean="0"/>
-              <a:t> … </a:t>
-            </a:r>
-            <a:r>
-              <a:rPr lang="en-US" sz="1400" dirty="0" err="1" smtClean="0"/>
-              <a:t>x</a:t>
-            </a:r>
-            <a:r>
-              <a:rPr lang="en-US" sz="1400" baseline="-25000" dirty="0" err="1" smtClean="0"/>
-              <a:t>n</a:t>
-            </a:r>
-            <a:r>
-              <a:rPr lang="en-US" sz="1400" dirty="0" smtClean="0"/>
-              <a:t>]</a:t>
-            </a:r>
-          </a:p>
-        </p:txBody>
-      </p:sp>
-      <p:sp>
-        <p:nvSpPr>
-          <p:cNvPr id="9" name="Rectangle 8"/>
-          <p:cNvSpPr/>
-          <p:nvPr/>
-        </p:nvSpPr>
-        <p:spPr>
-          <a:xfrm>
-            <a:off x="3492388" y="1603505"/>
-            <a:ext cx="2590084" cy="3851159"/>
-          </a:xfrm>
-          <a:prstGeom prst="rect">
-            <a:avLst/>
-          </a:prstGeom>
-          <a:solidFill>
-            <a:schemeClr val="bg1">
-              <a:alpha val="80000"/>
-            </a:schemeClr>
-          </a:solidFill>
-          <a:ln>
-            <a:noFill/>
-          </a:ln>
-        </p:spPr>
-        <p:style>
-          <a:lnRef idx="2">
-            <a:schemeClr val="dk1"/>
-          </a:lnRef>
-          <a:fillRef idx="1">
-            <a:schemeClr val="lt1"/>
-          </a:fillRef>
-          <a:effectRef idx="0">
-            <a:schemeClr val="dk1"/>
-          </a:effectRef>
-          <a:fontRef idx="minor">
-            <a:schemeClr val="dk1"/>
-          </a:fontRef>
-        </p:style>
-        <p:txBody>
-          <a:bodyPr rtlCol="0" anchor="ctr"/>
-          <a:lstStyle/>
-          <a:p>
-            <a:pPr algn="ctr"/>
-            <a:endParaRPr lang="en-US"/>
-          </a:p>
-        </p:txBody>
-      </p:sp>
-      <p:sp>
-        <p:nvSpPr>
-          <p:cNvPr id="10" name="TextBox 9"/>
-          <p:cNvSpPr txBox="1"/>
-          <p:nvPr/>
-        </p:nvSpPr>
-        <p:spPr>
-          <a:xfrm>
-            <a:off x="6450583" y="4042200"/>
-            <a:ext cx="2511288" cy="1200329"/>
-          </a:xfrm>
-          <a:prstGeom prst="rect">
-            <a:avLst/>
-          </a:prstGeom>
-          <a:noFill/>
-        </p:spPr>
-        <p:txBody>
-          <a:bodyPr wrap="square" rtlCol="0">
-            <a:spAutoFit/>
-          </a:bodyPr>
-          <a:lstStyle/>
-          <a:p>
-            <a:r>
-              <a:rPr lang="en-US" dirty="0" smtClean="0"/>
-              <a:t>The </a:t>
-            </a:r>
-            <a:r>
-              <a:rPr lang="en-US" dirty="0" err="1" smtClean="0"/>
-              <a:t>clr</a:t>
-            </a:r>
-            <a:r>
-              <a:rPr lang="en-US" dirty="0" smtClean="0"/>
-              <a:t> transformation of the proportion or the </a:t>
-            </a:r>
-            <a:r>
-              <a:rPr lang="en-US" dirty="0" err="1" smtClean="0"/>
-              <a:t>Dir</a:t>
-            </a:r>
-            <a:r>
-              <a:rPr lang="en-US" dirty="0" smtClean="0"/>
-              <a:t> reconstitutes the shape with estimation error </a:t>
-            </a:r>
-            <a:endParaRPr lang="en-US" sz="1400" dirty="0" smtClean="0"/>
-          </a:p>
-        </p:txBody>
-      </p:sp>
-      <p:sp>
-        <p:nvSpPr>
-          <p:cNvPr id="3" name="Footer Placeholder 2"/>
-          <p:cNvSpPr>
-            <a:spLocks noGrp="1"/>
-          </p:cNvSpPr>
-          <p:nvPr>
-            <p:ph type="ftr" sz="quarter" idx="11"/>
-          </p:nvPr>
-        </p:nvSpPr>
-        <p:spPr/>
-        <p:txBody>
-          <a:bodyPr/>
-          <a:lstStyle/>
-          <a:p>
-            <a:r>
-              <a:rPr lang="en-US" smtClean="0"/>
-              <a:t>CoDaWork 2015</a:t>
-            </a:r>
-            <a:endParaRPr lang="en-US"/>
-          </a:p>
-        </p:txBody>
-      </p:sp>
-      <p:sp>
-        <p:nvSpPr>
-          <p:cNvPr id="4" name="Slide Number Placeholder 3"/>
-          <p:cNvSpPr>
-            <a:spLocks noGrp="1"/>
-          </p:cNvSpPr>
-          <p:nvPr>
-            <p:ph type="sldNum" sz="quarter" idx="12"/>
-          </p:nvPr>
-        </p:nvSpPr>
-        <p:spPr/>
-        <p:txBody>
-          <a:bodyPr/>
-          <a:lstStyle/>
-          <a:p>
-            <a:fld id="{4CBC7C6D-2764-8E4F-B1AE-9A315E705D2C}" type="slidenum">
-              <a:rPr lang="en-US" smtClean="0"/>
-              <a:t>7</a:t>
-            </a:fld>
-            <a:endParaRPr lang="en-US"/>
-          </a:p>
-        </p:txBody>
-      </p:sp>
-    </p:spTree>
-    <p:extLst>
-      <p:ext uri="{BB962C8B-B14F-4D97-AF65-F5344CB8AC3E}">
-        <p14:creationId xmlns:p14="http://schemas.microsoft.com/office/powerpoint/2010/main" val="321360125"/>
-      </p:ext>
-    </p:extLst>
-  </p:cSld>
-  <p:clrMapOvr>
-    <a:masterClrMapping/>
-  </p:clrMapOvr>
-  <p:timing>
-    <p:tnLst>
-      <p:par>
-        <p:cTn xmlns:p14="http://schemas.microsoft.com/office/powerpoint/2010/main" id="1" dur="indefinite" restart="never" nodeType="tmRoot"/>
-      </p:par>
-    </p:tnLst>
-  </p:timing>
-</p:sld>
-</file>
-
-<file path=ppt/slides/slide8.xml><?xml version="1.0" encoding="utf-8"?>
-<p:sld xmlns:a="http://schemas.openxmlformats.org/drawingml/2006/main" xmlns:r="http://schemas.openxmlformats.org/officeDocument/2006/relationships" xmlns:p="http://schemas.openxmlformats.org/presentationml/2006/main">
-  <p:cSld>
-    <p:spTree>
-      <p:nvGrpSpPr>
-        <p:cNvPr id="1" name=""/>
-        <p:cNvGrpSpPr/>
-        <p:nvPr/>
-      </p:nvGrpSpPr>
-      <p:grpSpPr>
-        <a:xfrm>
-          <a:off x="0" y="0"/>
-          <a:ext cx="0" cy="0"/>
-          <a:chOff x="0" y="0"/>
-          <a:chExt cx="0" cy="0"/>
-        </a:xfrm>
-      </p:grpSpPr>
-      <p:sp>
-        <p:nvSpPr>
-          <p:cNvPr id="2" name="Title 1"/>
-          <p:cNvSpPr>
-            <a:spLocks noGrp="1"/>
-          </p:cNvSpPr>
-          <p:nvPr>
-            <p:ph type="title"/>
-          </p:nvPr>
-        </p:nvSpPr>
-        <p:spPr/>
-        <p:txBody>
-          <a:bodyPr>
-            <a:normAutofit fontScale="90000"/>
-          </a:bodyPr>
-          <a:lstStyle/>
-          <a:p>
-            <a:r>
-              <a:rPr lang="en-US" dirty="0" smtClean="0"/>
-              <a:t>Find test values not affected by random sampling</a:t>
-            </a:r>
-            <a:endParaRPr lang="en-US" dirty="0"/>
-          </a:p>
-        </p:txBody>
-      </p:sp>
-      <p:pic>
-        <p:nvPicPr>
-          <p:cNvPr id="6" name="Content Placeholder 3"/>
-          <p:cNvPicPr>
-            <a:picLocks noGrp="1" noChangeAspect="1"/>
-          </p:cNvPicPr>
-          <p:nvPr>
-            <p:ph idx="1"/>
-          </p:nvPr>
-        </p:nvPicPr>
-        <p:blipFill>
-          <a:blip r:embed="rId3" cstate="print">
-            <a:extLst>
-              <a:ext uri="{28A0092B-C50C-407E-A947-70E740481C1C}">
-                <a14:useLocalDpi xmlns:a14="http://schemas.microsoft.com/office/drawing/2010/main"/>
-              </a:ext>
-            </a:extLst>
-          </a:blip>
-          <a:srcRect l="-1512" r="-1512"/>
-          <a:stretch>
-            <a:fillRect/>
-          </a:stretch>
-        </p:blipFill>
-        <p:spPr>
-          <a:xfrm>
-            <a:off x="457200" y="2181225"/>
-            <a:ext cx="4537075" cy="2495550"/>
-          </a:xfrm>
-        </p:spPr>
-      </p:pic>
-      <p:sp>
-        <p:nvSpPr>
-          <p:cNvPr id="8" name="TextBox 7"/>
-          <p:cNvSpPr txBox="1"/>
-          <p:nvPr/>
-        </p:nvSpPr>
-        <p:spPr>
-          <a:xfrm>
-            <a:off x="5302249" y="1871820"/>
-            <a:ext cx="3384551" cy="3354765"/>
-          </a:xfrm>
-          <a:prstGeom prst="rect">
-            <a:avLst/>
-          </a:prstGeom>
-          <a:noFill/>
-        </p:spPr>
-        <p:txBody>
-          <a:bodyPr wrap="square" rtlCol="0">
-            <a:spAutoFit/>
-          </a:bodyPr>
-          <a:lstStyle/>
-          <a:p>
-            <a:pPr marL="285750" indent="-285750">
-              <a:buFont typeface="Arial"/>
-              <a:buChar char="•"/>
-            </a:pPr>
-            <a:r>
-              <a:rPr lang="en-US" dirty="0" smtClean="0"/>
-              <a:t>Generate posterior estimates of the data consistent with the observed data and the chosen  prior(s)</a:t>
-            </a:r>
-          </a:p>
-          <a:p>
-            <a:pPr marL="742950" lvl="1" indent="-285750">
-              <a:buFont typeface="Arial"/>
-              <a:buChar char="•"/>
-            </a:pPr>
-            <a:r>
-              <a:rPr lang="en-US" sz="1400" dirty="0" err="1" smtClean="0"/>
-              <a:t>Dirichlet</a:t>
-            </a:r>
-            <a:r>
-              <a:rPr lang="en-US" sz="1400" dirty="0" smtClean="0"/>
-              <a:t> instances</a:t>
-            </a:r>
-          </a:p>
-          <a:p>
-            <a:pPr marL="285750" indent="-285750">
-              <a:buFont typeface="Arial"/>
-              <a:buChar char="•"/>
-            </a:pPr>
-            <a:r>
-              <a:rPr lang="en-US" dirty="0" err="1" smtClean="0"/>
-              <a:t>clr</a:t>
-            </a:r>
-            <a:r>
-              <a:rPr lang="en-US" dirty="0" smtClean="0"/>
-              <a:t> transform instances</a:t>
-            </a:r>
-          </a:p>
-          <a:p>
-            <a:pPr marL="285750" indent="-285750">
-              <a:buFont typeface="Arial"/>
-              <a:buChar char="•"/>
-            </a:pPr>
-            <a:r>
-              <a:rPr lang="en-US" dirty="0" smtClean="0"/>
-              <a:t>Calculate </a:t>
-            </a:r>
-            <a:r>
-              <a:rPr lang="en-US" dirty="0" err="1" smtClean="0"/>
-              <a:t>univariate</a:t>
-            </a:r>
-            <a:r>
-              <a:rPr lang="en-US" dirty="0" smtClean="0"/>
-              <a:t> test values on each instance</a:t>
-            </a:r>
-          </a:p>
-          <a:p>
-            <a:pPr marL="285750" indent="-285750">
-              <a:buFont typeface="Arial"/>
-              <a:buChar char="•"/>
-            </a:pPr>
-            <a:r>
-              <a:rPr lang="en-US" dirty="0" smtClean="0"/>
-              <a:t>Correct for FDR</a:t>
-            </a:r>
-          </a:p>
-          <a:p>
-            <a:pPr marL="285750" indent="-285750">
-              <a:buFont typeface="Arial"/>
-              <a:buChar char="•"/>
-            </a:pPr>
-            <a:endParaRPr lang="en-US" dirty="0" smtClean="0"/>
-          </a:p>
-          <a:p>
-            <a:pPr marL="285750" indent="-285750">
-              <a:buFont typeface="Arial"/>
-              <a:buChar char="•"/>
-            </a:pPr>
-            <a:r>
-              <a:rPr lang="en-US" b="1" dirty="0" smtClean="0"/>
-              <a:t>Report the expected value of each test across instances</a:t>
-            </a:r>
-          </a:p>
-        </p:txBody>
-      </p:sp>
-      <p:sp>
-        <p:nvSpPr>
-          <p:cNvPr id="4" name="Rectangle 3"/>
-          <p:cNvSpPr/>
-          <p:nvPr/>
-        </p:nvSpPr>
-        <p:spPr>
-          <a:xfrm>
-            <a:off x="586345" y="5288140"/>
-            <a:ext cx="3042131" cy="1015663"/>
-          </a:xfrm>
-          <a:prstGeom prst="rect">
-            <a:avLst/>
-          </a:prstGeom>
-        </p:spPr>
-        <p:txBody>
-          <a:bodyPr wrap="square">
-            <a:spAutoFit/>
-          </a:bodyPr>
-          <a:lstStyle/>
-          <a:p>
-            <a:r>
-              <a:rPr lang="en-US" sz="1000" dirty="0" err="1" smtClean="0"/>
-              <a:t>Fernandes</a:t>
-            </a:r>
-            <a:r>
-              <a:rPr lang="en-US" sz="1000" dirty="0" smtClean="0"/>
-              <a:t> </a:t>
-            </a:r>
-            <a:r>
-              <a:rPr lang="en-US" sz="1000" dirty="0" err="1" smtClean="0"/>
-              <a:t>PLoS</a:t>
-            </a:r>
-            <a:r>
-              <a:rPr lang="en-US" sz="1000" dirty="0" smtClean="0"/>
-              <a:t> One 2013</a:t>
-            </a:r>
-          </a:p>
-          <a:p>
-            <a:r>
-              <a:rPr lang="en-US" sz="1000" dirty="0" err="1" smtClean="0"/>
-              <a:t>Macklaim</a:t>
-            </a:r>
-            <a:r>
-              <a:rPr lang="en-US" sz="1000" dirty="0" smtClean="0"/>
-              <a:t> </a:t>
-            </a:r>
-            <a:r>
-              <a:rPr lang="en-US" sz="1000" dirty="0" err="1" smtClean="0"/>
-              <a:t>Microbiome</a:t>
-            </a:r>
-            <a:r>
-              <a:rPr lang="en-US" sz="1000" dirty="0" smtClean="0"/>
-              <a:t> 2013</a:t>
-            </a:r>
-          </a:p>
-          <a:p>
-            <a:r>
-              <a:rPr lang="en-US" sz="1000" dirty="0" err="1" smtClean="0"/>
-              <a:t>Fernandes</a:t>
-            </a:r>
-            <a:r>
-              <a:rPr lang="en-US" sz="1000" dirty="0" smtClean="0"/>
-              <a:t> </a:t>
-            </a:r>
-            <a:r>
-              <a:rPr lang="en-US" sz="1000" dirty="0" err="1" smtClean="0"/>
-              <a:t>Microbiome</a:t>
-            </a:r>
-            <a:r>
-              <a:rPr lang="en-US" sz="1000" dirty="0" smtClean="0"/>
-              <a:t> 2014</a:t>
-            </a:r>
-          </a:p>
-          <a:p>
-            <a:r>
-              <a:rPr lang="en-US" sz="1000" dirty="0" err="1" smtClean="0"/>
-              <a:t>McMurrough</a:t>
-            </a:r>
-            <a:r>
-              <a:rPr lang="en-US" sz="1000" dirty="0" smtClean="0"/>
-              <a:t> PNAS 2014</a:t>
-            </a:r>
-          </a:p>
-          <a:p>
-            <a:r>
-              <a:rPr lang="en-US" sz="1000" dirty="0" err="1" smtClean="0"/>
-              <a:t>Goneau</a:t>
-            </a:r>
-            <a:r>
-              <a:rPr lang="en-US" sz="1000" dirty="0" smtClean="0"/>
-              <a:t> </a:t>
-            </a:r>
-            <a:r>
-              <a:rPr lang="en-US" sz="1000" dirty="0" err="1" smtClean="0"/>
-              <a:t>mBio</a:t>
-            </a:r>
-            <a:r>
-              <a:rPr lang="en-US" sz="1000" dirty="0" smtClean="0"/>
-              <a:t> 2015</a:t>
-            </a:r>
-          </a:p>
-          <a:p>
-            <a:r>
-              <a:rPr lang="en-US" sz="1000" dirty="0" smtClean="0"/>
-              <a:t>McMillan under review</a:t>
-            </a:r>
-            <a:endParaRPr lang="en-US" sz="1000" dirty="0"/>
-          </a:p>
-        </p:txBody>
-      </p:sp>
-      <p:sp>
-        <p:nvSpPr>
-          <p:cNvPr id="3" name="TextBox 2"/>
-          <p:cNvSpPr txBox="1"/>
-          <p:nvPr/>
-        </p:nvSpPr>
-        <p:spPr>
-          <a:xfrm>
-            <a:off x="2832485" y="1908981"/>
-            <a:ext cx="1739378" cy="338554"/>
-          </a:xfrm>
-          <a:prstGeom prst="rect">
-            <a:avLst/>
-          </a:prstGeom>
-          <a:noFill/>
-        </p:spPr>
-        <p:txBody>
-          <a:bodyPr wrap="none" rtlCol="0">
-            <a:spAutoFit/>
-          </a:bodyPr>
-          <a:lstStyle/>
-          <a:p>
-            <a:r>
-              <a:rPr lang="en-US" sz="1600" b="1" dirty="0" smtClean="0">
-                <a:solidFill>
-                  <a:srgbClr val="EBD0FE"/>
-                </a:solidFill>
-              </a:rPr>
-              <a:t>Group 1    </a:t>
-            </a:r>
-            <a:r>
-              <a:rPr lang="en-US" sz="1600" b="1" dirty="0" smtClean="0">
-                <a:solidFill>
-                  <a:srgbClr val="B0FEFE"/>
-                </a:solidFill>
-              </a:rPr>
-              <a:t>Group 2</a:t>
-            </a:r>
-          </a:p>
-        </p:txBody>
-      </p:sp>
-      <p:sp>
-        <p:nvSpPr>
-          <p:cNvPr id="5" name="Footer Placeholder 4"/>
-          <p:cNvSpPr>
-            <a:spLocks noGrp="1"/>
-          </p:cNvSpPr>
-          <p:nvPr>
-            <p:ph type="ftr" sz="quarter" idx="11"/>
-          </p:nvPr>
-        </p:nvSpPr>
-        <p:spPr/>
-        <p:txBody>
-          <a:bodyPr/>
-          <a:lstStyle/>
-          <a:p>
-            <a:r>
-              <a:rPr lang="en-US" smtClean="0"/>
-              <a:t>CoDaWork 2015</a:t>
-            </a:r>
-            <a:endParaRPr lang="en-US"/>
-          </a:p>
-        </p:txBody>
-      </p:sp>
-      <p:sp>
-        <p:nvSpPr>
-          <p:cNvPr id="7" name="Slide Number Placeholder 6"/>
-          <p:cNvSpPr>
-            <a:spLocks noGrp="1"/>
-          </p:cNvSpPr>
-          <p:nvPr>
-            <p:ph type="sldNum" sz="quarter" idx="12"/>
-          </p:nvPr>
-        </p:nvSpPr>
-        <p:spPr/>
-        <p:txBody>
-          <a:bodyPr/>
-          <a:lstStyle/>
-          <a:p>
-            <a:fld id="{4CBC7C6D-2764-8E4F-B1AE-9A315E705D2C}" type="slidenum">
-              <a:rPr lang="en-US" smtClean="0"/>
-              <a:t>8</a:t>
-            </a:fld>
-            <a:endParaRPr lang="en-US"/>
-          </a:p>
-        </p:txBody>
-      </p:sp>
-    </p:spTree>
-    <p:extLst>
-      <p:ext uri="{BB962C8B-B14F-4D97-AF65-F5344CB8AC3E}">
-        <p14:creationId xmlns:p14="http://schemas.microsoft.com/office/powerpoint/2010/main" val="1378744709"/>
-      </p:ext>
-    </p:extLst>
-  </p:cSld>
-  <p:clrMapOvr>
-    <a:masterClrMapping/>
-  </p:clrMapOvr>
-  <p:timing>
-    <p:tnLst>
-      <p:par>
-        <p:cTn xmlns:p14="http://schemas.microsoft.com/office/powerpoint/2010/main" id="1" dur="indefinite" restart="never" nodeType="tmRoot"/>
-      </p:par>
-    </p:tnLst>
-  </p:timing>
-</p:sld>
-</file>
-
-<file path=ppt/slides/slide9.xml><?xml version="1.0" encoding="utf-8"?>
-<p:sld xmlns:a="http://schemas.openxmlformats.org/drawingml/2006/main" xmlns:r="http://schemas.openxmlformats.org/officeDocument/2006/relationships" xmlns:p="http://schemas.openxmlformats.org/presentationml/2006/main">
-  <p:cSld>
-    <p:spTree>
-      <p:nvGrpSpPr>
-        <p:cNvPr id="1" name=""/>
-        <p:cNvGrpSpPr/>
-        <p:nvPr/>
-      </p:nvGrpSpPr>
-      <p:grpSpPr>
-        <a:xfrm>
-          <a:off x="0" y="0"/>
-          <a:ext cx="0" cy="0"/>
-          <a:chOff x="0" y="0"/>
-          <a:chExt cx="0" cy="0"/>
-        </a:xfrm>
-      </p:grpSpPr>
-      <p:sp>
-        <p:nvSpPr>
-          <p:cNvPr id="2" name="Title 1"/>
-          <p:cNvSpPr>
-            <a:spLocks noGrp="1"/>
-          </p:cNvSpPr>
-          <p:nvPr>
-            <p:ph type="title"/>
-          </p:nvPr>
-        </p:nvSpPr>
-        <p:spPr/>
-        <p:txBody>
-          <a:bodyPr/>
-          <a:lstStyle/>
-          <a:p>
-            <a:r>
-              <a:rPr lang="en-US" dirty="0" smtClean="0"/>
               <a:t>P values are unstable</a:t>
             </a:r>
             <a:endParaRPr lang="en-US" dirty="0"/>
@@ -9395,7 +5499,7 @@
           <a:p>
             <a:r>
               <a:rPr lang="en-US" smtClean="0"/>
-              <a:t>CoDaWork 2015</a:t>
+              <a:t>CSM 2015</a:t>
             </a:r>
             <a:endParaRPr lang="en-US"/>
           </a:p>
@@ -9418,7 +5522,7 @@
           <a:p>
             <a:fld id="{4CBC7C6D-2764-8E4F-B1AE-9A315E705D2C}" type="slidenum">
               <a:rPr lang="en-US" smtClean="0"/>
-              <a:t>9</a:t>
+              <a:t>10</a:t>
             </a:fld>
             <a:endParaRPr lang="en-US"/>
           </a:p>
@@ -9442,6 +5546,3820 @@
       <p:transition xmlns:p14="http://schemas.microsoft.com/office/powerpoint/2010/main" spd="slow"/>
     </mc:Fallback>
   </mc:AlternateContent>
+  <p:timing>
+    <p:tnLst>
+      <p:par>
+        <p:cTn xmlns:p14="http://schemas.microsoft.com/office/powerpoint/2010/main" id="1" dur="indefinite" restart="never" nodeType="tmRoot"/>
+      </p:par>
+    </p:tnLst>
+  </p:timing>
+</p:sld>
+</file>
+
+<file path=ppt/slides/slide11.xml><?xml version="1.0" encoding="utf-8"?>
+<p:sld xmlns:a="http://schemas.openxmlformats.org/drawingml/2006/main" xmlns:r="http://schemas.openxmlformats.org/officeDocument/2006/relationships" xmlns:p="http://schemas.openxmlformats.org/presentationml/2006/main">
+  <p:cSld>
+    <p:spTree>
+      <p:nvGrpSpPr>
+        <p:cNvPr id="1" name=""/>
+        <p:cNvGrpSpPr/>
+        <p:nvPr/>
+      </p:nvGrpSpPr>
+      <p:grpSpPr>
+        <a:xfrm>
+          <a:off x="0" y="0"/>
+          <a:ext cx="0" cy="0"/>
+          <a:chOff x="0" y="0"/>
+          <a:chExt cx="0" cy="0"/>
+        </a:xfrm>
+      </p:grpSpPr>
+      <p:sp>
+        <p:nvSpPr>
+          <p:cNvPr id="2" name="Title 1"/>
+          <p:cNvSpPr>
+            <a:spLocks noGrp="1"/>
+          </p:cNvSpPr>
+          <p:nvPr>
+            <p:ph type="title"/>
+          </p:nvPr>
+        </p:nvSpPr>
+        <p:spPr/>
+        <p:txBody>
+          <a:bodyPr/>
+          <a:lstStyle/>
+          <a:p>
+            <a:r>
+              <a:rPr lang="en-US" dirty="0" smtClean="0"/>
+              <a:t>Results reflect biological reality</a:t>
+            </a:r>
+            <a:endParaRPr lang="en-US" dirty="0"/>
+          </a:p>
+        </p:txBody>
+      </p:sp>
+      <p:pic>
+        <p:nvPicPr>
+          <p:cNvPr id="4" name="Content Placeholder 3" descr="all_tested.pdf"/>
+          <p:cNvPicPr>
+            <a:picLocks noGrp="1" noChangeAspect="1"/>
+          </p:cNvPicPr>
+          <p:nvPr>
+            <p:ph idx="1"/>
+          </p:nvPr>
+        </p:nvPicPr>
+        <p:blipFill rotWithShape="1">
+          <a:blip r:embed="rId3">
+            <a:extLst>
+              <a:ext uri="{28A0092B-C50C-407E-A947-70E740481C1C}">
+                <a14:useLocalDpi xmlns:a14="http://schemas.microsoft.com/office/drawing/2010/main" val="0"/>
+              </a:ext>
+            </a:extLst>
+          </a:blip>
+          <a:srcRect l="460" t="8314" r="593"/>
+          <a:stretch/>
+        </p:blipFill>
+        <p:spPr>
+          <a:xfrm>
+            <a:off x="457200" y="1842804"/>
+            <a:ext cx="4478304" cy="4149684"/>
+          </a:xfrm>
+        </p:spPr>
+      </p:pic>
+      <p:sp>
+        <p:nvSpPr>
+          <p:cNvPr id="6" name="TextBox 5"/>
+          <p:cNvSpPr txBox="1"/>
+          <p:nvPr/>
+        </p:nvSpPr>
+        <p:spPr>
+          <a:xfrm>
+            <a:off x="4822052" y="1986028"/>
+            <a:ext cx="3990978" cy="3970318"/>
+          </a:xfrm>
+          <a:prstGeom prst="rect">
+            <a:avLst/>
+          </a:prstGeom>
+          <a:noFill/>
+        </p:spPr>
+        <p:txBody>
+          <a:bodyPr wrap="square" rtlCol="0">
+            <a:spAutoFit/>
+          </a:bodyPr>
+          <a:lstStyle/>
+          <a:p>
+            <a:r>
+              <a:rPr lang="en-US" dirty="0"/>
+              <a:t>x =[x</a:t>
+            </a:r>
+            <a:r>
+              <a:rPr lang="en-US" baseline="-25000" dirty="0"/>
+              <a:t>1</a:t>
+            </a:r>
+            <a:r>
+              <a:rPr lang="en-US" dirty="0"/>
+              <a:t>,x</a:t>
+            </a:r>
+            <a:r>
+              <a:rPr lang="en-US" baseline="-25000" dirty="0"/>
+              <a:t>2</a:t>
+            </a:r>
+            <a:r>
+              <a:rPr lang="en-US" dirty="0"/>
+              <a:t> … </a:t>
+            </a:r>
+            <a:r>
+              <a:rPr lang="en-US" dirty="0" err="1"/>
+              <a:t>x</a:t>
+            </a:r>
+            <a:r>
+              <a:rPr lang="en-US" baseline="-25000" dirty="0" err="1"/>
+              <a:t>n</a:t>
+            </a:r>
+            <a:r>
+              <a:rPr lang="en-US" dirty="0"/>
+              <a:t>], </a:t>
+            </a:r>
+            <a:r>
+              <a:rPr lang="en-US" dirty="0" err="1"/>
+              <a:t>x</a:t>
+            </a:r>
+            <a:r>
+              <a:rPr lang="en-US" baseline="-25000" dirty="0" err="1"/>
+              <a:t>s</a:t>
+            </a:r>
+            <a:r>
+              <a:rPr lang="en-US" dirty="0"/>
+              <a:t>=x</a:t>
+            </a:r>
+            <a:r>
+              <a:rPr lang="en-US" baseline="-25000" dirty="0"/>
+              <a:t>0</a:t>
+            </a:r>
+            <a:r>
+              <a:rPr lang="en-US" dirty="0"/>
+              <a:t>2</a:t>
+            </a:r>
+            <a:r>
+              <a:rPr lang="en-US" baseline="30000" dirty="0"/>
+              <a:t>λs</a:t>
+            </a:r>
+            <a:r>
+              <a:rPr lang="en-US" dirty="0"/>
+              <a:t>, </a:t>
+            </a:r>
+            <a:r>
+              <a:rPr lang="en-US" dirty="0" err="1"/>
+              <a:t>λ</a:t>
+            </a:r>
+            <a:r>
+              <a:rPr lang="en-US" dirty="0"/>
+              <a:t>=[1,0 … 0]</a:t>
+            </a:r>
+          </a:p>
+          <a:p>
+            <a:r>
+              <a:rPr lang="en-US" dirty="0" smtClean="0"/>
+              <a:t>n=1600  s=0, 16</a:t>
+            </a:r>
+          </a:p>
+          <a:p>
+            <a:endParaRPr lang="en-US" dirty="0"/>
+          </a:p>
+          <a:p>
+            <a:r>
+              <a:rPr lang="en-US" dirty="0" smtClean="0"/>
+              <a:t>Plot of Within : Between group difference</a:t>
+            </a:r>
+          </a:p>
+          <a:p>
+            <a:endParaRPr lang="en-US" dirty="0"/>
+          </a:p>
+          <a:p>
+            <a:pPr marL="285750" indent="-285750">
+              <a:buFont typeface="Arial"/>
+              <a:buChar char="•"/>
+            </a:pPr>
+            <a:r>
+              <a:rPr lang="en-US" dirty="0" smtClean="0"/>
+              <a:t>Sectors are constant effect size</a:t>
+            </a:r>
+            <a:endParaRPr lang="en-US" dirty="0"/>
+          </a:p>
+          <a:p>
+            <a:pPr marL="285750" indent="-285750">
+              <a:buFont typeface="Arial"/>
+              <a:buChar char="•"/>
+            </a:pPr>
+            <a:r>
+              <a:rPr lang="en-US" dirty="0" smtClean="0"/>
+              <a:t>Variants with high activity in top left corner</a:t>
+            </a:r>
+          </a:p>
+          <a:p>
+            <a:pPr marL="285750" indent="-285750">
+              <a:buFont typeface="Arial"/>
+              <a:buChar char="•"/>
+            </a:pPr>
+            <a:r>
+              <a:rPr lang="en-US" dirty="0" smtClean="0"/>
+              <a:t>Variants with moderate activity effect &gt; 4</a:t>
+            </a:r>
+          </a:p>
+          <a:p>
+            <a:pPr marL="285750" indent="-285750">
+              <a:buFont typeface="Arial"/>
+              <a:buChar char="•"/>
+            </a:pPr>
+            <a:r>
+              <a:rPr lang="en-US" dirty="0" smtClean="0"/>
+              <a:t>Variants with barely detectable activity effect &gt; 2</a:t>
+            </a:r>
+          </a:p>
+          <a:p>
+            <a:pPr marL="285750" indent="-285750">
+              <a:buFont typeface="Arial"/>
+              <a:buChar char="•"/>
+            </a:pPr>
+            <a:r>
+              <a:rPr lang="en-US" dirty="0" smtClean="0"/>
+              <a:t>Variants with no activity effect &lt; 2</a:t>
+            </a:r>
+            <a:endParaRPr lang="en-US" dirty="0"/>
+          </a:p>
+        </p:txBody>
+      </p:sp>
+      <p:sp>
+        <p:nvSpPr>
+          <p:cNvPr id="3" name="Footer Placeholder 2"/>
+          <p:cNvSpPr>
+            <a:spLocks noGrp="1"/>
+          </p:cNvSpPr>
+          <p:nvPr>
+            <p:ph type="ftr" sz="quarter" idx="11"/>
+          </p:nvPr>
+        </p:nvSpPr>
+        <p:spPr/>
+        <p:txBody>
+          <a:bodyPr/>
+          <a:lstStyle/>
+          <a:p>
+            <a:r>
+              <a:rPr lang="en-US" smtClean="0"/>
+              <a:t>CSM 2015</a:t>
+            </a:r>
+            <a:endParaRPr lang="en-US"/>
+          </a:p>
+        </p:txBody>
+      </p:sp>
+      <p:sp>
+        <p:nvSpPr>
+          <p:cNvPr id="5" name="Slide Number Placeholder 4"/>
+          <p:cNvSpPr>
+            <a:spLocks noGrp="1"/>
+          </p:cNvSpPr>
+          <p:nvPr>
+            <p:ph type="sldNum" sz="quarter" idx="12"/>
+          </p:nvPr>
+        </p:nvSpPr>
+        <p:spPr/>
+        <p:txBody>
+          <a:bodyPr/>
+          <a:lstStyle/>
+          <a:p>
+            <a:fld id="{4CBC7C6D-2764-8E4F-B1AE-9A315E705D2C}" type="slidenum">
+              <a:rPr lang="en-US" smtClean="0"/>
+              <a:t>11</a:t>
+            </a:fld>
+            <a:endParaRPr lang="en-US"/>
+          </a:p>
+        </p:txBody>
+      </p:sp>
+      <p:sp>
+        <p:nvSpPr>
+          <p:cNvPr id="7" name="Rounded Rectangle 6"/>
+          <p:cNvSpPr/>
+          <p:nvPr/>
+        </p:nvSpPr>
+        <p:spPr>
+          <a:xfrm>
+            <a:off x="4085216" y="4216620"/>
+            <a:ext cx="337474" cy="188129"/>
+          </a:xfrm>
+          <a:prstGeom prst="roundRect">
+            <a:avLst/>
+          </a:prstGeom>
+          <a:noFill/>
+        </p:spPr>
+        <p:style>
+          <a:lnRef idx="1">
+            <a:schemeClr val="accent1"/>
+          </a:lnRef>
+          <a:fillRef idx="3">
+            <a:schemeClr val="accent1"/>
+          </a:fillRef>
+          <a:effectRef idx="2">
+            <a:schemeClr val="accent1"/>
+          </a:effectRef>
+          <a:fontRef idx="minor">
+            <a:schemeClr val="lt1"/>
+          </a:fontRef>
+        </p:style>
+        <p:txBody>
+          <a:bodyPr rtlCol="0" anchor="ctr"/>
+          <a:lstStyle/>
+          <a:p>
+            <a:pPr algn="ctr"/>
+            <a:endParaRPr lang="en-US"/>
+          </a:p>
+        </p:txBody>
+      </p:sp>
+      <p:sp>
+        <p:nvSpPr>
+          <p:cNvPr id="8" name="Rounded Rectangle 7"/>
+          <p:cNvSpPr/>
+          <p:nvPr/>
+        </p:nvSpPr>
+        <p:spPr>
+          <a:xfrm>
+            <a:off x="1428842" y="2166214"/>
+            <a:ext cx="361701" cy="136083"/>
+          </a:xfrm>
+          <a:prstGeom prst="roundRect">
+            <a:avLst/>
+          </a:prstGeom>
+          <a:solidFill>
+            <a:srgbClr val="FF6600">
+              <a:alpha val="20000"/>
+            </a:srgbClr>
+          </a:solidFill>
+        </p:spPr>
+        <p:style>
+          <a:lnRef idx="1">
+            <a:schemeClr val="accent1"/>
+          </a:lnRef>
+          <a:fillRef idx="3">
+            <a:schemeClr val="accent1"/>
+          </a:fillRef>
+          <a:effectRef idx="2">
+            <a:schemeClr val="accent1"/>
+          </a:effectRef>
+          <a:fontRef idx="minor">
+            <a:schemeClr val="lt1"/>
+          </a:fontRef>
+        </p:style>
+        <p:txBody>
+          <a:bodyPr rtlCol="0" anchor="ctr"/>
+          <a:lstStyle/>
+          <a:p>
+            <a:pPr algn="ctr"/>
+            <a:endParaRPr lang="en-US"/>
+          </a:p>
+        </p:txBody>
+      </p:sp>
+      <p:sp>
+        <p:nvSpPr>
+          <p:cNvPr id="9" name="Rounded Rectangle 8"/>
+          <p:cNvSpPr/>
+          <p:nvPr/>
+        </p:nvSpPr>
+        <p:spPr>
+          <a:xfrm>
+            <a:off x="1305167" y="2270160"/>
+            <a:ext cx="361701" cy="136083"/>
+          </a:xfrm>
+          <a:prstGeom prst="roundRect">
+            <a:avLst/>
+          </a:prstGeom>
+          <a:solidFill>
+            <a:srgbClr val="FF6600">
+              <a:alpha val="20000"/>
+            </a:srgbClr>
+          </a:solidFill>
+        </p:spPr>
+        <p:style>
+          <a:lnRef idx="1">
+            <a:schemeClr val="accent1"/>
+          </a:lnRef>
+          <a:fillRef idx="3">
+            <a:schemeClr val="accent1"/>
+          </a:fillRef>
+          <a:effectRef idx="2">
+            <a:schemeClr val="accent1"/>
+          </a:effectRef>
+          <a:fontRef idx="minor">
+            <a:schemeClr val="lt1"/>
+          </a:fontRef>
+        </p:style>
+        <p:txBody>
+          <a:bodyPr rtlCol="0" anchor="ctr"/>
+          <a:lstStyle/>
+          <a:p>
+            <a:pPr algn="ctr"/>
+            <a:endParaRPr lang="en-US"/>
+          </a:p>
+        </p:txBody>
+      </p:sp>
+      <p:sp>
+        <p:nvSpPr>
+          <p:cNvPr id="10" name="Rounded Rectangle 9"/>
+          <p:cNvSpPr/>
+          <p:nvPr/>
+        </p:nvSpPr>
+        <p:spPr>
+          <a:xfrm>
+            <a:off x="1067141" y="2134077"/>
+            <a:ext cx="361701" cy="136083"/>
+          </a:xfrm>
+          <a:prstGeom prst="roundRect">
+            <a:avLst/>
+          </a:prstGeom>
+          <a:solidFill>
+            <a:srgbClr val="FF6600">
+              <a:alpha val="20000"/>
+            </a:srgbClr>
+          </a:solidFill>
+        </p:spPr>
+        <p:style>
+          <a:lnRef idx="1">
+            <a:schemeClr val="accent1"/>
+          </a:lnRef>
+          <a:fillRef idx="3">
+            <a:schemeClr val="accent1"/>
+          </a:fillRef>
+          <a:effectRef idx="2">
+            <a:schemeClr val="accent1"/>
+          </a:effectRef>
+          <a:fontRef idx="minor">
+            <a:schemeClr val="lt1"/>
+          </a:fontRef>
+        </p:style>
+        <p:txBody>
+          <a:bodyPr rtlCol="0" anchor="ctr"/>
+          <a:lstStyle/>
+          <a:p>
+            <a:pPr algn="ctr"/>
+            <a:endParaRPr lang="en-US"/>
+          </a:p>
+        </p:txBody>
+      </p:sp>
+      <p:sp>
+        <p:nvSpPr>
+          <p:cNvPr id="11" name="Rounded Rectangle 10"/>
+          <p:cNvSpPr/>
+          <p:nvPr/>
+        </p:nvSpPr>
+        <p:spPr>
+          <a:xfrm>
+            <a:off x="1909752" y="2736475"/>
+            <a:ext cx="361701" cy="136083"/>
+          </a:xfrm>
+          <a:prstGeom prst="roundRect">
+            <a:avLst/>
+          </a:prstGeom>
+          <a:solidFill>
+            <a:srgbClr val="FF6600">
+              <a:alpha val="20000"/>
+            </a:srgbClr>
+          </a:solidFill>
+        </p:spPr>
+        <p:style>
+          <a:lnRef idx="1">
+            <a:schemeClr val="accent1"/>
+          </a:lnRef>
+          <a:fillRef idx="3">
+            <a:schemeClr val="accent1"/>
+          </a:fillRef>
+          <a:effectRef idx="2">
+            <a:schemeClr val="accent1"/>
+          </a:effectRef>
+          <a:fontRef idx="minor">
+            <a:schemeClr val="lt1"/>
+          </a:fontRef>
+        </p:style>
+        <p:txBody>
+          <a:bodyPr rtlCol="0" anchor="ctr"/>
+          <a:lstStyle/>
+          <a:p>
+            <a:pPr algn="ctr"/>
+            <a:endParaRPr lang="en-US"/>
+          </a:p>
+        </p:txBody>
+      </p:sp>
+      <p:sp>
+        <p:nvSpPr>
+          <p:cNvPr id="12" name="Rounded Rectangle 11"/>
+          <p:cNvSpPr/>
+          <p:nvPr/>
+        </p:nvSpPr>
+        <p:spPr>
+          <a:xfrm>
+            <a:off x="2717563" y="2966049"/>
+            <a:ext cx="294830" cy="202710"/>
+          </a:xfrm>
+          <a:prstGeom prst="roundRect">
+            <a:avLst/>
+          </a:prstGeom>
+          <a:solidFill>
+            <a:schemeClr val="tx1">
+              <a:lumMod val="50000"/>
+              <a:lumOff val="50000"/>
+              <a:alpha val="20000"/>
+            </a:schemeClr>
+          </a:solidFill>
+        </p:spPr>
+        <p:style>
+          <a:lnRef idx="1">
+            <a:schemeClr val="accent1"/>
+          </a:lnRef>
+          <a:fillRef idx="3">
+            <a:schemeClr val="accent1"/>
+          </a:fillRef>
+          <a:effectRef idx="2">
+            <a:schemeClr val="accent1"/>
+          </a:effectRef>
+          <a:fontRef idx="minor">
+            <a:schemeClr val="lt1"/>
+          </a:fontRef>
+        </p:style>
+        <p:txBody>
+          <a:bodyPr rtlCol="0" anchor="ctr"/>
+          <a:lstStyle/>
+          <a:p>
+            <a:pPr algn="ctr"/>
+            <a:endParaRPr lang="en-US"/>
+          </a:p>
+        </p:txBody>
+      </p:sp>
+      <p:sp>
+        <p:nvSpPr>
+          <p:cNvPr id="13" name="Rounded Rectangle 12"/>
+          <p:cNvSpPr/>
+          <p:nvPr/>
+        </p:nvSpPr>
+        <p:spPr>
+          <a:xfrm>
+            <a:off x="1281427" y="3100717"/>
+            <a:ext cx="294830" cy="136083"/>
+          </a:xfrm>
+          <a:prstGeom prst="roundRect">
+            <a:avLst/>
+          </a:prstGeom>
+          <a:solidFill>
+            <a:srgbClr val="008000">
+              <a:alpha val="20000"/>
+            </a:srgbClr>
+          </a:solidFill>
+        </p:spPr>
+        <p:style>
+          <a:lnRef idx="1">
+            <a:schemeClr val="accent1"/>
+          </a:lnRef>
+          <a:fillRef idx="3">
+            <a:schemeClr val="accent1"/>
+          </a:fillRef>
+          <a:effectRef idx="2">
+            <a:schemeClr val="accent1"/>
+          </a:effectRef>
+          <a:fontRef idx="minor">
+            <a:schemeClr val="lt1"/>
+          </a:fontRef>
+        </p:style>
+        <p:txBody>
+          <a:bodyPr rtlCol="0" anchor="ctr"/>
+          <a:lstStyle/>
+          <a:p>
+            <a:pPr algn="ctr"/>
+            <a:endParaRPr lang="en-US"/>
+          </a:p>
+        </p:txBody>
+      </p:sp>
+      <p:sp>
+        <p:nvSpPr>
+          <p:cNvPr id="14" name="Rounded Rectangle 13"/>
+          <p:cNvSpPr/>
+          <p:nvPr/>
+        </p:nvSpPr>
+        <p:spPr>
+          <a:xfrm>
+            <a:off x="2370667" y="3390727"/>
+            <a:ext cx="294830" cy="136083"/>
+          </a:xfrm>
+          <a:prstGeom prst="roundRect">
+            <a:avLst/>
+          </a:prstGeom>
+          <a:solidFill>
+            <a:schemeClr val="accent6">
+              <a:lumMod val="50000"/>
+              <a:alpha val="20000"/>
+            </a:schemeClr>
+          </a:solidFill>
+        </p:spPr>
+        <p:style>
+          <a:lnRef idx="1">
+            <a:schemeClr val="accent1"/>
+          </a:lnRef>
+          <a:fillRef idx="3">
+            <a:schemeClr val="accent1"/>
+          </a:fillRef>
+          <a:effectRef idx="2">
+            <a:schemeClr val="accent1"/>
+          </a:effectRef>
+          <a:fontRef idx="minor">
+            <a:schemeClr val="lt1"/>
+          </a:fontRef>
+        </p:style>
+        <p:txBody>
+          <a:bodyPr rtlCol="0" anchor="ctr"/>
+          <a:lstStyle/>
+          <a:p>
+            <a:pPr algn="ctr"/>
+            <a:endParaRPr lang="en-US"/>
+          </a:p>
+        </p:txBody>
+      </p:sp>
+      <p:sp>
+        <p:nvSpPr>
+          <p:cNvPr id="15" name="Rounded Rectangle 14"/>
+          <p:cNvSpPr/>
+          <p:nvPr/>
+        </p:nvSpPr>
+        <p:spPr>
+          <a:xfrm>
+            <a:off x="1481697" y="2236328"/>
+            <a:ext cx="294830" cy="136083"/>
+          </a:xfrm>
+          <a:prstGeom prst="roundRect">
+            <a:avLst/>
+          </a:prstGeom>
+          <a:solidFill>
+            <a:srgbClr val="0000FF">
+              <a:alpha val="20000"/>
+            </a:srgbClr>
+          </a:solidFill>
+        </p:spPr>
+        <p:style>
+          <a:lnRef idx="1">
+            <a:schemeClr val="accent1"/>
+          </a:lnRef>
+          <a:fillRef idx="3">
+            <a:schemeClr val="accent1"/>
+          </a:fillRef>
+          <a:effectRef idx="2">
+            <a:schemeClr val="accent1"/>
+          </a:effectRef>
+          <a:fontRef idx="minor">
+            <a:schemeClr val="lt1"/>
+          </a:fontRef>
+        </p:style>
+        <p:txBody>
+          <a:bodyPr rtlCol="0" anchor="ctr"/>
+          <a:lstStyle/>
+          <a:p>
+            <a:pPr algn="ctr"/>
+            <a:endParaRPr lang="en-US"/>
+          </a:p>
+        </p:txBody>
+      </p:sp>
+      <p:sp>
+        <p:nvSpPr>
+          <p:cNvPr id="16" name="Rounded Rectangle 15"/>
+          <p:cNvSpPr/>
+          <p:nvPr/>
+        </p:nvSpPr>
+        <p:spPr>
+          <a:xfrm>
+            <a:off x="2829381" y="2485625"/>
+            <a:ext cx="294830" cy="235074"/>
+          </a:xfrm>
+          <a:prstGeom prst="roundRect">
+            <a:avLst/>
+          </a:prstGeom>
+          <a:solidFill>
+            <a:schemeClr val="tx1">
+              <a:lumMod val="95000"/>
+              <a:lumOff val="5000"/>
+              <a:alpha val="20000"/>
+            </a:schemeClr>
+          </a:solidFill>
+        </p:spPr>
+        <p:style>
+          <a:lnRef idx="1">
+            <a:schemeClr val="accent1"/>
+          </a:lnRef>
+          <a:fillRef idx="3">
+            <a:schemeClr val="accent1"/>
+          </a:fillRef>
+          <a:effectRef idx="2">
+            <a:schemeClr val="accent1"/>
+          </a:effectRef>
+          <a:fontRef idx="minor">
+            <a:schemeClr val="lt1"/>
+          </a:fontRef>
+        </p:style>
+        <p:txBody>
+          <a:bodyPr rtlCol="0" anchor="ctr"/>
+          <a:lstStyle/>
+          <a:p>
+            <a:pPr algn="ctr"/>
+            <a:endParaRPr lang="en-US" dirty="0"/>
+          </a:p>
+        </p:txBody>
+      </p:sp>
+      <p:sp>
+        <p:nvSpPr>
+          <p:cNvPr id="17" name="Rounded Rectangle 16"/>
+          <p:cNvSpPr/>
+          <p:nvPr/>
+        </p:nvSpPr>
+        <p:spPr>
+          <a:xfrm>
+            <a:off x="1033401" y="1997994"/>
+            <a:ext cx="294830" cy="136083"/>
+          </a:xfrm>
+          <a:prstGeom prst="roundRect">
+            <a:avLst/>
+          </a:prstGeom>
+          <a:solidFill>
+            <a:srgbClr val="FF0000">
+              <a:alpha val="20000"/>
+            </a:srgbClr>
+          </a:solidFill>
+        </p:spPr>
+        <p:style>
+          <a:lnRef idx="1">
+            <a:schemeClr val="accent1"/>
+          </a:lnRef>
+          <a:fillRef idx="3">
+            <a:schemeClr val="accent1"/>
+          </a:fillRef>
+          <a:effectRef idx="2">
+            <a:schemeClr val="accent1"/>
+          </a:effectRef>
+          <a:fontRef idx="minor">
+            <a:schemeClr val="lt1"/>
+          </a:fontRef>
+        </p:style>
+        <p:txBody>
+          <a:bodyPr rtlCol="0" anchor="ctr"/>
+          <a:lstStyle/>
+          <a:p>
+            <a:pPr algn="ctr"/>
+            <a:endParaRPr lang="en-US"/>
+          </a:p>
+        </p:txBody>
+      </p:sp>
+      <p:sp>
+        <p:nvSpPr>
+          <p:cNvPr id="18" name="Rounded Rectangle 17"/>
+          <p:cNvSpPr/>
+          <p:nvPr/>
+        </p:nvSpPr>
+        <p:spPr>
+          <a:xfrm>
+            <a:off x="2665497" y="4610044"/>
+            <a:ext cx="294830" cy="136083"/>
+          </a:xfrm>
+          <a:prstGeom prst="roundRect">
+            <a:avLst/>
+          </a:prstGeom>
+          <a:solidFill>
+            <a:srgbClr val="FFFF00">
+              <a:alpha val="47000"/>
+            </a:srgbClr>
+          </a:solidFill>
+        </p:spPr>
+        <p:style>
+          <a:lnRef idx="1">
+            <a:schemeClr val="accent1"/>
+          </a:lnRef>
+          <a:fillRef idx="3">
+            <a:schemeClr val="accent1"/>
+          </a:fillRef>
+          <a:effectRef idx="2">
+            <a:schemeClr val="accent1"/>
+          </a:effectRef>
+          <a:fontRef idx="minor">
+            <a:schemeClr val="lt1"/>
+          </a:fontRef>
+        </p:style>
+        <p:txBody>
+          <a:bodyPr rtlCol="0" anchor="ctr"/>
+          <a:lstStyle/>
+          <a:p>
+            <a:pPr algn="ctr"/>
+            <a:endParaRPr lang="en-US"/>
+          </a:p>
+        </p:txBody>
+      </p:sp>
+      <p:sp>
+        <p:nvSpPr>
+          <p:cNvPr id="19" name="Rounded Rectangle 18"/>
+          <p:cNvSpPr/>
+          <p:nvPr/>
+        </p:nvSpPr>
+        <p:spPr>
+          <a:xfrm>
+            <a:off x="1666868" y="4014700"/>
+            <a:ext cx="390299" cy="136083"/>
+          </a:xfrm>
+          <a:prstGeom prst="roundRect">
+            <a:avLst/>
+          </a:prstGeom>
+          <a:solidFill>
+            <a:schemeClr val="accent2">
+              <a:lumMod val="60000"/>
+              <a:lumOff val="40000"/>
+              <a:alpha val="47000"/>
+            </a:schemeClr>
+          </a:solidFill>
+        </p:spPr>
+        <p:style>
+          <a:lnRef idx="1">
+            <a:schemeClr val="accent1"/>
+          </a:lnRef>
+          <a:fillRef idx="3">
+            <a:schemeClr val="accent1"/>
+          </a:fillRef>
+          <a:effectRef idx="2">
+            <a:schemeClr val="accent1"/>
+          </a:effectRef>
+          <a:fontRef idx="minor">
+            <a:schemeClr val="lt1"/>
+          </a:fontRef>
+        </p:style>
+        <p:txBody>
+          <a:bodyPr rtlCol="0" anchor="ctr"/>
+          <a:lstStyle/>
+          <a:p>
+            <a:pPr algn="ctr"/>
+            <a:endParaRPr lang="en-US"/>
+          </a:p>
+        </p:txBody>
+      </p:sp>
+    </p:spTree>
+    <p:extLst>
+      <p:ext uri="{BB962C8B-B14F-4D97-AF65-F5344CB8AC3E}">
+        <p14:creationId xmlns:p14="http://schemas.microsoft.com/office/powerpoint/2010/main" val="2817186998"/>
+      </p:ext>
+    </p:extLst>
+  </p:cSld>
+  <p:clrMapOvr>
+    <a:masterClrMapping/>
+  </p:clrMapOvr>
+  <p:timing>
+    <p:tnLst>
+      <p:par>
+        <p:cTn xmlns:p14="http://schemas.microsoft.com/office/powerpoint/2010/main" id="1" dur="indefinite" restart="never" nodeType="tmRoot"/>
+      </p:par>
+    </p:tnLst>
+  </p:timing>
+</p:sld>
+</file>
+
+<file path=ppt/slides/slide12.xml><?xml version="1.0" encoding="utf-8"?>
+<p:sld xmlns:a="http://schemas.openxmlformats.org/drawingml/2006/main" xmlns:r="http://schemas.openxmlformats.org/officeDocument/2006/relationships" xmlns:p="http://schemas.openxmlformats.org/presentationml/2006/main">
+  <p:cSld>
+    <p:spTree>
+      <p:nvGrpSpPr>
+        <p:cNvPr id="1" name=""/>
+        <p:cNvGrpSpPr/>
+        <p:nvPr/>
+      </p:nvGrpSpPr>
+      <p:grpSpPr>
+        <a:xfrm>
+          <a:off x="0" y="0"/>
+          <a:ext cx="0" cy="0"/>
+          <a:chOff x="0" y="0"/>
+          <a:chExt cx="0" cy="0"/>
+        </a:xfrm>
+      </p:grpSpPr>
+      <p:sp>
+        <p:nvSpPr>
+          <p:cNvPr id="6" name="Content Placeholder 5"/>
+          <p:cNvSpPr>
+            <a:spLocks noGrp="1"/>
+          </p:cNvSpPr>
+          <p:nvPr>
+            <p:ph idx="1"/>
+          </p:nvPr>
+        </p:nvSpPr>
+        <p:spPr/>
+        <p:txBody>
+          <a:bodyPr>
+            <a:normAutofit lnSpcReduction="10000"/>
+          </a:bodyPr>
+          <a:lstStyle/>
+          <a:p>
+            <a:r>
+              <a:rPr lang="en-US" sz="2400" dirty="0" smtClean="0"/>
+              <a:t>High throughput sequencing datasets are distorted by sequencing</a:t>
+            </a:r>
+          </a:p>
+          <a:p>
+            <a:pPr lvl="1"/>
+            <a:r>
+              <a:rPr lang="en-US" sz="2000" dirty="0" smtClean="0"/>
+              <a:t>Machine capacity imposes constant sum constraint</a:t>
+            </a:r>
+          </a:p>
+          <a:p>
+            <a:r>
+              <a:rPr lang="en-US" sz="2400" dirty="0" smtClean="0"/>
+              <a:t>High throughput sequencing datasets have significant variation</a:t>
+            </a:r>
+          </a:p>
+          <a:p>
+            <a:pPr lvl="1"/>
+            <a:r>
+              <a:rPr lang="en-US" sz="2000" dirty="0" smtClean="0"/>
+              <a:t>Variation is proportionally more extreme at low count margins</a:t>
+            </a:r>
+          </a:p>
+          <a:p>
+            <a:r>
+              <a:rPr lang="en-US" sz="2400" dirty="0" smtClean="0"/>
+              <a:t>Modeling and accounting for this variation combined with placing data in the proper space reduces false positive identifications when conducting </a:t>
+            </a:r>
+            <a:r>
+              <a:rPr lang="en-US" sz="2400" dirty="0" err="1" smtClean="0"/>
+              <a:t>univariate</a:t>
+            </a:r>
+            <a:r>
+              <a:rPr lang="en-US" sz="2400" dirty="0" smtClean="0"/>
+              <a:t> tests</a:t>
+            </a:r>
+          </a:p>
+          <a:p>
+            <a:r>
+              <a:rPr lang="en-US" sz="2400" dirty="0" smtClean="0"/>
+              <a:t>The ALDEx2 approach is generalizable across experimental designs</a:t>
+            </a:r>
+          </a:p>
+          <a:p>
+            <a:pPr lvl="1"/>
+            <a:r>
+              <a:rPr lang="en-US" sz="2000" dirty="0" smtClean="0"/>
+              <a:t>Applied to RNA-</a:t>
+            </a:r>
+            <a:r>
+              <a:rPr lang="en-US" sz="2000" dirty="0" err="1" smtClean="0"/>
+              <a:t>seq</a:t>
+            </a:r>
+            <a:r>
+              <a:rPr lang="en-US" sz="2000" dirty="0" smtClean="0"/>
+              <a:t>, 16S </a:t>
+            </a:r>
+            <a:r>
+              <a:rPr lang="en-US" sz="2000" dirty="0" err="1" smtClean="0"/>
+              <a:t>rRNA</a:t>
+            </a:r>
+            <a:r>
+              <a:rPr lang="en-US" sz="2000" dirty="0" smtClean="0"/>
+              <a:t> gene sequencing, </a:t>
+            </a:r>
+            <a:r>
+              <a:rPr lang="en-US" sz="2000" smtClean="0"/>
+              <a:t>selective </a:t>
+            </a:r>
+            <a:r>
+              <a:rPr lang="en-US" sz="2000" smtClean="0"/>
+              <a:t>growth</a:t>
+            </a:r>
+            <a:endParaRPr lang="en-US" sz="2000" dirty="0" smtClean="0"/>
+          </a:p>
+        </p:txBody>
+      </p:sp>
+      <p:sp>
+        <p:nvSpPr>
+          <p:cNvPr id="2" name="Title 1"/>
+          <p:cNvSpPr>
+            <a:spLocks noGrp="1"/>
+          </p:cNvSpPr>
+          <p:nvPr>
+            <p:ph type="title"/>
+          </p:nvPr>
+        </p:nvSpPr>
+        <p:spPr/>
+        <p:txBody>
+          <a:bodyPr/>
+          <a:lstStyle/>
+          <a:p>
+            <a:r>
+              <a:rPr lang="en-US" dirty="0" smtClean="0"/>
+              <a:t>Conclusions</a:t>
+            </a:r>
+            <a:endParaRPr lang="en-US" dirty="0"/>
+          </a:p>
+        </p:txBody>
+      </p:sp>
+      <p:sp>
+        <p:nvSpPr>
+          <p:cNvPr id="3" name="Footer Placeholder 2"/>
+          <p:cNvSpPr>
+            <a:spLocks noGrp="1"/>
+          </p:cNvSpPr>
+          <p:nvPr>
+            <p:ph type="ftr" sz="quarter" idx="11"/>
+          </p:nvPr>
+        </p:nvSpPr>
+        <p:spPr/>
+        <p:txBody>
+          <a:bodyPr/>
+          <a:lstStyle/>
+          <a:p>
+            <a:r>
+              <a:rPr lang="en-US" smtClean="0"/>
+              <a:t>CSM 2015</a:t>
+            </a:r>
+            <a:endParaRPr lang="en-US"/>
+          </a:p>
+        </p:txBody>
+      </p:sp>
+      <p:sp>
+        <p:nvSpPr>
+          <p:cNvPr id="4" name="Slide Number Placeholder 3"/>
+          <p:cNvSpPr>
+            <a:spLocks noGrp="1"/>
+          </p:cNvSpPr>
+          <p:nvPr>
+            <p:ph type="sldNum" sz="quarter" idx="12"/>
+          </p:nvPr>
+        </p:nvSpPr>
+        <p:spPr/>
+        <p:txBody>
+          <a:bodyPr/>
+          <a:lstStyle/>
+          <a:p>
+            <a:fld id="{4CBC7C6D-2764-8E4F-B1AE-9A315E705D2C}" type="slidenum">
+              <a:rPr lang="en-US" smtClean="0"/>
+              <a:t>12</a:t>
+            </a:fld>
+            <a:endParaRPr lang="en-US"/>
+          </a:p>
+        </p:txBody>
+      </p:sp>
+    </p:spTree>
+    <p:extLst>
+      <p:ext uri="{BB962C8B-B14F-4D97-AF65-F5344CB8AC3E}">
+        <p14:creationId xmlns:p14="http://schemas.microsoft.com/office/powerpoint/2010/main" val="999584773"/>
+      </p:ext>
+    </p:extLst>
+  </p:cSld>
+  <p:clrMapOvr>
+    <a:masterClrMapping/>
+  </p:clrMapOvr>
+  <p:timing>
+    <p:tnLst>
+      <p:par>
+        <p:cTn xmlns:p14="http://schemas.microsoft.com/office/powerpoint/2010/main" id="1" dur="indefinite" restart="never" nodeType="tmRoot"/>
+      </p:par>
+    </p:tnLst>
+  </p:timing>
+</p:sld>
+</file>
+
+<file path=ppt/slides/slide2.xml><?xml version="1.0" encoding="utf-8"?>
+<p:sld xmlns:a="http://schemas.openxmlformats.org/drawingml/2006/main" xmlns:r="http://schemas.openxmlformats.org/officeDocument/2006/relationships" xmlns:p="http://schemas.openxmlformats.org/presentationml/2006/main">
+  <p:cSld>
+    <p:spTree>
+      <p:nvGrpSpPr>
+        <p:cNvPr id="1" name=""/>
+        <p:cNvGrpSpPr/>
+        <p:nvPr/>
+      </p:nvGrpSpPr>
+      <p:grpSpPr>
+        <a:xfrm>
+          <a:off x="0" y="0"/>
+          <a:ext cx="0" cy="0"/>
+          <a:chOff x="0" y="0"/>
+          <a:chExt cx="0" cy="0"/>
+        </a:xfrm>
+      </p:grpSpPr>
+      <p:sp>
+        <p:nvSpPr>
+          <p:cNvPr id="2" name="Title 1"/>
+          <p:cNvSpPr>
+            <a:spLocks noGrp="1"/>
+          </p:cNvSpPr>
+          <p:nvPr>
+            <p:ph type="title"/>
+          </p:nvPr>
+        </p:nvSpPr>
+        <p:spPr/>
+        <p:txBody>
+          <a:bodyPr/>
+          <a:lstStyle/>
+          <a:p>
+            <a:r>
+              <a:rPr lang="en-US" dirty="0" smtClean="0"/>
+              <a:t>The problem</a:t>
+            </a:r>
+            <a:endParaRPr lang="en-US" dirty="0"/>
+          </a:p>
+        </p:txBody>
+      </p:sp>
+      <p:sp>
+        <p:nvSpPr>
+          <p:cNvPr id="3" name="Content Placeholder 2"/>
+          <p:cNvSpPr>
+            <a:spLocks noGrp="1"/>
+          </p:cNvSpPr>
+          <p:nvPr>
+            <p:ph idx="1"/>
+          </p:nvPr>
+        </p:nvSpPr>
+        <p:spPr/>
+        <p:txBody>
+          <a:bodyPr/>
+          <a:lstStyle/>
+          <a:p>
+            <a:r>
+              <a:rPr lang="en-US" dirty="0"/>
+              <a:t>Sequencing data are compositional</a:t>
+            </a:r>
+          </a:p>
+          <a:p>
+            <a:pPr lvl="1"/>
+            <a:r>
+              <a:rPr lang="en-US" dirty="0"/>
+              <a:t>Therefore everything correlates with everything to some level within a </a:t>
+            </a:r>
+            <a:r>
+              <a:rPr lang="en-US" dirty="0" smtClean="0"/>
+              <a:t>sample</a:t>
+            </a:r>
+            <a:endParaRPr lang="en-US" dirty="0"/>
+          </a:p>
+          <a:p>
+            <a:pPr lvl="1"/>
+            <a:r>
+              <a:rPr lang="en-US" dirty="0"/>
+              <a:t>Therefore the levels are confounded if the bacterial load (or the total amount of mRNA) differs between </a:t>
+            </a:r>
+            <a:r>
+              <a:rPr lang="en-US" dirty="0" smtClean="0"/>
+              <a:t>samples</a:t>
+            </a:r>
+            <a:endParaRPr lang="en-US" dirty="0"/>
+          </a:p>
+          <a:p>
+            <a:pPr lvl="1"/>
+            <a:r>
+              <a:rPr lang="en-US" dirty="0"/>
+              <a:t>Therefore our conclusions change when we include or exclude different sets of OTUs (genes</a:t>
+            </a:r>
+            <a:r>
+              <a:rPr lang="en-US" dirty="0" smtClean="0"/>
+              <a:t>)</a:t>
+            </a:r>
+          </a:p>
+          <a:p>
+            <a:pPr marL="457200" lvl="1" indent="0" algn="ctr">
+              <a:buNone/>
+            </a:pPr>
+            <a:r>
+              <a:rPr lang="en-US" sz="1400" dirty="0" smtClean="0"/>
+              <a:t>(Pearson 1896 Proceedings </a:t>
+            </a:r>
+            <a:r>
+              <a:rPr lang="en-US" sz="1400" dirty="0"/>
+              <a:t>of the Royal Society of </a:t>
+            </a:r>
+            <a:r>
+              <a:rPr lang="en-US" sz="1400" dirty="0" smtClean="0"/>
+              <a:t>London 60, 489: </a:t>
+            </a:r>
+            <a:r>
+              <a:rPr lang="en-US" sz="1400" dirty="0" err="1" smtClean="0"/>
+              <a:t>Aitchison</a:t>
+            </a:r>
+            <a:r>
+              <a:rPr lang="en-US" sz="1400" dirty="0" smtClean="0"/>
+              <a:t> 1986 </a:t>
+            </a:r>
+            <a:r>
+              <a:rPr lang="en-US" sz="1400" dirty="0"/>
+              <a:t>The Statistical Analysis of Compositional </a:t>
+            </a:r>
+            <a:r>
+              <a:rPr lang="en-US" sz="1400" dirty="0" smtClean="0"/>
+              <a:t>Data: Lovell 2015 </a:t>
+            </a:r>
+            <a:r>
+              <a:rPr lang="en-US" sz="1400" dirty="0" err="1"/>
+              <a:t>PLoS</a:t>
+            </a:r>
+            <a:r>
+              <a:rPr lang="en-US" sz="1400" dirty="0"/>
+              <a:t> </a:t>
+            </a:r>
+            <a:r>
+              <a:rPr lang="en-US" sz="1400" dirty="0" err="1"/>
+              <a:t>Comput</a:t>
+            </a:r>
+            <a:r>
+              <a:rPr lang="en-US" sz="1400" dirty="0"/>
+              <a:t> </a:t>
+            </a:r>
+            <a:r>
+              <a:rPr lang="en-US" sz="1400" dirty="0" smtClean="0"/>
+              <a:t>Bio,11:</a:t>
+            </a:r>
+            <a:r>
+              <a:rPr lang="en-US" sz="1400" dirty="0"/>
+              <a:t>e1004075</a:t>
+            </a:r>
+            <a:r>
+              <a:rPr lang="en-US" sz="1400" dirty="0" smtClean="0"/>
+              <a:t> )</a:t>
+            </a:r>
+          </a:p>
+          <a:p>
+            <a:pPr marL="457200" lvl="1" indent="0">
+              <a:buNone/>
+            </a:pPr>
+            <a:endParaRPr lang="en-US" dirty="0"/>
+          </a:p>
+          <a:p>
+            <a:endParaRPr lang="en-US" dirty="0"/>
+          </a:p>
+        </p:txBody>
+      </p:sp>
+      <p:sp>
+        <p:nvSpPr>
+          <p:cNvPr id="4" name="Footer Placeholder 3"/>
+          <p:cNvSpPr>
+            <a:spLocks noGrp="1"/>
+          </p:cNvSpPr>
+          <p:nvPr>
+            <p:ph type="ftr" sz="quarter" idx="11"/>
+          </p:nvPr>
+        </p:nvSpPr>
+        <p:spPr/>
+        <p:txBody>
+          <a:bodyPr/>
+          <a:lstStyle/>
+          <a:p>
+            <a:r>
+              <a:rPr lang="en-US" smtClean="0"/>
+              <a:t>CSM 2015</a:t>
+            </a:r>
+            <a:endParaRPr lang="en-US"/>
+          </a:p>
+        </p:txBody>
+      </p:sp>
+      <p:sp>
+        <p:nvSpPr>
+          <p:cNvPr id="5" name="Slide Number Placeholder 4"/>
+          <p:cNvSpPr>
+            <a:spLocks noGrp="1"/>
+          </p:cNvSpPr>
+          <p:nvPr>
+            <p:ph type="sldNum" sz="quarter" idx="12"/>
+          </p:nvPr>
+        </p:nvSpPr>
+        <p:spPr/>
+        <p:txBody>
+          <a:bodyPr/>
+          <a:lstStyle/>
+          <a:p>
+            <a:fld id="{4CBC7C6D-2764-8E4F-B1AE-9A315E705D2C}" type="slidenum">
+              <a:rPr lang="en-US" smtClean="0"/>
+              <a:t>2</a:t>
+            </a:fld>
+            <a:endParaRPr lang="en-US"/>
+          </a:p>
+        </p:txBody>
+      </p:sp>
+    </p:spTree>
+    <p:extLst>
+      <p:ext uri="{BB962C8B-B14F-4D97-AF65-F5344CB8AC3E}">
+        <p14:creationId xmlns:p14="http://schemas.microsoft.com/office/powerpoint/2010/main" val="1282117612"/>
+      </p:ext>
+    </p:extLst>
+  </p:cSld>
+  <p:clrMapOvr>
+    <a:masterClrMapping/>
+  </p:clrMapOvr>
+</p:sld>
+</file>
+
+<file path=ppt/slides/slide3.xml><?xml version="1.0" encoding="utf-8"?>
+<p:sld xmlns:a="http://schemas.openxmlformats.org/drawingml/2006/main" xmlns:r="http://schemas.openxmlformats.org/officeDocument/2006/relationships" xmlns:p="http://schemas.openxmlformats.org/presentationml/2006/main">
+  <p:cSld>
+    <p:spTree>
+      <p:nvGrpSpPr>
+        <p:cNvPr id="1" name=""/>
+        <p:cNvGrpSpPr/>
+        <p:nvPr/>
+      </p:nvGrpSpPr>
+      <p:grpSpPr>
+        <a:xfrm>
+          <a:off x="0" y="0"/>
+          <a:ext cx="0" cy="0"/>
+          <a:chOff x="0" y="0"/>
+          <a:chExt cx="0" cy="0"/>
+        </a:xfrm>
+      </p:grpSpPr>
+      <p:pic>
+        <p:nvPicPr>
+          <p:cNvPr id="5" name="Content Placeholder 4" descr="goal.png"/>
+          <p:cNvPicPr>
+            <a:picLocks noGrp="1" noChangeAspect="1"/>
+          </p:cNvPicPr>
+          <p:nvPr>
+            <p:ph idx="1"/>
+          </p:nvPr>
+        </p:nvPicPr>
+        <p:blipFill>
+          <a:blip r:embed="rId3">
+            <a:extLst>
+              <a:ext uri="{28A0092B-C50C-407E-A947-70E740481C1C}">
+                <a14:useLocalDpi xmlns:a14="http://schemas.microsoft.com/office/drawing/2010/main" val="0"/>
+              </a:ext>
+            </a:extLst>
+          </a:blip>
+          <a:srcRect l="-1140" r="-1140"/>
+          <a:stretch>
+            <a:fillRect/>
+          </a:stretch>
+        </p:blipFill>
+        <p:spPr>
+          <a:xfrm>
+            <a:off x="457200" y="2297220"/>
+            <a:ext cx="4197247" cy="2308324"/>
+          </a:xfrm>
+        </p:spPr>
+      </p:pic>
+      <p:sp>
+        <p:nvSpPr>
+          <p:cNvPr id="2" name="Title 1"/>
+          <p:cNvSpPr>
+            <a:spLocks noGrp="1"/>
+          </p:cNvSpPr>
+          <p:nvPr>
+            <p:ph type="title"/>
+          </p:nvPr>
+        </p:nvSpPr>
+        <p:spPr/>
+        <p:txBody>
+          <a:bodyPr/>
+          <a:lstStyle/>
+          <a:p>
+            <a:r>
+              <a:rPr lang="en-US" dirty="0" smtClean="0"/>
+              <a:t>The goal</a:t>
+            </a:r>
+            <a:endParaRPr lang="en-US" dirty="0"/>
+          </a:p>
+        </p:txBody>
+      </p:sp>
+      <p:sp>
+        <p:nvSpPr>
+          <p:cNvPr id="6" name="TextBox 5"/>
+          <p:cNvSpPr txBox="1"/>
+          <p:nvPr/>
+        </p:nvSpPr>
+        <p:spPr>
+          <a:xfrm>
+            <a:off x="4847071" y="1724328"/>
+            <a:ext cx="3460231" cy="3970318"/>
+          </a:xfrm>
+          <a:prstGeom prst="rect">
+            <a:avLst/>
+          </a:prstGeom>
+          <a:noFill/>
+        </p:spPr>
+        <p:txBody>
+          <a:bodyPr wrap="square" rtlCol="0">
+            <a:spAutoFit/>
+          </a:bodyPr>
+          <a:lstStyle/>
+          <a:p>
+            <a:pPr marL="285750" indent="-285750">
+              <a:buFont typeface="Arial"/>
+              <a:buChar char="•"/>
+            </a:pPr>
+            <a:r>
+              <a:rPr lang="en-US" dirty="0" smtClean="0"/>
+              <a:t>Given a set of data for two or more groups derived from high throughput sequencing, what are the </a:t>
+            </a:r>
+            <a:r>
+              <a:rPr lang="en-US" dirty="0" err="1" smtClean="0"/>
+              <a:t>univariate</a:t>
+            </a:r>
+            <a:r>
+              <a:rPr lang="en-US" dirty="0" smtClean="0"/>
+              <a:t> differences between the groups?</a:t>
+            </a:r>
+          </a:p>
+          <a:p>
+            <a:pPr marL="285750" indent="-285750">
+              <a:buFont typeface="Arial"/>
+              <a:buChar char="•"/>
+            </a:pPr>
+            <a:endParaRPr lang="en-US" dirty="0"/>
+          </a:p>
+          <a:p>
+            <a:pPr marL="285750" indent="-285750">
+              <a:buFont typeface="Arial"/>
+              <a:buChar char="•"/>
+            </a:pPr>
+            <a:r>
+              <a:rPr lang="en-US" dirty="0" smtClean="0"/>
+              <a:t>Samples can be RNA-</a:t>
+            </a:r>
+            <a:r>
+              <a:rPr lang="en-US" dirty="0" err="1" smtClean="0"/>
+              <a:t>seq</a:t>
+            </a:r>
+            <a:r>
+              <a:rPr lang="en-US" dirty="0" smtClean="0"/>
+              <a:t>, 16S </a:t>
+            </a:r>
+            <a:r>
+              <a:rPr lang="en-US" dirty="0" err="1" smtClean="0"/>
+              <a:t>rRNA</a:t>
+            </a:r>
+            <a:r>
+              <a:rPr lang="en-US" dirty="0" smtClean="0"/>
+              <a:t> gene abundances (</a:t>
+            </a:r>
+            <a:r>
+              <a:rPr lang="en-US" dirty="0" err="1" smtClean="0"/>
+              <a:t>microbiome</a:t>
+            </a:r>
+            <a:r>
+              <a:rPr lang="en-US" dirty="0" smtClean="0"/>
+              <a:t>), </a:t>
+            </a:r>
+            <a:r>
+              <a:rPr lang="en-US" dirty="0" err="1" smtClean="0"/>
+              <a:t>ChIP-seq</a:t>
+            </a:r>
+            <a:r>
+              <a:rPr lang="en-US" dirty="0" smtClean="0"/>
+              <a:t>, selections …</a:t>
+            </a:r>
+          </a:p>
+          <a:p>
+            <a:pPr marL="285750" indent="-285750">
+              <a:buFont typeface="Arial"/>
+              <a:buChar char="•"/>
+            </a:pPr>
+            <a:endParaRPr lang="en-US" dirty="0" smtClean="0"/>
+          </a:p>
+          <a:p>
+            <a:pPr marL="285750" indent="-285750">
+              <a:buFont typeface="Arial"/>
+              <a:buChar char="•"/>
+            </a:pPr>
+            <a:r>
+              <a:rPr lang="en-US" dirty="0" smtClean="0"/>
+              <a:t>Features can be gene sets, OTU sequences, genomic regions, allele abundances …</a:t>
+            </a:r>
+            <a:endParaRPr lang="en-US" dirty="0"/>
+          </a:p>
+        </p:txBody>
+      </p:sp>
+      <p:sp>
+        <p:nvSpPr>
+          <p:cNvPr id="3" name="Footer Placeholder 2"/>
+          <p:cNvSpPr>
+            <a:spLocks noGrp="1"/>
+          </p:cNvSpPr>
+          <p:nvPr>
+            <p:ph type="ftr" sz="quarter" idx="11"/>
+          </p:nvPr>
+        </p:nvSpPr>
+        <p:spPr/>
+        <p:txBody>
+          <a:bodyPr/>
+          <a:lstStyle/>
+          <a:p>
+            <a:r>
+              <a:rPr lang="en-US" smtClean="0"/>
+              <a:t>CSM 2015</a:t>
+            </a:r>
+            <a:endParaRPr lang="en-US"/>
+          </a:p>
+        </p:txBody>
+      </p:sp>
+      <p:sp>
+        <p:nvSpPr>
+          <p:cNvPr id="4" name="Slide Number Placeholder 3"/>
+          <p:cNvSpPr>
+            <a:spLocks noGrp="1"/>
+          </p:cNvSpPr>
+          <p:nvPr>
+            <p:ph type="sldNum" sz="quarter" idx="12"/>
+          </p:nvPr>
+        </p:nvSpPr>
+        <p:spPr/>
+        <p:txBody>
+          <a:bodyPr/>
+          <a:lstStyle/>
+          <a:p>
+            <a:fld id="{4CBC7C6D-2764-8E4F-B1AE-9A315E705D2C}" type="slidenum">
+              <a:rPr lang="en-US" smtClean="0"/>
+              <a:t>3</a:t>
+            </a:fld>
+            <a:endParaRPr lang="en-US"/>
+          </a:p>
+        </p:txBody>
+      </p:sp>
+    </p:spTree>
+    <p:extLst>
+      <p:ext uri="{BB962C8B-B14F-4D97-AF65-F5344CB8AC3E}">
+        <p14:creationId xmlns:p14="http://schemas.microsoft.com/office/powerpoint/2010/main" val="3983526736"/>
+      </p:ext>
+    </p:extLst>
+  </p:cSld>
+  <p:clrMapOvr>
+    <a:masterClrMapping/>
+  </p:clrMapOvr>
+  <p:timing>
+    <p:tnLst>
+      <p:par>
+        <p:cTn xmlns:p14="http://schemas.microsoft.com/office/powerpoint/2010/main" id="1" dur="indefinite" restart="never" nodeType="tmRoot"/>
+      </p:par>
+    </p:tnLst>
+  </p:timing>
+</p:sld>
+</file>
+
+<file path=ppt/slides/slide4.xml><?xml version="1.0" encoding="utf-8"?>
+<p:sld xmlns:a="http://schemas.openxmlformats.org/drawingml/2006/main" xmlns:r="http://schemas.openxmlformats.org/officeDocument/2006/relationships" xmlns:p="http://schemas.openxmlformats.org/presentationml/2006/main">
+  <p:cSld>
+    <p:spTree>
+      <p:nvGrpSpPr>
+        <p:cNvPr id="1" name=""/>
+        <p:cNvGrpSpPr/>
+        <p:nvPr/>
+      </p:nvGrpSpPr>
+      <p:grpSpPr>
+        <a:xfrm>
+          <a:off x="0" y="0"/>
+          <a:ext cx="0" cy="0"/>
+          <a:chOff x="0" y="0"/>
+          <a:chExt cx="0" cy="0"/>
+        </a:xfrm>
+      </p:grpSpPr>
+      <p:sp>
+        <p:nvSpPr>
+          <p:cNvPr id="2" name="Title 1"/>
+          <p:cNvSpPr>
+            <a:spLocks noGrp="1"/>
+          </p:cNvSpPr>
+          <p:nvPr>
+            <p:ph type="title"/>
+          </p:nvPr>
+        </p:nvSpPr>
+        <p:spPr/>
+        <p:txBody>
+          <a:bodyPr/>
+          <a:lstStyle/>
+          <a:p>
+            <a:r>
+              <a:rPr lang="en-US" dirty="0" smtClean="0"/>
+              <a:t>Where does data come from?</a:t>
+            </a:r>
+            <a:endParaRPr lang="en-US" dirty="0"/>
+          </a:p>
+        </p:txBody>
+      </p:sp>
+      <p:pic>
+        <p:nvPicPr>
+          <p:cNvPr id="4" name="Content Placeholder 3" descr="fig_1.pdf"/>
+          <p:cNvPicPr>
+            <a:picLocks noGrp="1" noChangeAspect="1"/>
+          </p:cNvPicPr>
+          <p:nvPr>
+            <p:ph idx="1"/>
+          </p:nvPr>
+        </p:nvPicPr>
+        <p:blipFill rotWithShape="1">
+          <a:blip r:embed="rId3">
+            <a:extLst>
+              <a:ext uri="{28A0092B-C50C-407E-A947-70E740481C1C}">
+                <a14:useLocalDpi xmlns:a14="http://schemas.microsoft.com/office/drawing/2010/main" val="0"/>
+              </a:ext>
+            </a:extLst>
+          </a:blip>
+          <a:srcRect l="100" r="1833" b="30506"/>
+          <a:stretch/>
+        </p:blipFill>
+        <p:spPr>
+          <a:xfrm>
+            <a:off x="457200" y="1417638"/>
+            <a:ext cx="5219959" cy="3740001"/>
+          </a:xfrm>
+        </p:spPr>
+      </p:pic>
+      <p:sp>
+        <p:nvSpPr>
+          <p:cNvPr id="6" name="TextBox 5"/>
+          <p:cNvSpPr txBox="1"/>
+          <p:nvPr/>
+        </p:nvSpPr>
+        <p:spPr>
+          <a:xfrm>
+            <a:off x="5438896" y="1741319"/>
+            <a:ext cx="3460231" cy="4247317"/>
+          </a:xfrm>
+          <a:prstGeom prst="rect">
+            <a:avLst/>
+          </a:prstGeom>
+          <a:noFill/>
+        </p:spPr>
+        <p:txBody>
+          <a:bodyPr wrap="square" rtlCol="0">
+            <a:spAutoFit/>
+          </a:bodyPr>
+          <a:lstStyle/>
+          <a:p>
+            <a:pPr marL="285750" indent="-285750">
+              <a:buFont typeface="Arial"/>
+              <a:buChar char="•"/>
+            </a:pPr>
+            <a:r>
+              <a:rPr lang="en-US" dirty="0" smtClean="0"/>
+              <a:t>We start with random DNA or RNA fragments</a:t>
+            </a:r>
+          </a:p>
+          <a:p>
+            <a:pPr marL="285750" indent="-285750">
+              <a:buFont typeface="Arial"/>
+              <a:buChar char="•"/>
+            </a:pPr>
+            <a:r>
+              <a:rPr lang="en-US" dirty="0" smtClean="0"/>
+              <a:t>We take a random sample and make a library</a:t>
+            </a:r>
+          </a:p>
+          <a:p>
+            <a:pPr marL="285750" indent="-285750">
+              <a:buFont typeface="Arial"/>
+              <a:buChar char="•"/>
+            </a:pPr>
+            <a:r>
+              <a:rPr lang="en-US" dirty="0" smtClean="0"/>
+              <a:t>A random sample of the library is sequenced and mapped to genomes</a:t>
+            </a:r>
+          </a:p>
+          <a:p>
+            <a:pPr marL="285750" indent="-285750">
+              <a:buFont typeface="Arial"/>
+              <a:buChar char="•"/>
+            </a:pPr>
+            <a:r>
+              <a:rPr lang="en-US" dirty="0" smtClean="0"/>
+              <a:t>This generates a table of counts per feature (part) in each sample (observation)</a:t>
+            </a:r>
+          </a:p>
+          <a:p>
+            <a:pPr marL="285750" indent="-285750">
+              <a:buFont typeface="Arial"/>
+              <a:buChar char="•"/>
+            </a:pPr>
+            <a:r>
+              <a:rPr lang="en-US" dirty="0" smtClean="0"/>
+              <a:t>Very sparse data</a:t>
+            </a:r>
+          </a:p>
+          <a:p>
+            <a:pPr marL="285750" indent="-285750">
+              <a:buFont typeface="Arial"/>
+              <a:buChar char="•"/>
+            </a:pPr>
+            <a:r>
+              <a:rPr lang="en-US" dirty="0" smtClean="0"/>
+              <a:t>Many 0 values in one group but not the other – these have information</a:t>
+            </a:r>
+          </a:p>
+          <a:p>
+            <a:endParaRPr lang="en-US" dirty="0"/>
+          </a:p>
+        </p:txBody>
+      </p:sp>
+      <p:sp>
+        <p:nvSpPr>
+          <p:cNvPr id="3" name="Footer Placeholder 2"/>
+          <p:cNvSpPr>
+            <a:spLocks noGrp="1"/>
+          </p:cNvSpPr>
+          <p:nvPr>
+            <p:ph type="ftr" sz="quarter" idx="11"/>
+          </p:nvPr>
+        </p:nvSpPr>
+        <p:spPr/>
+        <p:txBody>
+          <a:bodyPr/>
+          <a:lstStyle/>
+          <a:p>
+            <a:r>
+              <a:rPr lang="en-US" smtClean="0"/>
+              <a:t>CSM 2015</a:t>
+            </a:r>
+            <a:endParaRPr lang="en-US"/>
+          </a:p>
+        </p:txBody>
+      </p:sp>
+      <p:sp>
+        <p:nvSpPr>
+          <p:cNvPr id="5" name="Slide Number Placeholder 4"/>
+          <p:cNvSpPr>
+            <a:spLocks noGrp="1"/>
+          </p:cNvSpPr>
+          <p:nvPr>
+            <p:ph type="sldNum" sz="quarter" idx="12"/>
+          </p:nvPr>
+        </p:nvSpPr>
+        <p:spPr/>
+        <p:txBody>
+          <a:bodyPr/>
+          <a:lstStyle/>
+          <a:p>
+            <a:fld id="{4CBC7C6D-2764-8E4F-B1AE-9A315E705D2C}" type="slidenum">
+              <a:rPr lang="en-US" smtClean="0"/>
+              <a:t>4</a:t>
+            </a:fld>
+            <a:endParaRPr lang="en-US"/>
+          </a:p>
+        </p:txBody>
+      </p:sp>
+    </p:spTree>
+    <p:extLst>
+      <p:ext uri="{BB962C8B-B14F-4D97-AF65-F5344CB8AC3E}">
+        <p14:creationId xmlns:p14="http://schemas.microsoft.com/office/powerpoint/2010/main" val="3238916594"/>
+      </p:ext>
+    </p:extLst>
+  </p:cSld>
+  <p:clrMapOvr>
+    <a:masterClrMapping/>
+  </p:clrMapOvr>
+  <p:timing>
+    <p:tnLst>
+      <p:par>
+        <p:cTn xmlns:p14="http://schemas.microsoft.com/office/powerpoint/2010/main" id="1" dur="indefinite" restart="never" nodeType="tmRoot"/>
+      </p:par>
+    </p:tnLst>
+  </p:timing>
+</p:sld>
+</file>
+
+<file path=ppt/slides/slide5.xml><?xml version="1.0" encoding="utf-8"?>
+<p:sld xmlns:a="http://schemas.openxmlformats.org/drawingml/2006/main" xmlns:r="http://schemas.openxmlformats.org/officeDocument/2006/relationships" xmlns:p="http://schemas.openxmlformats.org/presentationml/2006/main">
+  <p:cSld>
+    <p:spTree>
+      <p:nvGrpSpPr>
+        <p:cNvPr id="1" name=""/>
+        <p:cNvGrpSpPr/>
+        <p:nvPr/>
+      </p:nvGrpSpPr>
+      <p:grpSpPr>
+        <a:xfrm>
+          <a:off x="0" y="0"/>
+          <a:ext cx="0" cy="0"/>
+          <a:chOff x="0" y="0"/>
+          <a:chExt cx="0" cy="0"/>
+        </a:xfrm>
+      </p:grpSpPr>
+      <p:sp>
+        <p:nvSpPr>
+          <p:cNvPr id="2" name="Title 1"/>
+          <p:cNvSpPr>
+            <a:spLocks noGrp="1"/>
+          </p:cNvSpPr>
+          <p:nvPr>
+            <p:ph type="title"/>
+          </p:nvPr>
+        </p:nvSpPr>
+        <p:spPr/>
+        <p:txBody>
+          <a:bodyPr/>
+          <a:lstStyle/>
+          <a:p>
+            <a:r>
+              <a:rPr lang="en-US" dirty="0" smtClean="0"/>
+              <a:t>Real sequence data are variable</a:t>
+            </a:r>
+            <a:endParaRPr lang="en-US" dirty="0"/>
+          </a:p>
+        </p:txBody>
+      </p:sp>
+      <p:sp>
+        <p:nvSpPr>
+          <p:cNvPr id="10" name="TextBox 9"/>
+          <p:cNvSpPr txBox="1"/>
+          <p:nvPr/>
+        </p:nvSpPr>
+        <p:spPr>
+          <a:xfrm>
+            <a:off x="5021042" y="2031631"/>
+            <a:ext cx="3066641" cy="3139321"/>
+          </a:xfrm>
+          <a:prstGeom prst="rect">
+            <a:avLst/>
+          </a:prstGeom>
+          <a:noFill/>
+        </p:spPr>
+        <p:txBody>
+          <a:bodyPr wrap="square" rtlCol="0">
+            <a:spAutoFit/>
+          </a:bodyPr>
+          <a:lstStyle/>
+          <a:p>
+            <a:r>
+              <a:rPr lang="en-US" dirty="0" smtClean="0"/>
+              <a:t>Same features from same samples from the same library</a:t>
+            </a:r>
+          </a:p>
+          <a:p>
+            <a:endParaRPr lang="en-US" dirty="0"/>
+          </a:p>
+          <a:p>
+            <a:r>
+              <a:rPr lang="en-US" dirty="0" smtClean="0"/>
+              <a:t>Sequenced on different lanes</a:t>
+            </a:r>
+          </a:p>
+          <a:p>
+            <a:endParaRPr lang="en-US" dirty="0"/>
+          </a:p>
+          <a:p>
+            <a:r>
+              <a:rPr lang="en-US" dirty="0" smtClean="0"/>
+              <a:t>We should get comparable answers regardless of when, where, how we sequence</a:t>
+            </a:r>
+          </a:p>
+          <a:p>
+            <a:endParaRPr lang="en-US" dirty="0"/>
+          </a:p>
+          <a:p>
+            <a:r>
+              <a:rPr lang="en-US" dirty="0" smtClean="0"/>
+              <a:t>We can estimate the variability by sampling </a:t>
+            </a:r>
+            <a:r>
+              <a:rPr lang="en-US" dirty="0" err="1" smtClean="0"/>
+              <a:t>Dirichlet</a:t>
+            </a:r>
+            <a:r>
+              <a:rPr lang="en-US" dirty="0" smtClean="0"/>
+              <a:t> instances</a:t>
+            </a:r>
+          </a:p>
+        </p:txBody>
+      </p:sp>
+      <p:pic>
+        <p:nvPicPr>
+          <p:cNvPr id="5" name="Picture 4"/>
+          <p:cNvPicPr>
+            <a:picLocks noChangeAspect="1"/>
+          </p:cNvPicPr>
+          <p:nvPr/>
+        </p:nvPicPr>
+        <p:blipFill>
+          <a:blip r:embed="rId3"/>
+          <a:stretch>
+            <a:fillRect/>
+          </a:stretch>
+        </p:blipFill>
+        <p:spPr>
+          <a:xfrm>
+            <a:off x="2926783" y="1829871"/>
+            <a:ext cx="1206500" cy="1701800"/>
+          </a:xfrm>
+          <a:prstGeom prst="rect">
+            <a:avLst/>
+          </a:prstGeom>
+        </p:spPr>
+      </p:pic>
+      <p:pic>
+        <p:nvPicPr>
+          <p:cNvPr id="6" name="Picture 5"/>
+          <p:cNvPicPr>
+            <a:picLocks noChangeAspect="1"/>
+          </p:cNvPicPr>
+          <p:nvPr/>
+        </p:nvPicPr>
+        <p:blipFill>
+          <a:blip r:embed="rId4"/>
+          <a:stretch>
+            <a:fillRect/>
+          </a:stretch>
+        </p:blipFill>
+        <p:spPr>
+          <a:xfrm>
+            <a:off x="1162516" y="3659862"/>
+            <a:ext cx="1241028" cy="1736136"/>
+          </a:xfrm>
+          <a:prstGeom prst="rect">
+            <a:avLst/>
+          </a:prstGeom>
+        </p:spPr>
+      </p:pic>
+      <p:pic>
+        <p:nvPicPr>
+          <p:cNvPr id="8" name="Picture 7"/>
+          <p:cNvPicPr>
+            <a:picLocks noChangeAspect="1"/>
+          </p:cNvPicPr>
+          <p:nvPr/>
+        </p:nvPicPr>
+        <p:blipFill>
+          <a:blip r:embed="rId5"/>
+          <a:stretch>
+            <a:fillRect/>
+          </a:stretch>
+        </p:blipFill>
+        <p:spPr>
+          <a:xfrm>
+            <a:off x="2892255" y="3652165"/>
+            <a:ext cx="1241028" cy="1736136"/>
+          </a:xfrm>
+          <a:prstGeom prst="rect">
+            <a:avLst/>
+          </a:prstGeom>
+        </p:spPr>
+      </p:pic>
+      <p:pic>
+        <p:nvPicPr>
+          <p:cNvPr id="13" name="Content Placeholder 12"/>
+          <p:cNvPicPr>
+            <a:picLocks noGrp="1" noChangeAspect="1"/>
+          </p:cNvPicPr>
+          <p:nvPr>
+            <p:ph idx="1"/>
+          </p:nvPr>
+        </p:nvPicPr>
+        <p:blipFill rotWithShape="1">
+          <a:blip r:embed="rId6"/>
+          <a:srcRect l="1024" r="1623"/>
+          <a:stretch/>
+        </p:blipFill>
+        <p:spPr>
+          <a:xfrm>
+            <a:off x="1162516" y="1899492"/>
+            <a:ext cx="1108948" cy="1616785"/>
+          </a:xfrm>
+        </p:spPr>
+      </p:pic>
+      <p:sp>
+        <p:nvSpPr>
+          <p:cNvPr id="14" name="TextBox 13"/>
+          <p:cNvSpPr txBox="1"/>
+          <p:nvPr/>
+        </p:nvSpPr>
+        <p:spPr>
+          <a:xfrm>
+            <a:off x="1323483" y="1791386"/>
+            <a:ext cx="787395" cy="276999"/>
+          </a:xfrm>
+          <a:prstGeom prst="rect">
+            <a:avLst/>
+          </a:prstGeom>
+          <a:solidFill>
+            <a:schemeClr val="bg1"/>
+          </a:solidFill>
+        </p:spPr>
+        <p:txBody>
+          <a:bodyPr wrap="none" rtlCol="0">
+            <a:spAutoFit/>
+          </a:bodyPr>
+          <a:lstStyle/>
+          <a:p>
+            <a:r>
+              <a:rPr lang="en-US" sz="1200" dirty="0" smtClean="0"/>
+              <a:t>Count = 2</a:t>
+            </a:r>
+            <a:endParaRPr lang="en-US" sz="1200" dirty="0"/>
+          </a:p>
+        </p:txBody>
+      </p:sp>
+      <p:sp>
+        <p:nvSpPr>
+          <p:cNvPr id="15" name="TextBox 14"/>
+          <p:cNvSpPr txBox="1"/>
+          <p:nvPr/>
+        </p:nvSpPr>
+        <p:spPr>
+          <a:xfrm>
+            <a:off x="3107282" y="1795536"/>
+            <a:ext cx="864339" cy="276999"/>
+          </a:xfrm>
+          <a:prstGeom prst="rect">
+            <a:avLst/>
+          </a:prstGeom>
+          <a:solidFill>
+            <a:schemeClr val="bg1"/>
+          </a:solidFill>
+        </p:spPr>
+        <p:txBody>
+          <a:bodyPr wrap="none" rtlCol="0">
+            <a:spAutoFit/>
+          </a:bodyPr>
+          <a:lstStyle/>
+          <a:p>
+            <a:r>
+              <a:rPr lang="en-US" sz="1200" dirty="0" smtClean="0"/>
+              <a:t>Count = 32</a:t>
+            </a:r>
+            <a:endParaRPr lang="en-US" sz="1200" dirty="0"/>
+          </a:p>
+        </p:txBody>
+      </p:sp>
+      <p:sp>
+        <p:nvSpPr>
+          <p:cNvPr id="16" name="TextBox 15"/>
+          <p:cNvSpPr txBox="1"/>
+          <p:nvPr/>
+        </p:nvSpPr>
+        <p:spPr>
+          <a:xfrm>
+            <a:off x="3522919" y="3531671"/>
+            <a:ext cx="184666" cy="276999"/>
+          </a:xfrm>
+          <a:prstGeom prst="rect">
+            <a:avLst/>
+          </a:prstGeom>
+          <a:solidFill>
+            <a:schemeClr val="bg1"/>
+          </a:solidFill>
+        </p:spPr>
+        <p:txBody>
+          <a:bodyPr wrap="none" rtlCol="0">
+            <a:spAutoFit/>
+          </a:bodyPr>
+          <a:lstStyle/>
+          <a:p>
+            <a:endParaRPr lang="en-US" sz="1200" dirty="0"/>
+          </a:p>
+        </p:txBody>
+      </p:sp>
+      <p:sp>
+        <p:nvSpPr>
+          <p:cNvPr id="17" name="TextBox 16"/>
+          <p:cNvSpPr txBox="1"/>
+          <p:nvPr/>
+        </p:nvSpPr>
+        <p:spPr>
+          <a:xfrm>
+            <a:off x="1762283" y="3545571"/>
+            <a:ext cx="184666" cy="276999"/>
+          </a:xfrm>
+          <a:prstGeom prst="rect">
+            <a:avLst/>
+          </a:prstGeom>
+          <a:solidFill>
+            <a:schemeClr val="bg1"/>
+          </a:solidFill>
+        </p:spPr>
+        <p:txBody>
+          <a:bodyPr wrap="none" rtlCol="0">
+            <a:spAutoFit/>
+          </a:bodyPr>
+          <a:lstStyle/>
+          <a:p>
+            <a:endParaRPr lang="en-US" sz="1200" dirty="0"/>
+          </a:p>
+        </p:txBody>
+      </p:sp>
+      <p:sp>
+        <p:nvSpPr>
+          <p:cNvPr id="18" name="TextBox 17"/>
+          <p:cNvSpPr txBox="1"/>
+          <p:nvPr/>
+        </p:nvSpPr>
+        <p:spPr>
+          <a:xfrm>
+            <a:off x="1469037" y="5404721"/>
+            <a:ext cx="784740" cy="276999"/>
+          </a:xfrm>
+          <a:prstGeom prst="rect">
+            <a:avLst/>
+          </a:prstGeom>
+          <a:solidFill>
+            <a:schemeClr val="bg1"/>
+          </a:solidFill>
+        </p:spPr>
+        <p:txBody>
+          <a:bodyPr wrap="none" rtlCol="0">
+            <a:spAutoFit/>
+          </a:bodyPr>
+          <a:lstStyle/>
+          <a:p>
+            <a:r>
+              <a:rPr lang="en-US" sz="1200" dirty="0" smtClean="0"/>
+              <a:t>Observed</a:t>
+            </a:r>
+            <a:endParaRPr lang="en-US" sz="1200" dirty="0"/>
+          </a:p>
+        </p:txBody>
+      </p:sp>
+      <p:sp>
+        <p:nvSpPr>
+          <p:cNvPr id="19" name="TextBox 18"/>
+          <p:cNvSpPr txBox="1"/>
+          <p:nvPr/>
+        </p:nvSpPr>
+        <p:spPr>
+          <a:xfrm>
+            <a:off x="3253639" y="5395998"/>
+            <a:ext cx="784740" cy="276999"/>
+          </a:xfrm>
+          <a:prstGeom prst="rect">
+            <a:avLst/>
+          </a:prstGeom>
+          <a:solidFill>
+            <a:schemeClr val="bg1"/>
+          </a:solidFill>
+        </p:spPr>
+        <p:txBody>
+          <a:bodyPr wrap="none" rtlCol="0">
+            <a:spAutoFit/>
+          </a:bodyPr>
+          <a:lstStyle/>
+          <a:p>
+            <a:r>
+              <a:rPr lang="en-US" sz="1200" dirty="0" smtClean="0"/>
+              <a:t>Observed</a:t>
+            </a:r>
+            <a:endParaRPr lang="en-US" sz="1200" dirty="0"/>
+          </a:p>
+        </p:txBody>
+      </p:sp>
+      <p:sp>
+        <p:nvSpPr>
+          <p:cNvPr id="20" name="TextBox 19"/>
+          <p:cNvSpPr txBox="1"/>
+          <p:nvPr/>
+        </p:nvSpPr>
+        <p:spPr>
+          <a:xfrm rot="16200000">
+            <a:off x="397923" y="4386155"/>
+            <a:ext cx="1252191" cy="276999"/>
+          </a:xfrm>
+          <a:prstGeom prst="rect">
+            <a:avLst/>
+          </a:prstGeom>
+          <a:solidFill>
+            <a:schemeClr val="bg1"/>
+          </a:solidFill>
+        </p:spPr>
+        <p:txBody>
+          <a:bodyPr wrap="none" rtlCol="0">
+            <a:spAutoFit/>
+          </a:bodyPr>
+          <a:lstStyle/>
+          <a:p>
+            <a:r>
+              <a:rPr lang="en-US" sz="1200" dirty="0" err="1" smtClean="0"/>
+              <a:t>Dirichlet</a:t>
+            </a:r>
+            <a:r>
+              <a:rPr lang="en-US" sz="1200" dirty="0" smtClean="0"/>
+              <a:t> inferred</a:t>
+            </a:r>
+            <a:endParaRPr lang="en-US" sz="1200" dirty="0"/>
+          </a:p>
+        </p:txBody>
+      </p:sp>
+      <p:sp>
+        <p:nvSpPr>
+          <p:cNvPr id="21" name="Rectangle 20"/>
+          <p:cNvSpPr/>
+          <p:nvPr/>
+        </p:nvSpPr>
+        <p:spPr>
+          <a:xfrm>
+            <a:off x="1024250" y="6022940"/>
+            <a:ext cx="2286503" cy="276999"/>
+          </a:xfrm>
+          <a:prstGeom prst="rect">
+            <a:avLst/>
+          </a:prstGeom>
+        </p:spPr>
+        <p:txBody>
+          <a:bodyPr wrap="none">
+            <a:spAutoFit/>
+          </a:bodyPr>
+          <a:lstStyle/>
+          <a:p>
+            <a:r>
+              <a:rPr lang="en-US" sz="1200" dirty="0" smtClean="0"/>
+              <a:t>(</a:t>
+            </a:r>
+            <a:r>
+              <a:rPr lang="en-US" sz="1200" dirty="0" err="1" smtClean="0"/>
+              <a:t>Marioni</a:t>
+            </a:r>
+            <a:r>
+              <a:rPr lang="en-US" sz="1200" dirty="0" smtClean="0"/>
+              <a:t> et </a:t>
+            </a:r>
+            <a:r>
+              <a:rPr lang="en-US" sz="1200" dirty="0"/>
+              <a:t>al, </a:t>
+            </a:r>
+            <a:r>
+              <a:rPr lang="en-US" sz="1200" dirty="0" smtClean="0"/>
+              <a:t>Genome Res 2008)</a:t>
+            </a:r>
+            <a:endParaRPr lang="en-US" sz="1200" dirty="0"/>
+          </a:p>
+        </p:txBody>
+      </p:sp>
+      <p:sp>
+        <p:nvSpPr>
+          <p:cNvPr id="3" name="Footer Placeholder 2"/>
+          <p:cNvSpPr>
+            <a:spLocks noGrp="1"/>
+          </p:cNvSpPr>
+          <p:nvPr>
+            <p:ph type="ftr" sz="quarter" idx="11"/>
+          </p:nvPr>
+        </p:nvSpPr>
+        <p:spPr/>
+        <p:txBody>
+          <a:bodyPr/>
+          <a:lstStyle/>
+          <a:p>
+            <a:r>
+              <a:rPr lang="en-US" smtClean="0"/>
+              <a:t>CSM 2015</a:t>
+            </a:r>
+            <a:endParaRPr lang="en-US"/>
+          </a:p>
+        </p:txBody>
+      </p:sp>
+      <p:sp>
+        <p:nvSpPr>
+          <p:cNvPr id="4" name="Slide Number Placeholder 3"/>
+          <p:cNvSpPr>
+            <a:spLocks noGrp="1"/>
+          </p:cNvSpPr>
+          <p:nvPr>
+            <p:ph type="sldNum" sz="quarter" idx="12"/>
+          </p:nvPr>
+        </p:nvSpPr>
+        <p:spPr/>
+        <p:txBody>
+          <a:bodyPr/>
+          <a:lstStyle/>
+          <a:p>
+            <a:fld id="{4CBC7C6D-2764-8E4F-B1AE-9A315E705D2C}" type="slidenum">
+              <a:rPr lang="en-US" smtClean="0"/>
+              <a:t>5</a:t>
+            </a:fld>
+            <a:endParaRPr lang="en-US"/>
+          </a:p>
+        </p:txBody>
+      </p:sp>
+    </p:spTree>
+    <p:extLst>
+      <p:ext uri="{BB962C8B-B14F-4D97-AF65-F5344CB8AC3E}">
+        <p14:creationId xmlns:p14="http://schemas.microsoft.com/office/powerpoint/2010/main" val="4238133957"/>
+      </p:ext>
+    </p:extLst>
+  </p:cSld>
+  <p:clrMapOvr>
+    <a:masterClrMapping/>
+  </p:clrMapOvr>
+  <p:timing>
+    <p:tnLst>
+      <p:par>
+        <p:cTn xmlns:p14="http://schemas.microsoft.com/office/powerpoint/2010/main" id="1" dur="indefinite" restart="never" nodeType="tmRoot"/>
+      </p:par>
+    </p:tnLst>
+  </p:timing>
+</p:sld>
+</file>
+
+<file path=ppt/slides/slide6.xml><?xml version="1.0" encoding="utf-8"?>
+<p:sld xmlns:a="http://schemas.openxmlformats.org/drawingml/2006/main" xmlns:r="http://schemas.openxmlformats.org/officeDocument/2006/relationships" xmlns:p="http://schemas.openxmlformats.org/presentationml/2006/main">
+  <p:cSld>
+    <p:spTree>
+      <p:nvGrpSpPr>
+        <p:cNvPr id="1" name=""/>
+        <p:cNvGrpSpPr/>
+        <p:nvPr/>
+      </p:nvGrpSpPr>
+      <p:grpSpPr>
+        <a:xfrm>
+          <a:off x="0" y="0"/>
+          <a:ext cx="0" cy="0"/>
+          <a:chOff x="0" y="0"/>
+          <a:chExt cx="0" cy="0"/>
+        </a:xfrm>
+      </p:grpSpPr>
+      <p:sp>
+        <p:nvSpPr>
+          <p:cNvPr id="2" name="Title 1"/>
+          <p:cNvSpPr>
+            <a:spLocks noGrp="1"/>
+          </p:cNvSpPr>
+          <p:nvPr>
+            <p:ph type="title"/>
+          </p:nvPr>
+        </p:nvSpPr>
+        <p:spPr/>
+        <p:txBody>
+          <a:bodyPr/>
+          <a:lstStyle/>
+          <a:p>
+            <a:r>
+              <a:rPr lang="en-US" dirty="0" smtClean="0"/>
+              <a:t>What we have …</a:t>
+            </a:r>
+            <a:endParaRPr lang="en-US" dirty="0"/>
+          </a:p>
+        </p:txBody>
+      </p:sp>
+      <p:sp>
+        <p:nvSpPr>
+          <p:cNvPr id="6" name="TextBox 5"/>
+          <p:cNvSpPr txBox="1"/>
+          <p:nvPr/>
+        </p:nvSpPr>
+        <p:spPr>
+          <a:xfrm>
+            <a:off x="913038" y="4042200"/>
+            <a:ext cx="2705890" cy="2092881"/>
+          </a:xfrm>
+          <a:prstGeom prst="rect">
+            <a:avLst/>
+          </a:prstGeom>
+          <a:noFill/>
+        </p:spPr>
+        <p:txBody>
+          <a:bodyPr wrap="square" rtlCol="0">
+            <a:spAutoFit/>
+          </a:bodyPr>
+          <a:lstStyle/>
+          <a:p>
+            <a:r>
+              <a:rPr lang="en-US" dirty="0" smtClean="0"/>
+              <a:t>Counts in the tube</a:t>
+            </a:r>
+          </a:p>
+          <a:p>
+            <a:endParaRPr lang="en-US" dirty="0" smtClean="0"/>
+          </a:p>
+          <a:p>
+            <a:r>
+              <a:rPr lang="en-US" sz="1400" dirty="0" smtClean="0"/>
+              <a:t>x =[x</a:t>
+            </a:r>
+            <a:r>
+              <a:rPr lang="en-US" sz="1400" baseline="-25000" dirty="0" smtClean="0"/>
+              <a:t>1</a:t>
+            </a:r>
+            <a:r>
+              <a:rPr lang="en-US" sz="1400" dirty="0" smtClean="0"/>
+              <a:t>,x</a:t>
+            </a:r>
+            <a:r>
+              <a:rPr lang="en-US" sz="1400" baseline="-25000" dirty="0" smtClean="0"/>
+              <a:t>2</a:t>
+            </a:r>
+            <a:r>
+              <a:rPr lang="en-US" sz="1400" dirty="0" smtClean="0"/>
+              <a:t> … </a:t>
+            </a:r>
+            <a:r>
+              <a:rPr lang="en-US" sz="1400" dirty="0" err="1" smtClean="0"/>
+              <a:t>x</a:t>
+            </a:r>
+            <a:r>
+              <a:rPr lang="en-US" sz="1400" baseline="-25000" dirty="0" err="1" smtClean="0"/>
+              <a:t>n</a:t>
+            </a:r>
+            <a:r>
+              <a:rPr lang="en-US" sz="1400" dirty="0" smtClean="0"/>
+              <a:t>], </a:t>
+            </a:r>
+            <a:r>
+              <a:rPr lang="en-US" sz="1400" dirty="0" err="1" smtClean="0"/>
+              <a:t>x</a:t>
+            </a:r>
+            <a:r>
+              <a:rPr lang="en-US" sz="1400" baseline="-25000" dirty="0" err="1" smtClean="0"/>
+              <a:t>s</a:t>
+            </a:r>
+            <a:r>
+              <a:rPr lang="en-US" sz="1400" dirty="0" smtClean="0"/>
+              <a:t>=x</a:t>
+            </a:r>
+            <a:r>
+              <a:rPr lang="en-US" sz="1400" baseline="-25000" dirty="0" smtClean="0"/>
+              <a:t>0</a:t>
+            </a:r>
+            <a:r>
+              <a:rPr lang="en-US" sz="1400" dirty="0" smtClean="0"/>
+              <a:t>2</a:t>
+            </a:r>
+            <a:r>
+              <a:rPr lang="en-US" sz="1400" baseline="30000" dirty="0" smtClean="0"/>
+              <a:t>λs</a:t>
+            </a:r>
+            <a:r>
+              <a:rPr lang="en-US" sz="1400" dirty="0" smtClean="0"/>
+              <a:t>, </a:t>
+            </a:r>
+            <a:r>
+              <a:rPr lang="en-US" sz="1400" dirty="0" err="1" smtClean="0"/>
+              <a:t>λ</a:t>
+            </a:r>
+            <a:r>
+              <a:rPr lang="en-US" sz="1400" dirty="0" smtClean="0"/>
+              <a:t>=[1,0 … 0]</a:t>
+            </a:r>
+          </a:p>
+          <a:p>
+            <a:endParaRPr lang="en-US" sz="1400" dirty="0"/>
+          </a:p>
+          <a:p>
+            <a:r>
+              <a:rPr lang="en-US" sz="1400" dirty="0" smtClean="0"/>
+              <a:t>Model similar to our test dataset where 1600 variants, ~60 of which have </a:t>
+            </a:r>
+            <a:r>
+              <a:rPr lang="en-US" sz="1400" dirty="0" err="1" smtClean="0"/>
+              <a:t>λ</a:t>
+            </a:r>
+            <a:r>
+              <a:rPr lang="en-US" sz="1400" dirty="0" smtClean="0"/>
+              <a:t> &gt; 0 </a:t>
+            </a:r>
+          </a:p>
+          <a:p>
+            <a:endParaRPr lang="en-US" sz="1400" dirty="0"/>
+          </a:p>
+          <a:p>
+            <a:r>
+              <a:rPr lang="en-US" sz="1000" dirty="0" smtClean="0"/>
+              <a:t>(</a:t>
+            </a:r>
+            <a:r>
+              <a:rPr lang="en-US" sz="1000" dirty="0" err="1" smtClean="0"/>
+              <a:t>McMurrough</a:t>
+            </a:r>
+            <a:r>
+              <a:rPr lang="en-US" sz="1000" dirty="0" smtClean="0"/>
+              <a:t> et al, PNAS 2014)</a:t>
+            </a:r>
+          </a:p>
+        </p:txBody>
+      </p:sp>
+      <p:pic>
+        <p:nvPicPr>
+          <p:cNvPr id="5" name="Content Placeholder 4" descr="input-clr.pdf"/>
+          <p:cNvPicPr>
+            <a:picLocks noGrp="1" noChangeAspect="1"/>
+          </p:cNvPicPr>
+          <p:nvPr>
+            <p:ph idx="1"/>
+          </p:nvPr>
+        </p:nvPicPr>
+        <p:blipFill rotWithShape="1">
+          <a:blip r:embed="rId3">
+            <a:extLst>
+              <a:ext uri="{28A0092B-C50C-407E-A947-70E740481C1C}">
+                <a14:useLocalDpi xmlns:a14="http://schemas.microsoft.com/office/drawing/2010/main" val="0"/>
+              </a:ext>
+            </a:extLst>
+          </a:blip>
+          <a:srcRect t="7186" b="3914"/>
+          <a:stretch/>
+        </p:blipFill>
+        <p:spPr>
+          <a:xfrm>
+            <a:off x="732271" y="1600200"/>
+            <a:ext cx="8229600" cy="2438693"/>
+          </a:xfrm>
+        </p:spPr>
+      </p:pic>
+      <p:sp>
+        <p:nvSpPr>
+          <p:cNvPr id="7" name="Rectangle 6"/>
+          <p:cNvSpPr/>
+          <p:nvPr/>
+        </p:nvSpPr>
+        <p:spPr>
+          <a:xfrm>
+            <a:off x="3733512" y="1600199"/>
+            <a:ext cx="5032124" cy="2438694"/>
+          </a:xfrm>
+          <a:prstGeom prst="rect">
+            <a:avLst/>
+          </a:prstGeom>
+          <a:solidFill>
+            <a:schemeClr val="bg1">
+              <a:alpha val="80000"/>
+            </a:schemeClr>
+          </a:solidFill>
+          <a:ln>
+            <a:noFill/>
+          </a:ln>
+        </p:spPr>
+        <p:style>
+          <a:lnRef idx="2">
+            <a:schemeClr val="dk1"/>
+          </a:lnRef>
+          <a:fillRef idx="1">
+            <a:schemeClr val="lt1"/>
+          </a:fillRef>
+          <a:effectRef idx="0">
+            <a:schemeClr val="dk1"/>
+          </a:effectRef>
+          <a:fontRef idx="minor">
+            <a:schemeClr val="dk1"/>
+          </a:fontRef>
+        </p:style>
+        <p:txBody>
+          <a:bodyPr rtlCol="0" anchor="ctr"/>
+          <a:lstStyle/>
+          <a:p>
+            <a:pPr algn="ctr"/>
+            <a:endParaRPr lang="en-US"/>
+          </a:p>
+        </p:txBody>
+      </p:sp>
+      <p:sp>
+        <p:nvSpPr>
+          <p:cNvPr id="3" name="Footer Placeholder 2"/>
+          <p:cNvSpPr>
+            <a:spLocks noGrp="1"/>
+          </p:cNvSpPr>
+          <p:nvPr>
+            <p:ph type="ftr" sz="quarter" idx="11"/>
+          </p:nvPr>
+        </p:nvSpPr>
+        <p:spPr/>
+        <p:txBody>
+          <a:bodyPr/>
+          <a:lstStyle/>
+          <a:p>
+            <a:r>
+              <a:rPr lang="en-US" smtClean="0"/>
+              <a:t>CSM 2015</a:t>
+            </a:r>
+            <a:endParaRPr lang="en-US"/>
+          </a:p>
+        </p:txBody>
+      </p:sp>
+      <p:sp>
+        <p:nvSpPr>
+          <p:cNvPr id="4" name="Slide Number Placeholder 3"/>
+          <p:cNvSpPr>
+            <a:spLocks noGrp="1"/>
+          </p:cNvSpPr>
+          <p:nvPr>
+            <p:ph type="sldNum" sz="quarter" idx="12"/>
+          </p:nvPr>
+        </p:nvSpPr>
+        <p:spPr/>
+        <p:txBody>
+          <a:bodyPr/>
+          <a:lstStyle/>
+          <a:p>
+            <a:fld id="{4CBC7C6D-2764-8E4F-B1AE-9A315E705D2C}" type="slidenum">
+              <a:rPr lang="en-US" smtClean="0"/>
+              <a:t>6</a:t>
+            </a:fld>
+            <a:endParaRPr lang="en-US"/>
+          </a:p>
+        </p:txBody>
+      </p:sp>
+    </p:spTree>
+    <p:extLst>
+      <p:ext uri="{BB962C8B-B14F-4D97-AF65-F5344CB8AC3E}">
+        <p14:creationId xmlns:p14="http://schemas.microsoft.com/office/powerpoint/2010/main" val="916134324"/>
+      </p:ext>
+    </p:extLst>
+  </p:cSld>
+  <p:clrMapOvr>
+    <a:masterClrMapping/>
+  </p:clrMapOvr>
+  <p:timing>
+    <p:tnLst>
+      <p:par>
+        <p:cTn xmlns:p14="http://schemas.microsoft.com/office/powerpoint/2010/main" id="1" dur="indefinite" restart="never" nodeType="tmRoot"/>
+      </p:par>
+    </p:tnLst>
+  </p:timing>
+</p:sld>
+</file>
+
+<file path=ppt/slides/slide7.xml><?xml version="1.0" encoding="utf-8"?>
+<p:sld xmlns:a="http://schemas.openxmlformats.org/drawingml/2006/main" xmlns:r="http://schemas.openxmlformats.org/officeDocument/2006/relationships" xmlns:p="http://schemas.openxmlformats.org/presentationml/2006/main">
+  <p:cSld>
+    <p:spTree>
+      <p:nvGrpSpPr>
+        <p:cNvPr id="1" name=""/>
+        <p:cNvGrpSpPr/>
+        <p:nvPr/>
+      </p:nvGrpSpPr>
+      <p:grpSpPr>
+        <a:xfrm>
+          <a:off x="0" y="0"/>
+          <a:ext cx="0" cy="0"/>
+          <a:chOff x="0" y="0"/>
+          <a:chExt cx="0" cy="0"/>
+        </a:xfrm>
+      </p:grpSpPr>
+      <p:sp>
+        <p:nvSpPr>
+          <p:cNvPr id="2" name="Title 1"/>
+          <p:cNvSpPr>
+            <a:spLocks noGrp="1"/>
+          </p:cNvSpPr>
+          <p:nvPr>
+            <p:ph type="title"/>
+          </p:nvPr>
+        </p:nvSpPr>
+        <p:spPr/>
+        <p:txBody>
+          <a:bodyPr/>
+          <a:lstStyle/>
+          <a:p>
+            <a:r>
+              <a:rPr lang="en-US" dirty="0" smtClean="0"/>
+              <a:t>What we get …</a:t>
+            </a:r>
+            <a:endParaRPr lang="en-US" dirty="0"/>
+          </a:p>
+        </p:txBody>
+      </p:sp>
+      <p:sp>
+        <p:nvSpPr>
+          <p:cNvPr id="6" name="TextBox 5"/>
+          <p:cNvSpPr txBox="1"/>
+          <p:nvPr/>
+        </p:nvSpPr>
+        <p:spPr>
+          <a:xfrm>
+            <a:off x="913038" y="4042200"/>
+            <a:ext cx="2705890" cy="861774"/>
+          </a:xfrm>
+          <a:prstGeom prst="rect">
+            <a:avLst/>
+          </a:prstGeom>
+          <a:noFill/>
+        </p:spPr>
+        <p:txBody>
+          <a:bodyPr wrap="square" rtlCol="0">
+            <a:spAutoFit/>
+          </a:bodyPr>
+          <a:lstStyle/>
+          <a:p>
+            <a:r>
+              <a:rPr lang="en-US" dirty="0" smtClean="0"/>
+              <a:t>Counts in the tube</a:t>
+            </a:r>
+          </a:p>
+          <a:p>
+            <a:endParaRPr lang="en-US" dirty="0" smtClean="0"/>
+          </a:p>
+          <a:p>
+            <a:r>
+              <a:rPr lang="en-US" sz="1400" dirty="0" smtClean="0"/>
+              <a:t>x =[x</a:t>
+            </a:r>
+            <a:r>
+              <a:rPr lang="en-US" sz="1400" baseline="-25000" dirty="0" smtClean="0"/>
+              <a:t>1</a:t>
+            </a:r>
+            <a:r>
+              <a:rPr lang="en-US" sz="1400" dirty="0" smtClean="0"/>
+              <a:t>,x</a:t>
+            </a:r>
+            <a:r>
+              <a:rPr lang="en-US" sz="1400" baseline="-25000" dirty="0" smtClean="0"/>
+              <a:t>2</a:t>
+            </a:r>
+            <a:r>
+              <a:rPr lang="en-US" sz="1400" dirty="0" smtClean="0"/>
+              <a:t> … </a:t>
+            </a:r>
+            <a:r>
+              <a:rPr lang="en-US" sz="1400" dirty="0" err="1" smtClean="0"/>
+              <a:t>x</a:t>
+            </a:r>
+            <a:r>
+              <a:rPr lang="en-US" sz="1400" baseline="-25000" dirty="0" err="1" smtClean="0"/>
+              <a:t>n</a:t>
+            </a:r>
+            <a:r>
+              <a:rPr lang="en-US" sz="1400" dirty="0" smtClean="0"/>
+              <a:t>], </a:t>
+            </a:r>
+            <a:r>
+              <a:rPr lang="en-US" sz="1400" dirty="0" err="1" smtClean="0"/>
+              <a:t>x</a:t>
+            </a:r>
+            <a:r>
+              <a:rPr lang="en-US" sz="1400" baseline="-25000" dirty="0" err="1" smtClean="0"/>
+              <a:t>s</a:t>
+            </a:r>
+            <a:r>
+              <a:rPr lang="en-US" sz="1400" dirty="0" smtClean="0"/>
+              <a:t>=x</a:t>
+            </a:r>
+            <a:r>
+              <a:rPr lang="en-US" sz="1400" baseline="-25000" dirty="0" smtClean="0"/>
+              <a:t>0</a:t>
+            </a:r>
+            <a:r>
+              <a:rPr lang="en-US" sz="1400" dirty="0" smtClean="0"/>
+              <a:t>2</a:t>
+            </a:r>
+            <a:r>
+              <a:rPr lang="en-US" sz="1400" baseline="30000" dirty="0" smtClean="0"/>
+              <a:t>λs</a:t>
+            </a:r>
+            <a:r>
+              <a:rPr lang="en-US" sz="1400" dirty="0" smtClean="0"/>
+              <a:t>, </a:t>
+            </a:r>
+            <a:r>
+              <a:rPr lang="en-US" sz="1400" dirty="0" err="1" smtClean="0"/>
+              <a:t>λ</a:t>
+            </a:r>
+            <a:r>
+              <a:rPr lang="en-US" sz="1400" dirty="0" smtClean="0"/>
+              <a:t>=[1,0 … 0]</a:t>
+            </a:r>
+          </a:p>
+        </p:txBody>
+      </p:sp>
+      <p:pic>
+        <p:nvPicPr>
+          <p:cNvPr id="5" name="Content Placeholder 4" descr="input-clr.pdf"/>
+          <p:cNvPicPr>
+            <a:picLocks noGrp="1" noChangeAspect="1"/>
+          </p:cNvPicPr>
+          <p:nvPr>
+            <p:ph idx="1"/>
+          </p:nvPr>
+        </p:nvPicPr>
+        <p:blipFill rotWithShape="1">
+          <a:blip r:embed="rId3">
+            <a:extLst>
+              <a:ext uri="{28A0092B-C50C-407E-A947-70E740481C1C}">
+                <a14:useLocalDpi xmlns:a14="http://schemas.microsoft.com/office/drawing/2010/main" val="0"/>
+              </a:ext>
+            </a:extLst>
+          </a:blip>
+          <a:srcRect t="7186" b="3914"/>
+          <a:stretch/>
+        </p:blipFill>
+        <p:spPr>
+          <a:xfrm>
+            <a:off x="732271" y="1600200"/>
+            <a:ext cx="8229600" cy="2438693"/>
+          </a:xfrm>
+        </p:spPr>
+      </p:pic>
+      <p:sp>
+        <p:nvSpPr>
+          <p:cNvPr id="7" name="Rectangle 6"/>
+          <p:cNvSpPr/>
+          <p:nvPr/>
+        </p:nvSpPr>
+        <p:spPr>
+          <a:xfrm>
+            <a:off x="6101571" y="1600199"/>
+            <a:ext cx="2664066" cy="2438694"/>
+          </a:xfrm>
+          <a:prstGeom prst="rect">
+            <a:avLst/>
+          </a:prstGeom>
+          <a:solidFill>
+            <a:schemeClr val="bg1">
+              <a:alpha val="80000"/>
+            </a:schemeClr>
+          </a:solidFill>
+          <a:ln>
+            <a:noFill/>
+          </a:ln>
+        </p:spPr>
+        <p:style>
+          <a:lnRef idx="2">
+            <a:schemeClr val="dk1"/>
+          </a:lnRef>
+          <a:fillRef idx="1">
+            <a:schemeClr val="lt1"/>
+          </a:fillRef>
+          <a:effectRef idx="0">
+            <a:schemeClr val="dk1"/>
+          </a:effectRef>
+          <a:fontRef idx="minor">
+            <a:schemeClr val="dk1"/>
+          </a:fontRef>
+        </p:style>
+        <p:txBody>
+          <a:bodyPr rtlCol="0" anchor="ctr"/>
+          <a:lstStyle/>
+          <a:p>
+            <a:pPr algn="ctr"/>
+            <a:endParaRPr lang="en-US"/>
+          </a:p>
+        </p:txBody>
+      </p:sp>
+      <p:sp>
+        <p:nvSpPr>
+          <p:cNvPr id="8" name="TextBox 7"/>
+          <p:cNvSpPr txBox="1"/>
+          <p:nvPr/>
+        </p:nvSpPr>
+        <p:spPr>
+          <a:xfrm>
+            <a:off x="3733511" y="4038893"/>
+            <a:ext cx="2511288" cy="1415772"/>
+          </a:xfrm>
+          <a:prstGeom prst="rect">
+            <a:avLst/>
+          </a:prstGeom>
+          <a:noFill/>
+        </p:spPr>
+        <p:txBody>
+          <a:bodyPr wrap="square" rtlCol="0">
+            <a:spAutoFit/>
+          </a:bodyPr>
+          <a:lstStyle/>
+          <a:p>
+            <a:r>
+              <a:rPr lang="en-US" dirty="0" smtClean="0"/>
+              <a:t>Sequencing machine returns a random sample with fixed sum</a:t>
+            </a:r>
+          </a:p>
+          <a:p>
+            <a:endParaRPr lang="en-US" dirty="0" smtClean="0"/>
+          </a:p>
+          <a:p>
+            <a:r>
+              <a:rPr lang="en-US" sz="1400" dirty="0"/>
+              <a:t>p</a:t>
+            </a:r>
+            <a:r>
+              <a:rPr lang="en-US" sz="1400" dirty="0" smtClean="0"/>
+              <a:t> =[p</a:t>
+            </a:r>
+            <a:r>
+              <a:rPr lang="en-US" sz="1400" baseline="-25000" dirty="0" smtClean="0"/>
+              <a:t>1</a:t>
+            </a:r>
+            <a:r>
+              <a:rPr lang="en-US" sz="1400" dirty="0" smtClean="0"/>
+              <a:t>,p</a:t>
+            </a:r>
+            <a:r>
+              <a:rPr lang="en-US" sz="1400" baseline="-25000" dirty="0" smtClean="0"/>
+              <a:t>2</a:t>
+            </a:r>
+            <a:r>
+              <a:rPr lang="en-US" sz="1400" dirty="0" smtClean="0"/>
+              <a:t> … </a:t>
+            </a:r>
+            <a:r>
+              <a:rPr lang="en-US" sz="1400" dirty="0" err="1" smtClean="0"/>
+              <a:t>p</a:t>
+            </a:r>
+            <a:r>
+              <a:rPr lang="en-US" sz="1400" baseline="-25000" dirty="0" err="1" smtClean="0"/>
+              <a:t>n</a:t>
+            </a:r>
+            <a:r>
+              <a:rPr lang="en-US" sz="1400" dirty="0" smtClean="0"/>
+              <a:t>] ~ </a:t>
+            </a:r>
+            <a:r>
+              <a:rPr lang="en-US" sz="1400" dirty="0" err="1" smtClean="0"/>
+              <a:t>Dir</a:t>
+            </a:r>
+            <a:r>
+              <a:rPr lang="en-US" sz="1400" dirty="0" smtClean="0"/>
+              <a:t>[x</a:t>
+            </a:r>
+            <a:r>
+              <a:rPr lang="en-US" sz="1400" baseline="-25000" dirty="0" smtClean="0"/>
+              <a:t>1</a:t>
+            </a:r>
+            <a:r>
+              <a:rPr lang="en-US" sz="1400" dirty="0" smtClean="0"/>
+              <a:t>,x</a:t>
+            </a:r>
+            <a:r>
+              <a:rPr lang="en-US" sz="1400" baseline="-25000" dirty="0" smtClean="0"/>
+              <a:t>2</a:t>
+            </a:r>
+            <a:r>
+              <a:rPr lang="en-US" sz="1400" dirty="0" smtClean="0"/>
+              <a:t> … </a:t>
+            </a:r>
+            <a:r>
+              <a:rPr lang="en-US" sz="1400" dirty="0" err="1" smtClean="0"/>
+              <a:t>x</a:t>
+            </a:r>
+            <a:r>
+              <a:rPr lang="en-US" sz="1400" baseline="-25000" dirty="0" err="1" smtClean="0"/>
+              <a:t>n</a:t>
+            </a:r>
+            <a:r>
+              <a:rPr lang="en-US" sz="1400" dirty="0" smtClean="0"/>
+              <a:t>]</a:t>
+            </a:r>
+          </a:p>
+        </p:txBody>
+      </p:sp>
+      <p:sp>
+        <p:nvSpPr>
+          <p:cNvPr id="3" name="Footer Placeholder 2"/>
+          <p:cNvSpPr>
+            <a:spLocks noGrp="1"/>
+          </p:cNvSpPr>
+          <p:nvPr>
+            <p:ph type="ftr" sz="quarter" idx="11"/>
+          </p:nvPr>
+        </p:nvSpPr>
+        <p:spPr/>
+        <p:txBody>
+          <a:bodyPr/>
+          <a:lstStyle/>
+          <a:p>
+            <a:r>
+              <a:rPr lang="en-US" smtClean="0"/>
+              <a:t>CSM 2015</a:t>
+            </a:r>
+            <a:endParaRPr lang="en-US"/>
+          </a:p>
+        </p:txBody>
+      </p:sp>
+      <p:sp>
+        <p:nvSpPr>
+          <p:cNvPr id="4" name="Slide Number Placeholder 3"/>
+          <p:cNvSpPr>
+            <a:spLocks noGrp="1"/>
+          </p:cNvSpPr>
+          <p:nvPr>
+            <p:ph type="sldNum" sz="quarter" idx="12"/>
+          </p:nvPr>
+        </p:nvSpPr>
+        <p:spPr/>
+        <p:txBody>
+          <a:bodyPr/>
+          <a:lstStyle/>
+          <a:p>
+            <a:fld id="{4CBC7C6D-2764-8E4F-B1AE-9A315E705D2C}" type="slidenum">
+              <a:rPr lang="en-US" smtClean="0"/>
+              <a:t>7</a:t>
+            </a:fld>
+            <a:endParaRPr lang="en-US"/>
+          </a:p>
+        </p:txBody>
+      </p:sp>
+    </p:spTree>
+    <p:extLst>
+      <p:ext uri="{BB962C8B-B14F-4D97-AF65-F5344CB8AC3E}">
+        <p14:creationId xmlns:p14="http://schemas.microsoft.com/office/powerpoint/2010/main" val="696403258"/>
+      </p:ext>
+    </p:extLst>
+  </p:cSld>
+  <p:clrMapOvr>
+    <a:masterClrMapping/>
+  </p:clrMapOvr>
+  <p:timing>
+    <p:tnLst>
+      <p:par>
+        <p:cTn xmlns:p14="http://schemas.microsoft.com/office/powerpoint/2010/main" id="1" dur="indefinite" restart="never" nodeType="tmRoot"/>
+      </p:par>
+    </p:tnLst>
+  </p:timing>
+</p:sld>
+</file>
+
+<file path=ppt/slides/slide8.xml><?xml version="1.0" encoding="utf-8"?>
+<p:sld xmlns:a="http://schemas.openxmlformats.org/drawingml/2006/main" xmlns:r="http://schemas.openxmlformats.org/officeDocument/2006/relationships" xmlns:p="http://schemas.openxmlformats.org/presentationml/2006/main">
+  <p:cSld>
+    <p:spTree>
+      <p:nvGrpSpPr>
+        <p:cNvPr id="1" name=""/>
+        <p:cNvGrpSpPr/>
+        <p:nvPr/>
+      </p:nvGrpSpPr>
+      <p:grpSpPr>
+        <a:xfrm>
+          <a:off x="0" y="0"/>
+          <a:ext cx="0" cy="0"/>
+          <a:chOff x="0" y="0"/>
+          <a:chExt cx="0" cy="0"/>
+        </a:xfrm>
+      </p:grpSpPr>
+      <p:sp>
+        <p:nvSpPr>
+          <p:cNvPr id="2" name="Title 1"/>
+          <p:cNvSpPr>
+            <a:spLocks noGrp="1"/>
+          </p:cNvSpPr>
+          <p:nvPr>
+            <p:ph type="title"/>
+          </p:nvPr>
+        </p:nvSpPr>
+        <p:spPr/>
+        <p:txBody>
+          <a:bodyPr/>
+          <a:lstStyle/>
+          <a:p>
+            <a:r>
+              <a:rPr lang="en-US" dirty="0" smtClean="0"/>
+              <a:t>What we use</a:t>
+            </a:r>
+            <a:endParaRPr lang="en-US" dirty="0"/>
+          </a:p>
+        </p:txBody>
+      </p:sp>
+      <p:sp>
+        <p:nvSpPr>
+          <p:cNvPr id="6" name="TextBox 5"/>
+          <p:cNvSpPr txBox="1"/>
+          <p:nvPr/>
+        </p:nvSpPr>
+        <p:spPr>
+          <a:xfrm>
+            <a:off x="913038" y="4042200"/>
+            <a:ext cx="2705890" cy="861774"/>
+          </a:xfrm>
+          <a:prstGeom prst="rect">
+            <a:avLst/>
+          </a:prstGeom>
+          <a:noFill/>
+        </p:spPr>
+        <p:txBody>
+          <a:bodyPr wrap="square" rtlCol="0">
+            <a:spAutoFit/>
+          </a:bodyPr>
+          <a:lstStyle/>
+          <a:p>
+            <a:r>
+              <a:rPr lang="en-US" dirty="0" smtClean="0"/>
+              <a:t>Counts in the tube</a:t>
+            </a:r>
+          </a:p>
+          <a:p>
+            <a:endParaRPr lang="en-US" dirty="0" smtClean="0"/>
+          </a:p>
+          <a:p>
+            <a:r>
+              <a:rPr lang="en-US" sz="1400" dirty="0" smtClean="0"/>
+              <a:t>x =[x</a:t>
+            </a:r>
+            <a:r>
+              <a:rPr lang="en-US" sz="1400" baseline="-25000" dirty="0" smtClean="0"/>
+              <a:t>1</a:t>
+            </a:r>
+            <a:r>
+              <a:rPr lang="en-US" sz="1400" dirty="0" smtClean="0"/>
+              <a:t>,x</a:t>
+            </a:r>
+            <a:r>
+              <a:rPr lang="en-US" sz="1400" baseline="-25000" dirty="0" smtClean="0"/>
+              <a:t>2</a:t>
+            </a:r>
+            <a:r>
+              <a:rPr lang="en-US" sz="1400" dirty="0" smtClean="0"/>
+              <a:t> … </a:t>
+            </a:r>
+            <a:r>
+              <a:rPr lang="en-US" sz="1400" dirty="0" err="1" smtClean="0"/>
+              <a:t>x</a:t>
+            </a:r>
+            <a:r>
+              <a:rPr lang="en-US" sz="1400" baseline="-25000" dirty="0" err="1" smtClean="0"/>
+              <a:t>n</a:t>
+            </a:r>
+            <a:r>
+              <a:rPr lang="en-US" sz="1400" dirty="0" smtClean="0"/>
+              <a:t>], </a:t>
+            </a:r>
+            <a:r>
+              <a:rPr lang="en-US" sz="1400" dirty="0" err="1" smtClean="0"/>
+              <a:t>x</a:t>
+            </a:r>
+            <a:r>
+              <a:rPr lang="en-US" sz="1400" baseline="-25000" dirty="0" err="1" smtClean="0"/>
+              <a:t>s</a:t>
+            </a:r>
+            <a:r>
+              <a:rPr lang="en-US" sz="1400" dirty="0" smtClean="0"/>
+              <a:t>=x</a:t>
+            </a:r>
+            <a:r>
+              <a:rPr lang="en-US" sz="1400" baseline="-25000" dirty="0" smtClean="0"/>
+              <a:t>0</a:t>
+            </a:r>
+            <a:r>
+              <a:rPr lang="en-US" sz="1400" dirty="0" smtClean="0"/>
+              <a:t>2</a:t>
+            </a:r>
+            <a:r>
+              <a:rPr lang="en-US" sz="1400" baseline="30000" dirty="0" smtClean="0"/>
+              <a:t>λs</a:t>
+            </a:r>
+            <a:r>
+              <a:rPr lang="en-US" sz="1400" dirty="0" smtClean="0"/>
+              <a:t>, </a:t>
+            </a:r>
+            <a:r>
+              <a:rPr lang="en-US" sz="1400" dirty="0" err="1" smtClean="0"/>
+              <a:t>λ</a:t>
+            </a:r>
+            <a:r>
+              <a:rPr lang="en-US" sz="1400" dirty="0" smtClean="0"/>
+              <a:t>=[1,0 … 0]</a:t>
+            </a:r>
+          </a:p>
+        </p:txBody>
+      </p:sp>
+      <p:pic>
+        <p:nvPicPr>
+          <p:cNvPr id="5" name="Content Placeholder 4" descr="input-clr.pdf"/>
+          <p:cNvPicPr>
+            <a:picLocks noGrp="1" noChangeAspect="1"/>
+          </p:cNvPicPr>
+          <p:nvPr>
+            <p:ph idx="1"/>
+          </p:nvPr>
+        </p:nvPicPr>
+        <p:blipFill rotWithShape="1">
+          <a:blip r:embed="rId3">
+            <a:extLst>
+              <a:ext uri="{28A0092B-C50C-407E-A947-70E740481C1C}">
+                <a14:useLocalDpi xmlns:a14="http://schemas.microsoft.com/office/drawing/2010/main" val="0"/>
+              </a:ext>
+            </a:extLst>
+          </a:blip>
+          <a:srcRect t="7186" b="3914"/>
+          <a:stretch/>
+        </p:blipFill>
+        <p:spPr>
+          <a:xfrm>
+            <a:off x="732271" y="1600200"/>
+            <a:ext cx="8229600" cy="2438693"/>
+          </a:xfrm>
+        </p:spPr>
+      </p:pic>
+      <p:sp>
+        <p:nvSpPr>
+          <p:cNvPr id="8" name="TextBox 7"/>
+          <p:cNvSpPr txBox="1"/>
+          <p:nvPr/>
+        </p:nvSpPr>
+        <p:spPr>
+          <a:xfrm>
+            <a:off x="3733511" y="4038893"/>
+            <a:ext cx="2511288" cy="1415772"/>
+          </a:xfrm>
+          <a:prstGeom prst="rect">
+            <a:avLst/>
+          </a:prstGeom>
+          <a:noFill/>
+        </p:spPr>
+        <p:txBody>
+          <a:bodyPr wrap="square" rtlCol="0">
+            <a:spAutoFit/>
+          </a:bodyPr>
+          <a:lstStyle/>
+          <a:p>
+            <a:r>
+              <a:rPr lang="en-US" dirty="0" smtClean="0"/>
+              <a:t>Machine returns a random multinomial sample</a:t>
+            </a:r>
+          </a:p>
+          <a:p>
+            <a:endParaRPr lang="en-US" dirty="0" smtClean="0"/>
+          </a:p>
+          <a:p>
+            <a:r>
+              <a:rPr lang="en-US" sz="1400" dirty="0"/>
+              <a:t>p</a:t>
+            </a:r>
+            <a:r>
+              <a:rPr lang="en-US" sz="1400" dirty="0" smtClean="0"/>
+              <a:t> =[p</a:t>
+            </a:r>
+            <a:r>
+              <a:rPr lang="en-US" sz="1400" baseline="-25000" dirty="0" smtClean="0"/>
+              <a:t>1</a:t>
+            </a:r>
+            <a:r>
+              <a:rPr lang="en-US" sz="1400" dirty="0" smtClean="0"/>
+              <a:t>,p</a:t>
+            </a:r>
+            <a:r>
+              <a:rPr lang="en-US" sz="1400" baseline="-25000" dirty="0" smtClean="0"/>
+              <a:t>2</a:t>
+            </a:r>
+            <a:r>
+              <a:rPr lang="en-US" sz="1400" dirty="0" smtClean="0"/>
+              <a:t> … </a:t>
+            </a:r>
+            <a:r>
+              <a:rPr lang="en-US" sz="1400" dirty="0" err="1" smtClean="0"/>
+              <a:t>p</a:t>
+            </a:r>
+            <a:r>
+              <a:rPr lang="en-US" sz="1400" baseline="-25000" dirty="0" err="1" smtClean="0"/>
+              <a:t>n</a:t>
+            </a:r>
+            <a:r>
+              <a:rPr lang="en-US" sz="1400" dirty="0" smtClean="0"/>
+              <a:t>] ~ </a:t>
+            </a:r>
+            <a:r>
+              <a:rPr lang="en-US" sz="1400" dirty="0" err="1" smtClean="0"/>
+              <a:t>Dir</a:t>
+            </a:r>
+            <a:r>
+              <a:rPr lang="en-US" sz="1400" dirty="0" smtClean="0"/>
+              <a:t>[x</a:t>
+            </a:r>
+            <a:r>
+              <a:rPr lang="en-US" sz="1400" baseline="-25000" dirty="0" smtClean="0"/>
+              <a:t>1</a:t>
+            </a:r>
+            <a:r>
+              <a:rPr lang="en-US" sz="1400" dirty="0" smtClean="0"/>
+              <a:t>,x</a:t>
+            </a:r>
+            <a:r>
+              <a:rPr lang="en-US" sz="1400" baseline="-25000" dirty="0" smtClean="0"/>
+              <a:t>2</a:t>
+            </a:r>
+            <a:r>
+              <a:rPr lang="en-US" sz="1400" dirty="0" smtClean="0"/>
+              <a:t> … </a:t>
+            </a:r>
+            <a:r>
+              <a:rPr lang="en-US" sz="1400" dirty="0" err="1" smtClean="0"/>
+              <a:t>x</a:t>
+            </a:r>
+            <a:r>
+              <a:rPr lang="en-US" sz="1400" baseline="-25000" dirty="0" err="1" smtClean="0"/>
+              <a:t>n</a:t>
+            </a:r>
+            <a:r>
+              <a:rPr lang="en-US" sz="1400" dirty="0" smtClean="0"/>
+              <a:t>]</a:t>
+            </a:r>
+          </a:p>
+        </p:txBody>
+      </p:sp>
+      <p:sp>
+        <p:nvSpPr>
+          <p:cNvPr id="9" name="Rectangle 8"/>
+          <p:cNvSpPr/>
+          <p:nvPr/>
+        </p:nvSpPr>
+        <p:spPr>
+          <a:xfrm>
+            <a:off x="3492388" y="1603505"/>
+            <a:ext cx="2590084" cy="3851159"/>
+          </a:xfrm>
+          <a:prstGeom prst="rect">
+            <a:avLst/>
+          </a:prstGeom>
+          <a:solidFill>
+            <a:schemeClr val="bg1">
+              <a:alpha val="80000"/>
+            </a:schemeClr>
+          </a:solidFill>
+          <a:ln>
+            <a:noFill/>
+          </a:ln>
+        </p:spPr>
+        <p:style>
+          <a:lnRef idx="2">
+            <a:schemeClr val="dk1"/>
+          </a:lnRef>
+          <a:fillRef idx="1">
+            <a:schemeClr val="lt1"/>
+          </a:fillRef>
+          <a:effectRef idx="0">
+            <a:schemeClr val="dk1"/>
+          </a:effectRef>
+          <a:fontRef idx="minor">
+            <a:schemeClr val="dk1"/>
+          </a:fontRef>
+        </p:style>
+        <p:txBody>
+          <a:bodyPr rtlCol="0" anchor="ctr"/>
+          <a:lstStyle/>
+          <a:p>
+            <a:pPr algn="ctr"/>
+            <a:endParaRPr lang="en-US"/>
+          </a:p>
+        </p:txBody>
+      </p:sp>
+      <p:sp>
+        <p:nvSpPr>
+          <p:cNvPr id="10" name="TextBox 9"/>
+          <p:cNvSpPr txBox="1"/>
+          <p:nvPr/>
+        </p:nvSpPr>
+        <p:spPr>
+          <a:xfrm>
+            <a:off x="6450583" y="4042200"/>
+            <a:ext cx="2511288" cy="1200329"/>
+          </a:xfrm>
+          <a:prstGeom prst="rect">
+            <a:avLst/>
+          </a:prstGeom>
+          <a:noFill/>
+        </p:spPr>
+        <p:txBody>
+          <a:bodyPr wrap="square" rtlCol="0">
+            <a:spAutoFit/>
+          </a:bodyPr>
+          <a:lstStyle/>
+          <a:p>
+            <a:r>
+              <a:rPr lang="en-US" dirty="0" smtClean="0"/>
+              <a:t>The </a:t>
+            </a:r>
+            <a:r>
+              <a:rPr lang="en-US" dirty="0" err="1" smtClean="0"/>
+              <a:t>clr</a:t>
+            </a:r>
+            <a:r>
+              <a:rPr lang="en-US" dirty="0" smtClean="0"/>
+              <a:t> transformation of the proportion or the </a:t>
+            </a:r>
+            <a:r>
+              <a:rPr lang="en-US" dirty="0" err="1" smtClean="0"/>
+              <a:t>Dir</a:t>
+            </a:r>
+            <a:r>
+              <a:rPr lang="en-US" dirty="0" smtClean="0"/>
+              <a:t> reconstitutes the shape with estimation error </a:t>
+            </a:r>
+            <a:endParaRPr lang="en-US" sz="1400" dirty="0" smtClean="0"/>
+          </a:p>
+        </p:txBody>
+      </p:sp>
+      <p:sp>
+        <p:nvSpPr>
+          <p:cNvPr id="3" name="Footer Placeholder 2"/>
+          <p:cNvSpPr>
+            <a:spLocks noGrp="1"/>
+          </p:cNvSpPr>
+          <p:nvPr>
+            <p:ph type="ftr" sz="quarter" idx="11"/>
+          </p:nvPr>
+        </p:nvSpPr>
+        <p:spPr/>
+        <p:txBody>
+          <a:bodyPr/>
+          <a:lstStyle/>
+          <a:p>
+            <a:r>
+              <a:rPr lang="en-US" smtClean="0"/>
+              <a:t>CSM 2015</a:t>
+            </a:r>
+            <a:endParaRPr lang="en-US"/>
+          </a:p>
+        </p:txBody>
+      </p:sp>
+      <p:sp>
+        <p:nvSpPr>
+          <p:cNvPr id="4" name="Slide Number Placeholder 3"/>
+          <p:cNvSpPr>
+            <a:spLocks noGrp="1"/>
+          </p:cNvSpPr>
+          <p:nvPr>
+            <p:ph type="sldNum" sz="quarter" idx="12"/>
+          </p:nvPr>
+        </p:nvSpPr>
+        <p:spPr/>
+        <p:txBody>
+          <a:bodyPr/>
+          <a:lstStyle/>
+          <a:p>
+            <a:fld id="{4CBC7C6D-2764-8E4F-B1AE-9A315E705D2C}" type="slidenum">
+              <a:rPr lang="en-US" smtClean="0"/>
+              <a:t>8</a:t>
+            </a:fld>
+            <a:endParaRPr lang="en-US"/>
+          </a:p>
+        </p:txBody>
+      </p:sp>
+    </p:spTree>
+    <p:extLst>
+      <p:ext uri="{BB962C8B-B14F-4D97-AF65-F5344CB8AC3E}">
+        <p14:creationId xmlns:p14="http://schemas.microsoft.com/office/powerpoint/2010/main" val="321360125"/>
+      </p:ext>
+    </p:extLst>
+  </p:cSld>
+  <p:clrMapOvr>
+    <a:masterClrMapping/>
+  </p:clrMapOvr>
+  <p:timing>
+    <p:tnLst>
+      <p:par>
+        <p:cTn xmlns:p14="http://schemas.microsoft.com/office/powerpoint/2010/main" id="1" dur="indefinite" restart="never" nodeType="tmRoot"/>
+      </p:par>
+    </p:tnLst>
+  </p:timing>
+</p:sld>
+</file>
+
+<file path=ppt/slides/slide9.xml><?xml version="1.0" encoding="utf-8"?>
+<p:sld xmlns:a="http://schemas.openxmlformats.org/drawingml/2006/main" xmlns:r="http://schemas.openxmlformats.org/officeDocument/2006/relationships" xmlns:p="http://schemas.openxmlformats.org/presentationml/2006/main">
+  <p:cSld>
+    <p:spTree>
+      <p:nvGrpSpPr>
+        <p:cNvPr id="1" name=""/>
+        <p:cNvGrpSpPr/>
+        <p:nvPr/>
+      </p:nvGrpSpPr>
+      <p:grpSpPr>
+        <a:xfrm>
+          <a:off x="0" y="0"/>
+          <a:ext cx="0" cy="0"/>
+          <a:chOff x="0" y="0"/>
+          <a:chExt cx="0" cy="0"/>
+        </a:xfrm>
+      </p:grpSpPr>
+      <p:sp>
+        <p:nvSpPr>
+          <p:cNvPr id="2" name="Title 1"/>
+          <p:cNvSpPr>
+            <a:spLocks noGrp="1"/>
+          </p:cNvSpPr>
+          <p:nvPr>
+            <p:ph type="title"/>
+          </p:nvPr>
+        </p:nvSpPr>
+        <p:spPr/>
+        <p:txBody>
+          <a:bodyPr>
+            <a:normAutofit fontScale="90000"/>
+          </a:bodyPr>
+          <a:lstStyle/>
+          <a:p>
+            <a:r>
+              <a:rPr lang="en-US" dirty="0" smtClean="0"/>
+              <a:t>Find test values not affected by random sampling</a:t>
+            </a:r>
+            <a:endParaRPr lang="en-US" dirty="0"/>
+          </a:p>
+        </p:txBody>
+      </p:sp>
+      <p:pic>
+        <p:nvPicPr>
+          <p:cNvPr id="6" name="Content Placeholder 3"/>
+          <p:cNvPicPr>
+            <a:picLocks noGrp="1" noChangeAspect="1"/>
+          </p:cNvPicPr>
+          <p:nvPr>
+            <p:ph idx="1"/>
+          </p:nvPr>
+        </p:nvPicPr>
+        <p:blipFill>
+          <a:blip r:embed="rId3" cstate="print">
+            <a:extLst>
+              <a:ext uri="{28A0092B-C50C-407E-A947-70E740481C1C}">
+                <a14:useLocalDpi xmlns:a14="http://schemas.microsoft.com/office/drawing/2010/main"/>
+              </a:ext>
+            </a:extLst>
+          </a:blip>
+          <a:srcRect l="-1512" r="-1512"/>
+          <a:stretch>
+            <a:fillRect/>
+          </a:stretch>
+        </p:blipFill>
+        <p:spPr>
+          <a:xfrm>
+            <a:off x="457200" y="2181225"/>
+            <a:ext cx="4537075" cy="2495550"/>
+          </a:xfrm>
+        </p:spPr>
+      </p:pic>
+      <p:sp>
+        <p:nvSpPr>
+          <p:cNvPr id="8" name="TextBox 7"/>
+          <p:cNvSpPr txBox="1"/>
+          <p:nvPr/>
+        </p:nvSpPr>
+        <p:spPr>
+          <a:xfrm>
+            <a:off x="5302249" y="1871820"/>
+            <a:ext cx="3384551" cy="3354765"/>
+          </a:xfrm>
+          <a:prstGeom prst="rect">
+            <a:avLst/>
+          </a:prstGeom>
+          <a:noFill/>
+        </p:spPr>
+        <p:txBody>
+          <a:bodyPr wrap="square" rtlCol="0">
+            <a:spAutoFit/>
+          </a:bodyPr>
+          <a:lstStyle/>
+          <a:p>
+            <a:pPr marL="285750" indent="-285750">
+              <a:buFont typeface="Arial"/>
+              <a:buChar char="•"/>
+            </a:pPr>
+            <a:r>
+              <a:rPr lang="en-US" dirty="0" smtClean="0"/>
+              <a:t>Generate posterior estimates of the data consistent with the observed data and the chosen  prior(s)</a:t>
+            </a:r>
+          </a:p>
+          <a:p>
+            <a:pPr marL="742950" lvl="1" indent="-285750">
+              <a:buFont typeface="Arial"/>
+              <a:buChar char="•"/>
+            </a:pPr>
+            <a:r>
+              <a:rPr lang="en-US" sz="1400" dirty="0" err="1" smtClean="0"/>
+              <a:t>Dirichlet</a:t>
+            </a:r>
+            <a:r>
+              <a:rPr lang="en-US" sz="1400" dirty="0" smtClean="0"/>
+              <a:t> instances</a:t>
+            </a:r>
+          </a:p>
+          <a:p>
+            <a:pPr marL="285750" indent="-285750">
+              <a:buFont typeface="Arial"/>
+              <a:buChar char="•"/>
+            </a:pPr>
+            <a:r>
+              <a:rPr lang="en-US" dirty="0" err="1" smtClean="0"/>
+              <a:t>clr</a:t>
+            </a:r>
+            <a:r>
+              <a:rPr lang="en-US" dirty="0" smtClean="0"/>
+              <a:t> transform instances</a:t>
+            </a:r>
+          </a:p>
+          <a:p>
+            <a:pPr marL="285750" indent="-285750">
+              <a:buFont typeface="Arial"/>
+              <a:buChar char="•"/>
+            </a:pPr>
+            <a:r>
+              <a:rPr lang="en-US" dirty="0" smtClean="0"/>
+              <a:t>Calculate </a:t>
+            </a:r>
+            <a:r>
+              <a:rPr lang="en-US" dirty="0" err="1" smtClean="0"/>
+              <a:t>univariate</a:t>
+            </a:r>
+            <a:r>
+              <a:rPr lang="en-US" dirty="0" smtClean="0"/>
+              <a:t> test values on each instance</a:t>
+            </a:r>
+          </a:p>
+          <a:p>
+            <a:pPr marL="285750" indent="-285750">
+              <a:buFont typeface="Arial"/>
+              <a:buChar char="•"/>
+            </a:pPr>
+            <a:r>
+              <a:rPr lang="en-US" dirty="0" smtClean="0"/>
+              <a:t>Correct for FDR</a:t>
+            </a:r>
+          </a:p>
+          <a:p>
+            <a:pPr marL="285750" indent="-285750">
+              <a:buFont typeface="Arial"/>
+              <a:buChar char="•"/>
+            </a:pPr>
+            <a:endParaRPr lang="en-US" dirty="0" smtClean="0"/>
+          </a:p>
+          <a:p>
+            <a:pPr marL="285750" indent="-285750">
+              <a:buFont typeface="Arial"/>
+              <a:buChar char="•"/>
+            </a:pPr>
+            <a:r>
+              <a:rPr lang="en-US" b="1" dirty="0" smtClean="0"/>
+              <a:t>Report the expected value of each test across instances</a:t>
+            </a:r>
+          </a:p>
+        </p:txBody>
+      </p:sp>
+      <p:sp>
+        <p:nvSpPr>
+          <p:cNvPr id="4" name="Rectangle 3"/>
+          <p:cNvSpPr/>
+          <p:nvPr/>
+        </p:nvSpPr>
+        <p:spPr>
+          <a:xfrm>
+            <a:off x="586345" y="5288140"/>
+            <a:ext cx="3042131" cy="1015663"/>
+          </a:xfrm>
+          <a:prstGeom prst="rect">
+            <a:avLst/>
+          </a:prstGeom>
+        </p:spPr>
+        <p:txBody>
+          <a:bodyPr wrap="square">
+            <a:spAutoFit/>
+          </a:bodyPr>
+          <a:lstStyle/>
+          <a:p>
+            <a:r>
+              <a:rPr lang="en-US" sz="1000" dirty="0" err="1" smtClean="0"/>
+              <a:t>Fernandes</a:t>
+            </a:r>
+            <a:r>
+              <a:rPr lang="en-US" sz="1000" dirty="0" smtClean="0"/>
+              <a:t> </a:t>
+            </a:r>
+            <a:r>
+              <a:rPr lang="en-US" sz="1000" dirty="0" err="1" smtClean="0"/>
+              <a:t>PLoS</a:t>
+            </a:r>
+            <a:r>
+              <a:rPr lang="en-US" sz="1000" dirty="0" smtClean="0"/>
+              <a:t> One 2013</a:t>
+            </a:r>
+          </a:p>
+          <a:p>
+            <a:r>
+              <a:rPr lang="en-US" sz="1000" dirty="0" err="1" smtClean="0"/>
+              <a:t>Macklaim</a:t>
+            </a:r>
+            <a:r>
+              <a:rPr lang="en-US" sz="1000" dirty="0" smtClean="0"/>
+              <a:t> </a:t>
+            </a:r>
+            <a:r>
+              <a:rPr lang="en-US" sz="1000" dirty="0" err="1" smtClean="0"/>
+              <a:t>Microbiome</a:t>
+            </a:r>
+            <a:r>
+              <a:rPr lang="en-US" sz="1000" dirty="0" smtClean="0"/>
+              <a:t> 2013</a:t>
+            </a:r>
+          </a:p>
+          <a:p>
+            <a:r>
+              <a:rPr lang="en-US" sz="1000" dirty="0" err="1" smtClean="0"/>
+              <a:t>Fernandes</a:t>
+            </a:r>
+            <a:r>
+              <a:rPr lang="en-US" sz="1000" dirty="0" smtClean="0"/>
+              <a:t> </a:t>
+            </a:r>
+            <a:r>
+              <a:rPr lang="en-US" sz="1000" dirty="0" err="1" smtClean="0"/>
+              <a:t>Microbiome</a:t>
+            </a:r>
+            <a:r>
+              <a:rPr lang="en-US" sz="1000" dirty="0" smtClean="0"/>
+              <a:t> 2014</a:t>
+            </a:r>
+          </a:p>
+          <a:p>
+            <a:r>
+              <a:rPr lang="en-US" sz="1000" dirty="0" err="1" smtClean="0"/>
+              <a:t>McMurrough</a:t>
+            </a:r>
+            <a:r>
+              <a:rPr lang="en-US" sz="1000" dirty="0" smtClean="0"/>
+              <a:t> PNAS 2014</a:t>
+            </a:r>
+          </a:p>
+          <a:p>
+            <a:r>
+              <a:rPr lang="en-US" sz="1000" dirty="0" err="1" smtClean="0"/>
+              <a:t>Goneau</a:t>
+            </a:r>
+            <a:r>
+              <a:rPr lang="en-US" sz="1000" dirty="0" smtClean="0"/>
+              <a:t> </a:t>
+            </a:r>
+            <a:r>
+              <a:rPr lang="en-US" sz="1000" dirty="0" err="1" smtClean="0"/>
+              <a:t>mBio</a:t>
+            </a:r>
+            <a:r>
+              <a:rPr lang="en-US" sz="1000" dirty="0" smtClean="0"/>
+              <a:t> 2015</a:t>
+            </a:r>
+          </a:p>
+          <a:p>
+            <a:r>
+              <a:rPr lang="en-US" sz="1000" dirty="0" smtClean="0"/>
+              <a:t>McMillan under review</a:t>
+            </a:r>
+            <a:endParaRPr lang="en-US" sz="1000" dirty="0"/>
+          </a:p>
+        </p:txBody>
+      </p:sp>
+      <p:sp>
+        <p:nvSpPr>
+          <p:cNvPr id="3" name="TextBox 2"/>
+          <p:cNvSpPr txBox="1"/>
+          <p:nvPr/>
+        </p:nvSpPr>
+        <p:spPr>
+          <a:xfrm>
+            <a:off x="2832485" y="1908981"/>
+            <a:ext cx="1739378" cy="338554"/>
+          </a:xfrm>
+          <a:prstGeom prst="rect">
+            <a:avLst/>
+          </a:prstGeom>
+          <a:noFill/>
+        </p:spPr>
+        <p:txBody>
+          <a:bodyPr wrap="none" rtlCol="0">
+            <a:spAutoFit/>
+          </a:bodyPr>
+          <a:lstStyle/>
+          <a:p>
+            <a:r>
+              <a:rPr lang="en-US" sz="1600" b="1" dirty="0" smtClean="0">
+                <a:solidFill>
+                  <a:srgbClr val="EBD0FE"/>
+                </a:solidFill>
+              </a:rPr>
+              <a:t>Group 1    </a:t>
+            </a:r>
+            <a:r>
+              <a:rPr lang="en-US" sz="1600" b="1" dirty="0" smtClean="0">
+                <a:solidFill>
+                  <a:srgbClr val="B0FEFE"/>
+                </a:solidFill>
+              </a:rPr>
+              <a:t>Group 2</a:t>
+            </a:r>
+          </a:p>
+        </p:txBody>
+      </p:sp>
+      <p:sp>
+        <p:nvSpPr>
+          <p:cNvPr id="5" name="Footer Placeholder 4"/>
+          <p:cNvSpPr>
+            <a:spLocks noGrp="1"/>
+          </p:cNvSpPr>
+          <p:nvPr>
+            <p:ph type="ftr" sz="quarter" idx="11"/>
+          </p:nvPr>
+        </p:nvSpPr>
+        <p:spPr/>
+        <p:txBody>
+          <a:bodyPr/>
+          <a:lstStyle/>
+          <a:p>
+            <a:r>
+              <a:rPr lang="en-US" smtClean="0"/>
+              <a:t>CSM 2015</a:t>
+            </a:r>
+            <a:endParaRPr lang="en-US"/>
+          </a:p>
+        </p:txBody>
+      </p:sp>
+      <p:sp>
+        <p:nvSpPr>
+          <p:cNvPr id="7" name="Slide Number Placeholder 6"/>
+          <p:cNvSpPr>
+            <a:spLocks noGrp="1"/>
+          </p:cNvSpPr>
+          <p:nvPr>
+            <p:ph type="sldNum" sz="quarter" idx="12"/>
+          </p:nvPr>
+        </p:nvSpPr>
+        <p:spPr/>
+        <p:txBody>
+          <a:bodyPr/>
+          <a:lstStyle/>
+          <a:p>
+            <a:fld id="{4CBC7C6D-2764-8E4F-B1AE-9A315E705D2C}" type="slidenum">
+              <a:rPr lang="en-US" smtClean="0"/>
+              <a:t>9</a:t>
+            </a:fld>
+            <a:endParaRPr lang="en-US"/>
+          </a:p>
+        </p:txBody>
+      </p:sp>
+    </p:spTree>
+    <p:extLst>
+      <p:ext uri="{BB962C8B-B14F-4D97-AF65-F5344CB8AC3E}">
+        <p14:creationId xmlns:p14="http://schemas.microsoft.com/office/powerpoint/2010/main" val="1378744709"/>
+      </p:ext>
+    </p:extLst>
+  </p:cSld>
+  <p:clrMapOvr>
+    <a:masterClrMapping/>
+  </p:clrMapOvr>
   <p:timing>
     <p:tnLst>
       <p:par>

--- a/CSM_2015_r.pptx
+++ b/CSM_2015_r.pptx
@@ -5,10 +5,10 @@
     <p:sldMasterId id="2147483648" r:id="rId1"/>
   </p:sldMasterIdLst>
   <p:notesMasterIdLst>
-    <p:notesMasterId r:id="rId14"/>
+    <p:notesMasterId r:id="rId15"/>
   </p:notesMasterIdLst>
   <p:handoutMasterIdLst>
-    <p:handoutMasterId r:id="rId15"/>
+    <p:handoutMasterId r:id="rId16"/>
   </p:handoutMasterIdLst>
   <p:sldIdLst>
     <p:sldId id="256" r:id="rId2"/>
@@ -23,6 +23,7 @@
     <p:sldId id="266" r:id="rId11"/>
     <p:sldId id="267" r:id="rId12"/>
     <p:sldId id="271" r:id="rId13"/>
+    <p:sldId id="275" r:id="rId14"/>
   </p:sldIdLst>
   <p:sldSz cx="9144000" cy="6858000" type="screen4x3"/>
   <p:notesSz cx="6858000" cy="9144000"/>
@@ -4611,30 +4612,23 @@
         <p:spPr/>
         <p:txBody>
           <a:bodyPr>
-            <a:normAutofit fontScale="90000"/>
+            <a:noAutofit/>
           </a:bodyPr>
           <a:lstStyle/>
           <a:p>
             <a:r>
-              <a:rPr lang="en-US" dirty="0"/>
-              <a:t>Compositional uncertainty in high-throughput sequencing data </a:t>
-            </a:r>
-            <a:r>
-              <a:rPr lang="en-US" dirty="0" smtClean="0"/>
-              <a:t>should </a:t>
-            </a:r>
-            <a:r>
-              <a:rPr lang="en-US" dirty="0"/>
-              <a:t>not be ignored </a:t>
-            </a:r>
-            <a:r>
-              <a:rPr lang="en-US" dirty="0" smtClean="0"/>
-              <a:t/>
-            </a:r>
-            <a:br>
-              <a:rPr lang="en-US" dirty="0" smtClean="0"/>
-            </a:br>
-            <a:endParaRPr lang="en-US" dirty="0"/>
+              <a:rPr lang="en-US" sz="3200" dirty="0" smtClean="0"/>
+              <a:t>High throughput sequencing datasets are ripe for </a:t>
+            </a:r>
+            <a:r>
+              <a:rPr lang="en-US" sz="3200" dirty="0" err="1" smtClean="0"/>
+              <a:t>mis-interpetation</a:t>
+            </a:r>
+            <a:r>
+              <a:rPr lang="en-US" sz="3200" dirty="0" smtClean="0"/>
+              <a:t>: or why most analyses to date could be wildly wrong</a:t>
+            </a:r>
+            <a:endParaRPr lang="en-US" sz="3200" dirty="0"/>
           </a:p>
         </p:txBody>
       </p:sp>
@@ -5590,7 +5584,7 @@
           <a:p>
             <a:r>
               <a:rPr lang="en-US" dirty="0" smtClean="0"/>
-              <a:t>Results reflect biological reality</a:t>
+              <a:t>The variance-difference plot</a:t>
             </a:r>
             <a:endParaRPr lang="en-US" dirty="0"/>
           </a:p>
@@ -5633,7 +5627,7 @@
         <p:spPr>
           <a:xfrm>
             <a:off x="4822052" y="1986028"/>
-            <a:ext cx="3990978" cy="3970318"/>
+            <a:ext cx="3990978" cy="4524316"/>
           </a:xfrm>
           <a:prstGeom prst="rect">
             <a:avLst/>
@@ -5646,103 +5640,22 @@
           </a:bodyPr>
           <a:lstStyle/>
           <a:p>
-            <a:r>
-              <a:rPr lang="en-US" dirty="0"/>
-              <a:t>x =[x</a:t>
-            </a:r>
-            <a:r>
-              <a:rPr lang="en-US" baseline="-25000" dirty="0"/>
-              <a:t>1</a:t>
-            </a:r>
-            <a:r>
-              <a:rPr lang="en-US" dirty="0"/>
-              <a:t>,x</a:t>
-            </a:r>
-            <a:r>
-              <a:rPr lang="en-US" baseline="-25000" dirty="0"/>
-              <a:t>2</a:t>
-            </a:r>
-            <a:r>
-              <a:rPr lang="en-US" dirty="0"/>
-              <a:t> … </a:t>
-            </a:r>
-            <a:r>
-              <a:rPr lang="en-US" dirty="0" err="1"/>
-              <a:t>x</a:t>
-            </a:r>
-            <a:r>
-              <a:rPr lang="en-US" baseline="-25000" dirty="0" err="1"/>
-              <a:t>n</a:t>
-            </a:r>
-            <a:r>
-              <a:rPr lang="en-US" dirty="0"/>
-              <a:t>], </a:t>
-            </a:r>
-            <a:r>
-              <a:rPr lang="en-US" dirty="0" err="1"/>
-              <a:t>x</a:t>
-            </a:r>
-            <a:r>
-              <a:rPr lang="en-US" baseline="-25000" dirty="0" err="1"/>
-              <a:t>s</a:t>
-            </a:r>
-            <a:r>
-              <a:rPr lang="en-US" dirty="0"/>
-              <a:t>=x</a:t>
-            </a:r>
-            <a:r>
-              <a:rPr lang="en-US" baseline="-25000" dirty="0"/>
-              <a:t>0</a:t>
-            </a:r>
-            <a:r>
-              <a:rPr lang="en-US" dirty="0"/>
-              <a:t>2</a:t>
-            </a:r>
-            <a:r>
-              <a:rPr lang="en-US" baseline="30000" dirty="0"/>
-              <a:t>λs</a:t>
-            </a:r>
-            <a:r>
-              <a:rPr lang="en-US" dirty="0"/>
-              <a:t>, </a:t>
-            </a:r>
-            <a:r>
-              <a:rPr lang="en-US" dirty="0" err="1"/>
-              <a:t>λ</a:t>
-            </a:r>
-            <a:r>
-              <a:rPr lang="en-US" dirty="0"/>
-              <a:t>=[1,0 … 0]</a:t>
-            </a:r>
-          </a:p>
-          <a:p>
-            <a:r>
-              <a:rPr lang="en-US" dirty="0" smtClean="0"/>
-              <a:t>n=1600  s=0, 16</a:t>
-            </a:r>
-          </a:p>
-          <a:p>
-            <a:endParaRPr lang="en-US" dirty="0"/>
-          </a:p>
-          <a:p>
-            <a:r>
-              <a:rPr lang="en-US" dirty="0" smtClean="0"/>
-              <a:t>Plot of Within : Between group difference</a:t>
-            </a:r>
-          </a:p>
-          <a:p>
-            <a:endParaRPr lang="en-US" dirty="0"/>
-          </a:p>
-          <a:p>
             <a:pPr marL="285750" indent="-285750">
               <a:buFont typeface="Arial"/>
               <a:buChar char="•"/>
             </a:pPr>
             <a:r>
               <a:rPr lang="en-US" dirty="0" smtClean="0"/>
-              <a:t>Sectors are constant effect size</a:t>
-            </a:r>
-            <a:endParaRPr lang="en-US" dirty="0"/>
+              <a:t>Plot </a:t>
+            </a:r>
+            <a:r>
+              <a:rPr lang="en-US" dirty="0" smtClean="0"/>
+              <a:t>of Within : Between group </a:t>
+            </a:r>
+            <a:r>
+              <a:rPr lang="en-US" dirty="0" smtClean="0"/>
+              <a:t>difference</a:t>
+            </a:r>
           </a:p>
           <a:p>
             <a:pPr marL="285750" indent="-285750">
@@ -5751,7 +5664,15 @@
             </a:pPr>
             <a:r>
               <a:rPr lang="en-US" dirty="0" smtClean="0"/>
-              <a:t>Variants with high activity in top left corner</a:t>
+              <a:t>Convenient way to summarize </a:t>
+            </a:r>
+            <a:r>
+              <a:rPr lang="en-US" dirty="0" err="1" smtClean="0"/>
+              <a:t>univarite</a:t>
+            </a:r>
+            <a:r>
+              <a:rPr lang="en-US" dirty="0" smtClean="0"/>
+              <a:t> differences in multivariate data</a:t>
             </a:r>
           </a:p>
           <a:p>
@@ -5761,7 +5682,11 @@
             </a:pPr>
             <a:r>
               <a:rPr lang="en-US" dirty="0" smtClean="0"/>
-              <a:t>Variants with moderate activity effect &gt; 4</a:t>
+              <a:t>X axis - maximum variation </a:t>
+            </a:r>
+            <a:r>
+              <a:rPr lang="en-US" dirty="0" smtClean="0"/>
+              <a:t>within either group for each feature</a:t>
             </a:r>
           </a:p>
           <a:p>
@@ -5771,7 +5696,7 @@
             </a:pPr>
             <a:r>
               <a:rPr lang="en-US" dirty="0" smtClean="0"/>
-              <a:t>Variants with barely detectable activity effect &gt; 2</a:t>
+              <a:t>Y axis – Difference between groups for each feature </a:t>
             </a:r>
           </a:p>
           <a:p>
@@ -5781,9 +5706,75 @@
             </a:pPr>
             <a:r>
               <a:rPr lang="en-US" dirty="0" smtClean="0"/>
-              <a:t>Variants with no activity effect &lt; 2</a:t>
-            </a:r>
-            <a:endParaRPr lang="en-US" dirty="0"/>
+              <a:t>Lines indicate effect size boundaries</a:t>
+            </a:r>
+          </a:p>
+          <a:p>
+            <a:pPr marL="742950" lvl="1" indent="-285750">
+              <a:buFont typeface="Arial"/>
+              <a:buChar char="•"/>
+            </a:pPr>
+            <a:r>
+              <a:rPr lang="en-US" dirty="0" smtClean="0"/>
+              <a:t>D=1, 	V=2		E=0.5</a:t>
+            </a:r>
+          </a:p>
+          <a:p>
+            <a:pPr marL="742950" lvl="1" indent="-285750">
+              <a:buFont typeface="Arial"/>
+              <a:buChar char="•"/>
+            </a:pPr>
+            <a:r>
+              <a:rPr lang="en-US" dirty="0" smtClean="0"/>
+              <a:t>D=1	V=0.5	E=2</a:t>
+            </a:r>
+          </a:p>
+          <a:p>
+            <a:pPr marL="742950" lvl="1" indent="-285750">
+              <a:buFont typeface="Arial"/>
+              <a:buChar char="•"/>
+            </a:pPr>
+            <a:r>
+              <a:rPr lang="en-US" dirty="0" smtClean="0"/>
+              <a:t>D=2	V=2    	E=1</a:t>
+            </a:r>
+          </a:p>
+          <a:p>
+            <a:pPr marL="285750" indent="-285750">
+              <a:buFont typeface="Arial"/>
+              <a:buChar char="•"/>
+            </a:pPr>
+            <a:r>
+              <a:rPr lang="en-US" dirty="0" smtClean="0"/>
+              <a:t>Read the plot in sectors</a:t>
+            </a:r>
+          </a:p>
+          <a:p>
+            <a:pPr marL="285750" indent="-285750">
+              <a:buFont typeface="Arial"/>
+              <a:buChar char="•"/>
+            </a:pPr>
+            <a:r>
+              <a:rPr lang="en-US" dirty="0" smtClean="0"/>
+              <a:t>Most 16S </a:t>
+            </a:r>
+            <a:r>
+              <a:rPr lang="en-US" dirty="0" err="1" smtClean="0"/>
+              <a:t>rRNA</a:t>
+            </a:r>
+            <a:r>
+              <a:rPr lang="en-US" dirty="0" smtClean="0"/>
+              <a:t> </a:t>
+            </a:r>
+            <a:r>
+              <a:rPr lang="en-US" dirty="0" smtClean="0"/>
+              <a:t>sequencing </a:t>
+            </a:r>
+            <a:r>
+              <a:rPr lang="en-US" dirty="0" smtClean="0"/>
+              <a:t>experiments have E&lt;1</a:t>
+            </a:r>
+            <a:endParaRPr lang="en-US" dirty="0" smtClean="0"/>
           </a:p>
         </p:txBody>
       </p:sp>
@@ -5829,568 +5820,6 @@
               <a:rPr lang="en-US" smtClean="0"/>
               <a:t>11</a:t>
             </a:fld>
-            <a:endParaRPr lang="en-US"/>
-          </a:p>
-        </p:txBody>
-      </p:sp>
-      <p:sp>
-        <p:nvSpPr>
-          <p:cNvPr id="7" name="Rounded Rectangle 6"/>
-          <p:cNvSpPr/>
-          <p:nvPr/>
-        </p:nvSpPr>
-        <p:spPr>
-          <a:xfrm>
-            <a:off x="4085216" y="4216620"/>
-            <a:ext cx="337474" cy="188129"/>
-          </a:xfrm>
-          <a:prstGeom prst="roundRect">
-            <a:avLst/>
-          </a:prstGeom>
-          <a:noFill/>
-        </p:spPr>
-        <p:style>
-          <a:lnRef idx="1">
-            <a:schemeClr val="accent1"/>
-          </a:lnRef>
-          <a:fillRef idx="3">
-            <a:schemeClr val="accent1"/>
-          </a:fillRef>
-          <a:effectRef idx="2">
-            <a:schemeClr val="accent1"/>
-          </a:effectRef>
-          <a:fontRef idx="minor">
-            <a:schemeClr val="lt1"/>
-          </a:fontRef>
-        </p:style>
-        <p:txBody>
-          <a:bodyPr rtlCol="0" anchor="ctr"/>
-          <a:lstStyle/>
-          <a:p>
-            <a:pPr algn="ctr"/>
-            <a:endParaRPr lang="en-US"/>
-          </a:p>
-        </p:txBody>
-      </p:sp>
-      <p:sp>
-        <p:nvSpPr>
-          <p:cNvPr id="8" name="Rounded Rectangle 7"/>
-          <p:cNvSpPr/>
-          <p:nvPr/>
-        </p:nvSpPr>
-        <p:spPr>
-          <a:xfrm>
-            <a:off x="1428842" y="2166214"/>
-            <a:ext cx="361701" cy="136083"/>
-          </a:xfrm>
-          <a:prstGeom prst="roundRect">
-            <a:avLst/>
-          </a:prstGeom>
-          <a:solidFill>
-            <a:srgbClr val="FF6600">
-              <a:alpha val="20000"/>
-            </a:srgbClr>
-          </a:solidFill>
-        </p:spPr>
-        <p:style>
-          <a:lnRef idx="1">
-            <a:schemeClr val="accent1"/>
-          </a:lnRef>
-          <a:fillRef idx="3">
-            <a:schemeClr val="accent1"/>
-          </a:fillRef>
-          <a:effectRef idx="2">
-            <a:schemeClr val="accent1"/>
-          </a:effectRef>
-          <a:fontRef idx="minor">
-            <a:schemeClr val="lt1"/>
-          </a:fontRef>
-        </p:style>
-        <p:txBody>
-          <a:bodyPr rtlCol="0" anchor="ctr"/>
-          <a:lstStyle/>
-          <a:p>
-            <a:pPr algn="ctr"/>
-            <a:endParaRPr lang="en-US"/>
-          </a:p>
-        </p:txBody>
-      </p:sp>
-      <p:sp>
-        <p:nvSpPr>
-          <p:cNvPr id="9" name="Rounded Rectangle 8"/>
-          <p:cNvSpPr/>
-          <p:nvPr/>
-        </p:nvSpPr>
-        <p:spPr>
-          <a:xfrm>
-            <a:off x="1305167" y="2270160"/>
-            <a:ext cx="361701" cy="136083"/>
-          </a:xfrm>
-          <a:prstGeom prst="roundRect">
-            <a:avLst/>
-          </a:prstGeom>
-          <a:solidFill>
-            <a:srgbClr val="FF6600">
-              <a:alpha val="20000"/>
-            </a:srgbClr>
-          </a:solidFill>
-        </p:spPr>
-        <p:style>
-          <a:lnRef idx="1">
-            <a:schemeClr val="accent1"/>
-          </a:lnRef>
-          <a:fillRef idx="3">
-            <a:schemeClr val="accent1"/>
-          </a:fillRef>
-          <a:effectRef idx="2">
-            <a:schemeClr val="accent1"/>
-          </a:effectRef>
-          <a:fontRef idx="minor">
-            <a:schemeClr val="lt1"/>
-          </a:fontRef>
-        </p:style>
-        <p:txBody>
-          <a:bodyPr rtlCol="0" anchor="ctr"/>
-          <a:lstStyle/>
-          <a:p>
-            <a:pPr algn="ctr"/>
-            <a:endParaRPr lang="en-US"/>
-          </a:p>
-        </p:txBody>
-      </p:sp>
-      <p:sp>
-        <p:nvSpPr>
-          <p:cNvPr id="10" name="Rounded Rectangle 9"/>
-          <p:cNvSpPr/>
-          <p:nvPr/>
-        </p:nvSpPr>
-        <p:spPr>
-          <a:xfrm>
-            <a:off x="1067141" y="2134077"/>
-            <a:ext cx="361701" cy="136083"/>
-          </a:xfrm>
-          <a:prstGeom prst="roundRect">
-            <a:avLst/>
-          </a:prstGeom>
-          <a:solidFill>
-            <a:srgbClr val="FF6600">
-              <a:alpha val="20000"/>
-            </a:srgbClr>
-          </a:solidFill>
-        </p:spPr>
-        <p:style>
-          <a:lnRef idx="1">
-            <a:schemeClr val="accent1"/>
-          </a:lnRef>
-          <a:fillRef idx="3">
-            <a:schemeClr val="accent1"/>
-          </a:fillRef>
-          <a:effectRef idx="2">
-            <a:schemeClr val="accent1"/>
-          </a:effectRef>
-          <a:fontRef idx="minor">
-            <a:schemeClr val="lt1"/>
-          </a:fontRef>
-        </p:style>
-        <p:txBody>
-          <a:bodyPr rtlCol="0" anchor="ctr"/>
-          <a:lstStyle/>
-          <a:p>
-            <a:pPr algn="ctr"/>
-            <a:endParaRPr lang="en-US"/>
-          </a:p>
-        </p:txBody>
-      </p:sp>
-      <p:sp>
-        <p:nvSpPr>
-          <p:cNvPr id="11" name="Rounded Rectangle 10"/>
-          <p:cNvSpPr/>
-          <p:nvPr/>
-        </p:nvSpPr>
-        <p:spPr>
-          <a:xfrm>
-            <a:off x="1909752" y="2736475"/>
-            <a:ext cx="361701" cy="136083"/>
-          </a:xfrm>
-          <a:prstGeom prst="roundRect">
-            <a:avLst/>
-          </a:prstGeom>
-          <a:solidFill>
-            <a:srgbClr val="FF6600">
-              <a:alpha val="20000"/>
-            </a:srgbClr>
-          </a:solidFill>
-        </p:spPr>
-        <p:style>
-          <a:lnRef idx="1">
-            <a:schemeClr val="accent1"/>
-          </a:lnRef>
-          <a:fillRef idx="3">
-            <a:schemeClr val="accent1"/>
-          </a:fillRef>
-          <a:effectRef idx="2">
-            <a:schemeClr val="accent1"/>
-          </a:effectRef>
-          <a:fontRef idx="minor">
-            <a:schemeClr val="lt1"/>
-          </a:fontRef>
-        </p:style>
-        <p:txBody>
-          <a:bodyPr rtlCol="0" anchor="ctr"/>
-          <a:lstStyle/>
-          <a:p>
-            <a:pPr algn="ctr"/>
-            <a:endParaRPr lang="en-US"/>
-          </a:p>
-        </p:txBody>
-      </p:sp>
-      <p:sp>
-        <p:nvSpPr>
-          <p:cNvPr id="12" name="Rounded Rectangle 11"/>
-          <p:cNvSpPr/>
-          <p:nvPr/>
-        </p:nvSpPr>
-        <p:spPr>
-          <a:xfrm>
-            <a:off x="2717563" y="2966049"/>
-            <a:ext cx="294830" cy="202710"/>
-          </a:xfrm>
-          <a:prstGeom prst="roundRect">
-            <a:avLst/>
-          </a:prstGeom>
-          <a:solidFill>
-            <a:schemeClr val="tx1">
-              <a:lumMod val="50000"/>
-              <a:lumOff val="50000"/>
-              <a:alpha val="20000"/>
-            </a:schemeClr>
-          </a:solidFill>
-        </p:spPr>
-        <p:style>
-          <a:lnRef idx="1">
-            <a:schemeClr val="accent1"/>
-          </a:lnRef>
-          <a:fillRef idx="3">
-            <a:schemeClr val="accent1"/>
-          </a:fillRef>
-          <a:effectRef idx="2">
-            <a:schemeClr val="accent1"/>
-          </a:effectRef>
-          <a:fontRef idx="minor">
-            <a:schemeClr val="lt1"/>
-          </a:fontRef>
-        </p:style>
-        <p:txBody>
-          <a:bodyPr rtlCol="0" anchor="ctr"/>
-          <a:lstStyle/>
-          <a:p>
-            <a:pPr algn="ctr"/>
-            <a:endParaRPr lang="en-US"/>
-          </a:p>
-        </p:txBody>
-      </p:sp>
-      <p:sp>
-        <p:nvSpPr>
-          <p:cNvPr id="13" name="Rounded Rectangle 12"/>
-          <p:cNvSpPr/>
-          <p:nvPr/>
-        </p:nvSpPr>
-        <p:spPr>
-          <a:xfrm>
-            <a:off x="1281427" y="3100717"/>
-            <a:ext cx="294830" cy="136083"/>
-          </a:xfrm>
-          <a:prstGeom prst="roundRect">
-            <a:avLst/>
-          </a:prstGeom>
-          <a:solidFill>
-            <a:srgbClr val="008000">
-              <a:alpha val="20000"/>
-            </a:srgbClr>
-          </a:solidFill>
-        </p:spPr>
-        <p:style>
-          <a:lnRef idx="1">
-            <a:schemeClr val="accent1"/>
-          </a:lnRef>
-          <a:fillRef idx="3">
-            <a:schemeClr val="accent1"/>
-          </a:fillRef>
-          <a:effectRef idx="2">
-            <a:schemeClr val="accent1"/>
-          </a:effectRef>
-          <a:fontRef idx="minor">
-            <a:schemeClr val="lt1"/>
-          </a:fontRef>
-        </p:style>
-        <p:txBody>
-          <a:bodyPr rtlCol="0" anchor="ctr"/>
-          <a:lstStyle/>
-          <a:p>
-            <a:pPr algn="ctr"/>
-            <a:endParaRPr lang="en-US"/>
-          </a:p>
-        </p:txBody>
-      </p:sp>
-      <p:sp>
-        <p:nvSpPr>
-          <p:cNvPr id="14" name="Rounded Rectangle 13"/>
-          <p:cNvSpPr/>
-          <p:nvPr/>
-        </p:nvSpPr>
-        <p:spPr>
-          <a:xfrm>
-            <a:off x="2370667" y="3390727"/>
-            <a:ext cx="294830" cy="136083"/>
-          </a:xfrm>
-          <a:prstGeom prst="roundRect">
-            <a:avLst/>
-          </a:prstGeom>
-          <a:solidFill>
-            <a:schemeClr val="accent6">
-              <a:lumMod val="50000"/>
-              <a:alpha val="20000"/>
-            </a:schemeClr>
-          </a:solidFill>
-        </p:spPr>
-        <p:style>
-          <a:lnRef idx="1">
-            <a:schemeClr val="accent1"/>
-          </a:lnRef>
-          <a:fillRef idx="3">
-            <a:schemeClr val="accent1"/>
-          </a:fillRef>
-          <a:effectRef idx="2">
-            <a:schemeClr val="accent1"/>
-          </a:effectRef>
-          <a:fontRef idx="minor">
-            <a:schemeClr val="lt1"/>
-          </a:fontRef>
-        </p:style>
-        <p:txBody>
-          <a:bodyPr rtlCol="0" anchor="ctr"/>
-          <a:lstStyle/>
-          <a:p>
-            <a:pPr algn="ctr"/>
-            <a:endParaRPr lang="en-US"/>
-          </a:p>
-        </p:txBody>
-      </p:sp>
-      <p:sp>
-        <p:nvSpPr>
-          <p:cNvPr id="15" name="Rounded Rectangle 14"/>
-          <p:cNvSpPr/>
-          <p:nvPr/>
-        </p:nvSpPr>
-        <p:spPr>
-          <a:xfrm>
-            <a:off x="1481697" y="2236328"/>
-            <a:ext cx="294830" cy="136083"/>
-          </a:xfrm>
-          <a:prstGeom prst="roundRect">
-            <a:avLst/>
-          </a:prstGeom>
-          <a:solidFill>
-            <a:srgbClr val="0000FF">
-              <a:alpha val="20000"/>
-            </a:srgbClr>
-          </a:solidFill>
-        </p:spPr>
-        <p:style>
-          <a:lnRef idx="1">
-            <a:schemeClr val="accent1"/>
-          </a:lnRef>
-          <a:fillRef idx="3">
-            <a:schemeClr val="accent1"/>
-          </a:fillRef>
-          <a:effectRef idx="2">
-            <a:schemeClr val="accent1"/>
-          </a:effectRef>
-          <a:fontRef idx="minor">
-            <a:schemeClr val="lt1"/>
-          </a:fontRef>
-        </p:style>
-        <p:txBody>
-          <a:bodyPr rtlCol="0" anchor="ctr"/>
-          <a:lstStyle/>
-          <a:p>
-            <a:pPr algn="ctr"/>
-            <a:endParaRPr lang="en-US"/>
-          </a:p>
-        </p:txBody>
-      </p:sp>
-      <p:sp>
-        <p:nvSpPr>
-          <p:cNvPr id="16" name="Rounded Rectangle 15"/>
-          <p:cNvSpPr/>
-          <p:nvPr/>
-        </p:nvSpPr>
-        <p:spPr>
-          <a:xfrm>
-            <a:off x="2829381" y="2485625"/>
-            <a:ext cx="294830" cy="235074"/>
-          </a:xfrm>
-          <a:prstGeom prst="roundRect">
-            <a:avLst/>
-          </a:prstGeom>
-          <a:solidFill>
-            <a:schemeClr val="tx1">
-              <a:lumMod val="95000"/>
-              <a:lumOff val="5000"/>
-              <a:alpha val="20000"/>
-            </a:schemeClr>
-          </a:solidFill>
-        </p:spPr>
-        <p:style>
-          <a:lnRef idx="1">
-            <a:schemeClr val="accent1"/>
-          </a:lnRef>
-          <a:fillRef idx="3">
-            <a:schemeClr val="accent1"/>
-          </a:fillRef>
-          <a:effectRef idx="2">
-            <a:schemeClr val="accent1"/>
-          </a:effectRef>
-          <a:fontRef idx="minor">
-            <a:schemeClr val="lt1"/>
-          </a:fontRef>
-        </p:style>
-        <p:txBody>
-          <a:bodyPr rtlCol="0" anchor="ctr"/>
-          <a:lstStyle/>
-          <a:p>
-            <a:pPr algn="ctr"/>
-            <a:endParaRPr lang="en-US" dirty="0"/>
-          </a:p>
-        </p:txBody>
-      </p:sp>
-      <p:sp>
-        <p:nvSpPr>
-          <p:cNvPr id="17" name="Rounded Rectangle 16"/>
-          <p:cNvSpPr/>
-          <p:nvPr/>
-        </p:nvSpPr>
-        <p:spPr>
-          <a:xfrm>
-            <a:off x="1033401" y="1997994"/>
-            <a:ext cx="294830" cy="136083"/>
-          </a:xfrm>
-          <a:prstGeom prst="roundRect">
-            <a:avLst/>
-          </a:prstGeom>
-          <a:solidFill>
-            <a:srgbClr val="FF0000">
-              <a:alpha val="20000"/>
-            </a:srgbClr>
-          </a:solidFill>
-        </p:spPr>
-        <p:style>
-          <a:lnRef idx="1">
-            <a:schemeClr val="accent1"/>
-          </a:lnRef>
-          <a:fillRef idx="3">
-            <a:schemeClr val="accent1"/>
-          </a:fillRef>
-          <a:effectRef idx="2">
-            <a:schemeClr val="accent1"/>
-          </a:effectRef>
-          <a:fontRef idx="minor">
-            <a:schemeClr val="lt1"/>
-          </a:fontRef>
-        </p:style>
-        <p:txBody>
-          <a:bodyPr rtlCol="0" anchor="ctr"/>
-          <a:lstStyle/>
-          <a:p>
-            <a:pPr algn="ctr"/>
-            <a:endParaRPr lang="en-US"/>
-          </a:p>
-        </p:txBody>
-      </p:sp>
-      <p:sp>
-        <p:nvSpPr>
-          <p:cNvPr id="18" name="Rounded Rectangle 17"/>
-          <p:cNvSpPr/>
-          <p:nvPr/>
-        </p:nvSpPr>
-        <p:spPr>
-          <a:xfrm>
-            <a:off x="2665497" y="4610044"/>
-            <a:ext cx="294830" cy="136083"/>
-          </a:xfrm>
-          <a:prstGeom prst="roundRect">
-            <a:avLst/>
-          </a:prstGeom>
-          <a:solidFill>
-            <a:srgbClr val="FFFF00">
-              <a:alpha val="47000"/>
-            </a:srgbClr>
-          </a:solidFill>
-        </p:spPr>
-        <p:style>
-          <a:lnRef idx="1">
-            <a:schemeClr val="accent1"/>
-          </a:lnRef>
-          <a:fillRef idx="3">
-            <a:schemeClr val="accent1"/>
-          </a:fillRef>
-          <a:effectRef idx="2">
-            <a:schemeClr val="accent1"/>
-          </a:effectRef>
-          <a:fontRef idx="minor">
-            <a:schemeClr val="lt1"/>
-          </a:fontRef>
-        </p:style>
-        <p:txBody>
-          <a:bodyPr rtlCol="0" anchor="ctr"/>
-          <a:lstStyle/>
-          <a:p>
-            <a:pPr algn="ctr"/>
-            <a:endParaRPr lang="en-US"/>
-          </a:p>
-        </p:txBody>
-      </p:sp>
-      <p:sp>
-        <p:nvSpPr>
-          <p:cNvPr id="19" name="Rounded Rectangle 18"/>
-          <p:cNvSpPr/>
-          <p:nvPr/>
-        </p:nvSpPr>
-        <p:spPr>
-          <a:xfrm>
-            <a:off x="1666868" y="4014700"/>
-            <a:ext cx="390299" cy="136083"/>
-          </a:xfrm>
-          <a:prstGeom prst="roundRect">
-            <a:avLst/>
-          </a:prstGeom>
-          <a:solidFill>
-            <a:schemeClr val="accent2">
-              <a:lumMod val="60000"/>
-              <a:lumOff val="40000"/>
-              <a:alpha val="47000"/>
-            </a:schemeClr>
-          </a:solidFill>
-        </p:spPr>
-        <p:style>
-          <a:lnRef idx="1">
-            <a:schemeClr val="accent1"/>
-          </a:lnRef>
-          <a:fillRef idx="3">
-            <a:schemeClr val="accent1"/>
-          </a:fillRef>
-          <a:effectRef idx="2">
-            <a:schemeClr val="accent1"/>
-          </a:effectRef>
-          <a:fontRef idx="minor">
-            <a:schemeClr val="lt1"/>
-          </a:fontRef>
-        </p:style>
-        <p:txBody>
-          <a:bodyPr rtlCol="0" anchor="ctr"/>
-          <a:lstStyle/>
-          <a:p>
-            <a:pPr algn="ctr"/>
             <a:endParaRPr lang="en-US"/>
           </a:p>
         </p:txBody>
@@ -6518,11 +5947,7 @@
             </a:r>
             <a:r>
               <a:rPr lang="en-US" sz="2000" smtClean="0"/>
-              <a:t>selective </a:t>
-            </a:r>
-            <a:r>
-              <a:rPr lang="en-US" sz="2000" smtClean="0"/>
-              <a:t>growth</a:t>
+              <a:t>selective growth</a:t>
             </a:r>
             <a:endParaRPr lang="en-US" sz="2000" dirty="0" smtClean="0"/>
           </a:p>
@@ -6617,6 +6042,177 @@
 </p:sld>
 </file>
 
+<file path=ppt/slides/slide13.xml><?xml version="1.0" encoding="utf-8"?>
+<p:sld xmlns:a="http://schemas.openxmlformats.org/drawingml/2006/main" xmlns:r="http://schemas.openxmlformats.org/officeDocument/2006/relationships" xmlns:p="http://schemas.openxmlformats.org/presentationml/2006/main">
+  <p:cSld>
+    <p:spTree>
+      <p:nvGrpSpPr>
+        <p:cNvPr id="1" name=""/>
+        <p:cNvGrpSpPr/>
+        <p:nvPr/>
+      </p:nvGrpSpPr>
+      <p:grpSpPr>
+        <a:xfrm>
+          <a:off x="0" y="0"/>
+          <a:ext cx="0" cy="0"/>
+          <a:chOff x="0" y="0"/>
+          <a:chExt cx="0" cy="0"/>
+        </a:xfrm>
+      </p:grpSpPr>
+      <p:sp>
+        <p:nvSpPr>
+          <p:cNvPr id="2" name="Title 1"/>
+          <p:cNvSpPr>
+            <a:spLocks noGrp="1"/>
+          </p:cNvSpPr>
+          <p:nvPr>
+            <p:ph type="title"/>
+          </p:nvPr>
+        </p:nvSpPr>
+        <p:spPr/>
+        <p:txBody>
+          <a:bodyPr/>
+          <a:lstStyle/>
+          <a:p>
+            <a:r>
+              <a:rPr lang="en-US" dirty="0" smtClean="0"/>
+              <a:t>Sources	</a:t>
+            </a:r>
+            <a:endParaRPr lang="en-US" dirty="0"/>
+          </a:p>
+        </p:txBody>
+      </p:sp>
+      <p:sp>
+        <p:nvSpPr>
+          <p:cNvPr id="3" name="Content Placeholder 2"/>
+          <p:cNvSpPr>
+            <a:spLocks noGrp="1"/>
+          </p:cNvSpPr>
+          <p:nvPr>
+            <p:ph idx="1"/>
+          </p:nvPr>
+        </p:nvSpPr>
+        <p:spPr/>
+        <p:txBody>
+          <a:bodyPr/>
+          <a:lstStyle/>
+          <a:p>
+            <a:r>
+              <a:rPr lang="en-US" dirty="0" smtClean="0"/>
+              <a:t>ALDEx2</a:t>
+            </a:r>
+          </a:p>
+          <a:p>
+            <a:pPr lvl="1"/>
+            <a:r>
+              <a:rPr lang="en-US" dirty="0">
+                <a:hlinkClick r:id="rId2"/>
+              </a:rPr>
+              <a:t>http://bioconductor.org/packages/release/bioc/html/ALDEx2.</a:t>
+            </a:r>
+            <a:r>
+              <a:rPr lang="en-US" dirty="0" smtClean="0">
+                <a:hlinkClick r:id="rId2"/>
+              </a:rPr>
+              <a:t>html</a:t>
+            </a:r>
+            <a:endParaRPr lang="en-US" dirty="0" smtClean="0"/>
+          </a:p>
+          <a:p>
+            <a:r>
+              <a:rPr lang="en-US" dirty="0" smtClean="0"/>
+              <a:t>Data and this </a:t>
+            </a:r>
+            <a:r>
+              <a:rPr lang="en-US" dirty="0" err="1" smtClean="0"/>
+              <a:t>pptx</a:t>
+            </a:r>
+            <a:endParaRPr lang="en-US" dirty="0" smtClean="0"/>
+          </a:p>
+          <a:p>
+            <a:pPr lvl="1"/>
+            <a:r>
+              <a:rPr lang="en-US" dirty="0"/>
+              <a:t>https://</a:t>
+            </a:r>
+            <a:r>
+              <a:rPr lang="en-US" dirty="0" err="1"/>
+              <a:t>github.com</a:t>
+            </a:r>
+            <a:r>
+              <a:rPr lang="en-US" dirty="0"/>
+              <a:t>/</a:t>
+            </a:r>
+            <a:r>
+              <a:rPr lang="en-US" dirty="0" err="1"/>
+              <a:t>ggloor</a:t>
+            </a:r>
+            <a:r>
+              <a:rPr lang="en-US"/>
+              <a:t>/compositions</a:t>
+            </a:r>
+          </a:p>
+        </p:txBody>
+      </p:sp>
+      <p:sp>
+        <p:nvSpPr>
+          <p:cNvPr id="4" name="Footer Placeholder 3"/>
+          <p:cNvSpPr>
+            <a:spLocks noGrp="1"/>
+          </p:cNvSpPr>
+          <p:nvPr>
+            <p:ph type="ftr" sz="quarter" idx="11"/>
+          </p:nvPr>
+        </p:nvSpPr>
+        <p:spPr/>
+        <p:txBody>
+          <a:bodyPr/>
+          <a:lstStyle/>
+          <a:p>
+            <a:r>
+              <a:rPr lang="en-US" smtClean="0"/>
+              <a:t>CSM 2015</a:t>
+            </a:r>
+            <a:endParaRPr lang="en-US"/>
+          </a:p>
+        </p:txBody>
+      </p:sp>
+      <p:sp>
+        <p:nvSpPr>
+          <p:cNvPr id="5" name="Slide Number Placeholder 4"/>
+          <p:cNvSpPr>
+            <a:spLocks noGrp="1"/>
+          </p:cNvSpPr>
+          <p:nvPr>
+            <p:ph type="sldNum" sz="quarter" idx="12"/>
+          </p:nvPr>
+        </p:nvSpPr>
+        <p:spPr/>
+        <p:txBody>
+          <a:bodyPr/>
+          <a:lstStyle/>
+          <a:p>
+            <a:fld id="{4CBC7C6D-2764-8E4F-B1AE-9A315E705D2C}" type="slidenum">
+              <a:rPr lang="en-US" smtClean="0"/>
+              <a:t>13</a:t>
+            </a:fld>
+            <a:endParaRPr lang="en-US"/>
+          </a:p>
+        </p:txBody>
+      </p:sp>
+    </p:spTree>
+    <p:extLst>
+      <p:ext uri="{BB962C8B-B14F-4D97-AF65-F5344CB8AC3E}">
+        <p14:creationId xmlns:p14="http://schemas.microsoft.com/office/powerpoint/2010/main" val="2747933621"/>
+      </p:ext>
+    </p:extLst>
+  </p:cSld>
+  <p:clrMapOvr>
+    <a:masterClrMapping/>
+  </p:clrMapOvr>
+</p:sld>
+</file>
+
 <file path=ppt/slides/slide2.xml><?xml version="1.0" encoding="utf-8"?>
 <p:sld xmlns:a="http://schemas.openxmlformats.org/drawingml/2006/main" xmlns:r="http://schemas.openxmlformats.org/officeDocument/2006/relationships" xmlns:p="http://schemas.openxmlformats.org/presentationml/2006/main">
   <p:cSld>
@@ -6651,7 +6247,7 @@
           <a:p>
             <a:r>
               <a:rPr lang="en-US" dirty="0" smtClean="0"/>
-              <a:t>The problem</a:t>
+              <a:t>We have problems</a:t>
             </a:r>
             <a:endParaRPr lang="en-US" dirty="0"/>
           </a:p>
@@ -6669,7 +6265,9 @@
         </p:nvSpPr>
         <p:spPr/>
         <p:txBody>
-          <a:bodyPr/>
+          <a:bodyPr>
+            <a:normAutofit fontScale="85000" lnSpcReduction="20000"/>
+          </a:bodyPr>
           <a:lstStyle/>
           <a:p>
             <a:r>
@@ -6680,20 +6278,28 @@
           <a:p>
             <a:pPr lvl="1"/>
             <a:r>
+              <a:rPr lang="en-US" dirty="0" smtClean="0"/>
+              <a:t>everything </a:t>
+            </a:r>
+            <a:r>
               <a:rPr lang="en-US" dirty="0"/>
-              <a:t>Therefore everything correlates with everything to some level within a </a:t>
+              <a:t>correlates with </a:t>
             </a:r>
             <a:r>
               <a:rPr lang="en-US" dirty="0" smtClean="0"/>
-              <a:t>sample</a:t>
+              <a:t>everything</a:t>
             </a:r>
             <a:endParaRPr lang="en-US" dirty="0"/>
           </a:p>
           <a:p>
             <a:pPr lvl="1"/>
             <a:r>
+              <a:rPr lang="en-US" dirty="0" smtClean="0"/>
+              <a:t>the </a:t>
+            </a:r>
+            <a:r>
               <a:rPr lang="en-US" dirty="0"/>
-              <a:t>Therefore the levels are confounded if the bacterial load (or the total amount of mRNA) differs between </a:t>
+              <a:t>levels are confounded if the bacterial load (or the total amount of mRNA) differs between </a:t>
             </a:r>
             <a:r>
               <a:rPr lang="en-US" dirty="0" smtClean="0"/>
@@ -6704,8 +6310,12 @@
           <a:p>
             <a:pPr lvl="1"/>
             <a:r>
+              <a:rPr lang="en-US" dirty="0" smtClean="0"/>
+              <a:t>our </a:t>
+            </a:r>
+            <a:r>
               <a:rPr lang="en-US" dirty="0"/>
-              <a:t>Therefore our conclusions change when we include or exclude different sets of OTUs (genes</a:t>
+              <a:t>conclusions change when we include or exclude different sets of OTUs (genes</a:t>
             </a:r>
             <a:r>
               <a:rPr lang="en-US" dirty="0" smtClean="0"/>
@@ -6774,9 +6384,37 @@
             </a:r>
           </a:p>
           <a:p>
-            <a:pPr marL="457200" lvl="1" indent="0">
-              <a:buNone/>
-            </a:pPr>
+            <a:r>
+              <a:rPr lang="en-US" dirty="0" smtClean="0"/>
+              <a:t>Sequencing data are high-dimensional</a:t>
+            </a:r>
+          </a:p>
+          <a:p>
+            <a:pPr lvl="1"/>
+            <a:r>
+              <a:rPr lang="en-US" dirty="0" smtClean="0"/>
+              <a:t>Therefore statistical analyses can be wildly optimistic</a:t>
+            </a:r>
+            <a:endParaRPr lang="en-US" dirty="0" smtClean="0"/>
+          </a:p>
+          <a:p>
+            <a:r>
+              <a:rPr lang="en-US" dirty="0" smtClean="0"/>
+              <a:t>Sequencing data are sparse</a:t>
+            </a:r>
+          </a:p>
+          <a:p>
+            <a:pPr lvl="1"/>
+            <a:r>
+              <a:rPr lang="en-US" dirty="0" smtClean="0"/>
+              <a:t>Therefore we need to estimate many of our values</a:t>
+            </a:r>
+          </a:p>
+          <a:p>
+            <a:r>
+              <a:rPr lang="en-US" dirty="0" smtClean="0"/>
+              <a:t>Most of us are unaware of the problems</a:t>
+            </a:r>
             <a:endParaRPr lang="en-US" dirty="0"/>
           </a:p>
           <a:p>
@@ -9010,7 +8648,15 @@
           <a:p>
             <a:r>
               <a:rPr lang="en-US" dirty="0" smtClean="0"/>
-              <a:t>Find test values not affected by random sampling</a:t>
+              <a:t>Find test values not affected by random </a:t>
+            </a:r>
+            <a:r>
+              <a:rPr lang="en-US" dirty="0" smtClean="0"/>
+              <a:t>sampling in the correc</a:t>
+            </a:r>
+            <a:r>
+              <a:rPr lang="en-US" dirty="0" smtClean="0"/>
+              <a:t>t space</a:t>
             </a:r>
             <a:endParaRPr lang="en-US" dirty="0"/>
           </a:p>
@@ -9055,7 +8701,7 @@
         <p:spPr>
           <a:xfrm>
             <a:off x="5302249" y="1871820"/>
-            <a:ext cx="3384551" cy="3354765"/>
+            <a:ext cx="3384551" cy="4001096"/>
           </a:xfrm>
           <a:prstGeom prst="rect">
             <a:avLst/>
@@ -9068,13 +8714,31 @@
           </a:bodyPr>
           <a:lstStyle/>
           <a:p>
+            <a:pPr algn="ctr"/>
+            <a:r>
+              <a:rPr lang="en-US" sz="2400" b="1" u="sng" dirty="0" smtClean="0"/>
+              <a:t>ALDEx2</a:t>
+            </a:r>
+          </a:p>
+          <a:p>
             <a:pPr marL="285750" indent="-285750">
               <a:buFont typeface="Arial"/>
               <a:buChar char="•"/>
             </a:pPr>
+            <a:endParaRPr lang="en-US" dirty="0" smtClean="0"/>
+          </a:p>
+          <a:p>
+            <a:pPr marL="285750" indent="-285750">
+              <a:buFont typeface="Arial"/>
+              <a:buChar char="•"/>
+            </a:pPr>
             <a:r>
               <a:rPr lang="en-US" dirty="0" smtClean="0"/>
-              <a:t>Generate posterior estimates of the data consistent with the observed data and the chosen  prior(s)</a:t>
+              <a:t>Generate </a:t>
+            </a:r>
+            <a:r>
+              <a:rPr lang="en-US" dirty="0" smtClean="0"/>
+              <a:t>posterior estimates of the data consistent with the observed data and the chosen  prior(s)</a:t>
             </a:r>
           </a:p>
           <a:p>

--- a/CSM_2015_r.pptx
+++ b/CSM_2015_r.pptx
@@ -5,10 +5,10 @@
     <p:sldMasterId id="2147483648" r:id="rId1"/>
   </p:sldMasterIdLst>
   <p:notesMasterIdLst>
-    <p:notesMasterId r:id="rId15"/>
+    <p:notesMasterId r:id="rId21"/>
   </p:notesMasterIdLst>
   <p:handoutMasterIdLst>
-    <p:handoutMasterId r:id="rId16"/>
+    <p:handoutMasterId r:id="rId22"/>
   </p:handoutMasterIdLst>
   <p:sldIdLst>
     <p:sldId id="256" r:id="rId2"/>
@@ -24,6 +24,12 @@
     <p:sldId id="267" r:id="rId12"/>
     <p:sldId id="271" r:id="rId13"/>
     <p:sldId id="275" r:id="rId14"/>
+    <p:sldId id="276" r:id="rId15"/>
+    <p:sldId id="277" r:id="rId16"/>
+    <p:sldId id="278" r:id="rId17"/>
+    <p:sldId id="279" r:id="rId18"/>
+    <p:sldId id="280" r:id="rId19"/>
+    <p:sldId id="281" r:id="rId20"/>
   </p:sldIdLst>
   <p:sldSz cx="9144000" cy="6858000" type="screen4x3"/>
   <p:notesSz cx="6858000" cy="9144000"/>
@@ -6148,7 +6154,7 @@
               <a:t>ggloor</a:t>
             </a:r>
             <a:r>
-              <a:rPr lang="en-US"/>
+              <a:rPr lang="en-US" dirty="0"/>
               <a:t>/compositions</a:t>
             </a:r>
           </a:p>
@@ -6204,6 +6210,1473 @@
     <p:extLst>
       <p:ext uri="{BB962C8B-B14F-4D97-AF65-F5344CB8AC3E}">
         <p14:creationId xmlns:p14="http://schemas.microsoft.com/office/powerpoint/2010/main" val="2747933621"/>
+      </p:ext>
+    </p:extLst>
+  </p:cSld>
+  <p:clrMapOvr>
+    <a:masterClrMapping/>
+  </p:clrMapOvr>
+  <p:timing>
+    <p:tnLst>
+      <p:par>
+        <p:cTn xmlns:p14="http://schemas.microsoft.com/office/powerpoint/2010/main" id="1" dur="indefinite" restart="never" nodeType="tmRoot"/>
+      </p:par>
+    </p:tnLst>
+  </p:timing>
+</p:sld>
+</file>
+
+<file path=ppt/slides/slide14.xml><?xml version="1.0" encoding="utf-8"?>
+<p:sld xmlns:a="http://schemas.openxmlformats.org/drawingml/2006/main" xmlns:r="http://schemas.openxmlformats.org/officeDocument/2006/relationships" xmlns:p="http://schemas.openxmlformats.org/presentationml/2006/main">
+  <p:cSld>
+    <p:spTree>
+      <p:nvGrpSpPr>
+        <p:cNvPr id="1" name=""/>
+        <p:cNvGrpSpPr/>
+        <p:nvPr/>
+      </p:nvGrpSpPr>
+      <p:grpSpPr>
+        <a:xfrm>
+          <a:off x="0" y="0"/>
+          <a:ext cx="0" cy="0"/>
+          <a:chOff x="0" y="0"/>
+          <a:chExt cx="0" cy="0"/>
+        </a:xfrm>
+      </p:grpSpPr>
+      <p:sp>
+        <p:nvSpPr>
+          <p:cNvPr id="2" name="Title 1"/>
+          <p:cNvSpPr>
+            <a:spLocks noGrp="1"/>
+          </p:cNvSpPr>
+          <p:nvPr>
+            <p:ph type="title"/>
+          </p:nvPr>
+        </p:nvSpPr>
+        <p:spPr/>
+        <p:txBody>
+          <a:bodyPr/>
+          <a:lstStyle/>
+          <a:p>
+            <a:r>
+              <a:rPr lang="en-US" dirty="0" smtClean="0"/>
+              <a:t>Analysis 1</a:t>
+            </a:r>
+            <a:endParaRPr lang="en-US" dirty="0"/>
+          </a:p>
+        </p:txBody>
+      </p:sp>
+      <p:sp>
+        <p:nvSpPr>
+          <p:cNvPr id="3" name="Content Placeholder 2"/>
+          <p:cNvSpPr>
+            <a:spLocks noGrp="1"/>
+          </p:cNvSpPr>
+          <p:nvPr>
+            <p:ph idx="1"/>
+          </p:nvPr>
+        </p:nvSpPr>
+        <p:spPr/>
+        <p:txBody>
+          <a:bodyPr>
+            <a:normAutofit fontScale="70000" lnSpcReduction="20000"/>
+          </a:bodyPr>
+          <a:lstStyle/>
+          <a:p>
+            <a:r>
+              <a:rPr lang="en-US" dirty="0"/>
+              <a:t># using the supplementary table from </a:t>
+            </a:r>
+            <a:r>
+              <a:rPr lang="en-US" dirty="0" err="1"/>
+              <a:t>Hsio</a:t>
+            </a:r>
+            <a:r>
+              <a:rPr lang="en-US" dirty="0"/>
+              <a:t> et al, 2013, Cell </a:t>
+            </a:r>
+            <a:r>
+              <a:rPr lang="en-US" dirty="0" err="1"/>
+              <a:t>Microbiota</a:t>
+            </a:r>
+            <a:r>
+              <a:rPr lang="en-US" dirty="0"/>
+              <a:t> Modulate Behavioral and Physiological Abnormalities Associated with Neurodevelopmental Disorders</a:t>
+            </a:r>
+          </a:p>
+          <a:p>
+            <a:endParaRPr lang="en-US" dirty="0" smtClean="0"/>
+          </a:p>
+          <a:p>
+            <a:r>
+              <a:rPr lang="en-US" dirty="0" smtClean="0"/>
+              <a:t># </a:t>
+            </a:r>
+            <a:r>
+              <a:rPr lang="en-US" dirty="0"/>
+              <a:t>getting ALDEx2: http://</a:t>
+            </a:r>
+            <a:r>
+              <a:rPr lang="en-US" dirty="0" err="1"/>
+              <a:t>www.microbiomejournal.com</a:t>
+            </a:r>
+            <a:r>
+              <a:rPr lang="en-US" dirty="0"/>
+              <a:t>/content/2/1/15</a:t>
+            </a:r>
+          </a:p>
+          <a:p>
+            <a:r>
+              <a:rPr lang="en-US" dirty="0"/>
+              <a:t># you need an R environment installed already</a:t>
+            </a:r>
+          </a:p>
+          <a:p>
+            <a:r>
+              <a:rPr lang="en-US" dirty="0"/>
+              <a:t># http://</a:t>
+            </a:r>
+            <a:r>
+              <a:rPr lang="en-US" dirty="0" err="1"/>
+              <a:t>cran.r-project.org</a:t>
+            </a:r>
+            <a:endParaRPr lang="en-US" dirty="0"/>
+          </a:p>
+          <a:p>
+            <a:r>
+              <a:rPr lang="en-US" dirty="0"/>
+              <a:t>#</a:t>
+            </a:r>
+          </a:p>
+          <a:p>
+            <a:r>
+              <a:rPr lang="en-US" dirty="0"/>
+              <a:t># inside of R</a:t>
+            </a:r>
+          </a:p>
+          <a:p>
+            <a:r>
+              <a:rPr lang="en-US" dirty="0"/>
+              <a:t># source("http://</a:t>
+            </a:r>
+            <a:r>
+              <a:rPr lang="en-US" dirty="0" err="1"/>
+              <a:t>bioconductor.org</a:t>
+            </a:r>
+            <a:r>
+              <a:rPr lang="en-US" dirty="0"/>
+              <a:t>/</a:t>
+            </a:r>
+            <a:r>
+              <a:rPr lang="en-US" dirty="0" err="1"/>
+              <a:t>biocLite.R</a:t>
+            </a:r>
+            <a:r>
+              <a:rPr lang="en-US" dirty="0"/>
+              <a:t>")</a:t>
+            </a:r>
+          </a:p>
+          <a:p>
+            <a:r>
+              <a:rPr lang="en-US" dirty="0"/>
+              <a:t># </a:t>
+            </a:r>
+            <a:r>
+              <a:rPr lang="en-US" dirty="0" err="1"/>
+              <a:t>biocLite</a:t>
+            </a:r>
+            <a:r>
+              <a:rPr lang="en-US" dirty="0"/>
+              <a:t>("</a:t>
+            </a:r>
+            <a:r>
+              <a:rPr lang="en-US" dirty="0" smtClean="0"/>
+              <a:t>ALDEx2”)</a:t>
+            </a:r>
+            <a:endParaRPr lang="en-US" dirty="0"/>
+          </a:p>
+        </p:txBody>
+      </p:sp>
+      <p:sp>
+        <p:nvSpPr>
+          <p:cNvPr id="4" name="Footer Placeholder 3"/>
+          <p:cNvSpPr>
+            <a:spLocks noGrp="1"/>
+          </p:cNvSpPr>
+          <p:nvPr>
+            <p:ph type="ftr" sz="quarter" idx="11"/>
+          </p:nvPr>
+        </p:nvSpPr>
+        <p:spPr/>
+        <p:txBody>
+          <a:bodyPr/>
+          <a:lstStyle/>
+          <a:p>
+            <a:r>
+              <a:rPr lang="en-US" smtClean="0"/>
+              <a:t>CSM 2015</a:t>
+            </a:r>
+            <a:endParaRPr lang="en-US"/>
+          </a:p>
+        </p:txBody>
+      </p:sp>
+      <p:sp>
+        <p:nvSpPr>
+          <p:cNvPr id="5" name="Slide Number Placeholder 4"/>
+          <p:cNvSpPr>
+            <a:spLocks noGrp="1"/>
+          </p:cNvSpPr>
+          <p:nvPr>
+            <p:ph type="sldNum" sz="quarter" idx="12"/>
+          </p:nvPr>
+        </p:nvSpPr>
+        <p:spPr/>
+        <p:txBody>
+          <a:bodyPr/>
+          <a:lstStyle/>
+          <a:p>
+            <a:fld id="{4CBC7C6D-2764-8E4F-B1AE-9A315E705D2C}" type="slidenum">
+              <a:rPr lang="en-US" smtClean="0"/>
+              <a:t>14</a:t>
+            </a:fld>
+            <a:endParaRPr lang="en-US"/>
+          </a:p>
+        </p:txBody>
+      </p:sp>
+    </p:spTree>
+    <p:extLst>
+      <p:ext uri="{BB962C8B-B14F-4D97-AF65-F5344CB8AC3E}">
+        <p14:creationId xmlns:p14="http://schemas.microsoft.com/office/powerpoint/2010/main" val="3085710982"/>
+      </p:ext>
+    </p:extLst>
+  </p:cSld>
+  <p:clrMapOvr>
+    <a:masterClrMapping/>
+  </p:clrMapOvr>
+</p:sld>
+</file>
+
+<file path=ppt/slides/slide15.xml><?xml version="1.0" encoding="utf-8"?>
+<p:sld xmlns:a="http://schemas.openxmlformats.org/drawingml/2006/main" xmlns:r="http://schemas.openxmlformats.org/officeDocument/2006/relationships" xmlns:p="http://schemas.openxmlformats.org/presentationml/2006/main">
+  <p:cSld>
+    <p:spTree>
+      <p:nvGrpSpPr>
+        <p:cNvPr id="1" name=""/>
+        <p:cNvGrpSpPr/>
+        <p:nvPr/>
+      </p:nvGrpSpPr>
+      <p:grpSpPr>
+        <a:xfrm>
+          <a:off x="0" y="0"/>
+          <a:ext cx="0" cy="0"/>
+          <a:chOff x="0" y="0"/>
+          <a:chExt cx="0" cy="0"/>
+        </a:xfrm>
+      </p:grpSpPr>
+      <p:sp>
+        <p:nvSpPr>
+          <p:cNvPr id="2" name="Title 1"/>
+          <p:cNvSpPr>
+            <a:spLocks noGrp="1"/>
+          </p:cNvSpPr>
+          <p:nvPr>
+            <p:ph type="title"/>
+          </p:nvPr>
+        </p:nvSpPr>
+        <p:spPr/>
+        <p:txBody>
+          <a:bodyPr/>
+          <a:lstStyle/>
+          <a:p>
+            <a:r>
+              <a:rPr lang="en-US" dirty="0" smtClean="0"/>
+              <a:t>Analysis 2</a:t>
+            </a:r>
+            <a:endParaRPr lang="en-US" dirty="0"/>
+          </a:p>
+        </p:txBody>
+      </p:sp>
+      <p:sp>
+        <p:nvSpPr>
+          <p:cNvPr id="3" name="Content Placeholder 2"/>
+          <p:cNvSpPr>
+            <a:spLocks noGrp="1"/>
+          </p:cNvSpPr>
+          <p:nvPr>
+            <p:ph idx="1"/>
+          </p:nvPr>
+        </p:nvSpPr>
+        <p:spPr/>
+        <p:txBody>
+          <a:bodyPr>
+            <a:normAutofit fontScale="92500" lnSpcReduction="20000"/>
+          </a:bodyPr>
+          <a:lstStyle/>
+          <a:p>
+            <a:r>
+              <a:rPr lang="en-US" dirty="0"/>
+              <a:t># to read the OTU table</a:t>
+            </a:r>
+          </a:p>
+          <a:p>
+            <a:r>
+              <a:rPr lang="en-US" dirty="0"/>
+              <a:t>d &lt;- </a:t>
+            </a:r>
+            <a:r>
+              <a:rPr lang="en-US" dirty="0" err="1"/>
+              <a:t>read.table</a:t>
+            </a:r>
+            <a:r>
+              <a:rPr lang="en-US" dirty="0"/>
+              <a:t>("hsiao5.txt", header=T, </a:t>
+            </a:r>
+            <a:r>
+              <a:rPr lang="en-US" dirty="0" err="1"/>
+              <a:t>row.names</a:t>
+            </a:r>
+            <a:r>
+              <a:rPr lang="en-US" dirty="0"/>
+              <a:t>=1)</a:t>
+            </a:r>
+          </a:p>
+          <a:p>
+            <a:r>
+              <a:rPr lang="en-US" dirty="0" err="1"/>
+              <a:t>tax.d</a:t>
+            </a:r>
+            <a:r>
+              <a:rPr lang="en-US" dirty="0"/>
+              <a:t> &lt;- </a:t>
+            </a:r>
+            <a:r>
+              <a:rPr lang="en-US" dirty="0" err="1"/>
+              <a:t>read.table</a:t>
+            </a:r>
+            <a:r>
+              <a:rPr lang="en-US" dirty="0"/>
+              <a:t>("</a:t>
+            </a:r>
+            <a:r>
+              <a:rPr lang="en-US" dirty="0" err="1"/>
+              <a:t>tax.txt</a:t>
+            </a:r>
+            <a:r>
+              <a:rPr lang="en-US" dirty="0"/>
+              <a:t>", </a:t>
+            </a:r>
+            <a:r>
+              <a:rPr lang="en-US" dirty="0" err="1"/>
+              <a:t>row.names</a:t>
+            </a:r>
+            <a:r>
+              <a:rPr lang="en-US" dirty="0"/>
+              <a:t>=1, header=T, </a:t>
+            </a:r>
+            <a:r>
+              <a:rPr lang="en-US" dirty="0" err="1"/>
+              <a:t>sep</a:t>
+            </a:r>
+            <a:r>
+              <a:rPr lang="en-US" dirty="0"/>
+              <a:t>="\t")</a:t>
+            </a:r>
+          </a:p>
+          <a:p>
+            <a:endParaRPr lang="en-US" dirty="0"/>
+          </a:p>
+          <a:p>
+            <a:r>
+              <a:rPr lang="en-US" dirty="0"/>
+              <a:t># if you use your own table</a:t>
+            </a:r>
+          </a:p>
+          <a:p>
+            <a:r>
+              <a:rPr lang="en-US" dirty="0"/>
+              <a:t>#      sample1 sample2 sample3 ...</a:t>
+            </a:r>
+          </a:p>
+          <a:p>
+            <a:r>
+              <a:rPr lang="en-US" dirty="0"/>
+              <a:t># otu1	0	10	3 ...</a:t>
+            </a:r>
+          </a:p>
+          <a:p>
+            <a:r>
+              <a:rPr lang="en-US" dirty="0"/>
+              <a:t># ...</a:t>
+            </a:r>
+          </a:p>
+          <a:p>
+            <a:endParaRPr lang="en-US" dirty="0"/>
+          </a:p>
+        </p:txBody>
+      </p:sp>
+      <p:sp>
+        <p:nvSpPr>
+          <p:cNvPr id="4" name="Footer Placeholder 3"/>
+          <p:cNvSpPr>
+            <a:spLocks noGrp="1"/>
+          </p:cNvSpPr>
+          <p:nvPr>
+            <p:ph type="ftr" sz="quarter" idx="11"/>
+          </p:nvPr>
+        </p:nvSpPr>
+        <p:spPr/>
+        <p:txBody>
+          <a:bodyPr/>
+          <a:lstStyle/>
+          <a:p>
+            <a:r>
+              <a:rPr lang="en-US" smtClean="0"/>
+              <a:t>CSM 2015</a:t>
+            </a:r>
+            <a:endParaRPr lang="en-US"/>
+          </a:p>
+        </p:txBody>
+      </p:sp>
+      <p:sp>
+        <p:nvSpPr>
+          <p:cNvPr id="5" name="Slide Number Placeholder 4"/>
+          <p:cNvSpPr>
+            <a:spLocks noGrp="1"/>
+          </p:cNvSpPr>
+          <p:nvPr>
+            <p:ph type="sldNum" sz="quarter" idx="12"/>
+          </p:nvPr>
+        </p:nvSpPr>
+        <p:spPr/>
+        <p:txBody>
+          <a:bodyPr/>
+          <a:lstStyle/>
+          <a:p>
+            <a:fld id="{4CBC7C6D-2764-8E4F-B1AE-9A315E705D2C}" type="slidenum">
+              <a:rPr lang="en-US" smtClean="0"/>
+              <a:t>15</a:t>
+            </a:fld>
+            <a:endParaRPr lang="en-US"/>
+          </a:p>
+        </p:txBody>
+      </p:sp>
+    </p:spTree>
+    <p:extLst>
+      <p:ext uri="{BB962C8B-B14F-4D97-AF65-F5344CB8AC3E}">
+        <p14:creationId xmlns:p14="http://schemas.microsoft.com/office/powerpoint/2010/main" val="4103506578"/>
+      </p:ext>
+    </p:extLst>
+  </p:cSld>
+  <p:clrMapOvr>
+    <a:masterClrMapping/>
+  </p:clrMapOvr>
+</p:sld>
+</file>
+
+<file path=ppt/slides/slide16.xml><?xml version="1.0" encoding="utf-8"?>
+<p:sld xmlns:a="http://schemas.openxmlformats.org/drawingml/2006/main" xmlns:r="http://schemas.openxmlformats.org/officeDocument/2006/relationships" xmlns:p="http://schemas.openxmlformats.org/presentationml/2006/main">
+  <p:cSld>
+    <p:spTree>
+      <p:nvGrpSpPr>
+        <p:cNvPr id="1" name=""/>
+        <p:cNvGrpSpPr/>
+        <p:nvPr/>
+      </p:nvGrpSpPr>
+      <p:grpSpPr>
+        <a:xfrm>
+          <a:off x="0" y="0"/>
+          <a:ext cx="0" cy="0"/>
+          <a:chOff x="0" y="0"/>
+          <a:chExt cx="0" cy="0"/>
+        </a:xfrm>
+      </p:grpSpPr>
+      <p:sp>
+        <p:nvSpPr>
+          <p:cNvPr id="2" name="Title 1"/>
+          <p:cNvSpPr>
+            <a:spLocks noGrp="1"/>
+          </p:cNvSpPr>
+          <p:nvPr>
+            <p:ph type="title"/>
+          </p:nvPr>
+        </p:nvSpPr>
+        <p:spPr/>
+        <p:txBody>
+          <a:bodyPr/>
+          <a:lstStyle/>
+          <a:p>
+            <a:r>
+              <a:rPr lang="en-US" dirty="0" smtClean="0"/>
+              <a:t>Analysis 3</a:t>
+            </a:r>
+            <a:endParaRPr lang="en-US" dirty="0"/>
+          </a:p>
+        </p:txBody>
+      </p:sp>
+      <p:sp>
+        <p:nvSpPr>
+          <p:cNvPr id="3" name="Content Placeholder 2"/>
+          <p:cNvSpPr>
+            <a:spLocks noGrp="1"/>
+          </p:cNvSpPr>
+          <p:nvPr>
+            <p:ph idx="1"/>
+          </p:nvPr>
+        </p:nvSpPr>
+        <p:spPr/>
+        <p:txBody>
+          <a:bodyPr>
+            <a:normAutofit/>
+          </a:bodyPr>
+          <a:lstStyle/>
+          <a:p>
+            <a:r>
+              <a:rPr lang="en-US" dirty="0"/>
+              <a:t>library(ALDEx2)</a:t>
+            </a:r>
+          </a:p>
+          <a:p>
+            <a:endParaRPr lang="en-US" dirty="0"/>
+          </a:p>
+          <a:p>
+            <a:r>
+              <a:rPr lang="en-US" dirty="0"/>
+              <a:t># set up the conditions for comparison</a:t>
+            </a:r>
+          </a:p>
+          <a:p>
+            <a:r>
+              <a:rPr lang="en-US" dirty="0"/>
+              <a:t># see the documentation for </a:t>
+            </a:r>
+            <a:r>
+              <a:rPr lang="en-US" dirty="0" err="1" smtClean="0"/>
+              <a:t>aldex.glm</a:t>
+            </a:r>
+            <a:r>
+              <a:rPr lang="en-US" dirty="0" smtClean="0"/>
+              <a:t> </a:t>
+            </a:r>
+            <a:r>
+              <a:rPr lang="en-US" dirty="0"/>
+              <a:t>when more than 2 conditions</a:t>
+            </a:r>
+          </a:p>
+          <a:p>
+            <a:r>
+              <a:rPr lang="en-US" dirty="0" err="1"/>
+              <a:t>conds</a:t>
+            </a:r>
+            <a:r>
+              <a:rPr lang="en-US" dirty="0"/>
+              <a:t> &lt;- c(rep("Bf", 10), rep("C", 10))</a:t>
+            </a:r>
+          </a:p>
+        </p:txBody>
+      </p:sp>
+      <p:sp>
+        <p:nvSpPr>
+          <p:cNvPr id="4" name="Footer Placeholder 3"/>
+          <p:cNvSpPr>
+            <a:spLocks noGrp="1"/>
+          </p:cNvSpPr>
+          <p:nvPr>
+            <p:ph type="ftr" sz="quarter" idx="11"/>
+          </p:nvPr>
+        </p:nvSpPr>
+        <p:spPr/>
+        <p:txBody>
+          <a:bodyPr/>
+          <a:lstStyle/>
+          <a:p>
+            <a:r>
+              <a:rPr lang="en-US" smtClean="0"/>
+              <a:t>CSM 2015</a:t>
+            </a:r>
+            <a:endParaRPr lang="en-US"/>
+          </a:p>
+        </p:txBody>
+      </p:sp>
+      <p:sp>
+        <p:nvSpPr>
+          <p:cNvPr id="5" name="Slide Number Placeholder 4"/>
+          <p:cNvSpPr>
+            <a:spLocks noGrp="1"/>
+          </p:cNvSpPr>
+          <p:nvPr>
+            <p:ph type="sldNum" sz="quarter" idx="12"/>
+          </p:nvPr>
+        </p:nvSpPr>
+        <p:spPr/>
+        <p:txBody>
+          <a:bodyPr/>
+          <a:lstStyle/>
+          <a:p>
+            <a:fld id="{4CBC7C6D-2764-8E4F-B1AE-9A315E705D2C}" type="slidenum">
+              <a:rPr lang="en-US" smtClean="0"/>
+              <a:t>16</a:t>
+            </a:fld>
+            <a:endParaRPr lang="en-US"/>
+          </a:p>
+        </p:txBody>
+      </p:sp>
+    </p:spTree>
+    <p:extLst>
+      <p:ext uri="{BB962C8B-B14F-4D97-AF65-F5344CB8AC3E}">
+        <p14:creationId xmlns:p14="http://schemas.microsoft.com/office/powerpoint/2010/main" val="2362721504"/>
+      </p:ext>
+    </p:extLst>
+  </p:cSld>
+  <p:clrMapOvr>
+    <a:masterClrMapping/>
+  </p:clrMapOvr>
+</p:sld>
+</file>
+
+<file path=ppt/slides/slide17.xml><?xml version="1.0" encoding="utf-8"?>
+<p:sld xmlns:a="http://schemas.openxmlformats.org/drawingml/2006/main" xmlns:r="http://schemas.openxmlformats.org/officeDocument/2006/relationships" xmlns:p="http://schemas.openxmlformats.org/presentationml/2006/main">
+  <p:cSld>
+    <p:spTree>
+      <p:nvGrpSpPr>
+        <p:cNvPr id="1" name=""/>
+        <p:cNvGrpSpPr/>
+        <p:nvPr/>
+      </p:nvGrpSpPr>
+      <p:grpSpPr>
+        <a:xfrm>
+          <a:off x="0" y="0"/>
+          <a:ext cx="0" cy="0"/>
+          <a:chOff x="0" y="0"/>
+          <a:chExt cx="0" cy="0"/>
+        </a:xfrm>
+      </p:grpSpPr>
+      <p:sp>
+        <p:nvSpPr>
+          <p:cNvPr id="2" name="Title 1"/>
+          <p:cNvSpPr>
+            <a:spLocks noGrp="1"/>
+          </p:cNvSpPr>
+          <p:nvPr>
+            <p:ph type="title"/>
+          </p:nvPr>
+        </p:nvSpPr>
+        <p:spPr/>
+        <p:txBody>
+          <a:bodyPr/>
+          <a:lstStyle/>
+          <a:p>
+            <a:r>
+              <a:rPr lang="en-US" dirty="0" smtClean="0"/>
+              <a:t>Analysis 4</a:t>
+            </a:r>
+            <a:endParaRPr lang="en-US" dirty="0"/>
+          </a:p>
+        </p:txBody>
+      </p:sp>
+      <p:sp>
+        <p:nvSpPr>
+          <p:cNvPr id="3" name="Content Placeholder 2"/>
+          <p:cNvSpPr>
+            <a:spLocks noGrp="1"/>
+          </p:cNvSpPr>
+          <p:nvPr>
+            <p:ph idx="1"/>
+          </p:nvPr>
+        </p:nvSpPr>
+        <p:spPr/>
+        <p:txBody>
+          <a:bodyPr>
+            <a:normAutofit fontScale="70000" lnSpcReduction="20000"/>
+          </a:bodyPr>
+          <a:lstStyle/>
+          <a:p>
+            <a:r>
+              <a:rPr lang="en-US" dirty="0"/>
+              <a:t># generate technical replicates and perform the </a:t>
+            </a:r>
+            <a:r>
+              <a:rPr lang="en-US" dirty="0" err="1"/>
+              <a:t>clr</a:t>
+            </a:r>
+            <a:r>
+              <a:rPr lang="en-US" dirty="0"/>
+              <a:t> transformation</a:t>
+            </a:r>
+          </a:p>
+          <a:p>
+            <a:r>
+              <a:rPr lang="en-US" dirty="0"/>
+              <a:t>x &lt;- </a:t>
+            </a:r>
+            <a:r>
+              <a:rPr lang="en-US" dirty="0" err="1"/>
+              <a:t>aldex.clr</a:t>
+            </a:r>
+            <a:r>
+              <a:rPr lang="en-US" dirty="0"/>
+              <a:t>(d, </a:t>
+            </a:r>
+            <a:r>
+              <a:rPr lang="en-US" dirty="0" err="1"/>
+              <a:t>mc.samples</a:t>
+            </a:r>
+            <a:r>
+              <a:rPr lang="en-US" dirty="0"/>
+              <a:t>=128)</a:t>
+            </a:r>
+          </a:p>
+          <a:p>
+            <a:endParaRPr lang="en-US" dirty="0"/>
+          </a:p>
+          <a:p>
+            <a:r>
+              <a:rPr lang="en-US" dirty="0"/>
+              <a:t># conduct the statistical tests and calculate FDR corrected values</a:t>
+            </a:r>
+          </a:p>
+          <a:p>
+            <a:r>
+              <a:rPr lang="en-US" dirty="0"/>
+              <a:t># data are medians of all </a:t>
+            </a:r>
+            <a:r>
+              <a:rPr lang="en-US" dirty="0" err="1"/>
+              <a:t>Dir</a:t>
+            </a:r>
+            <a:r>
+              <a:rPr lang="en-US" dirty="0"/>
+              <a:t> instances for each OTU</a:t>
+            </a:r>
+          </a:p>
+          <a:p>
+            <a:r>
+              <a:rPr lang="en-US" dirty="0" err="1"/>
+              <a:t>x.t</a:t>
+            </a:r>
+            <a:r>
+              <a:rPr lang="en-US" dirty="0"/>
+              <a:t> &lt;- </a:t>
+            </a:r>
+            <a:r>
+              <a:rPr lang="en-US" dirty="0" err="1"/>
+              <a:t>aldex.ttest</a:t>
+            </a:r>
+            <a:r>
+              <a:rPr lang="en-US" dirty="0"/>
+              <a:t>(x, </a:t>
+            </a:r>
+            <a:r>
+              <a:rPr lang="en-US" dirty="0" err="1"/>
+              <a:t>conds</a:t>
+            </a:r>
+            <a:r>
+              <a:rPr lang="en-US" dirty="0"/>
+              <a:t>)</a:t>
+            </a:r>
+          </a:p>
+          <a:p>
+            <a:endParaRPr lang="en-US" dirty="0"/>
+          </a:p>
+          <a:p>
+            <a:r>
+              <a:rPr lang="en-US" dirty="0"/>
+              <a:t># calculate the effect sizes for plotting</a:t>
+            </a:r>
+          </a:p>
+          <a:p>
+            <a:r>
+              <a:rPr lang="en-US" dirty="0" err="1"/>
+              <a:t>x.e</a:t>
+            </a:r>
+            <a:r>
+              <a:rPr lang="en-US" dirty="0"/>
+              <a:t> &lt;- </a:t>
+            </a:r>
+            <a:r>
+              <a:rPr lang="en-US" dirty="0" err="1"/>
+              <a:t>aldex.effect</a:t>
+            </a:r>
+            <a:r>
+              <a:rPr lang="en-US" dirty="0"/>
+              <a:t>(x, </a:t>
+            </a:r>
+            <a:r>
+              <a:rPr lang="en-US" dirty="0" err="1"/>
+              <a:t>conds</a:t>
+            </a:r>
+            <a:r>
+              <a:rPr lang="en-US" dirty="0"/>
+              <a:t>)</a:t>
+            </a:r>
+          </a:p>
+          <a:p>
+            <a:endParaRPr lang="en-US" dirty="0"/>
+          </a:p>
+          <a:p>
+            <a:r>
+              <a:rPr lang="en-US" dirty="0"/>
+              <a:t># merge into one data frame for plotting and examination</a:t>
+            </a:r>
+          </a:p>
+          <a:p>
+            <a:r>
+              <a:rPr lang="en-US" dirty="0" err="1"/>
+              <a:t>x.all</a:t>
+            </a:r>
+            <a:r>
+              <a:rPr lang="en-US" dirty="0"/>
+              <a:t> &lt;- </a:t>
+            </a:r>
+            <a:r>
+              <a:rPr lang="en-US" dirty="0" err="1"/>
+              <a:t>data.frame</a:t>
+            </a:r>
+            <a:r>
+              <a:rPr lang="en-US" dirty="0"/>
+              <a:t>(</a:t>
+            </a:r>
+            <a:r>
+              <a:rPr lang="en-US" dirty="0" err="1"/>
+              <a:t>x.t</a:t>
+            </a:r>
+            <a:r>
+              <a:rPr lang="en-US" dirty="0"/>
+              <a:t>, </a:t>
+            </a:r>
+            <a:r>
+              <a:rPr lang="en-US" dirty="0" err="1"/>
+              <a:t>x.e</a:t>
+            </a:r>
+            <a:r>
+              <a:rPr lang="en-US" dirty="0" smtClean="0"/>
+              <a:t>)</a:t>
+            </a:r>
+            <a:endParaRPr lang="en-US" dirty="0"/>
+          </a:p>
+        </p:txBody>
+      </p:sp>
+      <p:sp>
+        <p:nvSpPr>
+          <p:cNvPr id="4" name="Footer Placeholder 3"/>
+          <p:cNvSpPr>
+            <a:spLocks noGrp="1"/>
+          </p:cNvSpPr>
+          <p:nvPr>
+            <p:ph type="ftr" sz="quarter" idx="11"/>
+          </p:nvPr>
+        </p:nvSpPr>
+        <p:spPr/>
+        <p:txBody>
+          <a:bodyPr/>
+          <a:lstStyle/>
+          <a:p>
+            <a:r>
+              <a:rPr lang="en-US" smtClean="0"/>
+              <a:t>CSM 2015</a:t>
+            </a:r>
+            <a:endParaRPr lang="en-US"/>
+          </a:p>
+        </p:txBody>
+      </p:sp>
+      <p:sp>
+        <p:nvSpPr>
+          <p:cNvPr id="5" name="Slide Number Placeholder 4"/>
+          <p:cNvSpPr>
+            <a:spLocks noGrp="1"/>
+          </p:cNvSpPr>
+          <p:nvPr>
+            <p:ph type="sldNum" sz="quarter" idx="12"/>
+          </p:nvPr>
+        </p:nvSpPr>
+        <p:spPr/>
+        <p:txBody>
+          <a:bodyPr/>
+          <a:lstStyle/>
+          <a:p>
+            <a:fld id="{4CBC7C6D-2764-8E4F-B1AE-9A315E705D2C}" type="slidenum">
+              <a:rPr lang="en-US" smtClean="0"/>
+              <a:t>17</a:t>
+            </a:fld>
+            <a:endParaRPr lang="en-US"/>
+          </a:p>
+        </p:txBody>
+      </p:sp>
+    </p:spTree>
+    <p:extLst>
+      <p:ext uri="{BB962C8B-B14F-4D97-AF65-F5344CB8AC3E}">
+        <p14:creationId xmlns:p14="http://schemas.microsoft.com/office/powerpoint/2010/main" val="2230927755"/>
+      </p:ext>
+    </p:extLst>
+  </p:cSld>
+  <p:clrMapOvr>
+    <a:masterClrMapping/>
+  </p:clrMapOvr>
+</p:sld>
+</file>
+
+<file path=ppt/slides/slide18.xml><?xml version="1.0" encoding="utf-8"?>
+<p:sld xmlns:a="http://schemas.openxmlformats.org/drawingml/2006/main" xmlns:r="http://schemas.openxmlformats.org/officeDocument/2006/relationships" xmlns:p="http://schemas.openxmlformats.org/presentationml/2006/main">
+  <p:cSld>
+    <p:spTree>
+      <p:nvGrpSpPr>
+        <p:cNvPr id="1" name=""/>
+        <p:cNvGrpSpPr/>
+        <p:nvPr/>
+      </p:nvGrpSpPr>
+      <p:grpSpPr>
+        <a:xfrm>
+          <a:off x="0" y="0"/>
+          <a:ext cx="0" cy="0"/>
+          <a:chOff x="0" y="0"/>
+          <a:chExt cx="0" cy="0"/>
+        </a:xfrm>
+      </p:grpSpPr>
+      <p:sp>
+        <p:nvSpPr>
+          <p:cNvPr id="2" name="Title 1"/>
+          <p:cNvSpPr>
+            <a:spLocks noGrp="1"/>
+          </p:cNvSpPr>
+          <p:nvPr>
+            <p:ph type="title"/>
+          </p:nvPr>
+        </p:nvSpPr>
+        <p:spPr/>
+        <p:txBody>
+          <a:bodyPr/>
+          <a:lstStyle/>
+          <a:p>
+            <a:r>
+              <a:rPr lang="en-US" dirty="0" smtClean="0"/>
+              <a:t>Analysis 5</a:t>
+            </a:r>
+            <a:endParaRPr lang="en-US" dirty="0"/>
+          </a:p>
+        </p:txBody>
+      </p:sp>
+      <p:sp>
+        <p:nvSpPr>
+          <p:cNvPr id="3" name="Content Placeholder 2"/>
+          <p:cNvSpPr>
+            <a:spLocks noGrp="1"/>
+          </p:cNvSpPr>
+          <p:nvPr>
+            <p:ph idx="1"/>
+          </p:nvPr>
+        </p:nvSpPr>
+        <p:spPr/>
+        <p:txBody>
+          <a:bodyPr>
+            <a:normAutofit/>
+          </a:bodyPr>
+          <a:lstStyle/>
+          <a:p>
+            <a:r>
+              <a:rPr lang="en-US" dirty="0" err="1"/>
+              <a:t>aldex.plot</a:t>
+            </a:r>
+            <a:r>
+              <a:rPr lang="en-US" dirty="0"/>
+              <a:t>(</a:t>
+            </a:r>
+            <a:r>
+              <a:rPr lang="en-US" dirty="0" err="1"/>
+              <a:t>x.all</a:t>
+            </a:r>
+            <a:r>
+              <a:rPr lang="en-US" dirty="0"/>
+              <a:t>)</a:t>
+            </a:r>
+          </a:p>
+        </p:txBody>
+      </p:sp>
+      <p:sp>
+        <p:nvSpPr>
+          <p:cNvPr id="4" name="Footer Placeholder 3"/>
+          <p:cNvSpPr>
+            <a:spLocks noGrp="1"/>
+          </p:cNvSpPr>
+          <p:nvPr>
+            <p:ph type="ftr" sz="quarter" idx="11"/>
+          </p:nvPr>
+        </p:nvSpPr>
+        <p:spPr/>
+        <p:txBody>
+          <a:bodyPr/>
+          <a:lstStyle/>
+          <a:p>
+            <a:r>
+              <a:rPr lang="en-US" smtClean="0"/>
+              <a:t>CSM 2015</a:t>
+            </a:r>
+            <a:endParaRPr lang="en-US"/>
+          </a:p>
+        </p:txBody>
+      </p:sp>
+      <p:sp>
+        <p:nvSpPr>
+          <p:cNvPr id="5" name="Slide Number Placeholder 4"/>
+          <p:cNvSpPr>
+            <a:spLocks noGrp="1"/>
+          </p:cNvSpPr>
+          <p:nvPr>
+            <p:ph type="sldNum" sz="quarter" idx="12"/>
+          </p:nvPr>
+        </p:nvSpPr>
+        <p:spPr/>
+        <p:txBody>
+          <a:bodyPr/>
+          <a:lstStyle/>
+          <a:p>
+            <a:fld id="{4CBC7C6D-2764-8E4F-B1AE-9A315E705D2C}" type="slidenum">
+              <a:rPr lang="en-US" smtClean="0"/>
+              <a:t>18</a:t>
+            </a:fld>
+            <a:endParaRPr lang="en-US"/>
+          </a:p>
+        </p:txBody>
+      </p:sp>
+    </p:spTree>
+    <p:extLst>
+      <p:ext uri="{BB962C8B-B14F-4D97-AF65-F5344CB8AC3E}">
+        <p14:creationId xmlns:p14="http://schemas.microsoft.com/office/powerpoint/2010/main" val="4010367261"/>
+      </p:ext>
+    </p:extLst>
+  </p:cSld>
+  <p:clrMapOvr>
+    <a:masterClrMapping/>
+  </p:clrMapOvr>
+</p:sld>
+</file>
+
+<file path=ppt/slides/slide19.xml><?xml version="1.0" encoding="utf-8"?>
+<p:sld xmlns:a="http://schemas.openxmlformats.org/drawingml/2006/main" xmlns:r="http://schemas.openxmlformats.org/officeDocument/2006/relationships" xmlns:p="http://schemas.openxmlformats.org/presentationml/2006/main">
+  <p:cSld>
+    <p:spTree>
+      <p:nvGrpSpPr>
+        <p:cNvPr id="1" name=""/>
+        <p:cNvGrpSpPr/>
+        <p:nvPr/>
+      </p:nvGrpSpPr>
+      <p:grpSpPr>
+        <a:xfrm>
+          <a:off x="0" y="0"/>
+          <a:ext cx="0" cy="0"/>
+          <a:chOff x="0" y="0"/>
+          <a:chExt cx="0" cy="0"/>
+        </a:xfrm>
+      </p:grpSpPr>
+      <p:sp>
+        <p:nvSpPr>
+          <p:cNvPr id="2" name="Title 1"/>
+          <p:cNvSpPr>
+            <a:spLocks noGrp="1"/>
+          </p:cNvSpPr>
+          <p:nvPr>
+            <p:ph type="title"/>
+          </p:nvPr>
+        </p:nvSpPr>
+        <p:spPr/>
+        <p:txBody>
+          <a:bodyPr/>
+          <a:lstStyle/>
+          <a:p>
+            <a:r>
+              <a:rPr lang="en-US" dirty="0" smtClean="0"/>
+              <a:t>Analysis 5</a:t>
+            </a:r>
+            <a:endParaRPr lang="en-US" dirty="0"/>
+          </a:p>
+        </p:txBody>
+      </p:sp>
+      <p:sp>
+        <p:nvSpPr>
+          <p:cNvPr id="3" name="Content Placeholder 2"/>
+          <p:cNvSpPr>
+            <a:spLocks noGrp="1"/>
+          </p:cNvSpPr>
+          <p:nvPr>
+            <p:ph idx="1"/>
+          </p:nvPr>
+        </p:nvSpPr>
+        <p:spPr/>
+        <p:txBody>
+          <a:bodyPr>
+            <a:normAutofit fontScale="40000" lnSpcReduction="20000"/>
+          </a:bodyPr>
+          <a:lstStyle/>
+          <a:p>
+            <a:r>
+              <a:rPr lang="en-US" dirty="0"/>
+              <a:t># </a:t>
+            </a:r>
+            <a:r>
+              <a:rPr lang="en-US" dirty="0" err="1"/>
+              <a:t>x.all</a:t>
+            </a:r>
+            <a:r>
+              <a:rPr lang="en-US" dirty="0"/>
+              <a:t>["837",]</a:t>
+            </a:r>
+          </a:p>
+          <a:p>
+            <a:r>
+              <a:rPr lang="en-US" dirty="0"/>
+              <a:t>#         </a:t>
+            </a:r>
+            <a:r>
+              <a:rPr lang="en-US" dirty="0" err="1"/>
+              <a:t>we.ep</a:t>
+            </a:r>
+            <a:r>
+              <a:rPr lang="en-US" dirty="0"/>
+              <a:t>   </a:t>
+            </a:r>
+            <a:r>
+              <a:rPr lang="en-US" dirty="0" err="1"/>
+              <a:t>we.eBH</a:t>
+            </a:r>
+            <a:r>
+              <a:rPr lang="en-US" dirty="0"/>
+              <a:t>     </a:t>
+            </a:r>
+            <a:r>
+              <a:rPr lang="en-US" dirty="0" err="1"/>
+              <a:t>wi.ep</a:t>
+            </a:r>
+            <a:r>
+              <a:rPr lang="en-US" dirty="0"/>
+              <a:t>    </a:t>
+            </a:r>
+            <a:r>
+              <a:rPr lang="en-US" dirty="0" err="1"/>
+              <a:t>wi.eBH</a:t>
+            </a:r>
+            <a:r>
+              <a:rPr lang="en-US" dirty="0"/>
+              <a:t>   </a:t>
+            </a:r>
+            <a:r>
+              <a:rPr lang="en-US" dirty="0" err="1"/>
+              <a:t>rab.all</a:t>
+            </a:r>
+            <a:r>
+              <a:rPr lang="en-US" dirty="0"/>
+              <a:t> </a:t>
+            </a:r>
+            <a:r>
+              <a:rPr lang="en-US" dirty="0" err="1"/>
+              <a:t>rab.win.Bf</a:t>
+            </a:r>
+            <a:r>
+              <a:rPr lang="en-US" dirty="0"/>
+              <a:t> </a:t>
+            </a:r>
+            <a:r>
+              <a:rPr lang="en-US" dirty="0" err="1"/>
+              <a:t>rab.win.C</a:t>
+            </a:r>
+            <a:endParaRPr lang="en-US" dirty="0"/>
+          </a:p>
+          <a:p>
+            <a:r>
+              <a:rPr lang="en-US" dirty="0"/>
+              <a:t># 837 0.2413492 0.868727 0.2079292 0.8175367 0.1999454 -0.7850205   1.13357</a:t>
+            </a:r>
+          </a:p>
+          <a:p>
+            <a:r>
+              <a:rPr lang="en-US" dirty="0"/>
+              <a:t>#     </a:t>
+            </a:r>
+            <a:r>
+              <a:rPr lang="en-US" dirty="0" err="1"/>
+              <a:t>diff.btw</a:t>
+            </a:r>
+            <a:r>
+              <a:rPr lang="en-US" dirty="0"/>
+              <a:t> </a:t>
+            </a:r>
+            <a:r>
+              <a:rPr lang="en-US" dirty="0" err="1"/>
+              <a:t>diff.win</a:t>
+            </a:r>
+            <a:r>
+              <a:rPr lang="en-US" dirty="0"/>
+              <a:t>    effect   overlap</a:t>
+            </a:r>
+          </a:p>
+          <a:p>
+            <a:r>
+              <a:rPr lang="en-US" dirty="0"/>
+              <a:t># 837 1.783828 3.631399 0.4353015 0.2843751</a:t>
+            </a:r>
+          </a:p>
+          <a:p>
+            <a:r>
+              <a:rPr lang="en-US" dirty="0"/>
+              <a:t># </a:t>
+            </a:r>
+          </a:p>
+          <a:p>
+            <a:r>
+              <a:rPr lang="en-US" dirty="0"/>
+              <a:t># </a:t>
+            </a:r>
+            <a:r>
+              <a:rPr lang="en-US" dirty="0" err="1"/>
+              <a:t>we.ep</a:t>
+            </a:r>
+            <a:r>
+              <a:rPr lang="en-US" dirty="0"/>
+              <a:t> - expected P value from a Welch's t-test  </a:t>
+            </a:r>
+          </a:p>
+          <a:p>
+            <a:r>
+              <a:rPr lang="en-US" dirty="0"/>
+              <a:t># </a:t>
+            </a:r>
+            <a:r>
+              <a:rPr lang="en-US" dirty="0" err="1"/>
+              <a:t>we.eBH</a:t>
+            </a:r>
+            <a:r>
+              <a:rPr lang="en-US" dirty="0"/>
+              <a:t> - expected </a:t>
+            </a:r>
+            <a:r>
+              <a:rPr lang="en-US" dirty="0" err="1"/>
+              <a:t>Benjamini</a:t>
+            </a:r>
+            <a:r>
+              <a:rPr lang="en-US" dirty="0"/>
+              <a:t>-Hochberg corrected P value</a:t>
+            </a:r>
+          </a:p>
+          <a:p>
+            <a:r>
+              <a:rPr lang="en-US" dirty="0"/>
+              <a:t># </a:t>
+            </a:r>
+            <a:r>
+              <a:rPr lang="en-US" dirty="0" err="1"/>
+              <a:t>wi.ep</a:t>
+            </a:r>
+            <a:r>
+              <a:rPr lang="en-US" dirty="0"/>
+              <a:t>, </a:t>
+            </a:r>
+            <a:r>
+              <a:rPr lang="en-US" dirty="0" err="1"/>
+              <a:t>wi.eBH</a:t>
+            </a:r>
+            <a:r>
+              <a:rPr lang="en-US" dirty="0"/>
+              <a:t> - same but using Wilcoxon rank test</a:t>
+            </a:r>
+          </a:p>
+          <a:p>
+            <a:r>
+              <a:rPr lang="en-US" dirty="0"/>
+              <a:t># </a:t>
+            </a:r>
+          </a:p>
+          <a:p>
+            <a:r>
+              <a:rPr lang="en-US" dirty="0"/>
+              <a:t># </a:t>
+            </a:r>
+            <a:r>
+              <a:rPr lang="en-US" dirty="0" err="1"/>
+              <a:t>rab.all</a:t>
+            </a:r>
+            <a:r>
+              <a:rPr lang="en-US" dirty="0"/>
+              <a:t>, </a:t>
+            </a:r>
+            <a:r>
+              <a:rPr lang="en-US" dirty="0" err="1"/>
+              <a:t>rab.win.Bf</a:t>
+            </a:r>
+            <a:r>
+              <a:rPr lang="en-US" dirty="0"/>
+              <a:t>, </a:t>
+            </a:r>
+            <a:r>
+              <a:rPr lang="en-US" dirty="0" err="1"/>
+              <a:t>rab.win.C</a:t>
+            </a:r>
+            <a:endParaRPr lang="en-US" dirty="0"/>
+          </a:p>
+          <a:p>
+            <a:r>
+              <a:rPr lang="en-US" dirty="0"/>
+              <a:t># log-ratio abundances relative to the geometric median abundance across all samples, </a:t>
+            </a:r>
+          </a:p>
+          <a:p>
+            <a:r>
+              <a:rPr lang="en-US" dirty="0"/>
+              <a:t># within the Bf samples and within the C samples (see </a:t>
+            </a:r>
+            <a:r>
+              <a:rPr lang="en-US" dirty="0" err="1"/>
+              <a:t>conds</a:t>
+            </a:r>
+            <a:r>
+              <a:rPr lang="en-US" dirty="0"/>
+              <a:t>). These are log2 based ratios</a:t>
+            </a:r>
+          </a:p>
+          <a:p>
+            <a:r>
+              <a:rPr lang="en-US" dirty="0"/>
+              <a:t># so a value of -1 is 2-fold less abundant than the median, a value of 2 is 4-fold more</a:t>
+            </a:r>
+          </a:p>
+          <a:p>
+            <a:r>
+              <a:rPr lang="en-US" dirty="0"/>
+              <a:t># abundant than the median, and a value of 0 is equal to the median abundance </a:t>
+            </a:r>
+          </a:p>
+          <a:p>
+            <a:r>
+              <a:rPr lang="en-US" dirty="0"/>
+              <a:t># </a:t>
+            </a:r>
+          </a:p>
+          <a:p>
+            <a:r>
+              <a:rPr lang="en-US" dirty="0"/>
+              <a:t># </a:t>
+            </a:r>
+            <a:r>
+              <a:rPr lang="en-US" dirty="0" err="1"/>
+              <a:t>diff.btw</a:t>
+            </a:r>
+            <a:r>
+              <a:rPr lang="en-US" dirty="0"/>
+              <a:t> - the difference between the Bf and C values obtained by vector subtraction</a:t>
+            </a:r>
+          </a:p>
+          <a:p>
+            <a:r>
+              <a:rPr lang="en-US" dirty="0"/>
+              <a:t># </a:t>
+            </a:r>
+            <a:r>
+              <a:rPr lang="en-US" dirty="0" err="1"/>
+              <a:t>diff.win</a:t>
+            </a:r>
+            <a:r>
+              <a:rPr lang="en-US" dirty="0"/>
+              <a:t> - the maximum mean absolute difference within the Bf or C group</a:t>
+            </a:r>
+          </a:p>
+          <a:p>
+            <a:r>
+              <a:rPr lang="en-US" dirty="0"/>
+              <a:t># </a:t>
+            </a:r>
+          </a:p>
+          <a:p>
+            <a:r>
+              <a:rPr lang="en-US" dirty="0"/>
+              <a:t># effect - the ratio of the btw/win differences</a:t>
+            </a:r>
+          </a:p>
+          <a:p>
+            <a:r>
+              <a:rPr lang="en-US" dirty="0"/>
+              <a:t># </a:t>
+            </a:r>
+          </a:p>
+          <a:p>
+            <a:r>
+              <a:rPr lang="en-US" dirty="0"/>
+              <a:t># overlap - the proportion of the time that the Bf and C distributions overlap in the 128 instances</a:t>
+            </a:r>
+          </a:p>
+        </p:txBody>
+      </p:sp>
+      <p:sp>
+        <p:nvSpPr>
+          <p:cNvPr id="4" name="Footer Placeholder 3"/>
+          <p:cNvSpPr>
+            <a:spLocks noGrp="1"/>
+          </p:cNvSpPr>
+          <p:nvPr>
+            <p:ph type="ftr" sz="quarter" idx="11"/>
+          </p:nvPr>
+        </p:nvSpPr>
+        <p:spPr/>
+        <p:txBody>
+          <a:bodyPr/>
+          <a:lstStyle/>
+          <a:p>
+            <a:r>
+              <a:rPr lang="en-US" smtClean="0"/>
+              <a:t>CSM 2015</a:t>
+            </a:r>
+            <a:endParaRPr lang="en-US"/>
+          </a:p>
+        </p:txBody>
+      </p:sp>
+      <p:sp>
+        <p:nvSpPr>
+          <p:cNvPr id="5" name="Slide Number Placeholder 4"/>
+          <p:cNvSpPr>
+            <a:spLocks noGrp="1"/>
+          </p:cNvSpPr>
+          <p:nvPr>
+            <p:ph type="sldNum" sz="quarter" idx="12"/>
+          </p:nvPr>
+        </p:nvSpPr>
+        <p:spPr/>
+        <p:txBody>
+          <a:bodyPr/>
+          <a:lstStyle/>
+          <a:p>
+            <a:fld id="{4CBC7C6D-2764-8E4F-B1AE-9A315E705D2C}" type="slidenum">
+              <a:rPr lang="en-US" smtClean="0"/>
+              <a:t>19</a:t>
+            </a:fld>
+            <a:endParaRPr lang="en-US"/>
+          </a:p>
+        </p:txBody>
+      </p:sp>
+      <p:sp>
+        <p:nvSpPr>
+          <p:cNvPr id="6" name="TextBox 5"/>
+          <p:cNvSpPr txBox="1"/>
+          <p:nvPr/>
+        </p:nvSpPr>
+        <p:spPr>
+          <a:xfrm>
+            <a:off x="5782621" y="924674"/>
+            <a:ext cx="184666" cy="369332"/>
+          </a:xfrm>
+          <a:prstGeom prst="rect">
+            <a:avLst/>
+          </a:prstGeom>
+          <a:noFill/>
+        </p:spPr>
+        <p:txBody>
+          <a:bodyPr wrap="none" rtlCol="0">
+            <a:spAutoFit/>
+          </a:bodyPr>
+          <a:lstStyle/>
+          <a:p>
+            <a:endParaRPr lang="en-US" dirty="0"/>
+          </a:p>
+        </p:txBody>
+      </p:sp>
+    </p:spTree>
+    <p:extLst>
+      <p:ext uri="{BB962C8B-B14F-4D97-AF65-F5344CB8AC3E}">
+        <p14:creationId xmlns:p14="http://schemas.microsoft.com/office/powerpoint/2010/main" val="743874791"/>
       </p:ext>
     </p:extLst>
   </p:cSld>
@@ -6478,6 +7951,13 @@
   <p:clrMapOvr>
     <a:masterClrMapping/>
   </p:clrMapOvr>
+  <p:timing>
+    <p:tnLst>
+      <p:par>
+        <p:cTn xmlns:p14="http://schemas.microsoft.com/office/powerpoint/2010/main" id="1" dur="indefinite" restart="never" nodeType="tmRoot"/>
+      </p:par>
+    </p:tnLst>
+  </p:timing>
 </p:sld>
 </file>
 
@@ -8509,7 +9989,7 @@
         <p:spPr>
           <a:xfrm>
             <a:off x="6450583" y="4042200"/>
-            <a:ext cx="2511288" cy="1200329"/>
+            <a:ext cx="2511288" cy="2492990"/>
           </a:xfrm>
           <a:prstGeom prst="rect">
             <a:avLst/>
@@ -8541,6 +10021,89 @@
             <a:r>
               <a:rPr lang="en-US" dirty="0" smtClean="0"/>
               <a:t> reconstitutes the shape with estimation error </a:t>
+            </a:r>
+            <a:endParaRPr lang="en-US" dirty="0" smtClean="0"/>
+          </a:p>
+          <a:p>
+            <a:endParaRPr lang="en-US" sz="1400" dirty="0"/>
+          </a:p>
+          <a:p>
+            <a:r>
+              <a:rPr lang="en-US" sz="1400" dirty="0" err="1" smtClean="0"/>
+              <a:t>clr</a:t>
+            </a:r>
+            <a:r>
+              <a:rPr lang="en-US" sz="1400" dirty="0" smtClean="0"/>
+              <a:t>(x) = log2(x</a:t>
+            </a:r>
+            <a:r>
+              <a:rPr lang="en-US" sz="1400" baseline="-25000" dirty="0" smtClean="0"/>
+              <a:t>1</a:t>
+            </a:r>
+            <a:r>
+              <a:rPr lang="en-US" sz="1400" dirty="0" smtClean="0"/>
+              <a:t>/</a:t>
+            </a:r>
+            <a:r>
+              <a:rPr lang="en-US" sz="1400" dirty="0" err="1" smtClean="0"/>
+              <a:t>gx</a:t>
+            </a:r>
+            <a:r>
+              <a:rPr lang="en-US" sz="1400" dirty="0" smtClean="0"/>
+              <a:t>), log2(x</a:t>
+            </a:r>
+            <a:r>
+              <a:rPr lang="en-US" sz="1400" baseline="-25000" dirty="0" smtClean="0"/>
+              <a:t>2</a:t>
+            </a:r>
+            <a:r>
+              <a:rPr lang="en-US" sz="1400" dirty="0" smtClean="0"/>
+              <a:t>/</a:t>
+            </a:r>
+            <a:r>
+              <a:rPr lang="en-US" sz="1400" dirty="0" err="1" smtClean="0"/>
+              <a:t>gx</a:t>
+            </a:r>
+            <a:r>
+              <a:rPr lang="en-US" sz="1400" dirty="0" smtClean="0"/>
+              <a:t>) … log2(</a:t>
+            </a:r>
+            <a:r>
+              <a:rPr lang="en-US" sz="1400" dirty="0" err="1" smtClean="0"/>
+              <a:t>x</a:t>
+            </a:r>
+            <a:r>
+              <a:rPr lang="en-US" sz="1400" baseline="-25000" dirty="0" err="1" smtClean="0"/>
+              <a:t>n</a:t>
+            </a:r>
+            <a:r>
+              <a:rPr lang="en-US" sz="1400" dirty="0" smtClean="0"/>
+              <a:t>/</a:t>
+            </a:r>
+            <a:r>
+              <a:rPr lang="en-US" sz="1400" dirty="0" err="1" smtClean="0"/>
+              <a:t>gx</a:t>
+            </a:r>
+            <a:r>
+              <a:rPr lang="en-US" sz="1400" smtClean="0"/>
+              <a:t>)]</a:t>
+            </a:r>
+          </a:p>
+          <a:p>
+            <a:endParaRPr lang="en-US" sz="1400" dirty="0" smtClean="0"/>
+          </a:p>
+          <a:p>
+            <a:r>
+              <a:rPr lang="en-US" sz="1400" dirty="0" smtClean="0"/>
+              <a:t>Where </a:t>
+            </a:r>
+            <a:r>
+              <a:rPr lang="en-US" sz="1400" dirty="0" err="1" smtClean="0"/>
+              <a:t>gx</a:t>
+            </a:r>
+            <a:r>
+              <a:rPr lang="en-US" sz="1400" dirty="0" smtClean="0"/>
+              <a:t> is the geometric mean of vector x</a:t>
             </a:r>
             <a:endParaRPr lang="en-US" sz="1400" dirty="0" smtClean="0"/>
           </a:p>
